--- a/lecture_04/03__04_SQL_функции_и_соединения.pptx
+++ b/lecture_04/03__04_SQL_функции_и_соединения.pptx
@@ -172,7 +172,7 @@
   </p:defaultTextStyle>
   <p:extLst>
     <p:ext uri="{EFAFB233-063F-42B5-8137-9DF3F51BA10A}">
-      <p15:sldGuideLst xmlns="" xmlns:p15="http://schemas.microsoft.com/office/powerpoint/2012/main"/>
+      <p15:sldGuideLst xmlns:p15="http://schemas.microsoft.com/office/powerpoint/2012/main" xmlns=""/>
     </p:ext>
   </p:extLst>
 </p:presentation>
@@ -310,7 +310,7 @@
             <a:fld id="{7B89A852-A675-45C4-9442-78DD9AA48757}" type="datetimeFigureOut">
               <a:rPr lang="ru-RU" smtClean="0"/>
               <a:pPr/>
-              <a:t>03.09.2025</a:t>
+              <a:t>04.09.2025</a:t>
             </a:fld>
             <a:endParaRPr lang="ru-RU"/>
           </a:p>
@@ -362,7 +362,7 @@
     </p:spTree>
     <p:extLst>
       <p:ext uri="{BB962C8B-B14F-4D97-AF65-F5344CB8AC3E}">
-        <p14:creationId xmlns="" xmlns:p14="http://schemas.microsoft.com/office/powerpoint/2010/main" val="1929484133"/>
+        <p14:creationId xmlns:p14="http://schemas.microsoft.com/office/powerpoint/2010/main" xmlns="" val="1929484133"/>
       </p:ext>
     </p:extLst>
   </p:cSld>
@@ -482,7 +482,7 @@
             <a:fld id="{7B89A852-A675-45C4-9442-78DD9AA48757}" type="datetimeFigureOut">
               <a:rPr lang="ru-RU" smtClean="0"/>
               <a:pPr/>
-              <a:t>03.09.2025</a:t>
+              <a:t>04.09.2025</a:t>
             </a:fld>
             <a:endParaRPr lang="ru-RU"/>
           </a:p>
@@ -534,7 +534,7 @@
     </p:spTree>
     <p:extLst>
       <p:ext uri="{BB962C8B-B14F-4D97-AF65-F5344CB8AC3E}">
-        <p14:creationId xmlns="" xmlns:p14="http://schemas.microsoft.com/office/powerpoint/2010/main" val="3256655669"/>
+        <p14:creationId xmlns:p14="http://schemas.microsoft.com/office/powerpoint/2010/main" xmlns="" val="3256655669"/>
       </p:ext>
     </p:extLst>
   </p:cSld>
@@ -664,7 +664,7 @@
             <a:fld id="{7B89A852-A675-45C4-9442-78DD9AA48757}" type="datetimeFigureOut">
               <a:rPr lang="ru-RU" smtClean="0"/>
               <a:pPr/>
-              <a:t>03.09.2025</a:t>
+              <a:t>04.09.2025</a:t>
             </a:fld>
             <a:endParaRPr lang="ru-RU"/>
           </a:p>
@@ -716,7 +716,7 @@
     </p:spTree>
     <p:extLst>
       <p:ext uri="{BB962C8B-B14F-4D97-AF65-F5344CB8AC3E}">
-        <p14:creationId xmlns="" xmlns:p14="http://schemas.microsoft.com/office/powerpoint/2010/main" val="622854186"/>
+        <p14:creationId xmlns:p14="http://schemas.microsoft.com/office/powerpoint/2010/main" xmlns="" val="622854186"/>
       </p:ext>
     </p:extLst>
   </p:cSld>
@@ -836,7 +836,7 @@
             <a:fld id="{7B89A852-A675-45C4-9442-78DD9AA48757}" type="datetimeFigureOut">
               <a:rPr lang="ru-RU" smtClean="0"/>
               <a:pPr/>
-              <a:t>03.09.2025</a:t>
+              <a:t>04.09.2025</a:t>
             </a:fld>
             <a:endParaRPr lang="ru-RU"/>
           </a:p>
@@ -888,7 +888,7 @@
     </p:spTree>
     <p:extLst>
       <p:ext uri="{BB962C8B-B14F-4D97-AF65-F5344CB8AC3E}">
-        <p14:creationId xmlns="" xmlns:p14="http://schemas.microsoft.com/office/powerpoint/2010/main" val="141060206"/>
+        <p14:creationId xmlns:p14="http://schemas.microsoft.com/office/powerpoint/2010/main" xmlns="" val="141060206"/>
       </p:ext>
     </p:extLst>
   </p:cSld>
@@ -1082,7 +1082,7 @@
             <a:fld id="{7B89A852-A675-45C4-9442-78DD9AA48757}" type="datetimeFigureOut">
               <a:rPr lang="ru-RU" smtClean="0"/>
               <a:pPr/>
-              <a:t>03.09.2025</a:t>
+              <a:t>04.09.2025</a:t>
             </a:fld>
             <a:endParaRPr lang="ru-RU"/>
           </a:p>
@@ -1134,7 +1134,7 @@
     </p:spTree>
     <p:extLst>
       <p:ext uri="{BB962C8B-B14F-4D97-AF65-F5344CB8AC3E}">
-        <p14:creationId xmlns="" xmlns:p14="http://schemas.microsoft.com/office/powerpoint/2010/main" val="1851128290"/>
+        <p14:creationId xmlns:p14="http://schemas.microsoft.com/office/powerpoint/2010/main" xmlns="" val="1851128290"/>
       </p:ext>
     </p:extLst>
   </p:cSld>
@@ -1316,7 +1316,7 @@
             <a:fld id="{7B89A852-A675-45C4-9442-78DD9AA48757}" type="datetimeFigureOut">
               <a:rPr lang="ru-RU" smtClean="0"/>
               <a:pPr/>
-              <a:t>03.09.2025</a:t>
+              <a:t>04.09.2025</a:t>
             </a:fld>
             <a:endParaRPr lang="ru-RU"/>
           </a:p>
@@ -1368,7 +1368,7 @@
     </p:spTree>
     <p:extLst>
       <p:ext uri="{BB962C8B-B14F-4D97-AF65-F5344CB8AC3E}">
-        <p14:creationId xmlns="" xmlns:p14="http://schemas.microsoft.com/office/powerpoint/2010/main" val="3005582241"/>
+        <p14:creationId xmlns:p14="http://schemas.microsoft.com/office/powerpoint/2010/main" xmlns="" val="3005582241"/>
       </p:ext>
     </p:extLst>
   </p:cSld>
@@ -1685,7 +1685,7 @@
             <a:fld id="{7B89A852-A675-45C4-9442-78DD9AA48757}" type="datetimeFigureOut">
               <a:rPr lang="ru-RU" smtClean="0"/>
               <a:pPr/>
-              <a:t>03.09.2025</a:t>
+              <a:t>04.09.2025</a:t>
             </a:fld>
             <a:endParaRPr lang="ru-RU"/>
           </a:p>
@@ -1737,7 +1737,7 @@
     </p:spTree>
     <p:extLst>
       <p:ext uri="{BB962C8B-B14F-4D97-AF65-F5344CB8AC3E}">
-        <p14:creationId xmlns="" xmlns:p14="http://schemas.microsoft.com/office/powerpoint/2010/main" val="2150284094"/>
+        <p14:creationId xmlns:p14="http://schemas.microsoft.com/office/powerpoint/2010/main" xmlns="" val="2150284094"/>
       </p:ext>
     </p:extLst>
   </p:cSld>
@@ -1805,7 +1805,7 @@
             <a:fld id="{7B89A852-A675-45C4-9442-78DD9AA48757}" type="datetimeFigureOut">
               <a:rPr lang="ru-RU" smtClean="0"/>
               <a:pPr/>
-              <a:t>03.09.2025</a:t>
+              <a:t>04.09.2025</a:t>
             </a:fld>
             <a:endParaRPr lang="ru-RU"/>
           </a:p>
@@ -1857,7 +1857,7 @@
     </p:spTree>
     <p:extLst>
       <p:ext uri="{BB962C8B-B14F-4D97-AF65-F5344CB8AC3E}">
-        <p14:creationId xmlns="" xmlns:p14="http://schemas.microsoft.com/office/powerpoint/2010/main" val="4245869252"/>
+        <p14:creationId xmlns:p14="http://schemas.microsoft.com/office/powerpoint/2010/main" xmlns="" val="4245869252"/>
       </p:ext>
     </p:extLst>
   </p:cSld>
@@ -1902,7 +1902,7 @@
             <a:fld id="{7B89A852-A675-45C4-9442-78DD9AA48757}" type="datetimeFigureOut">
               <a:rPr lang="ru-RU" smtClean="0"/>
               <a:pPr/>
-              <a:t>03.09.2025</a:t>
+              <a:t>04.09.2025</a:t>
             </a:fld>
             <a:endParaRPr lang="ru-RU"/>
           </a:p>
@@ -1954,7 +1954,7 @@
     </p:spTree>
     <p:extLst>
       <p:ext uri="{BB962C8B-B14F-4D97-AF65-F5344CB8AC3E}">
-        <p14:creationId xmlns="" xmlns:p14="http://schemas.microsoft.com/office/powerpoint/2010/main" val="2895858071"/>
+        <p14:creationId xmlns:p14="http://schemas.microsoft.com/office/powerpoint/2010/main" xmlns="" val="2895858071"/>
       </p:ext>
     </p:extLst>
   </p:cSld>
@@ -2181,7 +2181,7 @@
             <a:fld id="{7B89A852-A675-45C4-9442-78DD9AA48757}" type="datetimeFigureOut">
               <a:rPr lang="ru-RU" smtClean="0"/>
               <a:pPr/>
-              <a:t>03.09.2025</a:t>
+              <a:t>04.09.2025</a:t>
             </a:fld>
             <a:endParaRPr lang="ru-RU"/>
           </a:p>
@@ -2233,7 +2233,7 @@
     </p:spTree>
     <p:extLst>
       <p:ext uri="{BB962C8B-B14F-4D97-AF65-F5344CB8AC3E}">
-        <p14:creationId xmlns="" xmlns:p14="http://schemas.microsoft.com/office/powerpoint/2010/main" val="2686080671"/>
+        <p14:creationId xmlns:p14="http://schemas.microsoft.com/office/powerpoint/2010/main" xmlns="" val="2686080671"/>
       </p:ext>
     </p:extLst>
   </p:cSld>
@@ -2440,7 +2440,7 @@
             <a:fld id="{7B89A852-A675-45C4-9442-78DD9AA48757}" type="datetimeFigureOut">
               <a:rPr lang="ru-RU" smtClean="0"/>
               <a:pPr/>
-              <a:t>03.09.2025</a:t>
+              <a:t>04.09.2025</a:t>
             </a:fld>
             <a:endParaRPr lang="ru-RU"/>
           </a:p>
@@ -2492,7 +2492,7 @@
     </p:spTree>
     <p:extLst>
       <p:ext uri="{BB962C8B-B14F-4D97-AF65-F5344CB8AC3E}">
-        <p14:creationId xmlns="" xmlns:p14="http://schemas.microsoft.com/office/powerpoint/2010/main" val="3587795445"/>
+        <p14:creationId xmlns:p14="http://schemas.microsoft.com/office/powerpoint/2010/main" xmlns="" val="3587795445"/>
       </p:ext>
     </p:extLst>
   </p:cSld>
@@ -2655,7 +2655,7 @@
             <a:fld id="{7B89A852-A675-45C4-9442-78DD9AA48757}" type="datetimeFigureOut">
               <a:rPr lang="ru-RU" smtClean="0"/>
               <a:pPr/>
-              <a:t>03.09.2025</a:t>
+              <a:t>04.09.2025</a:t>
             </a:fld>
             <a:endParaRPr lang="ru-RU"/>
           </a:p>
@@ -2743,7 +2743,7 @@
     </p:spTree>
     <p:extLst>
       <p:ext uri="{BB962C8B-B14F-4D97-AF65-F5344CB8AC3E}">
-        <p14:creationId xmlns="" xmlns:p14="http://schemas.microsoft.com/office/powerpoint/2010/main" val="1582489062"/>
+        <p14:creationId xmlns:p14="http://schemas.microsoft.com/office/powerpoint/2010/main" xmlns="" val="1582489062"/>
       </p:ext>
     </p:extLst>
   </p:cSld>
@@ -3066,7 +3066,7 @@
           <p:cNvPr id="2" name="Title 1">
             <a:extLst>
               <a:ext uri="{FF2B5EF4-FFF2-40B4-BE49-F238E27FC236}">
-                <a16:creationId xmlns="" xmlns:a16="http://schemas.microsoft.com/office/drawing/2014/main" id="{92AB6F1E-7BD5-4D1A-91EF-56617E520309}"/>
+                <a16:creationId xmlns:a16="http://schemas.microsoft.com/office/drawing/2014/main" xmlns="" id="{92AB6F1E-7BD5-4D1A-91EF-56617E520309}"/>
               </a:ext>
             </a:extLst>
           </p:cNvPr>
@@ -3119,7 +3119,7 @@
     </p:spTree>
     <p:extLst>
       <p:ext uri="{BB962C8B-B14F-4D97-AF65-F5344CB8AC3E}">
-        <p14:creationId xmlns="" xmlns:p14="http://schemas.microsoft.com/office/powerpoint/2010/main" val="1103020685"/>
+        <p14:creationId xmlns:p14="http://schemas.microsoft.com/office/powerpoint/2010/main" xmlns="" val="1103020685"/>
       </p:ext>
     </p:extLst>
   </p:cSld>
@@ -3151,7 +3151,7 @@
           <p:cNvPr id="2" name="Title 1">
             <a:extLst>
               <a:ext uri="{FF2B5EF4-FFF2-40B4-BE49-F238E27FC236}">
-                <a16:creationId xmlns="" xmlns:a16="http://schemas.microsoft.com/office/drawing/2014/main" id="{D12B0671-4305-4344-8560-CD964EBDFB4F}"/>
+                <a16:creationId xmlns:a16="http://schemas.microsoft.com/office/drawing/2014/main" xmlns="" id="{D12B0671-4305-4344-8560-CD964EBDFB4F}"/>
               </a:ext>
             </a:extLst>
           </p:cNvPr>
@@ -3180,7 +3180,7 @@
           <p:cNvPr id="4" name="Rectangle 5">
             <a:extLst>
               <a:ext uri="{FF2B5EF4-FFF2-40B4-BE49-F238E27FC236}">
-                <a16:creationId xmlns="" xmlns:a16="http://schemas.microsoft.com/office/drawing/2014/main" id="{6ECC3120-02E4-4B9D-95D0-7E5D11BED76F}"/>
+                <a16:creationId xmlns:a16="http://schemas.microsoft.com/office/drawing/2014/main" xmlns="" id="{6ECC3120-02E4-4B9D-95D0-7E5D11BED76F}"/>
               </a:ext>
             </a:extLst>
           </p:cNvPr>
@@ -4194,7 +4194,7 @@
     </p:spTree>
     <p:extLst>
       <p:ext uri="{BB962C8B-B14F-4D97-AF65-F5344CB8AC3E}">
-        <p14:creationId xmlns="" xmlns:p14="http://schemas.microsoft.com/office/powerpoint/2010/main" val="4045181375"/>
+        <p14:creationId xmlns:p14="http://schemas.microsoft.com/office/powerpoint/2010/main" xmlns="" val="4045181375"/>
       </p:ext>
     </p:extLst>
   </p:cSld>
@@ -4226,7 +4226,7 @@
           <p:cNvPr id="2" name="Title 1">
             <a:extLst>
               <a:ext uri="{FF2B5EF4-FFF2-40B4-BE49-F238E27FC236}">
-                <a16:creationId xmlns="" xmlns:a16="http://schemas.microsoft.com/office/drawing/2014/main" id="{D12B0671-4305-4344-8560-CD964EBDFB4F}"/>
+                <a16:creationId xmlns:a16="http://schemas.microsoft.com/office/drawing/2014/main" xmlns="" id="{D12B0671-4305-4344-8560-CD964EBDFB4F}"/>
               </a:ext>
             </a:extLst>
           </p:cNvPr>
@@ -4255,7 +4255,7 @@
           <p:cNvPr id="4" name="Rectangle 5">
             <a:extLst>
               <a:ext uri="{FF2B5EF4-FFF2-40B4-BE49-F238E27FC236}">
-                <a16:creationId xmlns="" xmlns:a16="http://schemas.microsoft.com/office/drawing/2014/main" id="{6ECC3120-02E4-4B9D-95D0-7E5D11BED76F}"/>
+                <a16:creationId xmlns:a16="http://schemas.microsoft.com/office/drawing/2014/main" xmlns="" id="{6ECC3120-02E4-4B9D-95D0-7E5D11BED76F}"/>
               </a:ext>
             </a:extLst>
           </p:cNvPr>
@@ -4487,7 +4487,7 @@
     </p:spTree>
     <p:extLst>
       <p:ext uri="{BB962C8B-B14F-4D97-AF65-F5344CB8AC3E}">
-        <p14:creationId xmlns="" xmlns:p14="http://schemas.microsoft.com/office/powerpoint/2010/main" val="4045181375"/>
+        <p14:creationId xmlns:p14="http://schemas.microsoft.com/office/powerpoint/2010/main" xmlns="" val="4045181375"/>
       </p:ext>
     </p:extLst>
   </p:cSld>
@@ -4519,7 +4519,7 @@
           <p:cNvPr id="2" name="Title 1">
             <a:extLst>
               <a:ext uri="{FF2B5EF4-FFF2-40B4-BE49-F238E27FC236}">
-                <a16:creationId xmlns="" xmlns:a16="http://schemas.microsoft.com/office/drawing/2014/main" id="{A38D49FC-2D99-49CF-913E-4C970299C91C}"/>
+                <a16:creationId xmlns:a16="http://schemas.microsoft.com/office/drawing/2014/main" xmlns="" id="{A38D49FC-2D99-49CF-913E-4C970299C91C}"/>
               </a:ext>
             </a:extLst>
           </p:cNvPr>
@@ -4564,7 +4564,7 @@
           <p:cNvPr id="3" name="Content Placeholder 2">
             <a:extLst>
               <a:ext uri="{FF2B5EF4-FFF2-40B4-BE49-F238E27FC236}">
-                <a16:creationId xmlns="" xmlns:a16="http://schemas.microsoft.com/office/drawing/2014/main" id="{9836A0FF-107E-4A13-AE21-F47E46245ECC}"/>
+                <a16:creationId xmlns:a16="http://schemas.microsoft.com/office/drawing/2014/main" xmlns="" id="{9836A0FF-107E-4A13-AE21-F47E46245ECC}"/>
               </a:ext>
             </a:extLst>
           </p:cNvPr>
@@ -4614,7 +4614,7 @@
     </p:spTree>
     <p:extLst>
       <p:ext uri="{BB962C8B-B14F-4D97-AF65-F5344CB8AC3E}">
-        <p14:creationId xmlns="" xmlns:p14="http://schemas.microsoft.com/office/powerpoint/2010/main" val="1873135860"/>
+        <p14:creationId xmlns:p14="http://schemas.microsoft.com/office/powerpoint/2010/main" xmlns="" val="1873135860"/>
       </p:ext>
     </p:extLst>
   </p:cSld>
@@ -4646,7 +4646,7 @@
           <p:cNvPr id="2" name="Title 1">
             <a:extLst>
               <a:ext uri="{FF2B5EF4-FFF2-40B4-BE49-F238E27FC236}">
-                <a16:creationId xmlns="" xmlns:a16="http://schemas.microsoft.com/office/drawing/2014/main" id="{DB778672-74B3-4243-9E76-5606D088E002}"/>
+                <a16:creationId xmlns:a16="http://schemas.microsoft.com/office/drawing/2014/main" xmlns="" id="{DB778672-74B3-4243-9E76-5606D088E002}"/>
               </a:ext>
             </a:extLst>
           </p:cNvPr>
@@ -4681,7 +4681,7 @@
           <p:cNvPr id="5" name="Rectangle 3">
             <a:extLst>
               <a:ext uri="{FF2B5EF4-FFF2-40B4-BE49-F238E27FC236}">
-                <a16:creationId xmlns="" xmlns:a16="http://schemas.microsoft.com/office/drawing/2014/main" id="{9FC32E72-F3A4-4113-94C1-C6A1537EC916}"/>
+                <a16:creationId xmlns:a16="http://schemas.microsoft.com/office/drawing/2014/main" xmlns="" id="{9FC32E72-F3A4-4113-94C1-C6A1537EC916}"/>
               </a:ext>
             </a:extLst>
           </p:cNvPr>
@@ -5057,7 +5057,7 @@
           <p:cNvPr id="3" name="Picture 2">
             <a:extLst>
               <a:ext uri="{FF2B5EF4-FFF2-40B4-BE49-F238E27FC236}">
-                <a16:creationId xmlns="" xmlns:a16="http://schemas.microsoft.com/office/drawing/2014/main" id="{79494B2D-9F20-43B6-957B-CB3CA942A183}"/>
+                <a16:creationId xmlns:a16="http://schemas.microsoft.com/office/drawing/2014/main" xmlns="" id="{79494B2D-9F20-43B6-957B-CB3CA942A183}"/>
               </a:ext>
             </a:extLst>
           </p:cNvPr>
@@ -5085,7 +5085,7 @@
     </p:spTree>
     <p:extLst>
       <p:ext uri="{BB962C8B-B14F-4D97-AF65-F5344CB8AC3E}">
-        <p14:creationId xmlns="" xmlns:p14="http://schemas.microsoft.com/office/powerpoint/2010/main" val="2238371163"/>
+        <p14:creationId xmlns:p14="http://schemas.microsoft.com/office/powerpoint/2010/main" xmlns="" val="2238371163"/>
       </p:ext>
     </p:extLst>
   </p:cSld>
@@ -5117,7 +5117,7 @@
           <p:cNvPr id="2" name="Title 1">
             <a:extLst>
               <a:ext uri="{FF2B5EF4-FFF2-40B4-BE49-F238E27FC236}">
-                <a16:creationId xmlns="" xmlns:a16="http://schemas.microsoft.com/office/drawing/2014/main" id="{46C3AA59-5AA5-49DE-940B-0B63A984E2FC}"/>
+                <a16:creationId xmlns:a16="http://schemas.microsoft.com/office/drawing/2014/main" xmlns="" id="{46C3AA59-5AA5-49DE-940B-0B63A984E2FC}"/>
               </a:ext>
             </a:extLst>
           </p:cNvPr>
@@ -5146,7 +5146,7 @@
           <p:cNvPr id="4" name="Rectangle 5">
             <a:extLst>
               <a:ext uri="{FF2B5EF4-FFF2-40B4-BE49-F238E27FC236}">
-                <a16:creationId xmlns="" xmlns:a16="http://schemas.microsoft.com/office/drawing/2014/main" id="{4DED9507-7573-4C85-A121-C25BCA33F2A4}"/>
+                <a16:creationId xmlns:a16="http://schemas.microsoft.com/office/drawing/2014/main" xmlns="" id="{4DED9507-7573-4C85-A121-C25BCA33F2A4}"/>
               </a:ext>
             </a:extLst>
           </p:cNvPr>
@@ -5190,7 +5190,7 @@
     </p:spTree>
     <p:extLst>
       <p:ext uri="{BB962C8B-B14F-4D97-AF65-F5344CB8AC3E}">
-        <p14:creationId xmlns="" xmlns:p14="http://schemas.microsoft.com/office/powerpoint/2010/main" val="3815887848"/>
+        <p14:creationId xmlns:p14="http://schemas.microsoft.com/office/powerpoint/2010/main" xmlns="" val="3815887848"/>
       </p:ext>
     </p:extLst>
   </p:cSld>
@@ -5222,7 +5222,7 @@
           <p:cNvPr id="2" name="Title 1">
             <a:extLst>
               <a:ext uri="{FF2B5EF4-FFF2-40B4-BE49-F238E27FC236}">
-                <a16:creationId xmlns="" xmlns:a16="http://schemas.microsoft.com/office/drawing/2014/main" id="{728C7944-A53E-4261-B0A1-12200502EE99}"/>
+                <a16:creationId xmlns:a16="http://schemas.microsoft.com/office/drawing/2014/main" xmlns="" id="{728C7944-A53E-4261-B0A1-12200502EE99}"/>
               </a:ext>
             </a:extLst>
           </p:cNvPr>
@@ -5261,7 +5261,7 @@
           <p:cNvPr id="4" name="Rectangle 6">
             <a:extLst>
               <a:ext uri="{FF2B5EF4-FFF2-40B4-BE49-F238E27FC236}">
-                <a16:creationId xmlns="" xmlns:a16="http://schemas.microsoft.com/office/drawing/2014/main" id="{5DBCBB02-6D76-4F4E-9324-E301323E384B}"/>
+                <a16:creationId xmlns:a16="http://schemas.microsoft.com/office/drawing/2014/main" xmlns="" id="{5DBCBB02-6D76-4F4E-9324-E301323E384B}"/>
               </a:ext>
             </a:extLst>
           </p:cNvPr>
@@ -5300,7 +5300,7 @@
           <p:cNvPr id="5" name="Rectangle 4">
             <a:extLst>
               <a:ext uri="{FF2B5EF4-FFF2-40B4-BE49-F238E27FC236}">
-                <a16:creationId xmlns="" xmlns:a16="http://schemas.microsoft.com/office/drawing/2014/main" id="{5C664B7E-3D33-4997-9F05-FB69AE1C6DB0}"/>
+                <a16:creationId xmlns:a16="http://schemas.microsoft.com/office/drawing/2014/main" xmlns="" id="{5C664B7E-3D33-4997-9F05-FB69AE1C6DB0}"/>
               </a:ext>
             </a:extLst>
           </p:cNvPr>
@@ -5753,7 +5753,7 @@
     </p:spTree>
     <p:extLst>
       <p:ext uri="{BB962C8B-B14F-4D97-AF65-F5344CB8AC3E}">
-        <p14:creationId xmlns="" xmlns:p14="http://schemas.microsoft.com/office/powerpoint/2010/main" val="3910066424"/>
+        <p14:creationId xmlns:p14="http://schemas.microsoft.com/office/powerpoint/2010/main" xmlns="" val="3910066424"/>
       </p:ext>
     </p:extLst>
   </p:cSld>
@@ -5785,7 +5785,7 @@
           <p:cNvPr id="2" name="Title 1">
             <a:extLst>
               <a:ext uri="{FF2B5EF4-FFF2-40B4-BE49-F238E27FC236}">
-                <a16:creationId xmlns="" xmlns:a16="http://schemas.microsoft.com/office/drawing/2014/main" id="{50460797-690E-43F1-A17D-DC4D282EDA84}"/>
+                <a16:creationId xmlns:a16="http://schemas.microsoft.com/office/drawing/2014/main" xmlns="" id="{50460797-690E-43F1-A17D-DC4D282EDA84}"/>
               </a:ext>
             </a:extLst>
           </p:cNvPr>
@@ -5829,7 +5829,7 @@
           <p:cNvPr id="4" name="Rectangle 2">
             <a:extLst>
               <a:ext uri="{FF2B5EF4-FFF2-40B4-BE49-F238E27FC236}">
-                <a16:creationId xmlns="" xmlns:a16="http://schemas.microsoft.com/office/drawing/2014/main" id="{22EDEB8A-626D-4128-B26B-8D619EC879DE}"/>
+                <a16:creationId xmlns:a16="http://schemas.microsoft.com/office/drawing/2014/main" xmlns="" id="{22EDEB8A-626D-4128-B26B-8D619EC879DE}"/>
               </a:ext>
             </a:extLst>
           </p:cNvPr>
@@ -6412,7 +6412,7 @@
     </p:spTree>
     <p:extLst>
       <p:ext uri="{BB962C8B-B14F-4D97-AF65-F5344CB8AC3E}">
-        <p14:creationId xmlns="" xmlns:p14="http://schemas.microsoft.com/office/powerpoint/2010/main" val="41074114"/>
+        <p14:creationId xmlns:p14="http://schemas.microsoft.com/office/powerpoint/2010/main" xmlns="" val="41074114"/>
       </p:ext>
     </p:extLst>
   </p:cSld>
@@ -6444,7 +6444,7 @@
           <p:cNvPr id="2" name="Title 1">
             <a:extLst>
               <a:ext uri="{FF2B5EF4-FFF2-40B4-BE49-F238E27FC236}">
-                <a16:creationId xmlns="" xmlns:a16="http://schemas.microsoft.com/office/drawing/2014/main" id="{50460797-690E-43F1-A17D-DC4D282EDA84}"/>
+                <a16:creationId xmlns:a16="http://schemas.microsoft.com/office/drawing/2014/main" xmlns="" id="{50460797-690E-43F1-A17D-DC4D282EDA84}"/>
               </a:ext>
             </a:extLst>
           </p:cNvPr>
@@ -6488,7 +6488,7 @@
           <p:cNvPr id="4" name="Rectangle 2">
             <a:extLst>
               <a:ext uri="{FF2B5EF4-FFF2-40B4-BE49-F238E27FC236}">
-                <a16:creationId xmlns="" xmlns:a16="http://schemas.microsoft.com/office/drawing/2014/main" id="{22EDEB8A-626D-4128-B26B-8D619EC879DE}"/>
+                <a16:creationId xmlns:a16="http://schemas.microsoft.com/office/drawing/2014/main" xmlns="" id="{22EDEB8A-626D-4128-B26B-8D619EC879DE}"/>
               </a:ext>
             </a:extLst>
           </p:cNvPr>
@@ -7021,7 +7021,7 @@
     </p:spTree>
     <p:extLst>
       <p:ext uri="{BB962C8B-B14F-4D97-AF65-F5344CB8AC3E}">
-        <p14:creationId xmlns="" xmlns:p14="http://schemas.microsoft.com/office/powerpoint/2010/main" val="1558247700"/>
+        <p14:creationId xmlns:p14="http://schemas.microsoft.com/office/powerpoint/2010/main" xmlns="" val="1558247700"/>
       </p:ext>
     </p:extLst>
   </p:cSld>
@@ -7292,7 +7292,7 @@
           <p:cNvPr id="2" name="Title 1">
             <a:extLst>
               <a:ext uri="{FF2B5EF4-FFF2-40B4-BE49-F238E27FC236}">
-                <a16:creationId xmlns="" xmlns:a16="http://schemas.microsoft.com/office/drawing/2014/main" id="{2214CFB9-52B9-4F6A-B87A-9ACF8434916D}"/>
+                <a16:creationId xmlns:a16="http://schemas.microsoft.com/office/drawing/2014/main" xmlns="" id="{2214CFB9-52B9-4F6A-B87A-9ACF8434916D}"/>
               </a:ext>
             </a:extLst>
           </p:cNvPr>
@@ -7321,7 +7321,7 @@
           <p:cNvPr id="3" name="Content Placeholder 2">
             <a:extLst>
               <a:ext uri="{FF2B5EF4-FFF2-40B4-BE49-F238E27FC236}">
-                <a16:creationId xmlns="" xmlns:a16="http://schemas.microsoft.com/office/drawing/2014/main" id="{F2D0823B-2C44-43C6-9766-6AD161BB9F9F}"/>
+                <a16:creationId xmlns:a16="http://schemas.microsoft.com/office/drawing/2014/main" xmlns="" id="{F2D0823B-2C44-43C6-9766-6AD161BB9F9F}"/>
               </a:ext>
             </a:extLst>
           </p:cNvPr>
@@ -7443,7 +7443,7 @@
     </p:spTree>
     <p:extLst>
       <p:ext uri="{BB962C8B-B14F-4D97-AF65-F5344CB8AC3E}">
-        <p14:creationId xmlns="" xmlns:p14="http://schemas.microsoft.com/office/powerpoint/2010/main" val="1509710984"/>
+        <p14:creationId xmlns:p14="http://schemas.microsoft.com/office/powerpoint/2010/main" xmlns="" val="1509710984"/>
       </p:ext>
     </p:extLst>
   </p:cSld>
@@ -7475,7 +7475,7 @@
           <p:cNvPr id="2" name="Title 1">
             <a:extLst>
               <a:ext uri="{FF2B5EF4-FFF2-40B4-BE49-F238E27FC236}">
-                <a16:creationId xmlns="" xmlns:a16="http://schemas.microsoft.com/office/drawing/2014/main" id="{92AB6F1E-7BD5-4D1A-91EF-56617E520309}"/>
+                <a16:creationId xmlns:a16="http://schemas.microsoft.com/office/drawing/2014/main" xmlns="" id="{92AB6F1E-7BD5-4D1A-91EF-56617E520309}"/>
               </a:ext>
             </a:extLst>
           </p:cNvPr>
@@ -7508,7 +7508,7 @@
           <p:cNvPr id="3" name="Content Placeholder 2">
             <a:extLst>
               <a:ext uri="{FF2B5EF4-FFF2-40B4-BE49-F238E27FC236}">
-                <a16:creationId xmlns="" xmlns:a16="http://schemas.microsoft.com/office/drawing/2014/main" id="{BF57AB44-787A-493B-A1A0-0381DCF5805E}"/>
+                <a16:creationId xmlns:a16="http://schemas.microsoft.com/office/drawing/2014/main" xmlns="" id="{BF57AB44-787A-493B-A1A0-0381DCF5805E}"/>
               </a:ext>
             </a:extLst>
           </p:cNvPr>
@@ -7644,7 +7644,7 @@
     </p:spTree>
     <p:extLst>
       <p:ext uri="{BB962C8B-B14F-4D97-AF65-F5344CB8AC3E}">
-        <p14:creationId xmlns="" xmlns:p14="http://schemas.microsoft.com/office/powerpoint/2010/main" val="1103020685"/>
+        <p14:creationId xmlns:p14="http://schemas.microsoft.com/office/powerpoint/2010/main" xmlns="" val="1103020685"/>
       </p:ext>
     </p:extLst>
   </p:cSld>
@@ -7676,7 +7676,7 @@
           <p:cNvPr id="2" name="Title 1">
             <a:extLst>
               <a:ext uri="{FF2B5EF4-FFF2-40B4-BE49-F238E27FC236}">
-                <a16:creationId xmlns:a16="http://schemas.microsoft.com/office/drawing/2014/main" xmlns="" id="{7EF67A03-83D2-4177-B14A-51F6F2C8EB28}"/>
+                <a16:creationId xmlns="" xmlns:a16="http://schemas.microsoft.com/office/drawing/2014/main" id="{7EF67A03-83D2-4177-B14A-51F6F2C8EB28}"/>
               </a:ext>
             </a:extLst>
           </p:cNvPr>
@@ -7830,7 +7830,7 @@
     </p:spTree>
     <p:extLst>
       <p:ext uri="{BB962C8B-B14F-4D97-AF65-F5344CB8AC3E}">
-        <p14:creationId xmlns:p14="http://schemas.microsoft.com/office/powerpoint/2010/main" xmlns="" val="2477197161"/>
+        <p14:creationId xmlns="" xmlns:p14="http://schemas.microsoft.com/office/powerpoint/2010/main" val="2477197161"/>
       </p:ext>
     </p:extLst>
   </p:cSld>
@@ -7862,7 +7862,7 @@
           <p:cNvPr id="2" name="Title 1">
             <a:extLst>
               <a:ext uri="{FF2B5EF4-FFF2-40B4-BE49-F238E27FC236}">
-                <a16:creationId xmlns:a16="http://schemas.microsoft.com/office/drawing/2014/main" xmlns="" id="{7EF67A03-83D2-4177-B14A-51F6F2C8EB28}"/>
+                <a16:creationId xmlns="" xmlns:a16="http://schemas.microsoft.com/office/drawing/2014/main" id="{7EF67A03-83D2-4177-B14A-51F6F2C8EB28}"/>
               </a:ext>
             </a:extLst>
           </p:cNvPr>
@@ -7914,7 +7914,7 @@
           <p:cNvPr id="72" name="AutoShape 7">
             <a:extLst>
               <a:ext uri="{FF2B5EF4-FFF2-40B4-BE49-F238E27FC236}">
-                <a16:creationId xmlns:a16="http://schemas.microsoft.com/office/drawing/2014/main" xmlns="" id="{CDDA19B6-D2E9-4304-A674-3675E0EE1D55}"/>
+                <a16:creationId xmlns="" xmlns:a16="http://schemas.microsoft.com/office/drawing/2014/main" id="{CDDA19B6-D2E9-4304-A674-3675E0EE1D55}"/>
               </a:ext>
             </a:extLst>
           </p:cNvPr>
@@ -8067,7 +8067,7 @@
           <p:cNvPr id="73" name="AutoShape 9">
             <a:extLst>
               <a:ext uri="{FF2B5EF4-FFF2-40B4-BE49-F238E27FC236}">
-                <a16:creationId xmlns:a16="http://schemas.microsoft.com/office/drawing/2014/main" xmlns="" id="{65B724A2-0E69-4948-A621-4A00A361816E}"/>
+                <a16:creationId xmlns="" xmlns:a16="http://schemas.microsoft.com/office/drawing/2014/main" id="{65B724A2-0E69-4948-A621-4A00A361816E}"/>
               </a:ext>
             </a:extLst>
           </p:cNvPr>
@@ -8220,7 +8220,7 @@
           <p:cNvPr id="74" name="AutoShape 10">
             <a:extLst>
               <a:ext uri="{FF2B5EF4-FFF2-40B4-BE49-F238E27FC236}">
-                <a16:creationId xmlns:a16="http://schemas.microsoft.com/office/drawing/2014/main" xmlns="" id="{B687BBF0-E0B9-4DBF-BAF6-0EB9184FFDF5}"/>
+                <a16:creationId xmlns="" xmlns:a16="http://schemas.microsoft.com/office/drawing/2014/main" id="{B687BBF0-E0B9-4DBF-BAF6-0EB9184FFDF5}"/>
               </a:ext>
             </a:extLst>
           </p:cNvPr>
@@ -8373,7 +8373,7 @@
           <p:cNvPr id="75" name="AutoShape 13">
             <a:extLst>
               <a:ext uri="{FF2B5EF4-FFF2-40B4-BE49-F238E27FC236}">
-                <a16:creationId xmlns:a16="http://schemas.microsoft.com/office/drawing/2014/main" xmlns="" id="{4D5193D2-9D7D-412A-95FF-A7DA49C2A2D7}"/>
+                <a16:creationId xmlns="" xmlns:a16="http://schemas.microsoft.com/office/drawing/2014/main" id="{4D5193D2-9D7D-412A-95FF-A7DA49C2A2D7}"/>
               </a:ext>
             </a:extLst>
           </p:cNvPr>
@@ -8526,7 +8526,7 @@
           <p:cNvPr id="76" name="AutoShape 16">
             <a:extLst>
               <a:ext uri="{FF2B5EF4-FFF2-40B4-BE49-F238E27FC236}">
-                <a16:creationId xmlns:a16="http://schemas.microsoft.com/office/drawing/2014/main" xmlns="" id="{E3615738-BC63-44AD-A24A-178A1CABA48A}"/>
+                <a16:creationId xmlns="" xmlns:a16="http://schemas.microsoft.com/office/drawing/2014/main" id="{E3615738-BC63-44AD-A24A-178A1CABA48A}"/>
               </a:ext>
             </a:extLst>
           </p:cNvPr>
@@ -8679,7 +8679,7 @@
           <p:cNvPr id="77" name="AutoShape 18">
             <a:extLst>
               <a:ext uri="{FF2B5EF4-FFF2-40B4-BE49-F238E27FC236}">
-                <a16:creationId xmlns:a16="http://schemas.microsoft.com/office/drawing/2014/main" xmlns="" id="{56D7BB63-5214-4F06-B922-AC5F89CB88B9}"/>
+                <a16:creationId xmlns="" xmlns:a16="http://schemas.microsoft.com/office/drawing/2014/main" id="{56D7BB63-5214-4F06-B922-AC5F89CB88B9}"/>
               </a:ext>
             </a:extLst>
           </p:cNvPr>
@@ -8832,7 +8832,7 @@
           <p:cNvPr id="3" name="Group 3">
             <a:extLst>
               <a:ext uri="{FF2B5EF4-FFF2-40B4-BE49-F238E27FC236}">
-                <a16:creationId xmlns:a16="http://schemas.microsoft.com/office/drawing/2014/main" xmlns="" id="{38EF8448-590C-48AE-94E6-BAD139F4B08A}"/>
+                <a16:creationId xmlns="" xmlns:a16="http://schemas.microsoft.com/office/drawing/2014/main" id="{38EF8448-590C-48AE-94E6-BAD139F4B08A}"/>
               </a:ext>
             </a:extLst>
           </p:cNvPr>
@@ -8854,7 +8854,7 @@
             <p:cNvPr id="79" name="Line 4">
               <a:extLst>
                 <a:ext uri="{FF2B5EF4-FFF2-40B4-BE49-F238E27FC236}">
-                  <a16:creationId xmlns:a16="http://schemas.microsoft.com/office/drawing/2014/main" xmlns="" id="{5D0C852A-A0FF-4148-A957-A358BE5ED991}"/>
+                  <a16:creationId xmlns="" xmlns:a16="http://schemas.microsoft.com/office/drawing/2014/main" id="{5D0C852A-A0FF-4148-A957-A358BE5ED991}"/>
                 </a:ext>
               </a:extLst>
             </p:cNvPr>
@@ -8882,7 +8882,7 @@
             </a:ln>
             <a:extLst>
               <a:ext uri="{909E8E84-426E-40DD-AFC4-6F175D3DCCD1}">
-                <a14:hiddenFill xmlns:a14="http://schemas.microsoft.com/office/drawing/2010/main" xmlns="">
+                <a14:hiddenFill xmlns="" xmlns:a14="http://schemas.microsoft.com/office/drawing/2010/main">
                   <a:noFill/>
                 </a14:hiddenFill>
               </a:ext>
@@ -8901,7 +8901,7 @@
             <p:cNvPr id="80" name="Line 5">
               <a:extLst>
                 <a:ext uri="{FF2B5EF4-FFF2-40B4-BE49-F238E27FC236}">
-                  <a16:creationId xmlns:a16="http://schemas.microsoft.com/office/drawing/2014/main" xmlns="" id="{56F509B6-7156-4F89-8E77-BBE2453CF68B}"/>
+                  <a16:creationId xmlns="" xmlns:a16="http://schemas.microsoft.com/office/drawing/2014/main" id="{56F509B6-7156-4F89-8E77-BBE2453CF68B}"/>
                 </a:ext>
               </a:extLst>
             </p:cNvPr>
@@ -8929,7 +8929,7 @@
             </a:ln>
             <a:extLst>
               <a:ext uri="{909E8E84-426E-40DD-AFC4-6F175D3DCCD1}">
-                <a14:hiddenFill xmlns:a14="http://schemas.microsoft.com/office/drawing/2010/main" xmlns="">
+                <a14:hiddenFill xmlns="" xmlns:a14="http://schemas.microsoft.com/office/drawing/2010/main">
                   <a:noFill/>
                 </a14:hiddenFill>
               </a:ext>
@@ -8949,7 +8949,7 @@
           <p:cNvPr id="81" name="Rectangle 6">
             <a:extLst>
               <a:ext uri="{FF2B5EF4-FFF2-40B4-BE49-F238E27FC236}">
-                <a16:creationId xmlns:a16="http://schemas.microsoft.com/office/drawing/2014/main" xmlns="" id="{50E8738E-0488-4D19-B43A-A18CD64373E4}"/>
+                <a16:creationId xmlns="" xmlns:a16="http://schemas.microsoft.com/office/drawing/2014/main" id="{50E8738E-0488-4D19-B43A-A18CD64373E4}"/>
               </a:ext>
             </a:extLst>
           </p:cNvPr>
@@ -8972,14 +8972,14 @@
           </a:ln>
           <a:extLst>
             <a:ext uri="{909E8E84-426E-40DD-AFC4-6F175D3DCCD1}">
-              <a14:hiddenFill xmlns:a14="http://schemas.microsoft.com/office/drawing/2010/main" xmlns="">
+              <a14:hiddenFill xmlns="" xmlns:a14="http://schemas.microsoft.com/office/drawing/2010/main">
                 <a:solidFill>
                   <a:srgbClr val="FFFFFF"/>
                 </a:solidFill>
               </a14:hiddenFill>
             </a:ext>
             <a:ext uri="{91240B29-F687-4F45-9708-019B960494DF}">
-              <a14:hiddenLine xmlns:a14="http://schemas.microsoft.com/office/drawing/2010/main" xmlns="" w="28575">
+              <a14:hiddenLine xmlns="" xmlns:a14="http://schemas.microsoft.com/office/drawing/2010/main" w="28575">
                 <a:solidFill>
                   <a:srgbClr val="000000"/>
                 </a:solidFill>
@@ -9206,7 +9206,7 @@
           <p:cNvPr id="82" name="Rectangle 8">
             <a:extLst>
               <a:ext uri="{FF2B5EF4-FFF2-40B4-BE49-F238E27FC236}">
-                <a16:creationId xmlns:a16="http://schemas.microsoft.com/office/drawing/2014/main" xmlns="" id="{3096D79D-9BDF-4AA3-9427-584654EAD692}"/>
+                <a16:creationId xmlns="" xmlns:a16="http://schemas.microsoft.com/office/drawing/2014/main" id="{3096D79D-9BDF-4AA3-9427-584654EAD692}"/>
               </a:ext>
             </a:extLst>
           </p:cNvPr>
@@ -9229,14 +9229,14 @@
           </a:ln>
           <a:extLst>
             <a:ext uri="{909E8E84-426E-40DD-AFC4-6F175D3DCCD1}">
-              <a14:hiddenFill xmlns:a14="http://schemas.microsoft.com/office/drawing/2010/main" xmlns="">
+              <a14:hiddenFill xmlns="" xmlns:a14="http://schemas.microsoft.com/office/drawing/2010/main">
                 <a:solidFill>
                   <a:srgbClr val="FFFFFF"/>
                 </a:solidFill>
               </a14:hiddenFill>
             </a:ext>
             <a:ext uri="{91240B29-F687-4F45-9708-019B960494DF}">
-              <a14:hiddenLine xmlns:a14="http://schemas.microsoft.com/office/drawing/2010/main" xmlns="" w="28575">
+              <a14:hiddenLine xmlns="" xmlns:a14="http://schemas.microsoft.com/office/drawing/2010/main" w="28575">
                 <a:solidFill>
                   <a:srgbClr val="000000"/>
                 </a:solidFill>
@@ -9493,7 +9493,7 @@
           <p:cNvPr id="83" name="Rectangle 11">
             <a:extLst>
               <a:ext uri="{FF2B5EF4-FFF2-40B4-BE49-F238E27FC236}">
-                <a16:creationId xmlns:a16="http://schemas.microsoft.com/office/drawing/2014/main" xmlns="" id="{CE42EFC4-8886-4C4F-80E1-B669BF7CFEFB}"/>
+                <a16:creationId xmlns="" xmlns:a16="http://schemas.microsoft.com/office/drawing/2014/main" id="{CE42EFC4-8886-4C4F-80E1-B669BF7CFEFB}"/>
               </a:ext>
             </a:extLst>
           </p:cNvPr>
@@ -9516,14 +9516,14 @@
           </a:ln>
           <a:extLst>
             <a:ext uri="{909E8E84-426E-40DD-AFC4-6F175D3DCCD1}">
-              <a14:hiddenFill xmlns:a14="http://schemas.microsoft.com/office/drawing/2010/main" xmlns="">
+              <a14:hiddenFill xmlns="" xmlns:a14="http://schemas.microsoft.com/office/drawing/2010/main">
                 <a:solidFill>
                   <a:srgbClr val="FFFFFF"/>
                 </a:solidFill>
               </a14:hiddenFill>
             </a:ext>
             <a:ext uri="{91240B29-F687-4F45-9708-019B960494DF}">
-              <a14:hiddenLine xmlns:a14="http://schemas.microsoft.com/office/drawing/2010/main" xmlns="" w="28575">
+              <a14:hiddenLine xmlns="" xmlns:a14="http://schemas.microsoft.com/office/drawing/2010/main" w="28575">
                 <a:solidFill>
                   <a:srgbClr val="000000"/>
                 </a:solidFill>
@@ -9726,7 +9726,7 @@
           <p:cNvPr id="84" name="Rectangle 12">
             <a:extLst>
               <a:ext uri="{FF2B5EF4-FFF2-40B4-BE49-F238E27FC236}">
-                <a16:creationId xmlns:a16="http://schemas.microsoft.com/office/drawing/2014/main" xmlns="" id="{BC045386-5DD9-4F75-B1EB-3497576BB11B}"/>
+                <a16:creationId xmlns="" xmlns:a16="http://schemas.microsoft.com/office/drawing/2014/main" id="{BC045386-5DD9-4F75-B1EB-3497576BB11B}"/>
               </a:ext>
             </a:extLst>
           </p:cNvPr>
@@ -9749,14 +9749,14 @@
           </a:ln>
           <a:extLst>
             <a:ext uri="{909E8E84-426E-40DD-AFC4-6F175D3DCCD1}">
-              <a14:hiddenFill xmlns:a14="http://schemas.microsoft.com/office/drawing/2010/main" xmlns="">
+              <a14:hiddenFill xmlns="" xmlns:a14="http://schemas.microsoft.com/office/drawing/2010/main">
                 <a:solidFill>
                   <a:srgbClr val="FFFFFF"/>
                 </a:solidFill>
               </a14:hiddenFill>
             </a:ext>
             <a:ext uri="{91240B29-F687-4F45-9708-019B960494DF}">
-              <a14:hiddenLine xmlns:a14="http://schemas.microsoft.com/office/drawing/2010/main" xmlns="" w="28575">
+              <a14:hiddenLine xmlns="" xmlns:a14="http://schemas.microsoft.com/office/drawing/2010/main" w="28575">
                 <a:solidFill>
                   <a:srgbClr val="000000"/>
                 </a:solidFill>
@@ -9941,7 +9941,7 @@
           <p:cNvPr id="85" name="Rectangle 14">
             <a:extLst>
               <a:ext uri="{FF2B5EF4-FFF2-40B4-BE49-F238E27FC236}">
-                <a16:creationId xmlns:a16="http://schemas.microsoft.com/office/drawing/2014/main" xmlns="" id="{00A2B650-0F9E-42CB-9D9C-C340F8DF1E26}"/>
+                <a16:creationId xmlns="" xmlns:a16="http://schemas.microsoft.com/office/drawing/2014/main" id="{00A2B650-0F9E-42CB-9D9C-C340F8DF1E26}"/>
               </a:ext>
             </a:extLst>
           </p:cNvPr>
@@ -9964,14 +9964,14 @@
           </a:ln>
           <a:extLst>
             <a:ext uri="{909E8E84-426E-40DD-AFC4-6F175D3DCCD1}">
-              <a14:hiddenFill xmlns:a14="http://schemas.microsoft.com/office/drawing/2010/main" xmlns="">
+              <a14:hiddenFill xmlns="" xmlns:a14="http://schemas.microsoft.com/office/drawing/2010/main">
                 <a:solidFill>
                   <a:srgbClr val="FFFFFF"/>
                 </a:solidFill>
               </a14:hiddenFill>
             </a:ext>
             <a:ext uri="{91240B29-F687-4F45-9708-019B960494DF}">
-              <a14:hiddenLine xmlns:a14="http://schemas.microsoft.com/office/drawing/2010/main" xmlns="" w="28575">
+              <a14:hiddenLine xmlns="" xmlns:a14="http://schemas.microsoft.com/office/drawing/2010/main" w="28575">
                 <a:solidFill>
                   <a:srgbClr val="000000"/>
                 </a:solidFill>
@@ -10318,7 +10318,7 @@
           <p:cNvPr id="86" name="Rectangle 15">
             <a:extLst>
               <a:ext uri="{FF2B5EF4-FFF2-40B4-BE49-F238E27FC236}">
-                <a16:creationId xmlns:a16="http://schemas.microsoft.com/office/drawing/2014/main" xmlns="" id="{D77BE942-6ECE-43CC-8BC9-377B0AC4F6C6}"/>
+                <a16:creationId xmlns="" xmlns:a16="http://schemas.microsoft.com/office/drawing/2014/main" id="{D77BE942-6ECE-43CC-8BC9-377B0AC4F6C6}"/>
               </a:ext>
             </a:extLst>
           </p:cNvPr>
@@ -10341,14 +10341,14 @@
           </a:ln>
           <a:extLst>
             <a:ext uri="{909E8E84-426E-40DD-AFC4-6F175D3DCCD1}">
-              <a14:hiddenFill xmlns:a14="http://schemas.microsoft.com/office/drawing/2010/main" xmlns="">
+              <a14:hiddenFill xmlns="" xmlns:a14="http://schemas.microsoft.com/office/drawing/2010/main">
                 <a:solidFill>
                   <a:srgbClr val="FFFFFF"/>
                 </a:solidFill>
               </a14:hiddenFill>
             </a:ext>
             <a:ext uri="{91240B29-F687-4F45-9708-019B960494DF}">
-              <a14:hiddenLine xmlns:a14="http://schemas.microsoft.com/office/drawing/2010/main" xmlns="" w="28575">
+              <a14:hiddenLine xmlns="" xmlns:a14="http://schemas.microsoft.com/office/drawing/2010/main" w="28575">
                 <a:solidFill>
                   <a:srgbClr val="000000"/>
                 </a:solidFill>
@@ -10558,7 +10558,7 @@
           <p:cNvPr id="87" name="AutoShape 17">
             <a:extLst>
               <a:ext uri="{FF2B5EF4-FFF2-40B4-BE49-F238E27FC236}">
-                <a16:creationId xmlns:a16="http://schemas.microsoft.com/office/drawing/2014/main" xmlns="" id="{7D4EAE41-D0DD-4CF9-8391-354F9F7BD451}"/>
+                <a16:creationId xmlns="" xmlns:a16="http://schemas.microsoft.com/office/drawing/2014/main" id="{7D4EAE41-D0DD-4CF9-8391-354F9F7BD451}"/>
               </a:ext>
             </a:extLst>
           </p:cNvPr>
@@ -10711,7 +10711,7 @@
           <p:cNvPr id="4" name="Group 19">
             <a:extLst>
               <a:ext uri="{FF2B5EF4-FFF2-40B4-BE49-F238E27FC236}">
-                <a16:creationId xmlns:a16="http://schemas.microsoft.com/office/drawing/2014/main" xmlns="" id="{6134741E-3B33-4AEC-99BD-06A06F83208D}"/>
+                <a16:creationId xmlns="" xmlns:a16="http://schemas.microsoft.com/office/drawing/2014/main" id="{6134741E-3B33-4AEC-99BD-06A06F83208D}"/>
               </a:ext>
             </a:extLst>
           </p:cNvPr>
@@ -10733,7 +10733,7 @@
             <p:cNvPr id="89" name="Line 20">
               <a:extLst>
                 <a:ext uri="{FF2B5EF4-FFF2-40B4-BE49-F238E27FC236}">
-                  <a16:creationId xmlns:a16="http://schemas.microsoft.com/office/drawing/2014/main" xmlns="" id="{FDE2C4A9-A19E-4E0B-BD80-9291293BF563}"/>
+                  <a16:creationId xmlns="" xmlns:a16="http://schemas.microsoft.com/office/drawing/2014/main" id="{FDE2C4A9-A19E-4E0B-BD80-9291293BF563}"/>
                 </a:ext>
               </a:extLst>
             </p:cNvPr>
@@ -10761,7 +10761,7 @@
             </a:ln>
             <a:extLst>
               <a:ext uri="{909E8E84-426E-40DD-AFC4-6F175D3DCCD1}">
-                <a14:hiddenFill xmlns:a14="http://schemas.microsoft.com/office/drawing/2010/main" xmlns="">
+                <a14:hiddenFill xmlns="" xmlns:a14="http://schemas.microsoft.com/office/drawing/2010/main">
                   <a:noFill/>
                 </a14:hiddenFill>
               </a:ext>
@@ -10780,7 +10780,7 @@
             <p:cNvPr id="90" name="Line 21">
               <a:extLst>
                 <a:ext uri="{FF2B5EF4-FFF2-40B4-BE49-F238E27FC236}">
-                  <a16:creationId xmlns:a16="http://schemas.microsoft.com/office/drawing/2014/main" xmlns="" id="{7CEED651-9EE8-4067-AF7B-2B92991CC6BF}"/>
+                  <a16:creationId xmlns="" xmlns:a16="http://schemas.microsoft.com/office/drawing/2014/main" id="{7CEED651-9EE8-4067-AF7B-2B92991CC6BF}"/>
                 </a:ext>
               </a:extLst>
             </p:cNvPr>
@@ -10808,7 +10808,7 @@
             </a:ln>
             <a:extLst>
               <a:ext uri="{909E8E84-426E-40DD-AFC4-6F175D3DCCD1}">
-                <a14:hiddenFill xmlns:a14="http://schemas.microsoft.com/office/drawing/2010/main" xmlns="">
+                <a14:hiddenFill xmlns="" xmlns:a14="http://schemas.microsoft.com/office/drawing/2010/main">
                   <a:noFill/>
                 </a14:hiddenFill>
               </a:ext>
@@ -10828,7 +10828,7 @@
           <p:cNvPr id="91" name="Rectangle 22">
             <a:extLst>
               <a:ext uri="{FF2B5EF4-FFF2-40B4-BE49-F238E27FC236}">
-                <a16:creationId xmlns:a16="http://schemas.microsoft.com/office/drawing/2014/main" xmlns="" id="{AE333983-AC85-4013-BEDF-92E085CB0302}"/>
+                <a16:creationId xmlns="" xmlns:a16="http://schemas.microsoft.com/office/drawing/2014/main" id="{AE333983-AC85-4013-BEDF-92E085CB0302}"/>
               </a:ext>
             </a:extLst>
           </p:cNvPr>
@@ -10851,14 +10851,14 @@
           </a:ln>
           <a:extLst>
             <a:ext uri="{909E8E84-426E-40DD-AFC4-6F175D3DCCD1}">
-              <a14:hiddenFill xmlns:a14="http://schemas.microsoft.com/office/drawing/2010/main" xmlns="">
+              <a14:hiddenFill xmlns="" xmlns:a14="http://schemas.microsoft.com/office/drawing/2010/main">
                 <a:solidFill>
                   <a:srgbClr val="FFFFFF"/>
                 </a:solidFill>
               </a14:hiddenFill>
             </a:ext>
             <a:ext uri="{91240B29-F687-4F45-9708-019B960494DF}">
-              <a14:hiddenLine xmlns:a14="http://schemas.microsoft.com/office/drawing/2010/main" xmlns="" w="28575">
+              <a14:hiddenLine xmlns="" xmlns:a14="http://schemas.microsoft.com/office/drawing/2010/main" w="28575">
                 <a:solidFill>
                   <a:srgbClr val="000000"/>
                 </a:solidFill>
@@ -11091,7 +11091,7 @@
           <p:cNvPr id="5" name="Group 23">
             <a:extLst>
               <a:ext uri="{FF2B5EF4-FFF2-40B4-BE49-F238E27FC236}">
-                <a16:creationId xmlns:a16="http://schemas.microsoft.com/office/drawing/2014/main" xmlns="" id="{E1CD2DF4-8064-4684-A295-0721638D189B}"/>
+                <a16:creationId xmlns="" xmlns:a16="http://schemas.microsoft.com/office/drawing/2014/main" id="{E1CD2DF4-8064-4684-A295-0721638D189B}"/>
               </a:ext>
             </a:extLst>
           </p:cNvPr>
@@ -11113,7 +11113,7 @@
             <p:cNvPr id="6" name="Group 24">
               <a:extLst>
                 <a:ext uri="{FF2B5EF4-FFF2-40B4-BE49-F238E27FC236}">
-                  <a16:creationId xmlns:a16="http://schemas.microsoft.com/office/drawing/2014/main" xmlns="" id="{9B978079-FF00-4050-800F-91E5BE379F7C}"/>
+                  <a16:creationId xmlns="" xmlns:a16="http://schemas.microsoft.com/office/drawing/2014/main" id="{9B978079-FF00-4050-800F-91E5BE379F7C}"/>
                 </a:ext>
               </a:extLst>
             </p:cNvPr>
@@ -11135,7 +11135,7 @@
               <p:cNvPr id="95" name="Line 25">
                 <a:extLst>
                   <a:ext uri="{FF2B5EF4-FFF2-40B4-BE49-F238E27FC236}">
-                    <a16:creationId xmlns:a16="http://schemas.microsoft.com/office/drawing/2014/main" xmlns="" id="{E0A87DEA-6064-424D-85C6-C2237FB9932B}"/>
+                    <a16:creationId xmlns="" xmlns:a16="http://schemas.microsoft.com/office/drawing/2014/main" id="{E0A87DEA-6064-424D-85C6-C2237FB9932B}"/>
                   </a:ext>
                 </a:extLst>
               </p:cNvPr>
@@ -11163,7 +11163,7 @@
               </a:ln>
               <a:extLst>
                 <a:ext uri="{909E8E84-426E-40DD-AFC4-6F175D3DCCD1}">
-                  <a14:hiddenFill xmlns:a14="http://schemas.microsoft.com/office/drawing/2010/main" xmlns="">
+                  <a14:hiddenFill xmlns="" xmlns:a14="http://schemas.microsoft.com/office/drawing/2010/main">
                     <a:noFill/>
                   </a14:hiddenFill>
                 </a:ext>
@@ -11182,7 +11182,7 @@
               <p:cNvPr id="96" name="Line 26">
                 <a:extLst>
                   <a:ext uri="{FF2B5EF4-FFF2-40B4-BE49-F238E27FC236}">
-                    <a16:creationId xmlns:a16="http://schemas.microsoft.com/office/drawing/2014/main" xmlns="" id="{055B7F03-A307-487B-9FC0-5B5579A2855F}"/>
+                    <a16:creationId xmlns="" xmlns:a16="http://schemas.microsoft.com/office/drawing/2014/main" id="{055B7F03-A307-487B-9FC0-5B5579A2855F}"/>
                   </a:ext>
                 </a:extLst>
               </p:cNvPr>
@@ -11210,7 +11210,7 @@
               </a:ln>
               <a:extLst>
                 <a:ext uri="{909E8E84-426E-40DD-AFC4-6F175D3DCCD1}">
-                  <a14:hiddenFill xmlns:a14="http://schemas.microsoft.com/office/drawing/2010/main" xmlns="">
+                  <a14:hiddenFill xmlns="" xmlns:a14="http://schemas.microsoft.com/office/drawing/2010/main">
                     <a:noFill/>
                   </a14:hiddenFill>
                 </a:ext>
@@ -11230,7 +11230,7 @@
             <p:cNvPr id="94" name="Freeform 27">
               <a:extLst>
                 <a:ext uri="{FF2B5EF4-FFF2-40B4-BE49-F238E27FC236}">
-                  <a16:creationId xmlns:a16="http://schemas.microsoft.com/office/drawing/2014/main" xmlns="" id="{A31CEDB6-1A91-4412-86F5-5EBAC54D2B36}"/>
+                  <a16:creationId xmlns="" xmlns:a16="http://schemas.microsoft.com/office/drawing/2014/main" id="{A31CEDB6-1A91-4412-86F5-5EBAC54D2B36}"/>
                 </a:ext>
               </a:extLst>
             </p:cNvPr>
@@ -11290,7 +11290,7 @@
             </a:ln>
             <a:extLst>
               <a:ext uri="{909E8E84-426E-40DD-AFC4-6F175D3DCCD1}">
-                <a14:hiddenFill xmlns:a14="http://schemas.microsoft.com/office/drawing/2010/main" xmlns="">
+                <a14:hiddenFill xmlns="" xmlns:a14="http://schemas.microsoft.com/office/drawing/2010/main">
                   <a:solidFill>
                     <a:srgbClr val="FFFFFF"/>
                   </a:solidFill>
@@ -11312,7 +11312,7 @@
           <p:cNvPr id="7" name="Group 28">
             <a:extLst>
               <a:ext uri="{FF2B5EF4-FFF2-40B4-BE49-F238E27FC236}">
-                <a16:creationId xmlns:a16="http://schemas.microsoft.com/office/drawing/2014/main" xmlns="" id="{CC2B1EC7-343C-4400-818A-F7516CE362DD}"/>
+                <a16:creationId xmlns="" xmlns:a16="http://schemas.microsoft.com/office/drawing/2014/main" id="{CC2B1EC7-343C-4400-818A-F7516CE362DD}"/>
               </a:ext>
             </a:extLst>
           </p:cNvPr>
@@ -11334,7 +11334,7 @@
             <p:cNvPr id="98" name="Line 29">
               <a:extLst>
                 <a:ext uri="{FF2B5EF4-FFF2-40B4-BE49-F238E27FC236}">
-                  <a16:creationId xmlns:a16="http://schemas.microsoft.com/office/drawing/2014/main" xmlns="" id="{84AED96E-74A3-4F4D-B85C-FF8B7C2B9CF6}"/>
+                  <a16:creationId xmlns="" xmlns:a16="http://schemas.microsoft.com/office/drawing/2014/main" id="{84AED96E-74A3-4F4D-B85C-FF8B7C2B9CF6}"/>
                 </a:ext>
               </a:extLst>
             </p:cNvPr>
@@ -11362,7 +11362,7 @@
             </a:ln>
             <a:extLst>
               <a:ext uri="{909E8E84-426E-40DD-AFC4-6F175D3DCCD1}">
-                <a14:hiddenFill xmlns:a14="http://schemas.microsoft.com/office/drawing/2010/main" xmlns="">
+                <a14:hiddenFill xmlns="" xmlns:a14="http://schemas.microsoft.com/office/drawing/2010/main">
                   <a:noFill/>
                 </a14:hiddenFill>
               </a:ext>
@@ -11381,7 +11381,7 @@
             <p:cNvPr id="99" name="Line 30">
               <a:extLst>
                 <a:ext uri="{FF2B5EF4-FFF2-40B4-BE49-F238E27FC236}">
-                  <a16:creationId xmlns:a16="http://schemas.microsoft.com/office/drawing/2014/main" xmlns="" id="{405D5B69-9224-4A09-AD8C-8E6A641A8129}"/>
+                  <a16:creationId xmlns="" xmlns:a16="http://schemas.microsoft.com/office/drawing/2014/main" id="{405D5B69-9224-4A09-AD8C-8E6A641A8129}"/>
                 </a:ext>
               </a:extLst>
             </p:cNvPr>
@@ -11409,7 +11409,7 @@
             </a:ln>
             <a:extLst>
               <a:ext uri="{909E8E84-426E-40DD-AFC4-6F175D3DCCD1}">
-                <a14:hiddenFill xmlns:a14="http://schemas.microsoft.com/office/drawing/2010/main" xmlns="">
+                <a14:hiddenFill xmlns="" xmlns:a14="http://schemas.microsoft.com/office/drawing/2010/main">
                   <a:noFill/>
                 </a14:hiddenFill>
               </a:ext>
@@ -11429,7 +11429,7 @@
           <p:cNvPr id="8" name="Group 31">
             <a:extLst>
               <a:ext uri="{FF2B5EF4-FFF2-40B4-BE49-F238E27FC236}">
-                <a16:creationId xmlns:a16="http://schemas.microsoft.com/office/drawing/2014/main" xmlns="" id="{DB032C98-2F42-4CEB-9424-CFFF8DB6AD90}"/>
+                <a16:creationId xmlns="" xmlns:a16="http://schemas.microsoft.com/office/drawing/2014/main" id="{DB032C98-2F42-4CEB-9424-CFFF8DB6AD90}"/>
               </a:ext>
             </a:extLst>
           </p:cNvPr>
@@ -11451,7 +11451,7 @@
             <p:cNvPr id="101" name="Line 32">
               <a:extLst>
                 <a:ext uri="{FF2B5EF4-FFF2-40B4-BE49-F238E27FC236}">
-                  <a16:creationId xmlns:a16="http://schemas.microsoft.com/office/drawing/2014/main" xmlns="" id="{4C54ACB1-C80A-4B05-A800-3BB604C82BEE}"/>
+                  <a16:creationId xmlns="" xmlns:a16="http://schemas.microsoft.com/office/drawing/2014/main" id="{4C54ACB1-C80A-4B05-A800-3BB604C82BEE}"/>
                 </a:ext>
               </a:extLst>
             </p:cNvPr>
@@ -11479,7 +11479,7 @@
             </a:ln>
             <a:extLst>
               <a:ext uri="{909E8E84-426E-40DD-AFC4-6F175D3DCCD1}">
-                <a14:hiddenFill xmlns:a14="http://schemas.microsoft.com/office/drawing/2010/main" xmlns="">
+                <a14:hiddenFill xmlns="" xmlns:a14="http://schemas.microsoft.com/office/drawing/2010/main">
                   <a:noFill/>
                 </a14:hiddenFill>
               </a:ext>
@@ -11498,7 +11498,7 @@
             <p:cNvPr id="102" name="Line 33">
               <a:extLst>
                 <a:ext uri="{FF2B5EF4-FFF2-40B4-BE49-F238E27FC236}">
-                  <a16:creationId xmlns:a16="http://schemas.microsoft.com/office/drawing/2014/main" xmlns="" id="{8E2E22A3-5B69-40A5-B3C0-DAB58770BF68}"/>
+                  <a16:creationId xmlns="" xmlns:a16="http://schemas.microsoft.com/office/drawing/2014/main" id="{8E2E22A3-5B69-40A5-B3C0-DAB58770BF68}"/>
                 </a:ext>
               </a:extLst>
             </p:cNvPr>
@@ -11526,7 +11526,7 @@
             </a:ln>
             <a:extLst>
               <a:ext uri="{909E8E84-426E-40DD-AFC4-6F175D3DCCD1}">
-                <a14:hiddenFill xmlns:a14="http://schemas.microsoft.com/office/drawing/2010/main" xmlns="">
+                <a14:hiddenFill xmlns="" xmlns:a14="http://schemas.microsoft.com/office/drawing/2010/main">
                   <a:noFill/>
                 </a14:hiddenFill>
               </a:ext>
@@ -11546,7 +11546,7 @@
           <p:cNvPr id="9" name="Group 34">
             <a:extLst>
               <a:ext uri="{FF2B5EF4-FFF2-40B4-BE49-F238E27FC236}">
-                <a16:creationId xmlns:a16="http://schemas.microsoft.com/office/drawing/2014/main" xmlns="" id="{2C44959D-7382-4C2F-BF6A-647FE332B178}"/>
+                <a16:creationId xmlns="" xmlns:a16="http://schemas.microsoft.com/office/drawing/2014/main" id="{2C44959D-7382-4C2F-BF6A-647FE332B178}"/>
               </a:ext>
             </a:extLst>
           </p:cNvPr>
@@ -11568,7 +11568,7 @@
             <p:cNvPr id="104" name="Line 35">
               <a:extLst>
                 <a:ext uri="{FF2B5EF4-FFF2-40B4-BE49-F238E27FC236}">
-                  <a16:creationId xmlns:a16="http://schemas.microsoft.com/office/drawing/2014/main" xmlns="" id="{46EB3504-8C92-4250-BB7F-9B4ECBE96749}"/>
+                  <a16:creationId xmlns="" xmlns:a16="http://schemas.microsoft.com/office/drawing/2014/main" id="{46EB3504-8C92-4250-BB7F-9B4ECBE96749}"/>
                 </a:ext>
               </a:extLst>
             </p:cNvPr>
@@ -11596,7 +11596,7 @@
             </a:ln>
             <a:extLst>
               <a:ext uri="{909E8E84-426E-40DD-AFC4-6F175D3DCCD1}">
-                <a14:hiddenFill xmlns:a14="http://schemas.microsoft.com/office/drawing/2010/main" xmlns="">
+                <a14:hiddenFill xmlns="" xmlns:a14="http://schemas.microsoft.com/office/drawing/2010/main">
                   <a:noFill/>
                 </a14:hiddenFill>
               </a:ext>
@@ -11615,7 +11615,7 @@
             <p:cNvPr id="105" name="Line 36">
               <a:extLst>
                 <a:ext uri="{FF2B5EF4-FFF2-40B4-BE49-F238E27FC236}">
-                  <a16:creationId xmlns:a16="http://schemas.microsoft.com/office/drawing/2014/main" xmlns="" id="{BB94B331-7F8F-423C-B376-00C05CB273FC}"/>
+                  <a16:creationId xmlns="" xmlns:a16="http://schemas.microsoft.com/office/drawing/2014/main" id="{BB94B331-7F8F-423C-B376-00C05CB273FC}"/>
                 </a:ext>
               </a:extLst>
             </p:cNvPr>
@@ -11643,7 +11643,7 @@
             </a:ln>
             <a:extLst>
               <a:ext uri="{909E8E84-426E-40DD-AFC4-6F175D3DCCD1}">
-                <a14:hiddenFill xmlns:a14="http://schemas.microsoft.com/office/drawing/2010/main" xmlns="">
+                <a14:hiddenFill xmlns="" xmlns:a14="http://schemas.microsoft.com/office/drawing/2010/main">
                   <a:noFill/>
                 </a14:hiddenFill>
               </a:ext>
@@ -11663,7 +11663,7 @@
           <p:cNvPr id="10" name="Group 37">
             <a:extLst>
               <a:ext uri="{FF2B5EF4-FFF2-40B4-BE49-F238E27FC236}">
-                <a16:creationId xmlns:a16="http://schemas.microsoft.com/office/drawing/2014/main" xmlns="" id="{2BC8FC45-CC3B-417F-8699-27288E46A50E}"/>
+                <a16:creationId xmlns="" xmlns:a16="http://schemas.microsoft.com/office/drawing/2014/main" id="{2BC8FC45-CC3B-417F-8699-27288E46A50E}"/>
               </a:ext>
             </a:extLst>
           </p:cNvPr>
@@ -11685,7 +11685,7 @@
             <p:cNvPr id="107" name="Line 38">
               <a:extLst>
                 <a:ext uri="{FF2B5EF4-FFF2-40B4-BE49-F238E27FC236}">
-                  <a16:creationId xmlns:a16="http://schemas.microsoft.com/office/drawing/2014/main" xmlns="" id="{44422A7A-1DB9-4FC3-8126-13B808BDDF58}"/>
+                  <a16:creationId xmlns="" xmlns:a16="http://schemas.microsoft.com/office/drawing/2014/main" id="{44422A7A-1DB9-4FC3-8126-13B808BDDF58}"/>
                 </a:ext>
               </a:extLst>
             </p:cNvPr>
@@ -11713,7 +11713,7 @@
             </a:ln>
             <a:extLst>
               <a:ext uri="{909E8E84-426E-40DD-AFC4-6F175D3DCCD1}">
-                <a14:hiddenFill xmlns:a14="http://schemas.microsoft.com/office/drawing/2010/main" xmlns="">
+                <a14:hiddenFill xmlns="" xmlns:a14="http://schemas.microsoft.com/office/drawing/2010/main">
                   <a:noFill/>
                 </a14:hiddenFill>
               </a:ext>
@@ -11732,7 +11732,7 @@
             <p:cNvPr id="108" name="Line 39">
               <a:extLst>
                 <a:ext uri="{FF2B5EF4-FFF2-40B4-BE49-F238E27FC236}">
-                  <a16:creationId xmlns:a16="http://schemas.microsoft.com/office/drawing/2014/main" xmlns="" id="{12ED48AD-48D0-4276-8BA8-5D3E9F1D0DC1}"/>
+                  <a16:creationId xmlns="" xmlns:a16="http://schemas.microsoft.com/office/drawing/2014/main" id="{12ED48AD-48D0-4276-8BA8-5D3E9F1D0DC1}"/>
                 </a:ext>
               </a:extLst>
             </p:cNvPr>
@@ -11760,7 +11760,7 @@
             </a:ln>
             <a:extLst>
               <a:ext uri="{909E8E84-426E-40DD-AFC4-6F175D3DCCD1}">
-                <a14:hiddenFill xmlns:a14="http://schemas.microsoft.com/office/drawing/2010/main" xmlns="">
+                <a14:hiddenFill xmlns="" xmlns:a14="http://schemas.microsoft.com/office/drawing/2010/main">
                   <a:noFill/>
                 </a14:hiddenFill>
               </a:ext>
@@ -11780,7 +11780,7 @@
           <p:cNvPr id="11" name="Group 40">
             <a:extLst>
               <a:ext uri="{FF2B5EF4-FFF2-40B4-BE49-F238E27FC236}">
-                <a16:creationId xmlns:a16="http://schemas.microsoft.com/office/drawing/2014/main" xmlns="" id="{BB6D48E1-7070-491E-ABB8-060023508FD8}"/>
+                <a16:creationId xmlns="" xmlns:a16="http://schemas.microsoft.com/office/drawing/2014/main" id="{BB6D48E1-7070-491E-ABB8-060023508FD8}"/>
               </a:ext>
             </a:extLst>
           </p:cNvPr>
@@ -11802,7 +11802,7 @@
             <p:cNvPr id="110" name="Line 41">
               <a:extLst>
                 <a:ext uri="{FF2B5EF4-FFF2-40B4-BE49-F238E27FC236}">
-                  <a16:creationId xmlns:a16="http://schemas.microsoft.com/office/drawing/2014/main" xmlns="" id="{1BA012E4-4AA0-42D1-B34C-A46AF0B12B51}"/>
+                  <a16:creationId xmlns="" xmlns:a16="http://schemas.microsoft.com/office/drawing/2014/main" id="{1BA012E4-4AA0-42D1-B34C-A46AF0B12B51}"/>
                 </a:ext>
               </a:extLst>
             </p:cNvPr>
@@ -11830,7 +11830,7 @@
             </a:ln>
             <a:extLst>
               <a:ext uri="{909E8E84-426E-40DD-AFC4-6F175D3DCCD1}">
-                <a14:hiddenFill xmlns:a14="http://schemas.microsoft.com/office/drawing/2010/main" xmlns="">
+                <a14:hiddenFill xmlns="" xmlns:a14="http://schemas.microsoft.com/office/drawing/2010/main">
                   <a:noFill/>
                 </a14:hiddenFill>
               </a:ext>
@@ -11849,7 +11849,7 @@
             <p:cNvPr id="111" name="Line 42">
               <a:extLst>
                 <a:ext uri="{FF2B5EF4-FFF2-40B4-BE49-F238E27FC236}">
-                  <a16:creationId xmlns:a16="http://schemas.microsoft.com/office/drawing/2014/main" xmlns="" id="{D9C7F433-A6AE-4370-B1B3-E9F7FE117EF5}"/>
+                  <a16:creationId xmlns="" xmlns:a16="http://schemas.microsoft.com/office/drawing/2014/main" id="{D9C7F433-A6AE-4370-B1B3-E9F7FE117EF5}"/>
                 </a:ext>
               </a:extLst>
             </p:cNvPr>
@@ -11877,7 +11877,7 @@
             </a:ln>
             <a:extLst>
               <a:ext uri="{909E8E84-426E-40DD-AFC4-6F175D3DCCD1}">
-                <a14:hiddenFill xmlns:a14="http://schemas.microsoft.com/office/drawing/2010/main" xmlns="">
+                <a14:hiddenFill xmlns="" xmlns:a14="http://schemas.microsoft.com/office/drawing/2010/main">
                   <a:noFill/>
                 </a14:hiddenFill>
               </a:ext>
@@ -11897,7 +11897,7 @@
           <p:cNvPr id="12" name="Group 43">
             <a:extLst>
               <a:ext uri="{FF2B5EF4-FFF2-40B4-BE49-F238E27FC236}">
-                <a16:creationId xmlns:a16="http://schemas.microsoft.com/office/drawing/2014/main" xmlns="" id="{CBAEA6F7-90AD-4682-99D7-4207774D1B84}"/>
+                <a16:creationId xmlns="" xmlns:a16="http://schemas.microsoft.com/office/drawing/2014/main" id="{CBAEA6F7-90AD-4682-99D7-4207774D1B84}"/>
               </a:ext>
             </a:extLst>
           </p:cNvPr>
@@ -11919,7 +11919,7 @@
             <p:cNvPr id="113" name="Line 44">
               <a:extLst>
                 <a:ext uri="{FF2B5EF4-FFF2-40B4-BE49-F238E27FC236}">
-                  <a16:creationId xmlns:a16="http://schemas.microsoft.com/office/drawing/2014/main" xmlns="" id="{0D02488C-9E4F-43F4-A248-A7E4A636079F}"/>
+                  <a16:creationId xmlns="" xmlns:a16="http://schemas.microsoft.com/office/drawing/2014/main" id="{0D02488C-9E4F-43F4-A248-A7E4A636079F}"/>
                 </a:ext>
               </a:extLst>
             </p:cNvPr>
@@ -11947,7 +11947,7 @@
             </a:ln>
             <a:extLst>
               <a:ext uri="{909E8E84-426E-40DD-AFC4-6F175D3DCCD1}">
-                <a14:hiddenFill xmlns:a14="http://schemas.microsoft.com/office/drawing/2010/main" xmlns="">
+                <a14:hiddenFill xmlns="" xmlns:a14="http://schemas.microsoft.com/office/drawing/2010/main">
                   <a:noFill/>
                 </a14:hiddenFill>
               </a:ext>
@@ -11966,7 +11966,7 @@
             <p:cNvPr id="114" name="Line 45">
               <a:extLst>
                 <a:ext uri="{FF2B5EF4-FFF2-40B4-BE49-F238E27FC236}">
-                  <a16:creationId xmlns:a16="http://schemas.microsoft.com/office/drawing/2014/main" xmlns="" id="{A9B6730B-F72B-41E2-84A9-B10A4F553BAD}"/>
+                  <a16:creationId xmlns="" xmlns:a16="http://schemas.microsoft.com/office/drawing/2014/main" id="{A9B6730B-F72B-41E2-84A9-B10A4F553BAD}"/>
                 </a:ext>
               </a:extLst>
             </p:cNvPr>
@@ -11994,7 +11994,7 @@
             </a:ln>
             <a:extLst>
               <a:ext uri="{909E8E84-426E-40DD-AFC4-6F175D3DCCD1}">
-                <a14:hiddenFill xmlns:a14="http://schemas.microsoft.com/office/drawing/2010/main" xmlns="">
+                <a14:hiddenFill xmlns="" xmlns:a14="http://schemas.microsoft.com/office/drawing/2010/main">
                   <a:noFill/>
                 </a14:hiddenFill>
               </a:ext>
@@ -12014,7 +12014,7 @@
           <p:cNvPr id="13" name="Group 46">
             <a:extLst>
               <a:ext uri="{FF2B5EF4-FFF2-40B4-BE49-F238E27FC236}">
-                <a16:creationId xmlns:a16="http://schemas.microsoft.com/office/drawing/2014/main" xmlns="" id="{A3FD892D-8517-4310-9044-57028C3C2728}"/>
+                <a16:creationId xmlns="" xmlns:a16="http://schemas.microsoft.com/office/drawing/2014/main" id="{A3FD892D-8517-4310-9044-57028C3C2728}"/>
               </a:ext>
             </a:extLst>
           </p:cNvPr>
@@ -12036,7 +12036,7 @@
             <p:cNvPr id="116" name="Freeform 47">
               <a:extLst>
                 <a:ext uri="{FF2B5EF4-FFF2-40B4-BE49-F238E27FC236}">
-                  <a16:creationId xmlns:a16="http://schemas.microsoft.com/office/drawing/2014/main" xmlns="" id="{4526D80F-90D8-48BE-BC53-BCCF8EC6A3B6}"/>
+                  <a16:creationId xmlns="" xmlns:a16="http://schemas.microsoft.com/office/drawing/2014/main" id="{4526D80F-90D8-48BE-BC53-BCCF8EC6A3B6}"/>
                 </a:ext>
               </a:extLst>
             </p:cNvPr>
@@ -12106,7 +12106,7 @@
             </a:ln>
             <a:extLst>
               <a:ext uri="{909E8E84-426E-40DD-AFC4-6F175D3DCCD1}">
-                <a14:hiddenFill xmlns:a14="http://schemas.microsoft.com/office/drawing/2010/main" xmlns="">
+                <a14:hiddenFill xmlns="" xmlns:a14="http://schemas.microsoft.com/office/drawing/2010/main">
                   <a:solidFill>
                     <a:srgbClr val="FFFFFF"/>
                   </a:solidFill>
@@ -12127,7 +12127,7 @@
             <p:cNvPr id="117" name="Line 48">
               <a:extLst>
                 <a:ext uri="{FF2B5EF4-FFF2-40B4-BE49-F238E27FC236}">
-                  <a16:creationId xmlns:a16="http://schemas.microsoft.com/office/drawing/2014/main" xmlns="" id="{2BDCC9E8-4009-4C7E-A8E3-380985EF10D0}"/>
+                  <a16:creationId xmlns="" xmlns:a16="http://schemas.microsoft.com/office/drawing/2014/main" id="{2BDCC9E8-4009-4C7E-A8E3-380985EF10D0}"/>
                 </a:ext>
               </a:extLst>
             </p:cNvPr>
@@ -12156,7 +12156,7 @@
             </a:ln>
             <a:extLst>
               <a:ext uri="{909E8E84-426E-40DD-AFC4-6F175D3DCCD1}">
-                <a14:hiddenFill xmlns:a14="http://schemas.microsoft.com/office/drawing/2010/main" xmlns="">
+                <a14:hiddenFill xmlns="" xmlns:a14="http://schemas.microsoft.com/office/drawing/2010/main">
                   <a:noFill/>
                 </a14:hiddenFill>
               </a:ext>
@@ -12175,7 +12175,7 @@
             <p:cNvPr id="14" name="Group 49">
               <a:extLst>
                 <a:ext uri="{FF2B5EF4-FFF2-40B4-BE49-F238E27FC236}">
-                  <a16:creationId xmlns:a16="http://schemas.microsoft.com/office/drawing/2014/main" xmlns="" id="{91FB51F4-FCFE-4346-AC69-E86F2F58F891}"/>
+                  <a16:creationId xmlns="" xmlns:a16="http://schemas.microsoft.com/office/drawing/2014/main" id="{91FB51F4-FCFE-4346-AC69-E86F2F58F891}"/>
                 </a:ext>
               </a:extLst>
             </p:cNvPr>
@@ -12197,7 +12197,7 @@
               <p:cNvPr id="119" name="Line 50">
                 <a:extLst>
                   <a:ext uri="{FF2B5EF4-FFF2-40B4-BE49-F238E27FC236}">
-                    <a16:creationId xmlns:a16="http://schemas.microsoft.com/office/drawing/2014/main" xmlns="" id="{D360537B-277E-4FF5-9DA8-A4EE6C2F8B83}"/>
+                    <a16:creationId xmlns="" xmlns:a16="http://schemas.microsoft.com/office/drawing/2014/main" id="{D360537B-277E-4FF5-9DA8-A4EE6C2F8B83}"/>
                   </a:ext>
                 </a:extLst>
               </p:cNvPr>
@@ -12225,7 +12225,7 @@
               </a:ln>
               <a:extLst>
                 <a:ext uri="{909E8E84-426E-40DD-AFC4-6F175D3DCCD1}">
-                  <a14:hiddenFill xmlns:a14="http://schemas.microsoft.com/office/drawing/2010/main" xmlns="">
+                  <a14:hiddenFill xmlns="" xmlns:a14="http://schemas.microsoft.com/office/drawing/2010/main">
                     <a:noFill/>
                   </a14:hiddenFill>
                 </a:ext>
@@ -12244,7 +12244,7 @@
               <p:cNvPr id="120" name="Line 51">
                 <a:extLst>
                   <a:ext uri="{FF2B5EF4-FFF2-40B4-BE49-F238E27FC236}">
-                    <a16:creationId xmlns:a16="http://schemas.microsoft.com/office/drawing/2014/main" xmlns="" id="{5DC65C12-69C6-439C-86B8-07D3AA4C587B}"/>
+                    <a16:creationId xmlns="" xmlns:a16="http://schemas.microsoft.com/office/drawing/2014/main" id="{5DC65C12-69C6-439C-86B8-07D3AA4C587B}"/>
                   </a:ext>
                 </a:extLst>
               </p:cNvPr>
@@ -12272,7 +12272,7 @@
               </a:ln>
               <a:extLst>
                 <a:ext uri="{909E8E84-426E-40DD-AFC4-6F175D3DCCD1}">
-                  <a14:hiddenFill xmlns:a14="http://schemas.microsoft.com/office/drawing/2010/main" xmlns="">
+                  <a14:hiddenFill xmlns="" xmlns:a14="http://schemas.microsoft.com/office/drawing/2010/main">
                     <a:noFill/>
                   </a14:hiddenFill>
                 </a:ext>
@@ -12293,7 +12293,7 @@
           <p:cNvPr id="121" name="Line 52">
             <a:extLst>
               <a:ext uri="{FF2B5EF4-FFF2-40B4-BE49-F238E27FC236}">
-                <a16:creationId xmlns:a16="http://schemas.microsoft.com/office/drawing/2014/main" xmlns="" id="{46D09979-7B5D-4AE2-96B6-C9965470B15D}"/>
+                <a16:creationId xmlns="" xmlns:a16="http://schemas.microsoft.com/office/drawing/2014/main" id="{46D09979-7B5D-4AE2-96B6-C9965470B15D}"/>
               </a:ext>
             </a:extLst>
           </p:cNvPr>
@@ -12321,7 +12321,7 @@
           </a:ln>
           <a:extLst>
             <a:ext uri="{909E8E84-426E-40DD-AFC4-6F175D3DCCD1}">
-              <a14:hiddenFill xmlns:a14="http://schemas.microsoft.com/office/drawing/2010/main" xmlns="">
+              <a14:hiddenFill xmlns="" xmlns:a14="http://schemas.microsoft.com/office/drawing/2010/main">
                 <a:noFill/>
               </a14:hiddenFill>
             </a:ext>
@@ -12340,7 +12340,7 @@
           <p:cNvPr id="122" name="Line 53">
             <a:extLst>
               <a:ext uri="{FF2B5EF4-FFF2-40B4-BE49-F238E27FC236}">
-                <a16:creationId xmlns:a16="http://schemas.microsoft.com/office/drawing/2014/main" xmlns="" id="{5BB221A1-B36F-4403-85EA-03354AC032C4}"/>
+                <a16:creationId xmlns="" xmlns:a16="http://schemas.microsoft.com/office/drawing/2014/main" id="{5BB221A1-B36F-4403-85EA-03354AC032C4}"/>
               </a:ext>
             </a:extLst>
           </p:cNvPr>
@@ -12369,7 +12369,7 @@
           </a:ln>
           <a:extLst>
             <a:ext uri="{909E8E84-426E-40DD-AFC4-6F175D3DCCD1}">
-              <a14:hiddenFill xmlns:a14="http://schemas.microsoft.com/office/drawing/2010/main" xmlns="">
+              <a14:hiddenFill xmlns="" xmlns:a14="http://schemas.microsoft.com/office/drawing/2010/main">
                 <a:noFill/>
               </a14:hiddenFill>
             </a:ext>
@@ -12388,7 +12388,7 @@
           <p:cNvPr id="123" name="Line 54">
             <a:extLst>
               <a:ext uri="{FF2B5EF4-FFF2-40B4-BE49-F238E27FC236}">
-                <a16:creationId xmlns:a16="http://schemas.microsoft.com/office/drawing/2014/main" xmlns="" id="{F1960395-3C67-4B8D-AA76-74FBB8DE8398}"/>
+                <a16:creationId xmlns="" xmlns:a16="http://schemas.microsoft.com/office/drawing/2014/main" id="{F1960395-3C67-4B8D-AA76-74FBB8DE8398}"/>
               </a:ext>
             </a:extLst>
           </p:cNvPr>
@@ -12416,7 +12416,7 @@
           </a:ln>
           <a:extLst>
             <a:ext uri="{909E8E84-426E-40DD-AFC4-6F175D3DCCD1}">
-              <a14:hiddenFill xmlns:a14="http://schemas.microsoft.com/office/drawing/2010/main" xmlns="">
+              <a14:hiddenFill xmlns="" xmlns:a14="http://schemas.microsoft.com/office/drawing/2010/main">
                 <a:noFill/>
               </a14:hiddenFill>
             </a:ext>
@@ -12435,7 +12435,7 @@
           <p:cNvPr id="124" name="Line 55">
             <a:extLst>
               <a:ext uri="{FF2B5EF4-FFF2-40B4-BE49-F238E27FC236}">
-                <a16:creationId xmlns:a16="http://schemas.microsoft.com/office/drawing/2014/main" xmlns="" id="{20D6103C-7325-4F9F-94C3-666568E4497D}"/>
+                <a16:creationId xmlns="" xmlns:a16="http://schemas.microsoft.com/office/drawing/2014/main" id="{20D6103C-7325-4F9F-94C3-666568E4497D}"/>
               </a:ext>
             </a:extLst>
           </p:cNvPr>
@@ -12464,7 +12464,7 @@
           </a:ln>
           <a:extLst>
             <a:ext uri="{909E8E84-426E-40DD-AFC4-6F175D3DCCD1}">
-              <a14:hiddenFill xmlns:a14="http://schemas.microsoft.com/office/drawing/2010/main" xmlns="">
+              <a14:hiddenFill xmlns="" xmlns:a14="http://schemas.microsoft.com/office/drawing/2010/main">
                 <a:noFill/>
               </a14:hiddenFill>
             </a:ext>
@@ -12483,7 +12483,7 @@
           <p:cNvPr id="125" name="Line 56">
             <a:extLst>
               <a:ext uri="{FF2B5EF4-FFF2-40B4-BE49-F238E27FC236}">
-                <a16:creationId xmlns:a16="http://schemas.microsoft.com/office/drawing/2014/main" xmlns="" id="{32A0F067-A85B-4569-BF68-A905FFB87973}"/>
+                <a16:creationId xmlns="" xmlns:a16="http://schemas.microsoft.com/office/drawing/2014/main" id="{32A0F067-A85B-4569-BF68-A905FFB87973}"/>
               </a:ext>
             </a:extLst>
           </p:cNvPr>
@@ -12511,7 +12511,7 @@
           </a:ln>
           <a:extLst>
             <a:ext uri="{909E8E84-426E-40DD-AFC4-6F175D3DCCD1}">
-              <a14:hiddenFill xmlns:a14="http://schemas.microsoft.com/office/drawing/2010/main" xmlns="">
+              <a14:hiddenFill xmlns="" xmlns:a14="http://schemas.microsoft.com/office/drawing/2010/main">
                 <a:noFill/>
               </a14:hiddenFill>
             </a:ext>
@@ -12530,7 +12530,7 @@
           <p:cNvPr id="126" name="Line 57">
             <a:extLst>
               <a:ext uri="{FF2B5EF4-FFF2-40B4-BE49-F238E27FC236}">
-                <a16:creationId xmlns:a16="http://schemas.microsoft.com/office/drawing/2014/main" xmlns="" id="{4B6E231C-16C3-40F4-B0ED-650575C473D8}"/>
+                <a16:creationId xmlns="" xmlns:a16="http://schemas.microsoft.com/office/drawing/2014/main" id="{4B6E231C-16C3-40F4-B0ED-650575C473D8}"/>
               </a:ext>
             </a:extLst>
           </p:cNvPr>
@@ -12559,7 +12559,7 @@
           </a:ln>
           <a:extLst>
             <a:ext uri="{909E8E84-426E-40DD-AFC4-6F175D3DCCD1}">
-              <a14:hiddenFill xmlns:a14="http://schemas.microsoft.com/office/drawing/2010/main" xmlns="">
+              <a14:hiddenFill xmlns="" xmlns:a14="http://schemas.microsoft.com/office/drawing/2010/main">
                 <a:noFill/>
               </a14:hiddenFill>
             </a:ext>
@@ -12578,7 +12578,7 @@
           <p:cNvPr id="127" name="Line 58">
             <a:extLst>
               <a:ext uri="{FF2B5EF4-FFF2-40B4-BE49-F238E27FC236}">
-                <a16:creationId xmlns:a16="http://schemas.microsoft.com/office/drawing/2014/main" xmlns="" id="{09E63596-31F8-46B6-8D67-4D672BDCC1A3}"/>
+                <a16:creationId xmlns="" xmlns:a16="http://schemas.microsoft.com/office/drawing/2014/main" id="{09E63596-31F8-46B6-8D67-4D672BDCC1A3}"/>
               </a:ext>
             </a:extLst>
           </p:cNvPr>
@@ -12606,7 +12606,7 @@
           </a:ln>
           <a:extLst>
             <a:ext uri="{909E8E84-426E-40DD-AFC4-6F175D3DCCD1}">
-              <a14:hiddenFill xmlns:a14="http://schemas.microsoft.com/office/drawing/2010/main" xmlns="">
+              <a14:hiddenFill xmlns="" xmlns:a14="http://schemas.microsoft.com/office/drawing/2010/main">
                 <a:noFill/>
               </a14:hiddenFill>
             </a:ext>
@@ -12625,7 +12625,7 @@
           <p:cNvPr id="128" name="Line 59">
             <a:extLst>
               <a:ext uri="{FF2B5EF4-FFF2-40B4-BE49-F238E27FC236}">
-                <a16:creationId xmlns:a16="http://schemas.microsoft.com/office/drawing/2014/main" xmlns="" id="{53B7328C-436B-47AE-927F-AD2BB3FDB40A}"/>
+                <a16:creationId xmlns="" xmlns:a16="http://schemas.microsoft.com/office/drawing/2014/main" id="{53B7328C-436B-47AE-927F-AD2BB3FDB40A}"/>
               </a:ext>
             </a:extLst>
           </p:cNvPr>
@@ -12653,7 +12653,7 @@
           </a:ln>
           <a:extLst>
             <a:ext uri="{909E8E84-426E-40DD-AFC4-6F175D3DCCD1}">
-              <a14:hiddenFill xmlns:a14="http://schemas.microsoft.com/office/drawing/2010/main" xmlns="">
+              <a14:hiddenFill xmlns="" xmlns:a14="http://schemas.microsoft.com/office/drawing/2010/main">
                 <a:noFill/>
               </a14:hiddenFill>
             </a:ext>
@@ -12672,7 +12672,7 @@
           <p:cNvPr id="129" name="Line 60">
             <a:extLst>
               <a:ext uri="{FF2B5EF4-FFF2-40B4-BE49-F238E27FC236}">
-                <a16:creationId xmlns:a16="http://schemas.microsoft.com/office/drawing/2014/main" xmlns="" id="{9D9FDEB4-D69B-4B64-B09E-9CCAB3B8A0B3}"/>
+                <a16:creationId xmlns="" xmlns:a16="http://schemas.microsoft.com/office/drawing/2014/main" id="{9D9FDEB4-D69B-4B64-B09E-9CCAB3B8A0B3}"/>
               </a:ext>
             </a:extLst>
           </p:cNvPr>
@@ -12701,7 +12701,7 @@
           </a:ln>
           <a:extLst>
             <a:ext uri="{909E8E84-426E-40DD-AFC4-6F175D3DCCD1}">
-              <a14:hiddenFill xmlns:a14="http://schemas.microsoft.com/office/drawing/2010/main" xmlns="">
+              <a14:hiddenFill xmlns="" xmlns:a14="http://schemas.microsoft.com/office/drawing/2010/main">
                 <a:noFill/>
               </a14:hiddenFill>
             </a:ext>
@@ -12720,7 +12720,7 @@
           <p:cNvPr id="130" name="Line 61">
             <a:extLst>
               <a:ext uri="{FF2B5EF4-FFF2-40B4-BE49-F238E27FC236}">
-                <a16:creationId xmlns:a16="http://schemas.microsoft.com/office/drawing/2014/main" xmlns="" id="{4C21B92A-CB7D-4F3D-B066-115711C7F9E9}"/>
+                <a16:creationId xmlns="" xmlns:a16="http://schemas.microsoft.com/office/drawing/2014/main" id="{4C21B92A-CB7D-4F3D-B066-115711C7F9E9}"/>
               </a:ext>
             </a:extLst>
           </p:cNvPr>
@@ -12749,7 +12749,7 @@
           </a:ln>
           <a:extLst>
             <a:ext uri="{909E8E84-426E-40DD-AFC4-6F175D3DCCD1}">
-              <a14:hiddenFill xmlns:a14="http://schemas.microsoft.com/office/drawing/2010/main" xmlns="">
+              <a14:hiddenFill xmlns="" xmlns:a14="http://schemas.microsoft.com/office/drawing/2010/main">
                 <a:noFill/>
               </a14:hiddenFill>
             </a:ext>
@@ -12768,7 +12768,7 @@
           <p:cNvPr id="131" name="Line 62">
             <a:extLst>
               <a:ext uri="{FF2B5EF4-FFF2-40B4-BE49-F238E27FC236}">
-                <a16:creationId xmlns:a16="http://schemas.microsoft.com/office/drawing/2014/main" xmlns="" id="{D998635C-8ECD-406D-86E5-8DA96C75FB20}"/>
+                <a16:creationId xmlns="" xmlns:a16="http://schemas.microsoft.com/office/drawing/2014/main" id="{D998635C-8ECD-406D-86E5-8DA96C75FB20}"/>
               </a:ext>
             </a:extLst>
           </p:cNvPr>
@@ -12796,7 +12796,7 @@
           </a:ln>
           <a:extLst>
             <a:ext uri="{909E8E84-426E-40DD-AFC4-6F175D3DCCD1}">
-              <a14:hiddenFill xmlns:a14="http://schemas.microsoft.com/office/drawing/2010/main" xmlns="">
+              <a14:hiddenFill xmlns="" xmlns:a14="http://schemas.microsoft.com/office/drawing/2010/main">
                 <a:noFill/>
               </a14:hiddenFill>
             </a:ext>
@@ -12815,7 +12815,7 @@
           <p:cNvPr id="132" name="Line 63">
             <a:extLst>
               <a:ext uri="{FF2B5EF4-FFF2-40B4-BE49-F238E27FC236}">
-                <a16:creationId xmlns:a16="http://schemas.microsoft.com/office/drawing/2014/main" xmlns="" id="{D67167C8-792A-4857-A44C-24C3A931642F}"/>
+                <a16:creationId xmlns="" xmlns:a16="http://schemas.microsoft.com/office/drawing/2014/main" id="{D67167C8-792A-4857-A44C-24C3A931642F}"/>
               </a:ext>
             </a:extLst>
           </p:cNvPr>
@@ -12844,7 +12844,7 @@
           </a:ln>
           <a:extLst>
             <a:ext uri="{909E8E84-426E-40DD-AFC4-6F175D3DCCD1}">
-              <a14:hiddenFill xmlns:a14="http://schemas.microsoft.com/office/drawing/2010/main" xmlns="">
+              <a14:hiddenFill xmlns="" xmlns:a14="http://schemas.microsoft.com/office/drawing/2010/main">
                 <a:noFill/>
               </a14:hiddenFill>
             </a:ext>
@@ -12863,7 +12863,7 @@
           <p:cNvPr id="133" name="Line 64">
             <a:extLst>
               <a:ext uri="{FF2B5EF4-FFF2-40B4-BE49-F238E27FC236}">
-                <a16:creationId xmlns:a16="http://schemas.microsoft.com/office/drawing/2014/main" xmlns="" id="{7784E2E4-5E10-4CAA-8F48-605BFDF96637}"/>
+                <a16:creationId xmlns="" xmlns:a16="http://schemas.microsoft.com/office/drawing/2014/main" id="{7784E2E4-5E10-4CAA-8F48-605BFDF96637}"/>
               </a:ext>
             </a:extLst>
           </p:cNvPr>
@@ -12891,7 +12891,7 @@
           </a:ln>
           <a:extLst>
             <a:ext uri="{909E8E84-426E-40DD-AFC4-6F175D3DCCD1}">
-              <a14:hiddenFill xmlns:a14="http://schemas.microsoft.com/office/drawing/2010/main" xmlns="">
+              <a14:hiddenFill xmlns="" xmlns:a14="http://schemas.microsoft.com/office/drawing/2010/main">
                 <a:noFill/>
               </a14:hiddenFill>
             </a:ext>
@@ -12910,7 +12910,7 @@
           <p:cNvPr id="134" name="Line 65">
             <a:extLst>
               <a:ext uri="{FF2B5EF4-FFF2-40B4-BE49-F238E27FC236}">
-                <a16:creationId xmlns:a16="http://schemas.microsoft.com/office/drawing/2014/main" xmlns="" id="{F2C548FB-892A-4C10-A4DB-8E7ADC20622E}"/>
+                <a16:creationId xmlns="" xmlns:a16="http://schemas.microsoft.com/office/drawing/2014/main" id="{F2C548FB-892A-4C10-A4DB-8E7ADC20622E}"/>
               </a:ext>
             </a:extLst>
           </p:cNvPr>
@@ -12939,7 +12939,7 @@
           </a:ln>
           <a:extLst>
             <a:ext uri="{909E8E84-426E-40DD-AFC4-6F175D3DCCD1}">
-              <a14:hiddenFill xmlns:a14="http://schemas.microsoft.com/office/drawing/2010/main" xmlns="">
+              <a14:hiddenFill xmlns="" xmlns:a14="http://schemas.microsoft.com/office/drawing/2010/main">
                 <a:noFill/>
               </a14:hiddenFill>
             </a:ext>
@@ -12958,7 +12958,7 @@
           <p:cNvPr id="135" name="Line 66">
             <a:extLst>
               <a:ext uri="{FF2B5EF4-FFF2-40B4-BE49-F238E27FC236}">
-                <a16:creationId xmlns:a16="http://schemas.microsoft.com/office/drawing/2014/main" xmlns="" id="{32D7D3A4-190A-4448-B26A-FD194DBD01B3}"/>
+                <a16:creationId xmlns="" xmlns:a16="http://schemas.microsoft.com/office/drawing/2014/main" id="{32D7D3A4-190A-4448-B26A-FD194DBD01B3}"/>
               </a:ext>
             </a:extLst>
           </p:cNvPr>
@@ -12986,7 +12986,7 @@
           </a:ln>
           <a:extLst>
             <a:ext uri="{909E8E84-426E-40DD-AFC4-6F175D3DCCD1}">
-              <a14:hiddenFill xmlns:a14="http://schemas.microsoft.com/office/drawing/2010/main" xmlns="">
+              <a14:hiddenFill xmlns="" xmlns:a14="http://schemas.microsoft.com/office/drawing/2010/main">
                 <a:noFill/>
               </a14:hiddenFill>
             </a:ext>
@@ -13005,7 +13005,7 @@
           <p:cNvPr id="136" name="Line 67">
             <a:extLst>
               <a:ext uri="{FF2B5EF4-FFF2-40B4-BE49-F238E27FC236}">
-                <a16:creationId xmlns:a16="http://schemas.microsoft.com/office/drawing/2014/main" xmlns="" id="{828D9D30-4E17-49C3-93C5-5953DFCFEA79}"/>
+                <a16:creationId xmlns="" xmlns:a16="http://schemas.microsoft.com/office/drawing/2014/main" id="{828D9D30-4E17-49C3-93C5-5953DFCFEA79}"/>
               </a:ext>
             </a:extLst>
           </p:cNvPr>
@@ -13034,7 +13034,7 @@
           </a:ln>
           <a:extLst>
             <a:ext uri="{909E8E84-426E-40DD-AFC4-6F175D3DCCD1}">
-              <a14:hiddenFill xmlns:a14="http://schemas.microsoft.com/office/drawing/2010/main" xmlns="">
+              <a14:hiddenFill xmlns="" xmlns:a14="http://schemas.microsoft.com/office/drawing/2010/main">
                 <a:noFill/>
               </a14:hiddenFill>
             </a:ext>
@@ -13053,7 +13053,7 @@
           <p:cNvPr id="137" name="Line 68">
             <a:extLst>
               <a:ext uri="{FF2B5EF4-FFF2-40B4-BE49-F238E27FC236}">
-                <a16:creationId xmlns:a16="http://schemas.microsoft.com/office/drawing/2014/main" xmlns="" id="{45B0176C-B512-4CEF-9DD9-C6523FEAB59B}"/>
+                <a16:creationId xmlns="" xmlns:a16="http://schemas.microsoft.com/office/drawing/2014/main" id="{45B0176C-B512-4CEF-9DD9-C6523FEAB59B}"/>
               </a:ext>
             </a:extLst>
           </p:cNvPr>
@@ -13082,7 +13082,7 @@
           </a:ln>
           <a:extLst>
             <a:ext uri="{909E8E84-426E-40DD-AFC4-6F175D3DCCD1}">
-              <a14:hiddenFill xmlns:a14="http://schemas.microsoft.com/office/drawing/2010/main" xmlns="">
+              <a14:hiddenFill xmlns="" xmlns:a14="http://schemas.microsoft.com/office/drawing/2010/main">
                 <a:noFill/>
               </a14:hiddenFill>
             </a:ext>
@@ -13099,7 +13099,7 @@
     </p:spTree>
     <p:extLst>
       <p:ext uri="{BB962C8B-B14F-4D97-AF65-F5344CB8AC3E}">
-        <p14:creationId xmlns:p14="http://schemas.microsoft.com/office/powerpoint/2010/main" xmlns="" val="2477197161"/>
+        <p14:creationId xmlns="" xmlns:p14="http://schemas.microsoft.com/office/powerpoint/2010/main" val="2477197161"/>
       </p:ext>
     </p:extLst>
   </p:cSld>
@@ -13426,7 +13426,7 @@
           <p:cNvPr id="4" name="Rectangle 5">
             <a:extLst>
               <a:ext uri="{FF2B5EF4-FFF2-40B4-BE49-F238E27FC236}">
-                <a16:creationId xmlns="" xmlns:a16="http://schemas.microsoft.com/office/drawing/2014/main" id="{A7516FC4-D8E6-408B-973A-ECE3EFD93511}"/>
+                <a16:creationId xmlns:a16="http://schemas.microsoft.com/office/drawing/2014/main" xmlns="" id="{A7516FC4-D8E6-408B-973A-ECE3EFD93511}"/>
               </a:ext>
             </a:extLst>
           </p:cNvPr>
@@ -13463,7 +13463,7 @@
           <p:cNvPr id="5" name="Picture 29" descr="C:\salome_official\projects\11gR2\screenshots\les6_4s_c.gif">
             <a:extLst>
               <a:ext uri="{FF2B5EF4-FFF2-40B4-BE49-F238E27FC236}">
-                <a16:creationId xmlns="" xmlns:a16="http://schemas.microsoft.com/office/drawing/2014/main" id="{2D4C4989-192F-4F3B-84DC-72B7ED3D8E31}"/>
+                <a16:creationId xmlns:a16="http://schemas.microsoft.com/office/drawing/2014/main" xmlns="" id="{2D4C4989-192F-4F3B-84DC-72B7ED3D8E31}"/>
               </a:ext>
             </a:extLst>
           </p:cNvPr>
@@ -13476,7 +13476,7 @@
           <a:blip r:embed="rId2">
             <a:extLst>
               <a:ext uri="{28A0092B-C50C-407E-A947-70E740481C1C}">
-                <a14:useLocalDpi xmlns="" xmlns:a14="http://schemas.microsoft.com/office/drawing/2010/main" val="0"/>
+                <a14:useLocalDpi xmlns:a14="http://schemas.microsoft.com/office/drawing/2010/main" xmlns="" val="0"/>
               </a:ext>
             </a:extLst>
           </a:blip>
@@ -13504,7 +13504,7 @@
           </a:ln>
           <a:extLst>
             <a:ext uri="{909E8E84-426E-40DD-AFC4-6F175D3DCCD1}">
-              <a14:hiddenFill xmlns="" xmlns:a14="http://schemas.microsoft.com/office/drawing/2010/main">
+              <a14:hiddenFill xmlns:a14="http://schemas.microsoft.com/office/drawing/2010/main" xmlns="">
                 <a:solidFill>
                   <a:srgbClr val="FFFFFF"/>
                 </a:solidFill>
@@ -13518,7 +13518,7 @@
           <p:cNvPr id="6" name="Picture 28" descr="C:\salome_official\projects\11gR2\screenshots\les6_4s_b.gif">
             <a:extLst>
               <a:ext uri="{FF2B5EF4-FFF2-40B4-BE49-F238E27FC236}">
-                <a16:creationId xmlns="" xmlns:a16="http://schemas.microsoft.com/office/drawing/2014/main" id="{4EED87F4-B8A5-47A8-A56A-B1D137324727}"/>
+                <a16:creationId xmlns:a16="http://schemas.microsoft.com/office/drawing/2014/main" xmlns="" id="{4EED87F4-B8A5-47A8-A56A-B1D137324727}"/>
               </a:ext>
             </a:extLst>
           </p:cNvPr>
@@ -13531,7 +13531,7 @@
           <a:blip r:embed="rId3">
             <a:extLst>
               <a:ext uri="{28A0092B-C50C-407E-A947-70E740481C1C}">
-                <a14:useLocalDpi xmlns="" xmlns:a14="http://schemas.microsoft.com/office/drawing/2010/main" val="0"/>
+                <a14:useLocalDpi xmlns:a14="http://schemas.microsoft.com/office/drawing/2010/main" xmlns="" val="0"/>
               </a:ext>
             </a:extLst>
           </a:blip>
@@ -13559,7 +13559,7 @@
           </a:ln>
           <a:extLst>
             <a:ext uri="{909E8E84-426E-40DD-AFC4-6F175D3DCCD1}">
-              <a14:hiddenFill xmlns="" xmlns:a14="http://schemas.microsoft.com/office/drawing/2010/main">
+              <a14:hiddenFill xmlns:a14="http://schemas.microsoft.com/office/drawing/2010/main" xmlns="">
                 <a:solidFill>
                   <a:srgbClr val="FFFFFF"/>
                 </a:solidFill>
@@ -13573,7 +13573,7 @@
           <p:cNvPr id="7" name="Picture 27" descr="C:\salome_official\projects\11gR2\screenshots\les6_4s_a.gif">
             <a:extLst>
               <a:ext uri="{FF2B5EF4-FFF2-40B4-BE49-F238E27FC236}">
-                <a16:creationId xmlns="" xmlns:a16="http://schemas.microsoft.com/office/drawing/2014/main" id="{3C4C11FB-1195-4E23-8824-A9BB2240DCD0}"/>
+                <a16:creationId xmlns:a16="http://schemas.microsoft.com/office/drawing/2014/main" xmlns="" id="{3C4C11FB-1195-4E23-8824-A9BB2240DCD0}"/>
               </a:ext>
             </a:extLst>
           </p:cNvPr>
@@ -13586,7 +13586,7 @@
           <a:blip r:embed="rId4">
             <a:extLst>
               <a:ext uri="{28A0092B-C50C-407E-A947-70E740481C1C}">
-                <a14:useLocalDpi xmlns="" xmlns:a14="http://schemas.microsoft.com/office/drawing/2010/main" val="0"/>
+                <a14:useLocalDpi xmlns:a14="http://schemas.microsoft.com/office/drawing/2010/main" xmlns="" val="0"/>
               </a:ext>
             </a:extLst>
           </a:blip>
@@ -13614,7 +13614,7 @@
           </a:ln>
           <a:extLst>
             <a:ext uri="{909E8E84-426E-40DD-AFC4-6F175D3DCCD1}">
-              <a14:hiddenFill xmlns="" xmlns:a14="http://schemas.microsoft.com/office/drawing/2010/main">
+              <a14:hiddenFill xmlns:a14="http://schemas.microsoft.com/office/drawing/2010/main" xmlns="">
                 <a:solidFill>
                   <a:srgbClr val="FFFFFF"/>
                 </a:solidFill>
@@ -13628,7 +13628,7 @@
           <p:cNvPr id="8" name="Rectangle 6">
             <a:extLst>
               <a:ext uri="{FF2B5EF4-FFF2-40B4-BE49-F238E27FC236}">
-                <a16:creationId xmlns="" xmlns:a16="http://schemas.microsoft.com/office/drawing/2014/main" id="{0C3090F9-0617-4894-89BC-A7F75926A039}"/>
+                <a16:creationId xmlns:a16="http://schemas.microsoft.com/office/drawing/2014/main" xmlns="" id="{0C3090F9-0617-4894-89BC-A7F75926A039}"/>
               </a:ext>
             </a:extLst>
           </p:cNvPr>
@@ -13651,14 +13651,14 @@
           </a:ln>
           <a:extLst>
             <a:ext uri="{909E8E84-426E-40DD-AFC4-6F175D3DCCD1}">
-              <a14:hiddenFill xmlns="" xmlns:a14="http://schemas.microsoft.com/office/drawing/2010/main">
+              <a14:hiddenFill xmlns:a14="http://schemas.microsoft.com/office/drawing/2010/main" xmlns="">
                 <a:solidFill>
                   <a:srgbClr val="FFFFFF"/>
                 </a:solidFill>
               </a14:hiddenFill>
             </a:ext>
             <a:ext uri="{91240B29-F687-4F45-9708-019B960494DF}">
-              <a14:hiddenLine xmlns="" xmlns:a14="http://schemas.microsoft.com/office/drawing/2010/main" w="9525">
+              <a14:hiddenLine xmlns:a14="http://schemas.microsoft.com/office/drawing/2010/main" xmlns="" w="9525">
                 <a:solidFill>
                   <a:srgbClr val="000000"/>
                 </a:solidFill>
@@ -13814,7 +13814,7 @@
           <p:cNvPr id="9" name="Rectangle 7">
             <a:extLst>
               <a:ext uri="{FF2B5EF4-FFF2-40B4-BE49-F238E27FC236}">
-                <a16:creationId xmlns="" xmlns:a16="http://schemas.microsoft.com/office/drawing/2014/main" id="{4B1E569F-6277-4B56-BDA3-B4B0BD355A1A}"/>
+                <a16:creationId xmlns:a16="http://schemas.microsoft.com/office/drawing/2014/main" xmlns="" id="{4B1E569F-6277-4B56-BDA3-B4B0BD355A1A}"/>
               </a:ext>
             </a:extLst>
           </p:cNvPr>
@@ -13837,14 +13837,14 @@
           </a:ln>
           <a:extLst>
             <a:ext uri="{909E8E84-426E-40DD-AFC4-6F175D3DCCD1}">
-              <a14:hiddenFill xmlns="" xmlns:a14="http://schemas.microsoft.com/office/drawing/2010/main">
+              <a14:hiddenFill xmlns:a14="http://schemas.microsoft.com/office/drawing/2010/main" xmlns="">
                 <a:solidFill>
                   <a:srgbClr val="FFFFFF"/>
                 </a:solidFill>
               </a14:hiddenFill>
             </a:ext>
             <a:ext uri="{91240B29-F687-4F45-9708-019B960494DF}">
-              <a14:hiddenLine xmlns="" xmlns:a14="http://schemas.microsoft.com/office/drawing/2010/main" w="9525">
+              <a14:hiddenLine xmlns:a14="http://schemas.microsoft.com/office/drawing/2010/main" xmlns="" w="9525">
                 <a:solidFill>
                   <a:srgbClr val="000000"/>
                 </a:solidFill>
@@ -13996,7 +13996,7 @@
           <p:cNvPr id="10" name="Group 8">
             <a:extLst>
               <a:ext uri="{FF2B5EF4-FFF2-40B4-BE49-F238E27FC236}">
-                <a16:creationId xmlns="" xmlns:a16="http://schemas.microsoft.com/office/drawing/2014/main" id="{90AAE8D6-518C-41A3-B8C1-D1C94E3E11A0}"/>
+                <a16:creationId xmlns:a16="http://schemas.microsoft.com/office/drawing/2014/main" xmlns="" id="{90AAE8D6-518C-41A3-B8C1-D1C94E3E11A0}"/>
               </a:ext>
             </a:extLst>
           </p:cNvPr>
@@ -14018,7 +14018,7 @@
             <p:cNvPr id="11" name="Line 9">
               <a:extLst>
                 <a:ext uri="{FF2B5EF4-FFF2-40B4-BE49-F238E27FC236}">
-                  <a16:creationId xmlns="" xmlns:a16="http://schemas.microsoft.com/office/drawing/2014/main" id="{48F898FB-0DEF-413F-83B0-5F593F6C8949}"/>
+                  <a16:creationId xmlns:a16="http://schemas.microsoft.com/office/drawing/2014/main" xmlns="" id="{48F898FB-0DEF-413F-83B0-5F593F6C8949}"/>
                 </a:ext>
               </a:extLst>
             </p:cNvPr>
@@ -14046,7 +14046,7 @@
             </a:ln>
             <a:extLst>
               <a:ext uri="{909E8E84-426E-40DD-AFC4-6F175D3DCCD1}">
-                <a14:hiddenFill xmlns="" xmlns:a14="http://schemas.microsoft.com/office/drawing/2010/main">
+                <a14:hiddenFill xmlns:a14="http://schemas.microsoft.com/office/drawing/2010/main" xmlns="">
                   <a:noFill/>
                 </a14:hiddenFill>
               </a:ext>
@@ -14065,7 +14065,7 @@
             <p:cNvPr id="12" name="Line 10">
               <a:extLst>
                 <a:ext uri="{FF2B5EF4-FFF2-40B4-BE49-F238E27FC236}">
-                  <a16:creationId xmlns="" xmlns:a16="http://schemas.microsoft.com/office/drawing/2014/main" id="{1BE356D8-D589-4E62-91D0-2A4C450B7BF2}"/>
+                  <a16:creationId xmlns:a16="http://schemas.microsoft.com/office/drawing/2014/main" xmlns="" id="{1BE356D8-D589-4E62-91D0-2A4C450B7BF2}"/>
                 </a:ext>
               </a:extLst>
             </p:cNvPr>
@@ -14093,7 +14093,7 @@
             </a:ln>
             <a:extLst>
               <a:ext uri="{909E8E84-426E-40DD-AFC4-6F175D3DCCD1}">
-                <a14:hiddenFill xmlns="" xmlns:a14="http://schemas.microsoft.com/office/drawing/2010/main">
+                <a14:hiddenFill xmlns:a14="http://schemas.microsoft.com/office/drawing/2010/main" xmlns="">
                   <a:noFill/>
                 </a14:hiddenFill>
               </a:ext>
@@ -14113,7 +14113,7 @@
           <p:cNvPr id="13" name="Text Box 14">
             <a:extLst>
               <a:ext uri="{FF2B5EF4-FFF2-40B4-BE49-F238E27FC236}">
-                <a16:creationId xmlns="" xmlns:a16="http://schemas.microsoft.com/office/drawing/2014/main" id="{2C955B7D-6B8E-42E8-A59F-4EE7F16F9142}"/>
+                <a16:creationId xmlns:a16="http://schemas.microsoft.com/office/drawing/2014/main" xmlns="" id="{2C955B7D-6B8E-42E8-A59F-4EE7F16F9142}"/>
               </a:ext>
             </a:extLst>
           </p:cNvPr>
@@ -14136,14 +14136,14 @@
           </a:ln>
           <a:extLst>
             <a:ext uri="{909E8E84-426E-40DD-AFC4-6F175D3DCCD1}">
-              <a14:hiddenFill xmlns="" xmlns:a14="http://schemas.microsoft.com/office/drawing/2010/main">
+              <a14:hiddenFill xmlns:a14="http://schemas.microsoft.com/office/drawing/2010/main" xmlns="">
                 <a:solidFill>
                   <a:srgbClr val="FFFFFF"/>
                 </a:solidFill>
               </a14:hiddenFill>
             </a:ext>
             <a:ext uri="{91240B29-F687-4F45-9708-019B960494DF}">
-              <a14:hiddenLine xmlns="" xmlns:a14="http://schemas.microsoft.com/office/drawing/2010/main" w="25400">
+              <a14:hiddenLine xmlns:a14="http://schemas.microsoft.com/office/drawing/2010/main" xmlns="" w="25400">
                 <a:solidFill>
                   <a:srgbClr val="000000"/>
                 </a:solidFill>
@@ -14293,7 +14293,7 @@
           <p:cNvPr id="14" name="Text Box 17">
             <a:extLst>
               <a:ext uri="{FF2B5EF4-FFF2-40B4-BE49-F238E27FC236}">
-                <a16:creationId xmlns="" xmlns:a16="http://schemas.microsoft.com/office/drawing/2014/main" id="{DABBCD70-95EF-435E-B209-8EC7FE9570DE}"/>
+                <a16:creationId xmlns:a16="http://schemas.microsoft.com/office/drawing/2014/main" xmlns="" id="{DABBCD70-95EF-435E-B209-8EC7FE9570DE}"/>
               </a:ext>
             </a:extLst>
           </p:cNvPr>
@@ -14316,14 +14316,14 @@
           </a:ln>
           <a:extLst>
             <a:ext uri="{909E8E84-426E-40DD-AFC4-6F175D3DCCD1}">
-              <a14:hiddenFill xmlns="" xmlns:a14="http://schemas.microsoft.com/office/drawing/2010/main">
+              <a14:hiddenFill xmlns:a14="http://schemas.microsoft.com/office/drawing/2010/main" xmlns="">
                 <a:solidFill>
                   <a:srgbClr val="FFFFFF"/>
                 </a:solidFill>
               </a14:hiddenFill>
             </a:ext>
             <a:ext uri="{91240B29-F687-4F45-9708-019B960494DF}">
-              <a14:hiddenLine xmlns="" xmlns:a14="http://schemas.microsoft.com/office/drawing/2010/main" w="25400">
+              <a14:hiddenLine xmlns:a14="http://schemas.microsoft.com/office/drawing/2010/main" xmlns="" w="25400">
                 <a:solidFill>
                   <a:srgbClr val="000000"/>
                 </a:solidFill>
@@ -14473,7 +14473,7 @@
           <p:cNvPr id="15" name="Rectangle 22">
             <a:extLst>
               <a:ext uri="{FF2B5EF4-FFF2-40B4-BE49-F238E27FC236}">
-                <a16:creationId xmlns="" xmlns:a16="http://schemas.microsoft.com/office/drawing/2014/main" id="{56A68342-245B-484D-B404-C8EF6E44199C}"/>
+                <a16:creationId xmlns:a16="http://schemas.microsoft.com/office/drawing/2014/main" xmlns="" id="{56A68342-245B-484D-B404-C8EF6E44199C}"/>
               </a:ext>
             </a:extLst>
           </p:cNvPr>
@@ -14501,7 +14501,7 @@
           </a:ln>
           <a:extLst>
             <a:ext uri="{909E8E84-426E-40DD-AFC4-6F175D3DCCD1}">
-              <a14:hiddenFill xmlns="" xmlns:a14="http://schemas.microsoft.com/office/drawing/2010/main">
+              <a14:hiddenFill xmlns:a14="http://schemas.microsoft.com/office/drawing/2010/main" xmlns="">
                 <a:solidFill>
                   <a:srgbClr val="FFFFFF"/>
                 </a:solidFill>
@@ -14636,7 +14636,7 @@
           <p:cNvPr id="16" name="Rectangle 23">
             <a:extLst>
               <a:ext uri="{FF2B5EF4-FFF2-40B4-BE49-F238E27FC236}">
-                <a16:creationId xmlns="" xmlns:a16="http://schemas.microsoft.com/office/drawing/2014/main" id="{26B25DF9-6246-46E2-8DDE-C3641FEB5BBB}"/>
+                <a16:creationId xmlns:a16="http://schemas.microsoft.com/office/drawing/2014/main" xmlns="" id="{26B25DF9-6246-46E2-8DDE-C3641FEB5BBB}"/>
               </a:ext>
             </a:extLst>
           </p:cNvPr>
@@ -14664,7 +14664,7 @@
           </a:ln>
           <a:extLst>
             <a:ext uri="{909E8E84-426E-40DD-AFC4-6F175D3DCCD1}">
-              <a14:hiddenFill xmlns="" xmlns:a14="http://schemas.microsoft.com/office/drawing/2010/main">
+              <a14:hiddenFill xmlns:a14="http://schemas.microsoft.com/office/drawing/2010/main" xmlns="">
                 <a:solidFill>
                   <a:srgbClr val="FFFFFF"/>
                 </a:solidFill>
@@ -14799,7 +14799,7 @@
           <p:cNvPr id="17" name="Rectangle 26">
             <a:extLst>
               <a:ext uri="{FF2B5EF4-FFF2-40B4-BE49-F238E27FC236}">
-                <a16:creationId xmlns="" xmlns:a16="http://schemas.microsoft.com/office/drawing/2014/main" id="{BE9D5B3A-5793-42D6-AD2C-AF0ED85F4697}"/>
+                <a16:creationId xmlns:a16="http://schemas.microsoft.com/office/drawing/2014/main" xmlns="" id="{BE9D5B3A-5793-42D6-AD2C-AF0ED85F4697}"/>
               </a:ext>
             </a:extLst>
           </p:cNvPr>
@@ -14827,7 +14827,7 @@
           </a:ln>
           <a:extLst>
             <a:ext uri="{909E8E84-426E-40DD-AFC4-6F175D3DCCD1}">
-              <a14:hiddenFill xmlns="" xmlns:a14="http://schemas.microsoft.com/office/drawing/2010/main">
+              <a14:hiddenFill xmlns:a14="http://schemas.microsoft.com/office/drawing/2010/main" xmlns="">
                 <a:solidFill>
                   <a:srgbClr val="FFFFFF"/>
                 </a:solidFill>
@@ -14962,7 +14962,7 @@
           <p:cNvPr id="18" name="Picture 31" descr="C:\salome_official\projects\11gR2\screenshots\les6_4s_d.gif">
             <a:extLst>
               <a:ext uri="{FF2B5EF4-FFF2-40B4-BE49-F238E27FC236}">
-                <a16:creationId xmlns="" xmlns:a16="http://schemas.microsoft.com/office/drawing/2014/main" id="{32E44875-E925-4B44-906B-034B415A8582}"/>
+                <a16:creationId xmlns:a16="http://schemas.microsoft.com/office/drawing/2014/main" xmlns="" id="{32E44875-E925-4B44-906B-034B415A8582}"/>
               </a:ext>
             </a:extLst>
           </p:cNvPr>
@@ -14975,7 +14975,7 @@
           <a:blip r:embed="rId5">
             <a:extLst>
               <a:ext uri="{28A0092B-C50C-407E-A947-70E740481C1C}">
-                <a14:useLocalDpi xmlns="" xmlns:a14="http://schemas.microsoft.com/office/drawing/2010/main" val="0"/>
+                <a14:useLocalDpi xmlns:a14="http://schemas.microsoft.com/office/drawing/2010/main" xmlns="" val="0"/>
               </a:ext>
             </a:extLst>
           </a:blip>
@@ -15003,7 +15003,7 @@
           </a:ln>
           <a:extLst>
             <a:ext uri="{909E8E84-426E-40DD-AFC4-6F175D3DCCD1}">
-              <a14:hiddenFill xmlns="" xmlns:a14="http://schemas.microsoft.com/office/drawing/2010/main">
+              <a14:hiddenFill xmlns:a14="http://schemas.microsoft.com/office/drawing/2010/main" xmlns="">
                 <a:solidFill>
                   <a:srgbClr val="FFFFFF"/>
                 </a:solidFill>
@@ -15017,7 +15017,7 @@
           <p:cNvPr id="19" name="Picture 32" descr="C:\salome_official\projects\11gR2\screenshots\les6_4s_e.gif">
             <a:extLst>
               <a:ext uri="{FF2B5EF4-FFF2-40B4-BE49-F238E27FC236}">
-                <a16:creationId xmlns="" xmlns:a16="http://schemas.microsoft.com/office/drawing/2014/main" id="{54455266-1945-4400-831C-61363A9287DE}"/>
+                <a16:creationId xmlns:a16="http://schemas.microsoft.com/office/drawing/2014/main" xmlns="" id="{54455266-1945-4400-831C-61363A9287DE}"/>
               </a:ext>
             </a:extLst>
           </p:cNvPr>
@@ -15030,7 +15030,7 @@
           <a:blip r:embed="rId6">
             <a:extLst>
               <a:ext uri="{28A0092B-C50C-407E-A947-70E740481C1C}">
-                <a14:useLocalDpi xmlns="" xmlns:a14="http://schemas.microsoft.com/office/drawing/2010/main" val="0"/>
+                <a14:useLocalDpi xmlns:a14="http://schemas.microsoft.com/office/drawing/2010/main" xmlns="" val="0"/>
               </a:ext>
             </a:extLst>
           </a:blip>
@@ -15058,7 +15058,7 @@
           </a:ln>
           <a:extLst>
             <a:ext uri="{909E8E84-426E-40DD-AFC4-6F175D3DCCD1}">
-              <a14:hiddenFill xmlns="" xmlns:a14="http://schemas.microsoft.com/office/drawing/2010/main">
+              <a14:hiddenFill xmlns:a14="http://schemas.microsoft.com/office/drawing/2010/main" xmlns="">
                 <a:solidFill>
                   <a:srgbClr val="FFFFFF"/>
                 </a:solidFill>
@@ -15070,7 +15070,7 @@
     </p:spTree>
     <p:extLst>
       <p:ext uri="{BB962C8B-B14F-4D97-AF65-F5344CB8AC3E}">
-        <p14:creationId xmlns="" xmlns:p14="http://schemas.microsoft.com/office/powerpoint/2010/main" val="2088178914"/>
+        <p14:creationId xmlns:p14="http://schemas.microsoft.com/office/powerpoint/2010/main" xmlns="" val="2088178914"/>
       </p:ext>
     </p:extLst>
   </p:cSld>
@@ -15102,7 +15102,7 @@
           <p:cNvPr id="2" name="Title 1">
             <a:extLst>
               <a:ext uri="{FF2B5EF4-FFF2-40B4-BE49-F238E27FC236}">
-                <a16:creationId xmlns="" xmlns:a16="http://schemas.microsoft.com/office/drawing/2014/main" id="{E581C2DF-74C8-466F-933E-E0BC5D177C8C}"/>
+                <a16:creationId xmlns:a16="http://schemas.microsoft.com/office/drawing/2014/main" xmlns="" id="{E581C2DF-74C8-466F-933E-E0BC5D177C8C}"/>
               </a:ext>
             </a:extLst>
           </p:cNvPr>
@@ -15131,7 +15131,7 @@
           <p:cNvPr id="3" name="Content Placeholder 2">
             <a:extLst>
               <a:ext uri="{FF2B5EF4-FFF2-40B4-BE49-F238E27FC236}">
-                <a16:creationId xmlns="" xmlns:a16="http://schemas.microsoft.com/office/drawing/2014/main" id="{32E498A4-4DF1-449D-AF96-30F1237EF644}"/>
+                <a16:creationId xmlns:a16="http://schemas.microsoft.com/office/drawing/2014/main" xmlns="" id="{32E498A4-4DF1-449D-AF96-30F1237EF644}"/>
               </a:ext>
             </a:extLst>
           </p:cNvPr>
@@ -15307,7 +15307,7 @@
     </p:spTree>
     <p:extLst>
       <p:ext uri="{BB962C8B-B14F-4D97-AF65-F5344CB8AC3E}">
-        <p14:creationId xmlns="" xmlns:p14="http://schemas.microsoft.com/office/powerpoint/2010/main" val="2317281478"/>
+        <p14:creationId xmlns:p14="http://schemas.microsoft.com/office/powerpoint/2010/main" xmlns="" val="2317281478"/>
       </p:ext>
     </p:extLst>
   </p:cSld>
@@ -15339,7 +15339,7 @@
           <p:cNvPr id="4" name="Rectangle 5">
             <a:extLst>
               <a:ext uri="{FF2B5EF4-FFF2-40B4-BE49-F238E27FC236}">
-                <a16:creationId xmlns="" xmlns:a16="http://schemas.microsoft.com/office/drawing/2014/main" id="{A7516FC4-D8E6-408B-973A-ECE3EFD93511}"/>
+                <a16:creationId xmlns:a16="http://schemas.microsoft.com/office/drawing/2014/main" xmlns="" id="{A7516FC4-D8E6-408B-973A-ECE3EFD93511}"/>
               </a:ext>
             </a:extLst>
           </p:cNvPr>
@@ -15406,7 +15406,7 @@
     </p:spTree>
     <p:extLst>
       <p:ext uri="{BB962C8B-B14F-4D97-AF65-F5344CB8AC3E}">
-        <p14:creationId xmlns="" xmlns:p14="http://schemas.microsoft.com/office/powerpoint/2010/main" val="2088178914"/>
+        <p14:creationId xmlns:p14="http://schemas.microsoft.com/office/powerpoint/2010/main" xmlns="" val="2088178914"/>
       </p:ext>
     </p:extLst>
   </p:cSld>
@@ -15438,7 +15438,7 @@
           <p:cNvPr id="2" name="Title 1">
             <a:extLst>
               <a:ext uri="{FF2B5EF4-FFF2-40B4-BE49-F238E27FC236}">
-                <a16:creationId xmlns="" xmlns:a16="http://schemas.microsoft.com/office/drawing/2014/main" id="{D971FDE9-3907-48BF-B8B5-25CDD6B351E0}"/>
+                <a16:creationId xmlns:a16="http://schemas.microsoft.com/office/drawing/2014/main" xmlns="" id="{D971FDE9-3907-48BF-B8B5-25CDD6B351E0}"/>
               </a:ext>
             </a:extLst>
           </p:cNvPr>
@@ -15458,11 +15458,7 @@
           <a:p>
             <a:r>
               <a:rPr lang="ru-RU" altLang="ru-RU" sz="4000" dirty="0" smtClean="0"/>
-              <a:t>Соединение таблиц </a:t>
-            </a:r>
-            <a:r>
-              <a:rPr lang="ru-RU" altLang="ru-RU" sz="4000" dirty="0" smtClean="0"/>
-              <a:t>с использованием синтаксиса SQL:1999</a:t>
+              <a:t>Соединение таблиц с использованием синтаксиса SQL:1999</a:t>
             </a:r>
             <a:endParaRPr lang="ru-RU" sz="4000" dirty="0"/>
           </a:p>
@@ -15473,7 +15469,7 @@
           <p:cNvPr id="4" name="Rectangle 6">
             <a:extLst>
               <a:ext uri="{FF2B5EF4-FFF2-40B4-BE49-F238E27FC236}">
-                <a16:creationId xmlns="" xmlns:a16="http://schemas.microsoft.com/office/drawing/2014/main" id="{B20CB668-9CC3-4BF3-BCA2-ADADE1192D58}"/>
+                <a16:creationId xmlns:a16="http://schemas.microsoft.com/office/drawing/2014/main" xmlns="" id="{B20CB668-9CC3-4BF3-BCA2-ADADE1192D58}"/>
               </a:ext>
             </a:extLst>
           </p:cNvPr>
@@ -15512,7 +15508,7 @@
           <p:cNvPr id="5" name="Rectangle 4">
             <a:extLst>
               <a:ext uri="{FF2B5EF4-FFF2-40B4-BE49-F238E27FC236}">
-                <a16:creationId xmlns="" xmlns:a16="http://schemas.microsoft.com/office/drawing/2014/main" id="{2285329B-BBDE-4559-9A02-252E0B5411A5}"/>
+                <a16:creationId xmlns:a16="http://schemas.microsoft.com/office/drawing/2014/main" xmlns="" id="{2285329B-BBDE-4559-9A02-252E0B5411A5}"/>
               </a:ext>
             </a:extLst>
           </p:cNvPr>
@@ -16049,7 +16045,7 @@
     </p:spTree>
     <p:extLst>
       <p:ext uri="{BB962C8B-B14F-4D97-AF65-F5344CB8AC3E}">
-        <p14:creationId xmlns="" xmlns:p14="http://schemas.microsoft.com/office/powerpoint/2010/main" val="2033506741"/>
+        <p14:creationId xmlns:p14="http://schemas.microsoft.com/office/powerpoint/2010/main" xmlns="" val="2033506741"/>
       </p:ext>
     </p:extLst>
   </p:cSld>
@@ -16081,7 +16077,7 @@
           <p:cNvPr id="2" name="Title 1">
             <a:extLst>
               <a:ext uri="{FF2B5EF4-FFF2-40B4-BE49-F238E27FC236}">
-                <a16:creationId xmlns="" xmlns:a16="http://schemas.microsoft.com/office/drawing/2014/main" id="{EA68CB4F-84BB-479B-8429-D5E2185F993D}"/>
+                <a16:creationId xmlns:a16="http://schemas.microsoft.com/office/drawing/2014/main" xmlns="" id="{EA68CB4F-84BB-479B-8429-D5E2185F993D}"/>
               </a:ext>
             </a:extLst>
           </p:cNvPr>
@@ -16112,7 +16108,7 @@
           <p:cNvPr id="5" name="Picture 36" descr="C:\salome_official\projects\11gR2\screenshots\les6_12s_a.gif">
             <a:extLst>
               <a:ext uri="{FF2B5EF4-FFF2-40B4-BE49-F238E27FC236}">
-                <a16:creationId xmlns="" xmlns:a16="http://schemas.microsoft.com/office/drawing/2014/main" id="{1DB8FC19-4E46-4CAA-8E7E-676C4905E8F9}"/>
+                <a16:creationId xmlns:a16="http://schemas.microsoft.com/office/drawing/2014/main" xmlns="" id="{1DB8FC19-4E46-4CAA-8E7E-676C4905E8F9}"/>
               </a:ext>
             </a:extLst>
           </p:cNvPr>
@@ -16125,7 +16121,7 @@
           <a:blip r:embed="rId2">
             <a:extLst>
               <a:ext uri="{28A0092B-C50C-407E-A947-70E740481C1C}">
-                <a14:useLocalDpi xmlns="" xmlns:a14="http://schemas.microsoft.com/office/drawing/2010/main" val="0"/>
+                <a14:useLocalDpi xmlns:a14="http://schemas.microsoft.com/office/drawing/2010/main" xmlns="" val="0"/>
               </a:ext>
             </a:extLst>
           </a:blip>
@@ -16153,7 +16149,7 @@
           </a:ln>
           <a:extLst>
             <a:ext uri="{909E8E84-426E-40DD-AFC4-6F175D3DCCD1}">
-              <a14:hiddenFill xmlns="" xmlns:a14="http://schemas.microsoft.com/office/drawing/2010/main">
+              <a14:hiddenFill xmlns:a14="http://schemas.microsoft.com/office/drawing/2010/main" xmlns="">
                 <a:solidFill>
                   <a:srgbClr val="FFFFFF"/>
                 </a:solidFill>
@@ -16167,7 +16163,7 @@
           <p:cNvPr id="7" name="Picture 37" descr="C:\salome_official\projects\11gR2\screenshots\les6_12s_b.gif">
             <a:extLst>
               <a:ext uri="{FF2B5EF4-FFF2-40B4-BE49-F238E27FC236}">
-                <a16:creationId xmlns="" xmlns:a16="http://schemas.microsoft.com/office/drawing/2014/main" id="{0361F932-F763-4C24-BDE6-74BFF1530CA7}"/>
+                <a16:creationId xmlns:a16="http://schemas.microsoft.com/office/drawing/2014/main" xmlns="" id="{0361F932-F763-4C24-BDE6-74BFF1530CA7}"/>
               </a:ext>
             </a:extLst>
           </p:cNvPr>
@@ -16180,7 +16176,7 @@
           <a:blip r:embed="rId3">
             <a:extLst>
               <a:ext uri="{28A0092B-C50C-407E-A947-70E740481C1C}">
-                <a14:useLocalDpi xmlns="" xmlns:a14="http://schemas.microsoft.com/office/drawing/2010/main" val="0"/>
+                <a14:useLocalDpi xmlns:a14="http://schemas.microsoft.com/office/drawing/2010/main" xmlns="" val="0"/>
               </a:ext>
             </a:extLst>
           </a:blip>
@@ -16208,7 +16204,7 @@
           </a:ln>
           <a:extLst>
             <a:ext uri="{909E8E84-426E-40DD-AFC4-6F175D3DCCD1}">
-              <a14:hiddenFill xmlns="" xmlns:a14="http://schemas.microsoft.com/office/drawing/2010/main">
+              <a14:hiddenFill xmlns:a14="http://schemas.microsoft.com/office/drawing/2010/main" xmlns="">
                 <a:solidFill>
                   <a:srgbClr val="FFFFFF"/>
                 </a:solidFill>
@@ -16222,7 +16218,7 @@
           <p:cNvPr id="9" name="Rectangle 3">
             <a:extLst>
               <a:ext uri="{FF2B5EF4-FFF2-40B4-BE49-F238E27FC236}">
-                <a16:creationId xmlns="" xmlns:a16="http://schemas.microsoft.com/office/drawing/2014/main" id="{BC193095-EB5A-4EDC-8FA0-4465609EC350}"/>
+                <a16:creationId xmlns:a16="http://schemas.microsoft.com/office/drawing/2014/main" xmlns="" id="{BC193095-EB5A-4EDC-8FA0-4465609EC350}"/>
               </a:ext>
             </a:extLst>
           </p:cNvPr>
@@ -16245,14 +16241,14 @@
           </a:ln>
           <a:extLst>
             <a:ext uri="{909E8E84-426E-40DD-AFC4-6F175D3DCCD1}">
-              <a14:hiddenFill xmlns="" xmlns:a14="http://schemas.microsoft.com/office/drawing/2010/main">
+              <a14:hiddenFill xmlns:a14="http://schemas.microsoft.com/office/drawing/2010/main" xmlns="">
                 <a:solidFill>
                   <a:srgbClr val="FFFFFF"/>
                 </a:solidFill>
               </a14:hiddenFill>
             </a:ext>
             <a:ext uri="{91240B29-F687-4F45-9708-019B960494DF}">
-              <a14:hiddenLine xmlns="" xmlns:a14="http://schemas.microsoft.com/office/drawing/2010/main" w="9525">
+              <a14:hiddenLine xmlns:a14="http://schemas.microsoft.com/office/drawing/2010/main" xmlns="" w="9525">
                 <a:solidFill>
                   <a:srgbClr val="000000"/>
                 </a:solidFill>
@@ -16408,7 +16404,7 @@
           <p:cNvPr id="11" name="Rectangle 4">
             <a:extLst>
               <a:ext uri="{FF2B5EF4-FFF2-40B4-BE49-F238E27FC236}">
-                <a16:creationId xmlns="" xmlns:a16="http://schemas.microsoft.com/office/drawing/2014/main" id="{F4E64D79-121B-48BF-A3BE-ED4330AF31D9}"/>
+                <a16:creationId xmlns:a16="http://schemas.microsoft.com/office/drawing/2014/main" xmlns="" id="{F4E64D79-121B-48BF-A3BE-ED4330AF31D9}"/>
               </a:ext>
             </a:extLst>
           </p:cNvPr>
@@ -16431,14 +16427,14 @@
           </a:ln>
           <a:extLst>
             <a:ext uri="{909E8E84-426E-40DD-AFC4-6F175D3DCCD1}">
-              <a14:hiddenFill xmlns="" xmlns:a14="http://schemas.microsoft.com/office/drawing/2010/main">
+              <a14:hiddenFill xmlns:a14="http://schemas.microsoft.com/office/drawing/2010/main" xmlns="">
                 <a:solidFill>
                   <a:srgbClr val="FFFFFF"/>
                 </a:solidFill>
               </a14:hiddenFill>
             </a:ext>
             <a:ext uri="{91240B29-F687-4F45-9708-019B960494DF}">
-              <a14:hiddenLine xmlns="" xmlns:a14="http://schemas.microsoft.com/office/drawing/2010/main" w="9525">
+              <a14:hiddenLine xmlns:a14="http://schemas.microsoft.com/office/drawing/2010/main" xmlns="" w="9525">
                 <a:solidFill>
                   <a:srgbClr val="000000"/>
                 </a:solidFill>
@@ -16590,7 +16586,7 @@
           <p:cNvPr id="13" name="Rectangle 5">
             <a:extLst>
               <a:ext uri="{FF2B5EF4-FFF2-40B4-BE49-F238E27FC236}">
-                <a16:creationId xmlns="" xmlns:a16="http://schemas.microsoft.com/office/drawing/2014/main" id="{B3885D25-F5C1-42DD-A0B1-5F5315178333}"/>
+                <a16:creationId xmlns:a16="http://schemas.microsoft.com/office/drawing/2014/main" xmlns="" id="{B3885D25-F5C1-42DD-A0B1-5F5315178333}"/>
               </a:ext>
             </a:extLst>
           </p:cNvPr>
@@ -16613,14 +16609,14 @@
           </a:ln>
           <a:extLst>
             <a:ext uri="{909E8E84-426E-40DD-AFC4-6F175D3DCCD1}">
-              <a14:hiddenFill xmlns="" xmlns:a14="http://schemas.microsoft.com/office/drawing/2010/main">
+              <a14:hiddenFill xmlns:a14="http://schemas.microsoft.com/office/drawing/2010/main" xmlns="">
                 <a:solidFill>
                   <a:srgbClr val="FFFFFF"/>
                 </a:solidFill>
               </a14:hiddenFill>
             </a:ext>
             <a:ext uri="{91240B29-F687-4F45-9708-019B960494DF}">
-              <a14:hiddenLine xmlns="" xmlns:a14="http://schemas.microsoft.com/office/drawing/2010/main" w="9525">
+              <a14:hiddenLine xmlns:a14="http://schemas.microsoft.com/office/drawing/2010/main" xmlns="" w="9525">
                 <a:solidFill>
                   <a:srgbClr val="000000"/>
                 </a:solidFill>
@@ -16773,7 +16769,7 @@
           <p:cNvPr id="15" name="Rectangle 6">
             <a:extLst>
               <a:ext uri="{FF2B5EF4-FFF2-40B4-BE49-F238E27FC236}">
-                <a16:creationId xmlns="" xmlns:a16="http://schemas.microsoft.com/office/drawing/2014/main" id="{3C706D6B-B12B-452C-8C6D-F92B022468A6}"/>
+                <a16:creationId xmlns:a16="http://schemas.microsoft.com/office/drawing/2014/main" xmlns="" id="{3C706D6B-B12B-452C-8C6D-F92B022468A6}"/>
               </a:ext>
             </a:extLst>
           </p:cNvPr>
@@ -16796,14 +16792,14 @@
           </a:ln>
           <a:extLst>
             <a:ext uri="{909E8E84-426E-40DD-AFC4-6F175D3DCCD1}">
-              <a14:hiddenFill xmlns="" xmlns:a14="http://schemas.microsoft.com/office/drawing/2010/main">
+              <a14:hiddenFill xmlns:a14="http://schemas.microsoft.com/office/drawing/2010/main" xmlns="">
                 <a:solidFill>
                   <a:srgbClr val="FFFFFF"/>
                 </a:solidFill>
               </a14:hiddenFill>
             </a:ext>
             <a:ext uri="{91240B29-F687-4F45-9708-019B960494DF}">
-              <a14:hiddenLine xmlns="" xmlns:a14="http://schemas.microsoft.com/office/drawing/2010/main" w="9525">
+              <a14:hiddenLine xmlns:a14="http://schemas.microsoft.com/office/drawing/2010/main" xmlns="" w="9525">
                 <a:solidFill>
                   <a:srgbClr val="000000"/>
                 </a:solidFill>
@@ -16956,7 +16952,7 @@
           <p:cNvPr id="17" name="Rectangle 9">
             <a:extLst>
               <a:ext uri="{FF2B5EF4-FFF2-40B4-BE49-F238E27FC236}">
-                <a16:creationId xmlns="" xmlns:a16="http://schemas.microsoft.com/office/drawing/2014/main" id="{0CFC5626-8B1F-4048-9EA4-EF5EB02D1B70}"/>
+                <a16:creationId xmlns:a16="http://schemas.microsoft.com/office/drawing/2014/main" xmlns="" id="{0CFC5626-8B1F-4048-9EA4-EF5EB02D1B70}"/>
               </a:ext>
             </a:extLst>
           </p:cNvPr>
@@ -16984,7 +16980,7 @@
           </a:ln>
           <a:extLst>
             <a:ext uri="{909E8E84-426E-40DD-AFC4-6F175D3DCCD1}">
-              <a14:hiddenFill xmlns="" xmlns:a14="http://schemas.microsoft.com/office/drawing/2010/main">
+              <a14:hiddenFill xmlns:a14="http://schemas.microsoft.com/office/drawing/2010/main" xmlns="">
                 <a:solidFill>
                   <a:srgbClr val="FFFFFF"/>
                 </a:solidFill>
@@ -17119,7 +17115,7 @@
           <p:cNvPr id="19" name="Text Box 11">
             <a:extLst>
               <a:ext uri="{FF2B5EF4-FFF2-40B4-BE49-F238E27FC236}">
-                <a16:creationId xmlns="" xmlns:a16="http://schemas.microsoft.com/office/drawing/2014/main" id="{741C9A95-B6B4-4D4B-9602-E6D775AF789C}"/>
+                <a16:creationId xmlns:a16="http://schemas.microsoft.com/office/drawing/2014/main" xmlns="" id="{741C9A95-B6B4-4D4B-9602-E6D775AF789C}"/>
               </a:ext>
             </a:extLst>
           </p:cNvPr>
@@ -17142,14 +17138,14 @@
           </a:ln>
           <a:extLst>
             <a:ext uri="{909E8E84-426E-40DD-AFC4-6F175D3DCCD1}">
-              <a14:hiddenFill xmlns="" xmlns:a14="http://schemas.microsoft.com/office/drawing/2010/main">
+              <a14:hiddenFill xmlns:a14="http://schemas.microsoft.com/office/drawing/2010/main" xmlns="">
                 <a:solidFill>
                   <a:srgbClr val="FFFFFF"/>
                 </a:solidFill>
               </a14:hiddenFill>
             </a:ext>
             <a:ext uri="{91240B29-F687-4F45-9708-019B960494DF}">
-              <a14:hiddenLine xmlns="" xmlns:a14="http://schemas.microsoft.com/office/drawing/2010/main" w="25400">
+              <a14:hiddenLine xmlns:a14="http://schemas.microsoft.com/office/drawing/2010/main" xmlns="" w="25400">
                 <a:solidFill>
                   <a:srgbClr val="000000"/>
                 </a:solidFill>
@@ -17299,7 +17295,7 @@
           <p:cNvPr id="21" name="Line 12">
             <a:extLst>
               <a:ext uri="{FF2B5EF4-FFF2-40B4-BE49-F238E27FC236}">
-                <a16:creationId xmlns="" xmlns:a16="http://schemas.microsoft.com/office/drawing/2014/main" id="{7C8DBC76-3135-4B2D-9662-B42FB2801004}"/>
+                <a16:creationId xmlns:a16="http://schemas.microsoft.com/office/drawing/2014/main" xmlns="" id="{7C8DBC76-3135-4B2D-9662-B42FB2801004}"/>
               </a:ext>
             </a:extLst>
           </p:cNvPr>
@@ -17327,7 +17323,7 @@
           </a:ln>
           <a:extLst>
             <a:ext uri="{909E8E84-426E-40DD-AFC4-6F175D3DCCD1}">
-              <a14:hiddenFill xmlns="" xmlns:a14="http://schemas.microsoft.com/office/drawing/2010/main">
+              <a14:hiddenFill xmlns:a14="http://schemas.microsoft.com/office/drawing/2010/main" xmlns="">
                 <a:noFill/>
               </a14:hiddenFill>
             </a:ext>
@@ -17346,7 +17342,7 @@
           <p:cNvPr id="23" name="Line 13">
             <a:extLst>
               <a:ext uri="{FF2B5EF4-FFF2-40B4-BE49-F238E27FC236}">
-                <a16:creationId xmlns="" xmlns:a16="http://schemas.microsoft.com/office/drawing/2014/main" id="{E876180E-A1DF-48B9-A868-CE332F087F58}"/>
+                <a16:creationId xmlns:a16="http://schemas.microsoft.com/office/drawing/2014/main" xmlns="" id="{E876180E-A1DF-48B9-A868-CE332F087F58}"/>
               </a:ext>
             </a:extLst>
           </p:cNvPr>
@@ -17374,7 +17370,7 @@
           </a:ln>
           <a:extLst>
             <a:ext uri="{909E8E84-426E-40DD-AFC4-6F175D3DCCD1}">
-              <a14:hiddenFill xmlns="" xmlns:a14="http://schemas.microsoft.com/office/drawing/2010/main">
+              <a14:hiddenFill xmlns:a14="http://schemas.microsoft.com/office/drawing/2010/main" xmlns="">
                 <a:noFill/>
               </a14:hiddenFill>
             </a:ext>
@@ -17393,7 +17389,7 @@
           <p:cNvPr id="25" name="Line 18">
             <a:extLst>
               <a:ext uri="{FF2B5EF4-FFF2-40B4-BE49-F238E27FC236}">
-                <a16:creationId xmlns="" xmlns:a16="http://schemas.microsoft.com/office/drawing/2014/main" id="{E45C7CB8-53E2-4E6E-9977-8F5EB7694D1F}"/>
+                <a16:creationId xmlns:a16="http://schemas.microsoft.com/office/drawing/2014/main" xmlns="" id="{E45C7CB8-53E2-4E6E-9977-8F5EB7694D1F}"/>
               </a:ext>
             </a:extLst>
           </p:cNvPr>
@@ -17421,7 +17417,7 @@
           </a:ln>
           <a:extLst>
             <a:ext uri="{909E8E84-426E-40DD-AFC4-6F175D3DCCD1}">
-              <a14:hiddenFill xmlns="" xmlns:a14="http://schemas.microsoft.com/office/drawing/2010/main">
+              <a14:hiddenFill xmlns:a14="http://schemas.microsoft.com/office/drawing/2010/main" xmlns="">
                 <a:noFill/>
               </a14:hiddenFill>
             </a:ext>
@@ -17440,7 +17436,7 @@
           <p:cNvPr id="27" name="Freeform 21">
             <a:extLst>
               <a:ext uri="{FF2B5EF4-FFF2-40B4-BE49-F238E27FC236}">
-                <a16:creationId xmlns="" xmlns:a16="http://schemas.microsoft.com/office/drawing/2014/main" id="{344D4EC2-5AC3-4664-8328-66988A0A9086}"/>
+                <a16:creationId xmlns:a16="http://schemas.microsoft.com/office/drawing/2014/main" xmlns="" id="{344D4EC2-5AC3-4664-8328-66988A0A9086}"/>
               </a:ext>
             </a:extLst>
           </p:cNvPr>
@@ -17500,7 +17496,7 @@
           </a:ln>
           <a:extLst>
             <a:ext uri="{909E8E84-426E-40DD-AFC4-6F175D3DCCD1}">
-              <a14:hiddenFill xmlns="" xmlns:a14="http://schemas.microsoft.com/office/drawing/2010/main">
+              <a14:hiddenFill xmlns:a14="http://schemas.microsoft.com/office/drawing/2010/main" xmlns="">
                 <a:solidFill>
                   <a:srgbClr val="FFFFFF"/>
                 </a:solidFill>
@@ -17521,7 +17517,7 @@
           <p:cNvPr id="29" name="Freeform 25">
             <a:extLst>
               <a:ext uri="{FF2B5EF4-FFF2-40B4-BE49-F238E27FC236}">
-                <a16:creationId xmlns="" xmlns:a16="http://schemas.microsoft.com/office/drawing/2014/main" id="{FF5EA8A8-3A36-41E8-97B9-E66A91681F8B}"/>
+                <a16:creationId xmlns:a16="http://schemas.microsoft.com/office/drawing/2014/main" xmlns="" id="{FF5EA8A8-3A36-41E8-97B9-E66A91681F8B}"/>
               </a:ext>
             </a:extLst>
           </p:cNvPr>
@@ -17581,7 +17577,7 @@
           </a:ln>
           <a:extLst>
             <a:ext uri="{909E8E84-426E-40DD-AFC4-6F175D3DCCD1}">
-              <a14:hiddenFill xmlns="" xmlns:a14="http://schemas.microsoft.com/office/drawing/2010/main">
+              <a14:hiddenFill xmlns:a14="http://schemas.microsoft.com/office/drawing/2010/main" xmlns="">
                 <a:solidFill>
                   <a:srgbClr val="FFFFFF"/>
                 </a:solidFill>
@@ -17602,7 +17598,7 @@
           <p:cNvPr id="31" name="Line 26">
             <a:extLst>
               <a:ext uri="{FF2B5EF4-FFF2-40B4-BE49-F238E27FC236}">
-                <a16:creationId xmlns="" xmlns:a16="http://schemas.microsoft.com/office/drawing/2014/main" id="{D0676E56-2ACF-4717-A56A-48E0380761BA}"/>
+                <a16:creationId xmlns:a16="http://schemas.microsoft.com/office/drawing/2014/main" xmlns="" id="{D0676E56-2ACF-4717-A56A-48E0380761BA}"/>
               </a:ext>
             </a:extLst>
           </p:cNvPr>
@@ -17630,7 +17626,7 @@
           </a:ln>
           <a:extLst>
             <a:ext uri="{909E8E84-426E-40DD-AFC4-6F175D3DCCD1}">
-              <a14:hiddenFill xmlns="" xmlns:a14="http://schemas.microsoft.com/office/drawing/2010/main">
+              <a14:hiddenFill xmlns:a14="http://schemas.microsoft.com/office/drawing/2010/main" xmlns="">
                 <a:noFill/>
               </a14:hiddenFill>
             </a:ext>
@@ -17649,7 +17645,7 @@
           <p:cNvPr id="33" name="Line 29">
             <a:extLst>
               <a:ext uri="{FF2B5EF4-FFF2-40B4-BE49-F238E27FC236}">
-                <a16:creationId xmlns="" xmlns:a16="http://schemas.microsoft.com/office/drawing/2014/main" id="{B93C416B-629D-46E7-91ED-F1BAB7A74D17}"/>
+                <a16:creationId xmlns:a16="http://schemas.microsoft.com/office/drawing/2014/main" xmlns="" id="{B93C416B-629D-46E7-91ED-F1BAB7A74D17}"/>
               </a:ext>
             </a:extLst>
           </p:cNvPr>
@@ -17677,7 +17673,7 @@
           </a:ln>
           <a:extLst>
             <a:ext uri="{909E8E84-426E-40DD-AFC4-6F175D3DCCD1}">
-              <a14:hiddenFill xmlns="" xmlns:a14="http://schemas.microsoft.com/office/drawing/2010/main">
+              <a14:hiddenFill xmlns:a14="http://schemas.microsoft.com/office/drawing/2010/main" xmlns="">
                 <a:noFill/>
               </a14:hiddenFill>
             </a:ext>
@@ -17696,7 +17692,7 @@
           <p:cNvPr id="35" name="Line 30">
             <a:extLst>
               <a:ext uri="{FF2B5EF4-FFF2-40B4-BE49-F238E27FC236}">
-                <a16:creationId xmlns="" xmlns:a16="http://schemas.microsoft.com/office/drawing/2014/main" id="{08A197EC-527A-492B-BAB6-4CFE569A28B7}"/>
+                <a16:creationId xmlns:a16="http://schemas.microsoft.com/office/drawing/2014/main" xmlns="" id="{08A197EC-527A-492B-BAB6-4CFE569A28B7}"/>
               </a:ext>
             </a:extLst>
           </p:cNvPr>
@@ -17724,7 +17720,7 @@
           </a:ln>
           <a:extLst>
             <a:ext uri="{909E8E84-426E-40DD-AFC4-6F175D3DCCD1}">
-              <a14:hiddenFill xmlns="" xmlns:a14="http://schemas.microsoft.com/office/drawing/2010/main">
+              <a14:hiddenFill xmlns:a14="http://schemas.microsoft.com/office/drawing/2010/main" xmlns="">
                 <a:noFill/>
               </a14:hiddenFill>
             </a:ext>
@@ -17743,7 +17739,7 @@
           <p:cNvPr id="37" name="Freeform 32">
             <a:extLst>
               <a:ext uri="{FF2B5EF4-FFF2-40B4-BE49-F238E27FC236}">
-                <a16:creationId xmlns="" xmlns:a16="http://schemas.microsoft.com/office/drawing/2014/main" id="{C62F7BA5-6988-4469-BB0D-DCC7BA25A13B}"/>
+                <a16:creationId xmlns:a16="http://schemas.microsoft.com/office/drawing/2014/main" xmlns="" id="{C62F7BA5-6988-4469-BB0D-DCC7BA25A13B}"/>
               </a:ext>
             </a:extLst>
           </p:cNvPr>
@@ -17803,7 +17799,7 @@
           </a:ln>
           <a:extLst>
             <a:ext uri="{909E8E84-426E-40DD-AFC4-6F175D3DCCD1}">
-              <a14:hiddenFill xmlns="" xmlns:a14="http://schemas.microsoft.com/office/drawing/2010/main">
+              <a14:hiddenFill xmlns:a14="http://schemas.microsoft.com/office/drawing/2010/main" xmlns="">
                 <a:solidFill>
                   <a:srgbClr val="FFFFFF"/>
                 </a:solidFill>
@@ -17824,7 +17820,7 @@
           <p:cNvPr id="39" name="Freeform 34">
             <a:extLst>
               <a:ext uri="{FF2B5EF4-FFF2-40B4-BE49-F238E27FC236}">
-                <a16:creationId xmlns="" xmlns:a16="http://schemas.microsoft.com/office/drawing/2014/main" id="{6AEAB04D-A559-4AAA-B50C-33E205B6081C}"/>
+                <a16:creationId xmlns:a16="http://schemas.microsoft.com/office/drawing/2014/main" xmlns="" id="{6AEAB04D-A559-4AAA-B50C-33E205B6081C}"/>
               </a:ext>
             </a:extLst>
           </p:cNvPr>
@@ -17884,7 +17880,7 @@
           </a:ln>
           <a:extLst>
             <a:ext uri="{909E8E84-426E-40DD-AFC4-6F175D3DCCD1}">
-              <a14:hiddenFill xmlns="" xmlns:a14="http://schemas.microsoft.com/office/drawing/2010/main">
+              <a14:hiddenFill xmlns:a14="http://schemas.microsoft.com/office/drawing/2010/main" xmlns="">
                 <a:solidFill>
                   <a:srgbClr val="FFFFFF"/>
                 </a:solidFill>
@@ -17905,7 +17901,7 @@
           <p:cNvPr id="41" name="Freeform 35">
             <a:extLst>
               <a:ext uri="{FF2B5EF4-FFF2-40B4-BE49-F238E27FC236}">
-                <a16:creationId xmlns="" xmlns:a16="http://schemas.microsoft.com/office/drawing/2014/main" id="{BC458835-9DFB-4CB0-88E5-2CFAEE9DBD9D}"/>
+                <a16:creationId xmlns:a16="http://schemas.microsoft.com/office/drawing/2014/main" xmlns="" id="{BC458835-9DFB-4CB0-88E5-2CFAEE9DBD9D}"/>
               </a:ext>
             </a:extLst>
           </p:cNvPr>
@@ -17965,7 +17961,7 @@
           </a:ln>
           <a:extLst>
             <a:ext uri="{909E8E84-426E-40DD-AFC4-6F175D3DCCD1}">
-              <a14:hiddenFill xmlns="" xmlns:a14="http://schemas.microsoft.com/office/drawing/2010/main">
+              <a14:hiddenFill xmlns:a14="http://schemas.microsoft.com/office/drawing/2010/main" xmlns="">
                 <a:solidFill>
                   <a:srgbClr val="FFFFFF"/>
                 </a:solidFill>
@@ -17984,7 +17980,7 @@
     </p:spTree>
     <p:extLst>
       <p:ext uri="{BB962C8B-B14F-4D97-AF65-F5344CB8AC3E}">
-        <p14:creationId xmlns="" xmlns:p14="http://schemas.microsoft.com/office/powerpoint/2010/main" val="1284681651"/>
+        <p14:creationId xmlns:p14="http://schemas.microsoft.com/office/powerpoint/2010/main" xmlns="" val="1284681651"/>
       </p:ext>
     </p:extLst>
   </p:cSld>
@@ -18016,7 +18012,7 @@
           <p:cNvPr id="2" name="Title 1">
             <a:extLst>
               <a:ext uri="{FF2B5EF4-FFF2-40B4-BE49-F238E27FC236}">
-                <a16:creationId xmlns="" xmlns:a16="http://schemas.microsoft.com/office/drawing/2014/main" id="{CC55C538-0A0D-49D4-8020-6672AB5DA256}"/>
+                <a16:creationId xmlns:a16="http://schemas.microsoft.com/office/drawing/2014/main" xmlns="" id="{CC55C538-0A0D-49D4-8020-6672AB5DA256}"/>
               </a:ext>
             </a:extLst>
           </p:cNvPr>
@@ -18047,7 +18043,7 @@
           <p:cNvPr id="3" name="Content Placeholder 2">
             <a:extLst>
               <a:ext uri="{FF2B5EF4-FFF2-40B4-BE49-F238E27FC236}">
-                <a16:creationId xmlns="" xmlns:a16="http://schemas.microsoft.com/office/drawing/2014/main" id="{66807545-9908-4C6C-A53B-4F5420AD68F2}"/>
+                <a16:creationId xmlns:a16="http://schemas.microsoft.com/office/drawing/2014/main" xmlns="" id="{66807545-9908-4C6C-A53B-4F5420AD68F2}"/>
               </a:ext>
             </a:extLst>
           </p:cNvPr>
@@ -18096,7 +18092,7 @@
     </p:spTree>
     <p:extLst>
       <p:ext uri="{BB962C8B-B14F-4D97-AF65-F5344CB8AC3E}">
-        <p14:creationId xmlns="" xmlns:p14="http://schemas.microsoft.com/office/powerpoint/2010/main" val="957788773"/>
+        <p14:creationId xmlns:p14="http://schemas.microsoft.com/office/powerpoint/2010/main" xmlns="" val="957788773"/>
       </p:ext>
     </p:extLst>
   </p:cSld>
@@ -18128,7 +18124,7 @@
           <p:cNvPr id="2" name="Title 1">
             <a:extLst>
               <a:ext uri="{FF2B5EF4-FFF2-40B4-BE49-F238E27FC236}">
-                <a16:creationId xmlns="" xmlns:a16="http://schemas.microsoft.com/office/drawing/2014/main" id="{E6C8B65E-9E7E-4A3F-8395-BC34AEBA0BF1}"/>
+                <a16:creationId xmlns:a16="http://schemas.microsoft.com/office/drawing/2014/main" xmlns="" id="{E6C8B65E-9E7E-4A3F-8395-BC34AEBA0BF1}"/>
               </a:ext>
             </a:extLst>
           </p:cNvPr>
@@ -18159,7 +18155,7 @@
           <p:cNvPr id="5" name="Rectangle 2">
             <a:extLst>
               <a:ext uri="{FF2B5EF4-FFF2-40B4-BE49-F238E27FC236}">
-                <a16:creationId xmlns="" xmlns:a16="http://schemas.microsoft.com/office/drawing/2014/main" id="{CB04811E-09C6-4C30-99E8-9FC3CFDC3E03}"/>
+                <a16:creationId xmlns:a16="http://schemas.microsoft.com/office/drawing/2014/main" xmlns="" id="{CB04811E-09C6-4C30-99E8-9FC3CFDC3E03}"/>
               </a:ext>
             </a:extLst>
           </p:cNvPr>
@@ -18535,7 +18531,7 @@
           <p:cNvPr id="6" name="Picture 5">
             <a:extLst>
               <a:ext uri="{FF2B5EF4-FFF2-40B4-BE49-F238E27FC236}">
-                <a16:creationId xmlns="" xmlns:a16="http://schemas.microsoft.com/office/drawing/2014/main" id="{213C6167-D5A1-4154-A5BB-D9BF0AA53E87}"/>
+                <a16:creationId xmlns:a16="http://schemas.microsoft.com/office/drawing/2014/main" xmlns="" id="{213C6167-D5A1-4154-A5BB-D9BF0AA53E87}"/>
               </a:ext>
             </a:extLst>
           </p:cNvPr>
@@ -18563,7 +18559,7 @@
     </p:spTree>
     <p:extLst>
       <p:ext uri="{BB962C8B-B14F-4D97-AF65-F5344CB8AC3E}">
-        <p14:creationId xmlns="" xmlns:p14="http://schemas.microsoft.com/office/powerpoint/2010/main" val="987495260"/>
+        <p14:creationId xmlns:p14="http://schemas.microsoft.com/office/powerpoint/2010/main" xmlns="" val="987495260"/>
       </p:ext>
     </p:extLst>
   </p:cSld>
@@ -18595,7 +18591,7 @@
           <p:cNvPr id="2" name="Title 1">
             <a:extLst>
               <a:ext uri="{FF2B5EF4-FFF2-40B4-BE49-F238E27FC236}">
-                <a16:creationId xmlns="" xmlns:a16="http://schemas.microsoft.com/office/drawing/2014/main" id="{FD12AFA4-6063-4D77-B7BF-B6A96B7263F4}"/>
+                <a16:creationId xmlns:a16="http://schemas.microsoft.com/office/drawing/2014/main" xmlns="" id="{FD12AFA4-6063-4D77-B7BF-B6A96B7263F4}"/>
               </a:ext>
             </a:extLst>
           </p:cNvPr>
@@ -18624,7 +18620,7 @@
           <p:cNvPr id="5" name="Line 3">
             <a:extLst>
               <a:ext uri="{FF2B5EF4-FFF2-40B4-BE49-F238E27FC236}">
-                <a16:creationId xmlns="" xmlns:a16="http://schemas.microsoft.com/office/drawing/2014/main" id="{71FBCE5D-80CA-457E-9291-5823606A7AE2}"/>
+                <a16:creationId xmlns:a16="http://schemas.microsoft.com/office/drawing/2014/main" xmlns="" id="{71FBCE5D-80CA-457E-9291-5823606A7AE2}"/>
               </a:ext>
             </a:extLst>
           </p:cNvPr>
@@ -18652,7 +18648,7 @@
           </a:ln>
           <a:extLst>
             <a:ext uri="{909E8E84-426E-40DD-AFC4-6F175D3DCCD1}">
-              <a14:hiddenFill xmlns="" xmlns:a14="http://schemas.microsoft.com/office/drawing/2010/main">
+              <a14:hiddenFill xmlns:a14="http://schemas.microsoft.com/office/drawing/2010/main" xmlns="">
                 <a:noFill/>
               </a14:hiddenFill>
             </a:ext>
@@ -18671,7 +18667,7 @@
           <p:cNvPr id="7" name="Freeform 4">
             <a:extLst>
               <a:ext uri="{FF2B5EF4-FFF2-40B4-BE49-F238E27FC236}">
-                <a16:creationId xmlns="" xmlns:a16="http://schemas.microsoft.com/office/drawing/2014/main" id="{C0DCAD0E-5A67-4EB7-879D-88FAC928D759}"/>
+                <a16:creationId xmlns:a16="http://schemas.microsoft.com/office/drawing/2014/main" xmlns="" id="{C0DCAD0E-5A67-4EB7-879D-88FAC928D759}"/>
               </a:ext>
             </a:extLst>
           </p:cNvPr>
@@ -18750,7 +18746,7 @@
           </a:ln>
           <a:extLst>
             <a:ext uri="{909E8E84-426E-40DD-AFC4-6F175D3DCCD1}">
-              <a14:hiddenFill xmlns="" xmlns:a14="http://schemas.microsoft.com/office/drawing/2010/main">
+              <a14:hiddenFill xmlns:a14="http://schemas.microsoft.com/office/drawing/2010/main" xmlns="">
                 <a:solidFill>
                   <a:srgbClr val="FFFFFF"/>
                 </a:solidFill>
@@ -18771,7 +18767,7 @@
           <p:cNvPr id="9" name="Rectangle 5">
             <a:extLst>
               <a:ext uri="{FF2B5EF4-FFF2-40B4-BE49-F238E27FC236}">
-                <a16:creationId xmlns="" xmlns:a16="http://schemas.microsoft.com/office/drawing/2014/main" id="{E0EA88DC-2048-4584-B6B6-6C748B3429AA}"/>
+                <a16:creationId xmlns:a16="http://schemas.microsoft.com/office/drawing/2014/main" xmlns="" id="{E0EA88DC-2048-4584-B6B6-6C748B3429AA}"/>
               </a:ext>
             </a:extLst>
           </p:cNvPr>
@@ -18952,7 +18948,7 @@
           <p:cNvPr id="11" name="Rectangle 6">
             <a:extLst>
               <a:ext uri="{FF2B5EF4-FFF2-40B4-BE49-F238E27FC236}">
-                <a16:creationId xmlns="" xmlns:a16="http://schemas.microsoft.com/office/drawing/2014/main" id="{2B9F8522-2121-4DF1-A1A6-984BA106B90C}"/>
+                <a16:creationId xmlns:a16="http://schemas.microsoft.com/office/drawing/2014/main" xmlns="" id="{2B9F8522-2121-4DF1-A1A6-984BA106B90C}"/>
               </a:ext>
             </a:extLst>
           </p:cNvPr>
@@ -19133,7 +19129,7 @@
           <p:cNvPr id="13" name="Rectangle 7">
             <a:extLst>
               <a:ext uri="{FF2B5EF4-FFF2-40B4-BE49-F238E27FC236}">
-                <a16:creationId xmlns="" xmlns:a16="http://schemas.microsoft.com/office/drawing/2014/main" id="{CD3717B3-885E-46A6-8AFB-1528EE584472}"/>
+                <a16:creationId xmlns:a16="http://schemas.microsoft.com/office/drawing/2014/main" xmlns="" id="{CD3717B3-885E-46A6-8AFB-1528EE584472}"/>
               </a:ext>
             </a:extLst>
           </p:cNvPr>
@@ -19312,7 +19308,7 @@
     </p:spTree>
     <p:extLst>
       <p:ext uri="{BB962C8B-B14F-4D97-AF65-F5344CB8AC3E}">
-        <p14:creationId xmlns="" xmlns:p14="http://schemas.microsoft.com/office/powerpoint/2010/main" val="1443099934"/>
+        <p14:creationId xmlns:p14="http://schemas.microsoft.com/office/powerpoint/2010/main" xmlns="" val="1443099934"/>
       </p:ext>
     </p:extLst>
   </p:cSld>
@@ -19637,7 +19633,7 @@
           <p:cNvPr id="2" name="Title 1">
             <a:extLst>
               <a:ext uri="{FF2B5EF4-FFF2-40B4-BE49-F238E27FC236}">
-                <a16:creationId xmlns="" xmlns:a16="http://schemas.microsoft.com/office/drawing/2014/main" id="{8C24FBC6-49CF-4FCC-A0ED-2AD0DDD31269}"/>
+                <a16:creationId xmlns:a16="http://schemas.microsoft.com/office/drawing/2014/main" xmlns="" id="{8C24FBC6-49CF-4FCC-A0ED-2AD0DDD31269}"/>
               </a:ext>
             </a:extLst>
           </p:cNvPr>
@@ -19668,7 +19664,7 @@
           <p:cNvPr id="7" name="Rectangle 2">
             <a:extLst>
               <a:ext uri="{FF2B5EF4-FFF2-40B4-BE49-F238E27FC236}">
-                <a16:creationId xmlns="" xmlns:a16="http://schemas.microsoft.com/office/drawing/2014/main" id="{ACFF03EE-D9F3-40F4-968C-441914D71E92}"/>
+                <a16:creationId xmlns:a16="http://schemas.microsoft.com/office/drawing/2014/main" xmlns="" id="{ACFF03EE-D9F3-40F4-968C-441914D71E92}"/>
               </a:ext>
             </a:extLst>
           </p:cNvPr>
@@ -20065,7 +20061,7 @@
           <p:cNvPr id="3" name="Picture 2">
             <a:extLst>
               <a:ext uri="{FF2B5EF4-FFF2-40B4-BE49-F238E27FC236}">
-                <a16:creationId xmlns="" xmlns:a16="http://schemas.microsoft.com/office/drawing/2014/main" id="{9BF785E5-B781-4563-8908-669DBB528DE6}"/>
+                <a16:creationId xmlns:a16="http://schemas.microsoft.com/office/drawing/2014/main" xmlns="" id="{9BF785E5-B781-4563-8908-669DBB528DE6}"/>
               </a:ext>
             </a:extLst>
           </p:cNvPr>
@@ -20092,7 +20088,7 @@
     </p:spTree>
     <p:extLst>
       <p:ext uri="{BB962C8B-B14F-4D97-AF65-F5344CB8AC3E}">
-        <p14:creationId xmlns="" xmlns:p14="http://schemas.microsoft.com/office/powerpoint/2010/main" val="807763599"/>
+        <p14:creationId xmlns:p14="http://schemas.microsoft.com/office/powerpoint/2010/main" xmlns="" val="807763599"/>
       </p:ext>
     </p:extLst>
   </p:cSld>
@@ -20124,7 +20120,7 @@
           <p:cNvPr id="2" name="Title 1">
             <a:extLst>
               <a:ext uri="{FF2B5EF4-FFF2-40B4-BE49-F238E27FC236}">
-                <a16:creationId xmlns="" xmlns:a16="http://schemas.microsoft.com/office/drawing/2014/main" id="{837C5BD4-2F56-40EB-B078-496F383EE178}"/>
+                <a16:creationId xmlns:a16="http://schemas.microsoft.com/office/drawing/2014/main" xmlns="" id="{837C5BD4-2F56-40EB-B078-496F383EE178}"/>
               </a:ext>
             </a:extLst>
           </p:cNvPr>
@@ -20155,7 +20151,7 @@
           <p:cNvPr id="4" name="Content Placeholder 2">
             <a:extLst>
               <a:ext uri="{FF2B5EF4-FFF2-40B4-BE49-F238E27FC236}">
-                <a16:creationId xmlns="" xmlns:a16="http://schemas.microsoft.com/office/drawing/2014/main" id="{F2E82860-EF7E-4D1C-B515-672CF3342013}"/>
+                <a16:creationId xmlns:a16="http://schemas.microsoft.com/office/drawing/2014/main" xmlns="" id="{F2E82860-EF7E-4D1C-B515-672CF3342013}"/>
               </a:ext>
             </a:extLst>
           </p:cNvPr>
@@ -20194,7 +20190,7 @@
           <p:cNvPr id="5" name="Rectangle 2">
             <a:extLst>
               <a:ext uri="{FF2B5EF4-FFF2-40B4-BE49-F238E27FC236}">
-                <a16:creationId xmlns="" xmlns:a16="http://schemas.microsoft.com/office/drawing/2014/main" id="{10AC4795-EAC5-4CC5-9471-0C4BC4FC587F}"/>
+                <a16:creationId xmlns:a16="http://schemas.microsoft.com/office/drawing/2014/main" xmlns="" id="{10AC4795-EAC5-4CC5-9471-0C4BC4FC587F}"/>
               </a:ext>
             </a:extLst>
           </p:cNvPr>
@@ -20732,7 +20728,7 @@
     </p:spTree>
     <p:extLst>
       <p:ext uri="{BB962C8B-B14F-4D97-AF65-F5344CB8AC3E}">
-        <p14:creationId xmlns="" xmlns:p14="http://schemas.microsoft.com/office/powerpoint/2010/main" val="1871758081"/>
+        <p14:creationId xmlns:p14="http://schemas.microsoft.com/office/powerpoint/2010/main" xmlns="" val="1871758081"/>
       </p:ext>
     </p:extLst>
   </p:cSld>
@@ -20764,7 +20760,7 @@
           <p:cNvPr id="5" name="Rectangle 2">
             <a:extLst>
               <a:ext uri="{FF2B5EF4-FFF2-40B4-BE49-F238E27FC236}">
-                <a16:creationId xmlns="" xmlns:a16="http://schemas.microsoft.com/office/drawing/2014/main" id="{10AC4795-EAC5-4CC5-9471-0C4BC4FC587F}"/>
+                <a16:creationId xmlns:a16="http://schemas.microsoft.com/office/drawing/2014/main" xmlns="" id="{10AC4795-EAC5-4CC5-9471-0C4BC4FC587F}"/>
               </a:ext>
             </a:extLst>
           </p:cNvPr>
@@ -21317,7 +21313,7 @@
           <p:cNvPr id="10" name="Title 1">
             <a:extLst>
               <a:ext uri="{FF2B5EF4-FFF2-40B4-BE49-F238E27FC236}">
-                <a16:creationId xmlns="" xmlns:a16="http://schemas.microsoft.com/office/drawing/2014/main" id="{837C5BD4-2F56-40EB-B078-496F383EE178}"/>
+                <a16:creationId xmlns:a16="http://schemas.microsoft.com/office/drawing/2014/main" xmlns="" id="{837C5BD4-2F56-40EB-B078-496F383EE178}"/>
               </a:ext>
             </a:extLst>
           </p:cNvPr>
@@ -21353,7 +21349,7 @@
           <p:cNvPr id="11" name="Content Placeholder 2">
             <a:extLst>
               <a:ext uri="{FF2B5EF4-FFF2-40B4-BE49-F238E27FC236}">
-                <a16:creationId xmlns="" xmlns:a16="http://schemas.microsoft.com/office/drawing/2014/main" id="{F2E82860-EF7E-4D1C-B515-672CF3342013}"/>
+                <a16:creationId xmlns:a16="http://schemas.microsoft.com/office/drawing/2014/main" xmlns="" id="{F2E82860-EF7E-4D1C-B515-672CF3342013}"/>
               </a:ext>
             </a:extLst>
           </p:cNvPr>
@@ -21390,7 +21386,7 @@
     </p:spTree>
     <p:extLst>
       <p:ext uri="{BB962C8B-B14F-4D97-AF65-F5344CB8AC3E}">
-        <p14:creationId xmlns="" xmlns:p14="http://schemas.microsoft.com/office/powerpoint/2010/main" val="2514224435"/>
+        <p14:creationId xmlns:p14="http://schemas.microsoft.com/office/powerpoint/2010/main" xmlns="" val="2514224435"/>
       </p:ext>
     </p:extLst>
   </p:cSld>
@@ -21422,7 +21418,7 @@
           <p:cNvPr id="2" name="Title 1">
             <a:extLst>
               <a:ext uri="{FF2B5EF4-FFF2-40B4-BE49-F238E27FC236}">
-                <a16:creationId xmlns="" xmlns:a16="http://schemas.microsoft.com/office/drawing/2014/main" id="{24BD3828-811C-4F66-B5A4-4FAF2FE22021}"/>
+                <a16:creationId xmlns:a16="http://schemas.microsoft.com/office/drawing/2014/main" xmlns="" id="{24BD3828-811C-4F66-B5A4-4FAF2FE22021}"/>
               </a:ext>
             </a:extLst>
           </p:cNvPr>
@@ -21453,7 +21449,7 @@
           <p:cNvPr id="5" name="Rectangle 3">
             <a:extLst>
               <a:ext uri="{FF2B5EF4-FFF2-40B4-BE49-F238E27FC236}">
-                <a16:creationId xmlns="" xmlns:a16="http://schemas.microsoft.com/office/drawing/2014/main" id="{FE10D250-7207-497D-A9DE-BEEC65D51553}"/>
+                <a16:creationId xmlns:a16="http://schemas.microsoft.com/office/drawing/2014/main" xmlns="" id="{FE10D250-7207-497D-A9DE-BEEC65D51553}"/>
               </a:ext>
             </a:extLst>
           </p:cNvPr>
@@ -21476,14 +21472,14 @@
           </a:ln>
           <a:extLst>
             <a:ext uri="{909E8E84-426E-40DD-AFC4-6F175D3DCCD1}">
-              <a14:hiddenFill xmlns="" xmlns:a14="http://schemas.microsoft.com/office/drawing/2010/main">
+              <a14:hiddenFill xmlns:a14="http://schemas.microsoft.com/office/drawing/2010/main" xmlns="">
                 <a:solidFill>
                   <a:srgbClr val="FFFFFF"/>
                 </a:solidFill>
               </a14:hiddenFill>
             </a:ext>
             <a:ext uri="{91240B29-F687-4F45-9708-019B960494DF}">
-              <a14:hiddenLine xmlns="" xmlns:a14="http://schemas.microsoft.com/office/drawing/2010/main" w="9525">
+              <a14:hiddenLine xmlns:a14="http://schemas.microsoft.com/office/drawing/2010/main" xmlns="" w="9525">
                 <a:solidFill>
                   <a:srgbClr val="000000"/>
                 </a:solidFill>
@@ -21682,7 +21678,7 @@
           <p:cNvPr id="7" name="Freeform 4">
             <a:extLst>
               <a:ext uri="{FF2B5EF4-FFF2-40B4-BE49-F238E27FC236}">
-                <a16:creationId xmlns="" xmlns:a16="http://schemas.microsoft.com/office/drawing/2014/main" id="{FF0D3992-321A-4D88-8D6E-DE32E9B4ABC9}"/>
+                <a16:creationId xmlns:a16="http://schemas.microsoft.com/office/drawing/2014/main" xmlns="" id="{FF0D3992-321A-4D88-8D6E-DE32E9B4ABC9}"/>
               </a:ext>
             </a:extLst>
           </p:cNvPr>
@@ -21761,7 +21757,7 @@
           </a:ln>
           <a:extLst>
             <a:ext uri="{909E8E84-426E-40DD-AFC4-6F175D3DCCD1}">
-              <a14:hiddenFill xmlns="" xmlns:a14="http://schemas.microsoft.com/office/drawing/2010/main">
+              <a14:hiddenFill xmlns:a14="http://schemas.microsoft.com/office/drawing/2010/main" xmlns="">
                 <a:solidFill>
                   <a:srgbClr val="FFFFFF"/>
                 </a:solidFill>
@@ -21782,7 +21778,7 @@
           <p:cNvPr id="9" name="Line 5">
             <a:extLst>
               <a:ext uri="{FF2B5EF4-FFF2-40B4-BE49-F238E27FC236}">
-                <a16:creationId xmlns="" xmlns:a16="http://schemas.microsoft.com/office/drawing/2014/main" id="{29AAAFF3-AF5F-4BE0-8BA4-6CF205EBD866}"/>
+                <a16:creationId xmlns:a16="http://schemas.microsoft.com/office/drawing/2014/main" xmlns="" id="{29AAAFF3-AF5F-4BE0-8BA4-6CF205EBD866}"/>
               </a:ext>
             </a:extLst>
           </p:cNvPr>
@@ -21810,7 +21806,7 @@
           </a:ln>
           <a:extLst>
             <a:ext uri="{909E8E84-426E-40DD-AFC4-6F175D3DCCD1}">
-              <a14:hiddenFill xmlns="" xmlns:a14="http://schemas.microsoft.com/office/drawing/2010/main">
+              <a14:hiddenFill xmlns:a14="http://schemas.microsoft.com/office/drawing/2010/main" xmlns="">
                 <a:noFill/>
               </a14:hiddenFill>
             </a:ext>
@@ -21829,7 +21825,7 @@
           <p:cNvPr id="11" name="Rectangle 6">
             <a:extLst>
               <a:ext uri="{FF2B5EF4-FFF2-40B4-BE49-F238E27FC236}">
-                <a16:creationId xmlns="" xmlns:a16="http://schemas.microsoft.com/office/drawing/2014/main" id="{EAE6F19B-95C4-475D-A96C-068BB80F5945}"/>
+                <a16:creationId xmlns:a16="http://schemas.microsoft.com/office/drawing/2014/main" xmlns="" id="{EAE6F19B-95C4-475D-A96C-068BB80F5945}"/>
               </a:ext>
             </a:extLst>
           </p:cNvPr>
@@ -21852,14 +21848,14 @@
           </a:ln>
           <a:extLst>
             <a:ext uri="{909E8E84-426E-40DD-AFC4-6F175D3DCCD1}">
-              <a14:hiddenFill xmlns="" xmlns:a14="http://schemas.microsoft.com/office/drawing/2010/main">
+              <a14:hiddenFill xmlns:a14="http://schemas.microsoft.com/office/drawing/2010/main" xmlns="">
                 <a:solidFill>
                   <a:srgbClr val="FFFFFF"/>
                 </a:solidFill>
               </a14:hiddenFill>
             </a:ext>
             <a:ext uri="{91240B29-F687-4F45-9708-019B960494DF}">
-              <a14:hiddenLine xmlns="" xmlns:a14="http://schemas.microsoft.com/office/drawing/2010/main" w="9525">
+              <a14:hiddenLine xmlns:a14="http://schemas.microsoft.com/office/drawing/2010/main" xmlns="" w="9525">
                 <a:solidFill>
                   <a:srgbClr val="000000"/>
                 </a:solidFill>
@@ -22011,7 +22007,7 @@
           <p:cNvPr id="13" name="Rectangle 7">
             <a:extLst>
               <a:ext uri="{FF2B5EF4-FFF2-40B4-BE49-F238E27FC236}">
-                <a16:creationId xmlns="" xmlns:a16="http://schemas.microsoft.com/office/drawing/2014/main" id="{5C8609E2-C9E0-4EC0-B72F-D3D624372371}"/>
+                <a16:creationId xmlns:a16="http://schemas.microsoft.com/office/drawing/2014/main" xmlns="" id="{5C8609E2-C9E0-4EC0-B72F-D3D624372371}"/>
               </a:ext>
             </a:extLst>
           </p:cNvPr>
@@ -22034,14 +22030,14 @@
           </a:ln>
           <a:extLst>
             <a:ext uri="{909E8E84-426E-40DD-AFC4-6F175D3DCCD1}">
-              <a14:hiddenFill xmlns="" xmlns:a14="http://schemas.microsoft.com/office/drawing/2010/main">
+              <a14:hiddenFill xmlns:a14="http://schemas.microsoft.com/office/drawing/2010/main" xmlns="">
                 <a:solidFill>
                   <a:srgbClr val="FFFFFF"/>
                 </a:solidFill>
               </a14:hiddenFill>
             </a:ext>
             <a:ext uri="{91240B29-F687-4F45-9708-019B960494DF}">
-              <a14:hiddenLine xmlns="" xmlns:a14="http://schemas.microsoft.com/office/drawing/2010/main" w="9525">
+              <a14:hiddenLine xmlns:a14="http://schemas.microsoft.com/office/drawing/2010/main" xmlns="" w="9525">
                 <a:solidFill>
                   <a:srgbClr val="000000"/>
                 </a:solidFill>
@@ -22193,7 +22189,7 @@
           <p:cNvPr id="15" name="Text Box 10">
             <a:extLst>
               <a:ext uri="{FF2B5EF4-FFF2-40B4-BE49-F238E27FC236}">
-                <a16:creationId xmlns="" xmlns:a16="http://schemas.microsoft.com/office/drawing/2014/main" id="{D683D251-3604-4611-8EA9-9B357E1CAE00}"/>
+                <a16:creationId xmlns:a16="http://schemas.microsoft.com/office/drawing/2014/main" xmlns="" id="{D683D251-3604-4611-8EA9-9B357E1CAE00}"/>
               </a:ext>
             </a:extLst>
           </p:cNvPr>
@@ -22216,14 +22212,14 @@
           </a:ln>
           <a:extLst>
             <a:ext uri="{909E8E84-426E-40DD-AFC4-6F175D3DCCD1}">
-              <a14:hiddenFill xmlns="" xmlns:a14="http://schemas.microsoft.com/office/drawing/2010/main">
+              <a14:hiddenFill xmlns:a14="http://schemas.microsoft.com/office/drawing/2010/main" xmlns="">
                 <a:solidFill>
                   <a:srgbClr val="FFFFFF"/>
                 </a:solidFill>
               </a14:hiddenFill>
             </a:ext>
             <a:ext uri="{91240B29-F687-4F45-9708-019B960494DF}">
-              <a14:hiddenLine xmlns="" xmlns:a14="http://schemas.microsoft.com/office/drawing/2010/main" w="25400">
+              <a14:hiddenLine xmlns:a14="http://schemas.microsoft.com/office/drawing/2010/main" xmlns="" w="25400">
                 <a:solidFill>
                   <a:srgbClr val="000000"/>
                 </a:solidFill>
@@ -22373,7 +22369,7 @@
           <p:cNvPr id="17" name="Text Box 11">
             <a:extLst>
               <a:ext uri="{FF2B5EF4-FFF2-40B4-BE49-F238E27FC236}">
-                <a16:creationId xmlns="" xmlns:a16="http://schemas.microsoft.com/office/drawing/2014/main" id="{03D80FFD-0D98-4B1C-9EEF-89BEE08543CF}"/>
+                <a16:creationId xmlns:a16="http://schemas.microsoft.com/office/drawing/2014/main" xmlns="" id="{03D80FFD-0D98-4B1C-9EEF-89BEE08543CF}"/>
               </a:ext>
             </a:extLst>
           </p:cNvPr>
@@ -22396,14 +22392,14 @@
           </a:ln>
           <a:extLst>
             <a:ext uri="{909E8E84-426E-40DD-AFC4-6F175D3DCCD1}">
-              <a14:hiddenFill xmlns="" xmlns:a14="http://schemas.microsoft.com/office/drawing/2010/main">
+              <a14:hiddenFill xmlns:a14="http://schemas.microsoft.com/office/drawing/2010/main" xmlns="">
                 <a:solidFill>
                   <a:srgbClr val="FFFFFF"/>
                 </a:solidFill>
               </a14:hiddenFill>
             </a:ext>
             <a:ext uri="{91240B29-F687-4F45-9708-019B960494DF}">
-              <a14:hiddenLine xmlns="" xmlns:a14="http://schemas.microsoft.com/office/drawing/2010/main" w="25400">
+              <a14:hiddenLine xmlns:a14="http://schemas.microsoft.com/office/drawing/2010/main" xmlns="" w="25400">
                 <a:solidFill>
                   <a:srgbClr val="000000"/>
                 </a:solidFill>
@@ -22553,7 +22549,7 @@
           <p:cNvPr id="19" name="Picture 15" descr="C:\salome_official\projects\11gR2\screenshots\les6_20s_a.gif">
             <a:extLst>
               <a:ext uri="{FF2B5EF4-FFF2-40B4-BE49-F238E27FC236}">
-                <a16:creationId xmlns="" xmlns:a16="http://schemas.microsoft.com/office/drawing/2014/main" id="{F7A5A9B1-292F-4FCB-A7EE-AC62FA7C10F2}"/>
+                <a16:creationId xmlns:a16="http://schemas.microsoft.com/office/drawing/2014/main" xmlns="" id="{F7A5A9B1-292F-4FCB-A7EE-AC62FA7C10F2}"/>
               </a:ext>
             </a:extLst>
           </p:cNvPr>
@@ -22566,7 +22562,7 @@
           <a:blip r:embed="rId2">
             <a:extLst>
               <a:ext uri="{28A0092B-C50C-407E-A947-70E740481C1C}">
-                <a14:useLocalDpi xmlns="" xmlns:a14="http://schemas.microsoft.com/office/drawing/2010/main" val="0"/>
+                <a14:useLocalDpi xmlns:a14="http://schemas.microsoft.com/office/drawing/2010/main" xmlns="" val="0"/>
               </a:ext>
             </a:extLst>
           </a:blip>
@@ -22594,7 +22590,7 @@
           </a:ln>
           <a:extLst>
             <a:ext uri="{909E8E84-426E-40DD-AFC4-6F175D3DCCD1}">
-              <a14:hiddenFill xmlns="" xmlns:a14="http://schemas.microsoft.com/office/drawing/2010/main">
+              <a14:hiddenFill xmlns:a14="http://schemas.microsoft.com/office/drawing/2010/main" xmlns="">
                 <a:solidFill>
                   <a:srgbClr val="FFFFFF"/>
                 </a:solidFill>
@@ -22608,7 +22604,7 @@
           <p:cNvPr id="21" name="Picture 16" descr="C:\salome_official\projects\11gR2\screenshots\les6_20s_b.gif">
             <a:extLst>
               <a:ext uri="{FF2B5EF4-FFF2-40B4-BE49-F238E27FC236}">
-                <a16:creationId xmlns="" xmlns:a16="http://schemas.microsoft.com/office/drawing/2014/main" id="{E66141A5-602D-480B-940E-22442039CD0E}"/>
+                <a16:creationId xmlns:a16="http://schemas.microsoft.com/office/drawing/2014/main" xmlns="" id="{E66141A5-602D-480B-940E-22442039CD0E}"/>
               </a:ext>
             </a:extLst>
           </p:cNvPr>
@@ -22621,7 +22617,7 @@
           <a:blip r:embed="rId3">
             <a:extLst>
               <a:ext uri="{28A0092B-C50C-407E-A947-70E740481C1C}">
-                <a14:useLocalDpi xmlns="" xmlns:a14="http://schemas.microsoft.com/office/drawing/2010/main" val="0"/>
+                <a14:useLocalDpi xmlns:a14="http://schemas.microsoft.com/office/drawing/2010/main" xmlns="" val="0"/>
               </a:ext>
             </a:extLst>
           </a:blip>
@@ -22649,7 +22645,7 @@
           </a:ln>
           <a:extLst>
             <a:ext uri="{909E8E84-426E-40DD-AFC4-6F175D3DCCD1}">
-              <a14:hiddenFill xmlns="" xmlns:a14="http://schemas.microsoft.com/office/drawing/2010/main">
+              <a14:hiddenFill xmlns:a14="http://schemas.microsoft.com/office/drawing/2010/main" xmlns="">
                 <a:solidFill>
                   <a:srgbClr val="FFFFFF"/>
                 </a:solidFill>
@@ -22661,7 +22657,7 @@
     </p:spTree>
     <p:extLst>
       <p:ext uri="{BB962C8B-B14F-4D97-AF65-F5344CB8AC3E}">
-        <p14:creationId xmlns="" xmlns:p14="http://schemas.microsoft.com/office/powerpoint/2010/main" val="3793942848"/>
+        <p14:creationId xmlns:p14="http://schemas.microsoft.com/office/powerpoint/2010/main" xmlns="" val="3793942848"/>
       </p:ext>
     </p:extLst>
   </p:cSld>
@@ -22693,7 +22689,7 @@
           <p:cNvPr id="2" name="Title 1">
             <a:extLst>
               <a:ext uri="{FF2B5EF4-FFF2-40B4-BE49-F238E27FC236}">
-                <a16:creationId xmlns="" xmlns:a16="http://schemas.microsoft.com/office/drawing/2014/main" id="{B6B43CD9-BF2B-4DB4-8909-F73082DAF8BB}"/>
+                <a16:creationId xmlns:a16="http://schemas.microsoft.com/office/drawing/2014/main" xmlns="" id="{B6B43CD9-BF2B-4DB4-8909-F73082DAF8BB}"/>
               </a:ext>
             </a:extLst>
           </p:cNvPr>
@@ -22740,7 +22736,7 @@
           <p:cNvPr id="5" name="Rectangle 3">
             <a:extLst>
               <a:ext uri="{FF2B5EF4-FFF2-40B4-BE49-F238E27FC236}">
-                <a16:creationId xmlns="" xmlns:a16="http://schemas.microsoft.com/office/drawing/2014/main" id="{5CA4E01B-29F3-4E5B-9097-624587D09E22}"/>
+                <a16:creationId xmlns:a16="http://schemas.microsoft.com/office/drawing/2014/main" xmlns="" id="{5CA4E01B-29F3-4E5B-9097-624587D09E22}"/>
               </a:ext>
             </a:extLst>
           </p:cNvPr>
@@ -23171,7 +23167,7 @@
     </p:spTree>
     <p:extLst>
       <p:ext uri="{BB962C8B-B14F-4D97-AF65-F5344CB8AC3E}">
-        <p14:creationId xmlns="" xmlns:p14="http://schemas.microsoft.com/office/powerpoint/2010/main" val="865934159"/>
+        <p14:creationId xmlns:p14="http://schemas.microsoft.com/office/powerpoint/2010/main" xmlns="" val="865934159"/>
       </p:ext>
     </p:extLst>
   </p:cSld>
@@ -23203,7 +23199,7 @@
           <p:cNvPr id="2" name="Title 1">
             <a:extLst>
               <a:ext uri="{FF2B5EF4-FFF2-40B4-BE49-F238E27FC236}">
-                <a16:creationId xmlns="" xmlns:a16="http://schemas.microsoft.com/office/drawing/2014/main" id="{2205C480-C997-420D-A133-A568BB635CB4}"/>
+                <a16:creationId xmlns:a16="http://schemas.microsoft.com/office/drawing/2014/main" xmlns="" id="{2205C480-C997-420D-A133-A568BB635CB4}"/>
               </a:ext>
             </a:extLst>
           </p:cNvPr>
@@ -23232,7 +23228,7 @@
           <p:cNvPr id="5" name="Picture 20" descr="C:\salome_official\projects\11gR2\screenshots\les6_23s_b.gif">
             <a:extLst>
               <a:ext uri="{FF2B5EF4-FFF2-40B4-BE49-F238E27FC236}">
-                <a16:creationId xmlns="" xmlns:a16="http://schemas.microsoft.com/office/drawing/2014/main" id="{20A19495-E9D9-433C-9FE1-49AC010992B3}"/>
+                <a16:creationId xmlns:a16="http://schemas.microsoft.com/office/drawing/2014/main" xmlns="" id="{20A19495-E9D9-433C-9FE1-49AC010992B3}"/>
               </a:ext>
             </a:extLst>
           </p:cNvPr>
@@ -23245,7 +23241,7 @@
           <a:blip r:embed="rId2">
             <a:extLst>
               <a:ext uri="{28A0092B-C50C-407E-A947-70E740481C1C}">
-                <a14:useLocalDpi xmlns="" xmlns:a14="http://schemas.microsoft.com/office/drawing/2010/main" val="0"/>
+                <a14:useLocalDpi xmlns:a14="http://schemas.microsoft.com/office/drawing/2010/main" xmlns="" val="0"/>
               </a:ext>
             </a:extLst>
           </a:blip>
@@ -23273,7 +23269,7 @@
           </a:ln>
           <a:extLst>
             <a:ext uri="{909E8E84-426E-40DD-AFC4-6F175D3DCCD1}">
-              <a14:hiddenFill xmlns="" xmlns:a14="http://schemas.microsoft.com/office/drawing/2010/main">
+              <a14:hiddenFill xmlns:a14="http://schemas.microsoft.com/office/drawing/2010/main" xmlns="">
                 <a:solidFill>
                   <a:srgbClr val="FFFFFF"/>
                 </a:solidFill>
@@ -23287,7 +23283,7 @@
           <p:cNvPr id="7" name="Picture 19" descr="C:\salome_official\projects\11gR2\screenshots\les6_23s_a.gif">
             <a:extLst>
               <a:ext uri="{FF2B5EF4-FFF2-40B4-BE49-F238E27FC236}">
-                <a16:creationId xmlns="" xmlns:a16="http://schemas.microsoft.com/office/drawing/2014/main" id="{197FB223-F842-40ED-A009-2085B24728B6}"/>
+                <a16:creationId xmlns:a16="http://schemas.microsoft.com/office/drawing/2014/main" xmlns="" id="{197FB223-F842-40ED-A009-2085B24728B6}"/>
               </a:ext>
             </a:extLst>
           </p:cNvPr>
@@ -23300,7 +23296,7 @@
           <a:blip r:embed="rId3">
             <a:extLst>
               <a:ext uri="{28A0092B-C50C-407E-A947-70E740481C1C}">
-                <a14:useLocalDpi xmlns="" xmlns:a14="http://schemas.microsoft.com/office/drawing/2010/main" val="0"/>
+                <a14:useLocalDpi xmlns:a14="http://schemas.microsoft.com/office/drawing/2010/main" xmlns="" val="0"/>
               </a:ext>
             </a:extLst>
           </a:blip>
@@ -23328,7 +23324,7 @@
           </a:ln>
           <a:extLst>
             <a:ext uri="{909E8E84-426E-40DD-AFC4-6F175D3DCCD1}">
-              <a14:hiddenFill xmlns="" xmlns:a14="http://schemas.microsoft.com/office/drawing/2010/main">
+              <a14:hiddenFill xmlns:a14="http://schemas.microsoft.com/office/drawing/2010/main" xmlns="">
                 <a:solidFill>
                   <a:srgbClr val="FFFFFF"/>
                 </a:solidFill>
@@ -23342,7 +23338,7 @@
           <p:cNvPr id="9" name="Rectangle 4">
             <a:extLst>
               <a:ext uri="{FF2B5EF4-FFF2-40B4-BE49-F238E27FC236}">
-                <a16:creationId xmlns="" xmlns:a16="http://schemas.microsoft.com/office/drawing/2014/main" id="{FAE5C3C1-9168-4623-BED8-3B38B1CEF914}"/>
+                <a16:creationId xmlns:a16="http://schemas.microsoft.com/office/drawing/2014/main" xmlns="" id="{FAE5C3C1-9168-4623-BED8-3B38B1CEF914}"/>
               </a:ext>
             </a:extLst>
           </p:cNvPr>
@@ -23365,14 +23361,14 @@
           </a:ln>
           <a:extLst>
             <a:ext uri="{909E8E84-426E-40DD-AFC4-6F175D3DCCD1}">
-              <a14:hiddenFill xmlns="" xmlns:a14="http://schemas.microsoft.com/office/drawing/2010/main">
+              <a14:hiddenFill xmlns:a14="http://schemas.microsoft.com/office/drawing/2010/main" xmlns="">
                 <a:solidFill>
                   <a:srgbClr val="FFFFFF"/>
                 </a:solidFill>
               </a14:hiddenFill>
             </a:ext>
             <a:ext uri="{91240B29-F687-4F45-9708-019B960494DF}">
-              <a14:hiddenLine xmlns="" xmlns:a14="http://schemas.microsoft.com/office/drawing/2010/main" w="9525">
+              <a14:hiddenLine xmlns:a14="http://schemas.microsoft.com/office/drawing/2010/main" xmlns="" w="9525">
                 <a:solidFill>
                   <a:srgbClr val="000000"/>
                 </a:solidFill>
@@ -23524,7 +23520,7 @@
           <p:cNvPr id="11" name="Rectangle 5">
             <a:extLst>
               <a:ext uri="{FF2B5EF4-FFF2-40B4-BE49-F238E27FC236}">
-                <a16:creationId xmlns="" xmlns:a16="http://schemas.microsoft.com/office/drawing/2014/main" id="{98C1DB45-5A54-4FE1-B101-133C96F1211A}"/>
+                <a16:creationId xmlns:a16="http://schemas.microsoft.com/office/drawing/2014/main" xmlns="" id="{98C1DB45-5A54-4FE1-B101-133C96F1211A}"/>
               </a:ext>
             </a:extLst>
           </p:cNvPr>
@@ -23547,14 +23543,14 @@
           </a:ln>
           <a:extLst>
             <a:ext uri="{909E8E84-426E-40DD-AFC4-6F175D3DCCD1}">
-              <a14:hiddenFill xmlns="" xmlns:a14="http://schemas.microsoft.com/office/drawing/2010/main">
+              <a14:hiddenFill xmlns:a14="http://schemas.microsoft.com/office/drawing/2010/main" xmlns="">
                 <a:solidFill>
                   <a:srgbClr val="FFFFFF"/>
                 </a:solidFill>
               </a14:hiddenFill>
             </a:ext>
             <a:ext uri="{91240B29-F687-4F45-9708-019B960494DF}">
-              <a14:hiddenLine xmlns="" xmlns:a14="http://schemas.microsoft.com/office/drawing/2010/main" w="9525">
+              <a14:hiddenLine xmlns:a14="http://schemas.microsoft.com/office/drawing/2010/main" xmlns="" w="9525">
                 <a:solidFill>
                   <a:srgbClr val="000000"/>
                 </a:solidFill>
@@ -23706,7 +23702,7 @@
           <p:cNvPr id="13" name="Rectangle 6">
             <a:extLst>
               <a:ext uri="{FF2B5EF4-FFF2-40B4-BE49-F238E27FC236}">
-                <a16:creationId xmlns="" xmlns:a16="http://schemas.microsoft.com/office/drawing/2014/main" id="{8E6446CB-C962-4097-9D98-B143854414AA}"/>
+                <a16:creationId xmlns:a16="http://schemas.microsoft.com/office/drawing/2014/main" xmlns="" id="{8E6446CB-C962-4097-9D98-B143854414AA}"/>
               </a:ext>
             </a:extLst>
           </p:cNvPr>
@@ -23734,7 +23730,7 @@
           </a:ln>
           <a:extLst>
             <a:ext uri="{909E8E84-426E-40DD-AFC4-6F175D3DCCD1}">
-              <a14:hiddenFill xmlns="" xmlns:a14="http://schemas.microsoft.com/office/drawing/2010/main">
+              <a14:hiddenFill xmlns:a14="http://schemas.microsoft.com/office/drawing/2010/main" xmlns="">
                 <a:solidFill>
                   <a:srgbClr val="FFFFFF"/>
                 </a:solidFill>
@@ -23869,7 +23865,7 @@
           <p:cNvPr id="15" name="Text Box 12">
             <a:extLst>
               <a:ext uri="{FF2B5EF4-FFF2-40B4-BE49-F238E27FC236}">
-                <a16:creationId xmlns="" xmlns:a16="http://schemas.microsoft.com/office/drawing/2014/main" id="{80CC69AA-1E30-4F94-9322-9CAB1F9BE475}"/>
+                <a16:creationId xmlns:a16="http://schemas.microsoft.com/office/drawing/2014/main" xmlns="" id="{80CC69AA-1E30-4F94-9322-9CAB1F9BE475}"/>
               </a:ext>
             </a:extLst>
           </p:cNvPr>
@@ -23892,14 +23888,14 @@
           </a:ln>
           <a:extLst>
             <a:ext uri="{909E8E84-426E-40DD-AFC4-6F175D3DCCD1}">
-              <a14:hiddenFill xmlns="" xmlns:a14="http://schemas.microsoft.com/office/drawing/2010/main">
+              <a14:hiddenFill xmlns:a14="http://schemas.microsoft.com/office/drawing/2010/main" xmlns="">
                 <a:solidFill>
                   <a:srgbClr val="FFFFFF"/>
                 </a:solidFill>
               </a14:hiddenFill>
             </a:ext>
             <a:ext uri="{91240B29-F687-4F45-9708-019B960494DF}">
-              <a14:hiddenLine xmlns="" xmlns:a14="http://schemas.microsoft.com/office/drawing/2010/main" w="25400">
+              <a14:hiddenLine xmlns:a14="http://schemas.microsoft.com/office/drawing/2010/main" xmlns="" w="25400">
                 <a:solidFill>
                   <a:srgbClr val="000000"/>
                 </a:solidFill>
@@ -24049,7 +24045,7 @@
           <p:cNvPr id="17" name="Line 17">
             <a:extLst>
               <a:ext uri="{FF2B5EF4-FFF2-40B4-BE49-F238E27FC236}">
-                <a16:creationId xmlns="" xmlns:a16="http://schemas.microsoft.com/office/drawing/2014/main" id="{888E717C-DCDC-4D04-A023-BEE29831A668}"/>
+                <a16:creationId xmlns:a16="http://schemas.microsoft.com/office/drawing/2014/main" xmlns="" id="{888E717C-DCDC-4D04-A023-BEE29831A668}"/>
               </a:ext>
             </a:extLst>
           </p:cNvPr>
@@ -24077,7 +24073,7 @@
           </a:ln>
           <a:extLst>
             <a:ext uri="{909E8E84-426E-40DD-AFC4-6F175D3DCCD1}">
-              <a14:hiddenFill xmlns="" xmlns:a14="http://schemas.microsoft.com/office/drawing/2010/main">
+              <a14:hiddenFill xmlns:a14="http://schemas.microsoft.com/office/drawing/2010/main" xmlns="">
                 <a:noFill/>
               </a14:hiddenFill>
             </a:ext>
@@ -24096,7 +24092,7 @@
           <p:cNvPr id="19" name="Text Box 18">
             <a:extLst>
               <a:ext uri="{FF2B5EF4-FFF2-40B4-BE49-F238E27FC236}">
-                <a16:creationId xmlns="" xmlns:a16="http://schemas.microsoft.com/office/drawing/2014/main" id="{BBD3E4DE-03EF-4D2D-9D98-283D505CE587}"/>
+                <a16:creationId xmlns:a16="http://schemas.microsoft.com/office/drawing/2014/main" xmlns="" id="{BBD3E4DE-03EF-4D2D-9D98-283D505CE587}"/>
               </a:ext>
             </a:extLst>
           </p:cNvPr>
@@ -24119,14 +24115,14 @@
           </a:ln>
           <a:extLst>
             <a:ext uri="{909E8E84-426E-40DD-AFC4-6F175D3DCCD1}">
-              <a14:hiddenFill xmlns="" xmlns:a14="http://schemas.microsoft.com/office/drawing/2010/main">
+              <a14:hiddenFill xmlns:a14="http://schemas.microsoft.com/office/drawing/2010/main" xmlns="">
                 <a:solidFill>
                   <a:srgbClr val="FFFFFF"/>
                 </a:solidFill>
               </a14:hiddenFill>
             </a:ext>
             <a:ext uri="{91240B29-F687-4F45-9708-019B960494DF}">
-              <a14:hiddenLine xmlns="" xmlns:a14="http://schemas.microsoft.com/office/drawing/2010/main" w="28575">
+              <a14:hiddenLine xmlns:a14="http://schemas.microsoft.com/office/drawing/2010/main" xmlns="" w="28575">
                 <a:solidFill>
                   <a:srgbClr val="000000"/>
                 </a:solidFill>
@@ -24277,7 +24273,7 @@
           <p:cNvPr id="21" name="Picture 21" descr="C:\salome_official\projects\11gR2\screenshots\les6_23s_c.gif">
             <a:extLst>
               <a:ext uri="{FF2B5EF4-FFF2-40B4-BE49-F238E27FC236}">
-                <a16:creationId xmlns="" xmlns:a16="http://schemas.microsoft.com/office/drawing/2014/main" id="{D6E38675-1D02-4C58-BEE9-1A9BE6250028}"/>
+                <a16:creationId xmlns:a16="http://schemas.microsoft.com/office/drawing/2014/main" xmlns="" id="{D6E38675-1D02-4C58-BEE9-1A9BE6250028}"/>
               </a:ext>
             </a:extLst>
           </p:cNvPr>
@@ -24290,7 +24286,7 @@
           <a:blip r:embed="rId4">
             <a:extLst>
               <a:ext uri="{28A0092B-C50C-407E-A947-70E740481C1C}">
-                <a14:useLocalDpi xmlns="" xmlns:a14="http://schemas.microsoft.com/office/drawing/2010/main" val="0"/>
+                <a14:useLocalDpi xmlns:a14="http://schemas.microsoft.com/office/drawing/2010/main" xmlns="" val="0"/>
               </a:ext>
             </a:extLst>
           </a:blip>
@@ -24318,7 +24314,7 @@
           </a:ln>
           <a:extLst>
             <a:ext uri="{909E8E84-426E-40DD-AFC4-6F175D3DCCD1}">
-              <a14:hiddenFill xmlns="" xmlns:a14="http://schemas.microsoft.com/office/drawing/2010/main">
+              <a14:hiddenFill xmlns:a14="http://schemas.microsoft.com/office/drawing/2010/main" xmlns="">
                 <a:solidFill>
                   <a:srgbClr val="FFFFFF"/>
                 </a:solidFill>
@@ -24332,7 +24328,7 @@
           <p:cNvPr id="23" name="Rectangle 11">
             <a:extLst>
               <a:ext uri="{FF2B5EF4-FFF2-40B4-BE49-F238E27FC236}">
-                <a16:creationId xmlns="" xmlns:a16="http://schemas.microsoft.com/office/drawing/2014/main" id="{A331A9B9-07C2-4A51-A2A7-5AD0DFEE41EE}"/>
+                <a16:creationId xmlns:a16="http://schemas.microsoft.com/office/drawing/2014/main" xmlns="" id="{A331A9B9-07C2-4A51-A2A7-5AD0DFEE41EE}"/>
               </a:ext>
             </a:extLst>
           </p:cNvPr>
@@ -24360,7 +24356,7 @@
           </a:ln>
           <a:extLst>
             <a:ext uri="{909E8E84-426E-40DD-AFC4-6F175D3DCCD1}">
-              <a14:hiddenFill xmlns="" xmlns:a14="http://schemas.microsoft.com/office/drawing/2010/main">
+              <a14:hiddenFill xmlns:a14="http://schemas.microsoft.com/office/drawing/2010/main" xmlns="">
                 <a:solidFill>
                   <a:srgbClr val="FFFFFF"/>
                 </a:solidFill>
@@ -24493,7 +24489,7 @@
     </p:spTree>
     <p:extLst>
       <p:ext uri="{BB962C8B-B14F-4D97-AF65-F5344CB8AC3E}">
-        <p14:creationId xmlns="" xmlns:p14="http://schemas.microsoft.com/office/powerpoint/2010/main" val="642819905"/>
+        <p14:creationId xmlns:p14="http://schemas.microsoft.com/office/powerpoint/2010/main" xmlns="" val="642819905"/>
       </p:ext>
     </p:extLst>
   </p:cSld>
@@ -24525,7 +24521,7 @@
           <p:cNvPr id="2" name="Title 1">
             <a:extLst>
               <a:ext uri="{FF2B5EF4-FFF2-40B4-BE49-F238E27FC236}">
-                <a16:creationId xmlns="" xmlns:a16="http://schemas.microsoft.com/office/drawing/2014/main" id="{AF30A1A0-F20F-4A17-AC82-C858FF123972}"/>
+                <a16:creationId xmlns:a16="http://schemas.microsoft.com/office/drawing/2014/main" xmlns="" id="{AF30A1A0-F20F-4A17-AC82-C858FF123972}"/>
               </a:ext>
             </a:extLst>
           </p:cNvPr>
@@ -24564,7 +24560,7 @@
           <p:cNvPr id="5" name="Rectangle 2">
             <a:extLst>
               <a:ext uri="{FF2B5EF4-FFF2-40B4-BE49-F238E27FC236}">
-                <a16:creationId xmlns="" xmlns:a16="http://schemas.microsoft.com/office/drawing/2014/main" id="{9B3827E5-3619-4290-978A-ECE92EB2D901}"/>
+                <a16:creationId xmlns:a16="http://schemas.microsoft.com/office/drawing/2014/main" xmlns="" id="{9B3827E5-3619-4290-978A-ECE92EB2D901}"/>
               </a:ext>
             </a:extLst>
           </p:cNvPr>
@@ -24983,7 +24979,7 @@
     </p:spTree>
     <p:extLst>
       <p:ext uri="{BB962C8B-B14F-4D97-AF65-F5344CB8AC3E}">
-        <p14:creationId xmlns="" xmlns:p14="http://schemas.microsoft.com/office/powerpoint/2010/main" val="1943864815"/>
+        <p14:creationId xmlns:p14="http://schemas.microsoft.com/office/powerpoint/2010/main" xmlns="" val="1943864815"/>
       </p:ext>
     </p:extLst>
   </p:cSld>
@@ -25328,7 +25324,7 @@
           <p:cNvPr id="2" name="Title 1">
             <a:extLst>
               <a:ext uri="{FF2B5EF4-FFF2-40B4-BE49-F238E27FC236}">
-                <a16:creationId xmlns="" xmlns:a16="http://schemas.microsoft.com/office/drawing/2014/main" id="{B8222CE7-9FDD-4CBB-A7BF-B5F8887EEC2D}"/>
+                <a16:creationId xmlns:a16="http://schemas.microsoft.com/office/drawing/2014/main" xmlns="" id="{B8222CE7-9FDD-4CBB-A7BF-B5F8887EEC2D}"/>
               </a:ext>
             </a:extLst>
           </p:cNvPr>
@@ -25381,7 +25377,7 @@
           <p:cNvPr id="3" name="Content Placeholder 2">
             <a:extLst>
               <a:ext uri="{FF2B5EF4-FFF2-40B4-BE49-F238E27FC236}">
-                <a16:creationId xmlns="" xmlns:a16="http://schemas.microsoft.com/office/drawing/2014/main" id="{79E05A2F-E26D-4556-ABBB-B19FE25DDC93}"/>
+                <a16:creationId xmlns:a16="http://schemas.microsoft.com/office/drawing/2014/main" xmlns="" id="{79E05A2F-E26D-4556-ABBB-B19FE25DDC93}"/>
               </a:ext>
             </a:extLst>
           </p:cNvPr>
@@ -25424,7 +25420,7 @@
     </p:spTree>
     <p:extLst>
       <p:ext uri="{BB962C8B-B14F-4D97-AF65-F5344CB8AC3E}">
-        <p14:creationId xmlns="" xmlns:p14="http://schemas.microsoft.com/office/powerpoint/2010/main" val="1767859771"/>
+        <p14:creationId xmlns:p14="http://schemas.microsoft.com/office/powerpoint/2010/main" xmlns="" val="1767859771"/>
       </p:ext>
     </p:extLst>
   </p:cSld>
@@ -25456,7 +25452,7 @@
           <p:cNvPr id="2" name="Title 1">
             <a:extLst>
               <a:ext uri="{FF2B5EF4-FFF2-40B4-BE49-F238E27FC236}">
-                <a16:creationId xmlns="" xmlns:a16="http://schemas.microsoft.com/office/drawing/2014/main" id="{27C35232-017A-4260-A124-5F36C237F41E}"/>
+                <a16:creationId xmlns:a16="http://schemas.microsoft.com/office/drawing/2014/main" xmlns="" id="{27C35232-017A-4260-A124-5F36C237F41E}"/>
               </a:ext>
             </a:extLst>
           </p:cNvPr>
@@ -25487,7 +25483,7 @@
           <p:cNvPr id="4" name="Rectangle 3">
             <a:extLst>
               <a:ext uri="{FF2B5EF4-FFF2-40B4-BE49-F238E27FC236}">
-                <a16:creationId xmlns="" xmlns:a16="http://schemas.microsoft.com/office/drawing/2014/main" id="{7E0A7FB1-0DF1-43BC-819E-B9CDC3046193}"/>
+                <a16:creationId xmlns:a16="http://schemas.microsoft.com/office/drawing/2014/main" xmlns="" id="{7E0A7FB1-0DF1-43BC-819E-B9CDC3046193}"/>
               </a:ext>
             </a:extLst>
           </p:cNvPr>
@@ -25510,14 +25506,14 @@
           </a:ln>
           <a:extLst>
             <a:ext uri="{909E8E84-426E-40DD-AFC4-6F175D3DCCD1}">
-              <a14:hiddenFill xmlns="" xmlns:a14="http://schemas.microsoft.com/office/drawing/2010/main">
+              <a14:hiddenFill xmlns:a14="http://schemas.microsoft.com/office/drawing/2010/main" xmlns="">
                 <a:solidFill>
                   <a:srgbClr val="FFFFFF"/>
                 </a:solidFill>
               </a14:hiddenFill>
             </a:ext>
             <a:ext uri="{91240B29-F687-4F45-9708-019B960494DF}">
-              <a14:hiddenLine xmlns="" xmlns:a14="http://schemas.microsoft.com/office/drawing/2010/main" w="9525">
+              <a14:hiddenLine xmlns:a14="http://schemas.microsoft.com/office/drawing/2010/main" xmlns="" w="9525">
                 <a:solidFill>
                   <a:srgbClr val="000000"/>
                 </a:solidFill>
@@ -25669,7 +25665,7 @@
           <p:cNvPr id="5" name="Rectangle 4">
             <a:extLst>
               <a:ext uri="{FF2B5EF4-FFF2-40B4-BE49-F238E27FC236}">
-                <a16:creationId xmlns="" xmlns:a16="http://schemas.microsoft.com/office/drawing/2014/main" id="{AB3F5165-4236-4036-B0B4-4DFC7671C684}"/>
+                <a16:creationId xmlns:a16="http://schemas.microsoft.com/office/drawing/2014/main" xmlns="" id="{AB3F5165-4236-4036-B0B4-4DFC7671C684}"/>
               </a:ext>
             </a:extLst>
           </p:cNvPr>
@@ -25692,14 +25688,14 @@
           </a:ln>
           <a:extLst>
             <a:ext uri="{909E8E84-426E-40DD-AFC4-6F175D3DCCD1}">
-              <a14:hiddenFill xmlns="" xmlns:a14="http://schemas.microsoft.com/office/drawing/2010/main">
+              <a14:hiddenFill xmlns:a14="http://schemas.microsoft.com/office/drawing/2010/main" xmlns="">
                 <a:solidFill>
                   <a:srgbClr val="FFFFFF"/>
                 </a:solidFill>
               </a14:hiddenFill>
             </a:ext>
             <a:ext uri="{91240B29-F687-4F45-9708-019B960494DF}">
-              <a14:hiddenLine xmlns="" xmlns:a14="http://schemas.microsoft.com/office/drawing/2010/main" w="9525">
+              <a14:hiddenLine xmlns:a14="http://schemas.microsoft.com/office/drawing/2010/main" xmlns="" w="9525">
                 <a:solidFill>
                   <a:srgbClr val="000000"/>
                 </a:solidFill>
@@ -25849,7 +25845,7 @@
           <p:cNvPr id="6" name="Arc 5">
             <a:extLst>
               <a:ext uri="{FF2B5EF4-FFF2-40B4-BE49-F238E27FC236}">
-                <a16:creationId xmlns="" xmlns:a16="http://schemas.microsoft.com/office/drawing/2014/main" id="{FF29DEC1-6569-4EF4-A227-AF6EE07CAF02}"/>
+                <a16:creationId xmlns:a16="http://schemas.microsoft.com/office/drawing/2014/main" xmlns="" id="{FF29DEC1-6569-4EF4-A227-AF6EE07CAF02}"/>
               </a:ext>
             </a:extLst>
           </p:cNvPr>
@@ -25941,7 +25937,7 @@
           </a:ln>
           <a:extLst>
             <a:ext uri="{909E8E84-426E-40DD-AFC4-6F175D3DCCD1}">
-              <a14:hiddenFill xmlns="" xmlns:a14="http://schemas.microsoft.com/office/drawing/2010/main">
+              <a14:hiddenFill xmlns:a14="http://schemas.microsoft.com/office/drawing/2010/main" xmlns="">
                 <a:solidFill>
                   <a:srgbClr val="FFFFFF"/>
                 </a:solidFill>
@@ -25962,7 +25958,7 @@
           <p:cNvPr id="7" name="Arc 6">
             <a:extLst>
               <a:ext uri="{FF2B5EF4-FFF2-40B4-BE49-F238E27FC236}">
-                <a16:creationId xmlns="" xmlns:a16="http://schemas.microsoft.com/office/drawing/2014/main" id="{E18CE319-75B4-404E-B405-CD371F51CB86}"/>
+                <a16:creationId xmlns:a16="http://schemas.microsoft.com/office/drawing/2014/main" xmlns="" id="{E18CE319-75B4-404E-B405-CD371F51CB86}"/>
               </a:ext>
             </a:extLst>
           </p:cNvPr>
@@ -26044,7 +26040,7 @@
           </a:ln>
           <a:extLst>
             <a:ext uri="{909E8E84-426E-40DD-AFC4-6F175D3DCCD1}">
-              <a14:hiddenFill xmlns="" xmlns:a14="http://schemas.microsoft.com/office/drawing/2010/main">
+              <a14:hiddenFill xmlns:a14="http://schemas.microsoft.com/office/drawing/2010/main" xmlns="">
                 <a:solidFill>
                   <a:srgbClr val="FFFFFF"/>
                 </a:solidFill>
@@ -26065,7 +26061,7 @@
           <p:cNvPr id="8" name="Rectangle 7">
             <a:extLst>
               <a:ext uri="{FF2B5EF4-FFF2-40B4-BE49-F238E27FC236}">
-                <a16:creationId xmlns="" xmlns:a16="http://schemas.microsoft.com/office/drawing/2014/main" id="{3EED0844-4325-433A-B268-E330B900B4A1}"/>
+                <a16:creationId xmlns:a16="http://schemas.microsoft.com/office/drawing/2014/main" xmlns="" id="{3EED0844-4325-433A-B268-E330B900B4A1}"/>
               </a:ext>
             </a:extLst>
           </p:cNvPr>
@@ -26088,14 +26084,14 @@
           </a:ln>
           <a:extLst>
             <a:ext uri="{909E8E84-426E-40DD-AFC4-6F175D3DCCD1}">
-              <a14:hiddenFill xmlns="" xmlns:a14="http://schemas.microsoft.com/office/drawing/2010/main">
+              <a14:hiddenFill xmlns:a14="http://schemas.microsoft.com/office/drawing/2010/main" xmlns="">
                 <a:solidFill>
                   <a:srgbClr val="FFFFFF"/>
                 </a:solidFill>
               </a14:hiddenFill>
             </a:ext>
             <a:ext uri="{91240B29-F687-4F45-9708-019B960494DF}">
-              <a14:hiddenLine xmlns="" xmlns:a14="http://schemas.microsoft.com/office/drawing/2010/main" w="9525">
+              <a14:hiddenLine xmlns:a14="http://schemas.microsoft.com/office/drawing/2010/main" xmlns="" w="9525">
                 <a:solidFill>
                   <a:srgbClr val="000000"/>
                 </a:solidFill>
@@ -26247,7 +26243,7 @@
           <p:cNvPr id="9" name="Group 20">
             <a:extLst>
               <a:ext uri="{FF2B5EF4-FFF2-40B4-BE49-F238E27FC236}">
-                <a16:creationId xmlns="" xmlns:a16="http://schemas.microsoft.com/office/drawing/2014/main" id="{F024C4F4-716F-4F33-AFE5-989974BB3490}"/>
+                <a16:creationId xmlns:a16="http://schemas.microsoft.com/office/drawing/2014/main" xmlns="" id="{F024C4F4-716F-4F33-AFE5-989974BB3490}"/>
               </a:ext>
             </a:extLst>
           </p:cNvPr>
@@ -26269,7 +26265,7 @@
             <p:cNvPr id="10" name="Arc 8">
               <a:extLst>
                 <a:ext uri="{FF2B5EF4-FFF2-40B4-BE49-F238E27FC236}">
-                  <a16:creationId xmlns="" xmlns:a16="http://schemas.microsoft.com/office/drawing/2014/main" id="{5A74543A-95FE-496E-A9D7-EEA5F46DB6A1}"/>
+                  <a16:creationId xmlns:a16="http://schemas.microsoft.com/office/drawing/2014/main" xmlns="" id="{5A74543A-95FE-496E-A9D7-EEA5F46DB6A1}"/>
                 </a:ext>
               </a:extLst>
             </p:cNvPr>
@@ -26351,7 +26347,7 @@
             </a:ln>
             <a:extLst>
               <a:ext uri="{909E8E84-426E-40DD-AFC4-6F175D3DCCD1}">
-                <a14:hiddenFill xmlns="" xmlns:a14="http://schemas.microsoft.com/office/drawing/2010/main">
+                <a14:hiddenFill xmlns:a14="http://schemas.microsoft.com/office/drawing/2010/main" xmlns="">
                   <a:solidFill>
                     <a:srgbClr val="FFFFFF"/>
                   </a:solidFill>
@@ -26372,7 +26368,7 @@
             <p:cNvPr id="11" name="Arc 9">
               <a:extLst>
                 <a:ext uri="{FF2B5EF4-FFF2-40B4-BE49-F238E27FC236}">
-                  <a16:creationId xmlns="" xmlns:a16="http://schemas.microsoft.com/office/drawing/2014/main" id="{8BE30B6D-6169-4073-87E3-DD0603AC7514}"/>
+                  <a16:creationId xmlns:a16="http://schemas.microsoft.com/office/drawing/2014/main" xmlns="" id="{8BE30B6D-6169-4073-87E3-DD0603AC7514}"/>
                 </a:ext>
               </a:extLst>
             </p:cNvPr>
@@ -26454,7 +26450,7 @@
             </a:ln>
             <a:extLst>
               <a:ext uri="{909E8E84-426E-40DD-AFC4-6F175D3DCCD1}">
-                <a14:hiddenFill xmlns="" xmlns:a14="http://schemas.microsoft.com/office/drawing/2010/main">
+                <a14:hiddenFill xmlns:a14="http://schemas.microsoft.com/office/drawing/2010/main" xmlns="">
                   <a:solidFill>
                     <a:srgbClr val="FFFFFF"/>
                   </a:solidFill>
@@ -26476,7 +26472,7 @@
           <p:cNvPr id="12" name="Rectangle 10">
             <a:extLst>
               <a:ext uri="{FF2B5EF4-FFF2-40B4-BE49-F238E27FC236}">
-                <a16:creationId xmlns="" xmlns:a16="http://schemas.microsoft.com/office/drawing/2014/main" id="{1EB61B17-B0AB-45DC-84C8-455371C10FB0}"/>
+                <a16:creationId xmlns:a16="http://schemas.microsoft.com/office/drawing/2014/main" xmlns="" id="{1EB61B17-B0AB-45DC-84C8-455371C10FB0}"/>
               </a:ext>
             </a:extLst>
           </p:cNvPr>
@@ -26499,14 +26495,14 @@
           </a:ln>
           <a:extLst>
             <a:ext uri="{909E8E84-426E-40DD-AFC4-6F175D3DCCD1}">
-              <a14:hiddenFill xmlns="" xmlns:a14="http://schemas.microsoft.com/office/drawing/2010/main">
+              <a14:hiddenFill xmlns:a14="http://schemas.microsoft.com/office/drawing/2010/main" xmlns="">
                 <a:solidFill>
                   <a:srgbClr val="FFFFFF"/>
                 </a:solidFill>
               </a14:hiddenFill>
             </a:ext>
             <a:ext uri="{91240B29-F687-4F45-9708-019B960494DF}">
-              <a14:hiddenLine xmlns="" xmlns:a14="http://schemas.microsoft.com/office/drawing/2010/main" w="9525">
+              <a14:hiddenLine xmlns:a14="http://schemas.microsoft.com/office/drawing/2010/main" xmlns="" w="9525">
                 <a:solidFill>
                   <a:srgbClr val="000000"/>
                 </a:solidFill>
@@ -26658,7 +26654,7 @@
           <p:cNvPr id="13" name="Rectangle 13">
             <a:extLst>
               <a:ext uri="{FF2B5EF4-FFF2-40B4-BE49-F238E27FC236}">
-                <a16:creationId xmlns="" xmlns:a16="http://schemas.microsoft.com/office/drawing/2014/main" id="{4784B3DC-138B-43AF-A59E-483B98982568}"/>
+                <a16:creationId xmlns:a16="http://schemas.microsoft.com/office/drawing/2014/main" xmlns="" id="{4784B3DC-138B-43AF-A59E-483B98982568}"/>
               </a:ext>
             </a:extLst>
           </p:cNvPr>
@@ -26681,14 +26677,14 @@
           </a:ln>
           <a:extLst>
             <a:ext uri="{909E8E84-426E-40DD-AFC4-6F175D3DCCD1}">
-              <a14:hiddenFill xmlns="" xmlns:a14="http://schemas.microsoft.com/office/drawing/2010/main">
+              <a14:hiddenFill xmlns:a14="http://schemas.microsoft.com/office/drawing/2010/main" xmlns="">
                 <a:solidFill>
                   <a:srgbClr val="FFFFFF"/>
                 </a:solidFill>
               </a14:hiddenFill>
             </a:ext>
             <a:ext uri="{91240B29-F687-4F45-9708-019B960494DF}">
-              <a14:hiddenLine xmlns="" xmlns:a14="http://schemas.microsoft.com/office/drawing/2010/main" w="9525">
+              <a14:hiddenLine xmlns:a14="http://schemas.microsoft.com/office/drawing/2010/main" xmlns="" w="9525">
                 <a:solidFill>
                   <a:srgbClr val="000000"/>
                 </a:solidFill>
@@ -26840,7 +26836,7 @@
           <p:cNvPr id="14" name="Rectangle 14">
             <a:extLst>
               <a:ext uri="{FF2B5EF4-FFF2-40B4-BE49-F238E27FC236}">
-                <a16:creationId xmlns="" xmlns:a16="http://schemas.microsoft.com/office/drawing/2014/main" id="{E1D7DF3D-39F4-4CBF-B5AA-6BDAB9E5ADD5}"/>
+                <a16:creationId xmlns:a16="http://schemas.microsoft.com/office/drawing/2014/main" xmlns="" id="{E1D7DF3D-39F4-4CBF-B5AA-6BDAB9E5ADD5}"/>
               </a:ext>
             </a:extLst>
           </p:cNvPr>
@@ -26863,14 +26859,14 @@
           </a:ln>
           <a:extLst>
             <a:ext uri="{909E8E84-426E-40DD-AFC4-6F175D3DCCD1}">
-              <a14:hiddenFill xmlns="" xmlns:a14="http://schemas.microsoft.com/office/drawing/2010/main">
+              <a14:hiddenFill xmlns:a14="http://schemas.microsoft.com/office/drawing/2010/main" xmlns="">
                 <a:solidFill>
                   <a:srgbClr val="FFFFFF"/>
                 </a:solidFill>
               </a14:hiddenFill>
             </a:ext>
             <a:ext uri="{91240B29-F687-4F45-9708-019B960494DF}">
-              <a14:hiddenLine xmlns="" xmlns:a14="http://schemas.microsoft.com/office/drawing/2010/main" w="9525">
+              <a14:hiddenLine xmlns:a14="http://schemas.microsoft.com/office/drawing/2010/main" xmlns="" w="9525">
                 <a:solidFill>
                   <a:srgbClr val="000000"/>
                 </a:solidFill>
@@ -27022,7 +27018,7 @@
           <p:cNvPr id="15" name="Group 19">
             <a:extLst>
               <a:ext uri="{FF2B5EF4-FFF2-40B4-BE49-F238E27FC236}">
-                <a16:creationId xmlns="" xmlns:a16="http://schemas.microsoft.com/office/drawing/2014/main" id="{C2D35598-F99F-49D3-A0CD-FF94E1EF6E10}"/>
+                <a16:creationId xmlns:a16="http://schemas.microsoft.com/office/drawing/2014/main" xmlns="" id="{C2D35598-F99F-49D3-A0CD-FF94E1EF6E10}"/>
               </a:ext>
             </a:extLst>
           </p:cNvPr>
@@ -27044,7 +27040,7 @@
             <p:cNvPr id="16" name="Arc 11">
               <a:extLst>
                 <a:ext uri="{FF2B5EF4-FFF2-40B4-BE49-F238E27FC236}">
-                  <a16:creationId xmlns="" xmlns:a16="http://schemas.microsoft.com/office/drawing/2014/main" id="{5063D331-23E8-4E79-BC4C-DB456EBD4643}"/>
+                  <a16:creationId xmlns:a16="http://schemas.microsoft.com/office/drawing/2014/main" xmlns="" id="{5063D331-23E8-4E79-BC4C-DB456EBD4643}"/>
                 </a:ext>
               </a:extLst>
             </p:cNvPr>
@@ -27136,7 +27132,7 @@
             </a:ln>
             <a:extLst>
               <a:ext uri="{909E8E84-426E-40DD-AFC4-6F175D3DCCD1}">
-                <a14:hiddenFill xmlns="" xmlns:a14="http://schemas.microsoft.com/office/drawing/2010/main">
+                <a14:hiddenFill xmlns:a14="http://schemas.microsoft.com/office/drawing/2010/main" xmlns="">
                   <a:solidFill>
                     <a:srgbClr val="FFFFFF"/>
                   </a:solidFill>
@@ -27157,7 +27153,7 @@
             <p:cNvPr id="17" name="Arc 12">
               <a:extLst>
                 <a:ext uri="{FF2B5EF4-FFF2-40B4-BE49-F238E27FC236}">
-                  <a16:creationId xmlns="" xmlns:a16="http://schemas.microsoft.com/office/drawing/2014/main" id="{12ABE273-1357-49CA-B06D-6BB339846C04}"/>
+                  <a16:creationId xmlns:a16="http://schemas.microsoft.com/office/drawing/2014/main" xmlns="" id="{12ABE273-1357-49CA-B06D-6BB339846C04}"/>
                 </a:ext>
               </a:extLst>
             </p:cNvPr>
@@ -27239,7 +27235,7 @@
             </a:ln>
             <a:extLst>
               <a:ext uri="{909E8E84-426E-40DD-AFC4-6F175D3DCCD1}">
-                <a14:hiddenFill xmlns="" xmlns:a14="http://schemas.microsoft.com/office/drawing/2010/main">
+                <a14:hiddenFill xmlns:a14="http://schemas.microsoft.com/office/drawing/2010/main" xmlns="">
                   <a:solidFill>
                     <a:srgbClr val="FFFFFF"/>
                   </a:solidFill>
@@ -27260,7 +27256,7 @@
             <p:cNvPr id="18" name="Arc 15">
               <a:extLst>
                 <a:ext uri="{FF2B5EF4-FFF2-40B4-BE49-F238E27FC236}">
-                  <a16:creationId xmlns="" xmlns:a16="http://schemas.microsoft.com/office/drawing/2014/main" id="{78B0315F-60E0-43AA-9FBA-335B7BEFEE6B}"/>
+                  <a16:creationId xmlns:a16="http://schemas.microsoft.com/office/drawing/2014/main" xmlns="" id="{78B0315F-60E0-43AA-9FBA-335B7BEFEE6B}"/>
                 </a:ext>
               </a:extLst>
             </p:cNvPr>
@@ -27342,7 +27338,7 @@
             </a:ln>
             <a:extLst>
               <a:ext uri="{909E8E84-426E-40DD-AFC4-6F175D3DCCD1}">
-                <a14:hiddenFill xmlns="" xmlns:a14="http://schemas.microsoft.com/office/drawing/2010/main">
+                <a14:hiddenFill xmlns:a14="http://schemas.microsoft.com/office/drawing/2010/main" xmlns="">
                   <a:solidFill>
                     <a:srgbClr val="FFFFFF"/>
                   </a:solidFill>
@@ -27363,7 +27359,7 @@
             <p:cNvPr id="19" name="Arc 16">
               <a:extLst>
                 <a:ext uri="{FF2B5EF4-FFF2-40B4-BE49-F238E27FC236}">
-                  <a16:creationId xmlns="" xmlns:a16="http://schemas.microsoft.com/office/drawing/2014/main" id="{3DD14CD4-AA16-4EB1-8FF4-B80CF9882609}"/>
+                  <a16:creationId xmlns:a16="http://schemas.microsoft.com/office/drawing/2014/main" xmlns="" id="{3DD14CD4-AA16-4EB1-8FF4-B80CF9882609}"/>
                 </a:ext>
               </a:extLst>
             </p:cNvPr>
@@ -27445,7 +27441,7 @@
             </a:ln>
             <a:extLst>
               <a:ext uri="{909E8E84-426E-40DD-AFC4-6F175D3DCCD1}">
-                <a14:hiddenFill xmlns="" xmlns:a14="http://schemas.microsoft.com/office/drawing/2010/main">
+                <a14:hiddenFill xmlns:a14="http://schemas.microsoft.com/office/drawing/2010/main" xmlns="">
                   <a:solidFill>
                     <a:srgbClr val="FFFFFF"/>
                   </a:solidFill>
@@ -27467,7 +27463,7 @@
           <p:cNvPr id="20" name="Rectangle 17">
             <a:extLst>
               <a:ext uri="{FF2B5EF4-FFF2-40B4-BE49-F238E27FC236}">
-                <a16:creationId xmlns="" xmlns:a16="http://schemas.microsoft.com/office/drawing/2014/main" id="{3976C2AA-699B-4D8A-AD81-4E91E273D0A4}"/>
+                <a16:creationId xmlns:a16="http://schemas.microsoft.com/office/drawing/2014/main" xmlns="" id="{3976C2AA-699B-4D8A-AD81-4E91E273D0A4}"/>
               </a:ext>
             </a:extLst>
           </p:cNvPr>
@@ -27490,14 +27486,14 @@
           </a:ln>
           <a:extLst>
             <a:ext uri="{909E8E84-426E-40DD-AFC4-6F175D3DCCD1}">
-              <a14:hiddenFill xmlns="" xmlns:a14="http://schemas.microsoft.com/office/drawing/2010/main">
+              <a14:hiddenFill xmlns:a14="http://schemas.microsoft.com/office/drawing/2010/main" xmlns="">
                 <a:solidFill>
                   <a:srgbClr val="FFFFFF"/>
                 </a:solidFill>
               </a14:hiddenFill>
             </a:ext>
             <a:ext uri="{91240B29-F687-4F45-9708-019B960494DF}">
-              <a14:hiddenLine xmlns="" xmlns:a14="http://schemas.microsoft.com/office/drawing/2010/main" w="9525">
+              <a14:hiddenLine xmlns:a14="http://schemas.microsoft.com/office/drawing/2010/main" xmlns="" w="9525">
                 <a:solidFill>
                   <a:srgbClr val="000000"/>
                 </a:solidFill>
@@ -27647,7 +27643,7 @@
     </p:spTree>
     <p:extLst>
       <p:ext uri="{BB962C8B-B14F-4D97-AF65-F5344CB8AC3E}">
-        <p14:creationId xmlns="" xmlns:p14="http://schemas.microsoft.com/office/powerpoint/2010/main" val="2802500908"/>
+        <p14:creationId xmlns:p14="http://schemas.microsoft.com/office/powerpoint/2010/main" xmlns="" val="2802500908"/>
       </p:ext>
     </p:extLst>
   </p:cSld>
@@ -27679,7 +27675,7 @@
           <p:cNvPr id="2" name="Title 1">
             <a:extLst>
               <a:ext uri="{FF2B5EF4-FFF2-40B4-BE49-F238E27FC236}">
-                <a16:creationId xmlns="" xmlns:a16="http://schemas.microsoft.com/office/drawing/2014/main" id="{A80B725C-7469-4FC4-AEC3-3FA5A27D1082}"/>
+                <a16:creationId xmlns:a16="http://schemas.microsoft.com/office/drawing/2014/main" xmlns="" id="{A80B725C-7469-4FC4-AEC3-3FA5A27D1082}"/>
               </a:ext>
             </a:extLst>
           </p:cNvPr>
@@ -27730,7 +27726,7 @@
           <p:cNvPr id="5" name="Rectangle 2">
             <a:extLst>
               <a:ext uri="{FF2B5EF4-FFF2-40B4-BE49-F238E27FC236}">
-                <a16:creationId xmlns="" xmlns:a16="http://schemas.microsoft.com/office/drawing/2014/main" id="{434B03FC-A948-473F-BAF6-018DBB7C8B9F}"/>
+                <a16:creationId xmlns:a16="http://schemas.microsoft.com/office/drawing/2014/main" xmlns="" id="{434B03FC-A948-473F-BAF6-018DBB7C8B9F}"/>
               </a:ext>
             </a:extLst>
           </p:cNvPr>
@@ -28227,7 +28223,7 @@
           <p:cNvPr id="3" name="Picture 2">
             <a:extLst>
               <a:ext uri="{FF2B5EF4-FFF2-40B4-BE49-F238E27FC236}">
-                <a16:creationId xmlns="" xmlns:a16="http://schemas.microsoft.com/office/drawing/2014/main" id="{52023B20-30DA-4D53-B81A-AF202718F507}"/>
+                <a16:creationId xmlns:a16="http://schemas.microsoft.com/office/drawing/2014/main" xmlns="" id="{52023B20-30DA-4D53-B81A-AF202718F507}"/>
               </a:ext>
             </a:extLst>
           </p:cNvPr>
@@ -28255,7 +28251,7 @@
     </p:spTree>
     <p:extLst>
       <p:ext uri="{BB962C8B-B14F-4D97-AF65-F5344CB8AC3E}">
-        <p14:creationId xmlns="" xmlns:p14="http://schemas.microsoft.com/office/powerpoint/2010/main" val="2168720704"/>
+        <p14:creationId xmlns:p14="http://schemas.microsoft.com/office/powerpoint/2010/main" xmlns="" val="2168720704"/>
       </p:ext>
     </p:extLst>
   </p:cSld>
@@ -28287,7 +28283,7 @@
           <p:cNvPr id="2" name="Title 1">
             <a:extLst>
               <a:ext uri="{FF2B5EF4-FFF2-40B4-BE49-F238E27FC236}">
-                <a16:creationId xmlns="" xmlns:a16="http://schemas.microsoft.com/office/drawing/2014/main" id="{BB7A73AF-E9FE-432F-B91F-667ED0989451}"/>
+                <a16:creationId xmlns:a16="http://schemas.microsoft.com/office/drawing/2014/main" xmlns="" id="{BB7A73AF-E9FE-432F-B91F-667ED0989451}"/>
               </a:ext>
             </a:extLst>
           </p:cNvPr>
@@ -28338,7 +28334,7 @@
           <p:cNvPr id="7" name="Rectangle 3">
             <a:extLst>
               <a:ext uri="{FF2B5EF4-FFF2-40B4-BE49-F238E27FC236}">
-                <a16:creationId xmlns="" xmlns:a16="http://schemas.microsoft.com/office/drawing/2014/main" id="{2ADFBD99-06D2-40F0-BDE6-0BCD3C2C4530}"/>
+                <a16:creationId xmlns:a16="http://schemas.microsoft.com/office/drawing/2014/main" xmlns="" id="{2ADFBD99-06D2-40F0-BDE6-0BCD3C2C4530}"/>
               </a:ext>
             </a:extLst>
           </p:cNvPr>
@@ -28835,7 +28831,7 @@
           <p:cNvPr id="4" name="Picture 3">
             <a:extLst>
               <a:ext uri="{FF2B5EF4-FFF2-40B4-BE49-F238E27FC236}">
-                <a16:creationId xmlns="" xmlns:a16="http://schemas.microsoft.com/office/drawing/2014/main" id="{9067B415-F7D1-4F00-A9CB-FAF5115B585A}"/>
+                <a16:creationId xmlns:a16="http://schemas.microsoft.com/office/drawing/2014/main" xmlns="" id="{9067B415-F7D1-4F00-A9CB-FAF5115B585A}"/>
               </a:ext>
             </a:extLst>
           </p:cNvPr>
@@ -28863,7 +28859,7 @@
     </p:spTree>
     <p:extLst>
       <p:ext uri="{BB962C8B-B14F-4D97-AF65-F5344CB8AC3E}">
-        <p14:creationId xmlns="" xmlns:p14="http://schemas.microsoft.com/office/powerpoint/2010/main" val="1452075066"/>
+        <p14:creationId xmlns:p14="http://schemas.microsoft.com/office/powerpoint/2010/main" xmlns="" val="1452075066"/>
       </p:ext>
     </p:extLst>
   </p:cSld>
@@ -29405,7 +29401,7 @@
           <p:cNvPr id="2" name="Title 1">
             <a:extLst>
               <a:ext uri="{FF2B5EF4-FFF2-40B4-BE49-F238E27FC236}">
-                <a16:creationId xmlns="" xmlns:a16="http://schemas.microsoft.com/office/drawing/2014/main" id="{0EE2BC1B-9953-4759-9056-4F0D90C1393B}"/>
+                <a16:creationId xmlns:a16="http://schemas.microsoft.com/office/drawing/2014/main" xmlns="" id="{0EE2BC1B-9953-4759-9056-4F0D90C1393B}"/>
               </a:ext>
             </a:extLst>
           </p:cNvPr>
@@ -29456,7 +29452,7 @@
           <p:cNvPr id="5" name="Rectangle 3">
             <a:extLst>
               <a:ext uri="{FF2B5EF4-FFF2-40B4-BE49-F238E27FC236}">
-                <a16:creationId xmlns="" xmlns:a16="http://schemas.microsoft.com/office/drawing/2014/main" id="{B8206736-0AE8-46FC-963C-772F650CA1B1}"/>
+                <a16:creationId xmlns:a16="http://schemas.microsoft.com/office/drawing/2014/main" xmlns="" id="{B8206736-0AE8-46FC-963C-772F650CA1B1}"/>
               </a:ext>
             </a:extLst>
           </p:cNvPr>
@@ -29953,7 +29949,7 @@
           <p:cNvPr id="3" name="Picture 2">
             <a:extLst>
               <a:ext uri="{FF2B5EF4-FFF2-40B4-BE49-F238E27FC236}">
-                <a16:creationId xmlns="" xmlns:a16="http://schemas.microsoft.com/office/drawing/2014/main" id="{AA1DAB13-E526-4204-89CB-9283111AB2F2}"/>
+                <a16:creationId xmlns:a16="http://schemas.microsoft.com/office/drawing/2014/main" xmlns="" id="{AA1DAB13-E526-4204-89CB-9283111AB2F2}"/>
               </a:ext>
             </a:extLst>
           </p:cNvPr>
@@ -29983,7 +29979,7 @@
           <p:cNvPr id="4" name="Picture 3">
             <a:extLst>
               <a:ext uri="{FF2B5EF4-FFF2-40B4-BE49-F238E27FC236}">
-                <a16:creationId xmlns="" xmlns:a16="http://schemas.microsoft.com/office/drawing/2014/main" id="{C53280AF-1C29-4095-A0E9-0B1986886384}"/>
+                <a16:creationId xmlns:a16="http://schemas.microsoft.com/office/drawing/2014/main" xmlns="" id="{C53280AF-1C29-4095-A0E9-0B1986886384}"/>
               </a:ext>
             </a:extLst>
           </p:cNvPr>
@@ -30010,7 +30006,7 @@
     </p:spTree>
     <p:extLst>
       <p:ext uri="{BB962C8B-B14F-4D97-AF65-F5344CB8AC3E}">
-        <p14:creationId xmlns="" xmlns:p14="http://schemas.microsoft.com/office/powerpoint/2010/main" val="2243288510"/>
+        <p14:creationId xmlns:p14="http://schemas.microsoft.com/office/powerpoint/2010/main" xmlns="" val="2243288510"/>
       </p:ext>
     </p:extLst>
   </p:cSld>
@@ -30249,7 +30245,7 @@
           <p:cNvPr id="2" name="Title 1">
             <a:extLst>
               <a:ext uri="{FF2B5EF4-FFF2-40B4-BE49-F238E27FC236}">
-                <a16:creationId xmlns="" xmlns:a16="http://schemas.microsoft.com/office/drawing/2014/main" id="{C432F0A2-CF58-465A-810D-F34910ABB06B}"/>
+                <a16:creationId xmlns:a16="http://schemas.microsoft.com/office/drawing/2014/main" xmlns="" id="{C432F0A2-CF58-465A-810D-F34910ABB06B}"/>
               </a:ext>
             </a:extLst>
           </p:cNvPr>
@@ -30278,7 +30274,7 @@
           <p:cNvPr id="3" name="Content Placeholder 2">
             <a:extLst>
               <a:ext uri="{FF2B5EF4-FFF2-40B4-BE49-F238E27FC236}">
-                <a16:creationId xmlns="" xmlns:a16="http://schemas.microsoft.com/office/drawing/2014/main" id="{7ACF0D25-579C-4DA4-8997-5FB705DE62A7}"/>
+                <a16:creationId xmlns:a16="http://schemas.microsoft.com/office/drawing/2014/main" xmlns="" id="{7ACF0D25-579C-4DA4-8997-5FB705DE62A7}"/>
               </a:ext>
             </a:extLst>
           </p:cNvPr>
@@ -30337,7 +30333,7 @@
     </p:spTree>
     <p:extLst>
       <p:ext uri="{BB962C8B-B14F-4D97-AF65-F5344CB8AC3E}">
-        <p14:creationId xmlns="" xmlns:p14="http://schemas.microsoft.com/office/powerpoint/2010/main" val="389358858"/>
+        <p14:creationId xmlns:p14="http://schemas.microsoft.com/office/powerpoint/2010/main" xmlns="" val="389358858"/>
       </p:ext>
     </p:extLst>
   </p:cSld>
@@ -30369,7 +30365,7 @@
           <p:cNvPr id="2" name="Title 1">
             <a:extLst>
               <a:ext uri="{FF2B5EF4-FFF2-40B4-BE49-F238E27FC236}">
-                <a16:creationId xmlns="" xmlns:a16="http://schemas.microsoft.com/office/drawing/2014/main" id="{784D7173-913B-4BF4-8A14-189D408CCC73}"/>
+                <a16:creationId xmlns:a16="http://schemas.microsoft.com/office/drawing/2014/main" xmlns="" id="{784D7173-913B-4BF4-8A14-189D408CCC73}"/>
               </a:ext>
             </a:extLst>
           </p:cNvPr>
@@ -30400,7 +30396,7 @@
           <p:cNvPr id="4" name="Line 4">
             <a:extLst>
               <a:ext uri="{FF2B5EF4-FFF2-40B4-BE49-F238E27FC236}">
-                <a16:creationId xmlns="" xmlns:a16="http://schemas.microsoft.com/office/drawing/2014/main" id="{D079DAB3-3772-4C43-B882-FE18B340227A}"/>
+                <a16:creationId xmlns:a16="http://schemas.microsoft.com/office/drawing/2014/main" xmlns="" id="{D079DAB3-3772-4C43-B882-FE18B340227A}"/>
               </a:ext>
             </a:extLst>
           </p:cNvPr>
@@ -30428,7 +30424,7 @@
           </a:ln>
           <a:extLst>
             <a:ext uri="{909E8E84-426E-40DD-AFC4-6F175D3DCCD1}">
-              <a14:hiddenFill xmlns="" xmlns:a14="http://schemas.microsoft.com/office/drawing/2010/main">
+              <a14:hiddenFill xmlns:a14="http://schemas.microsoft.com/office/drawing/2010/main" xmlns="">
                 <a:noFill/>
               </a14:hiddenFill>
             </a:ext>
@@ -30447,7 +30443,7 @@
           <p:cNvPr id="5" name="Rectangle 6">
             <a:extLst>
               <a:ext uri="{FF2B5EF4-FFF2-40B4-BE49-F238E27FC236}">
-                <a16:creationId xmlns="" xmlns:a16="http://schemas.microsoft.com/office/drawing/2014/main" id="{3E0D1D2F-68FF-4C8F-99B8-62AE2979F05E}"/>
+                <a16:creationId xmlns:a16="http://schemas.microsoft.com/office/drawing/2014/main" xmlns="" id="{3E0D1D2F-68FF-4C8F-99B8-62AE2979F05E}"/>
               </a:ext>
             </a:extLst>
           </p:cNvPr>
@@ -30470,14 +30466,14 @@
           </a:ln>
           <a:extLst>
             <a:ext uri="{909E8E84-426E-40DD-AFC4-6F175D3DCCD1}">
-              <a14:hiddenFill xmlns="" xmlns:a14="http://schemas.microsoft.com/office/drawing/2010/main">
+              <a14:hiddenFill xmlns:a14="http://schemas.microsoft.com/office/drawing/2010/main" xmlns="">
                 <a:solidFill>
                   <a:srgbClr val="FFFFFF"/>
                 </a:solidFill>
               </a14:hiddenFill>
             </a:ext>
             <a:ext uri="{91240B29-F687-4F45-9708-019B960494DF}">
-              <a14:hiddenLine xmlns="" xmlns:a14="http://schemas.microsoft.com/office/drawing/2010/main" w="9525">
+              <a14:hiddenLine xmlns:a14="http://schemas.microsoft.com/office/drawing/2010/main" xmlns="" w="9525">
                 <a:solidFill>
                   <a:srgbClr val="000000"/>
                 </a:solidFill>
@@ -30650,7 +30646,7 @@
           <p:cNvPr id="6" name="Rectangle 7">
             <a:extLst>
               <a:ext uri="{FF2B5EF4-FFF2-40B4-BE49-F238E27FC236}">
-                <a16:creationId xmlns="" xmlns:a16="http://schemas.microsoft.com/office/drawing/2014/main" id="{E12F86DD-D8BD-4D96-8270-77A20CBC502A}"/>
+                <a16:creationId xmlns:a16="http://schemas.microsoft.com/office/drawing/2014/main" xmlns="" id="{E12F86DD-D8BD-4D96-8270-77A20CBC502A}"/>
               </a:ext>
             </a:extLst>
           </p:cNvPr>
@@ -30673,14 +30669,14 @@
           </a:ln>
           <a:extLst>
             <a:ext uri="{909E8E84-426E-40DD-AFC4-6F175D3DCCD1}">
-              <a14:hiddenFill xmlns="" xmlns:a14="http://schemas.microsoft.com/office/drawing/2010/main">
+              <a14:hiddenFill xmlns:a14="http://schemas.microsoft.com/office/drawing/2010/main" xmlns="">
                 <a:solidFill>
                   <a:srgbClr val="FFFFFF"/>
                 </a:solidFill>
               </a14:hiddenFill>
             </a:ext>
             <a:ext uri="{91240B29-F687-4F45-9708-019B960494DF}">
-              <a14:hiddenLine xmlns="" xmlns:a14="http://schemas.microsoft.com/office/drawing/2010/main" w="9525">
+              <a14:hiddenLine xmlns:a14="http://schemas.microsoft.com/office/drawing/2010/main" xmlns="" w="9525">
                 <a:solidFill>
                   <a:srgbClr val="000000"/>
                 </a:solidFill>
@@ -30849,7 +30845,7 @@
           <p:cNvPr id="7" name="Rectangle 8">
             <a:extLst>
               <a:ext uri="{FF2B5EF4-FFF2-40B4-BE49-F238E27FC236}">
-                <a16:creationId xmlns="" xmlns:a16="http://schemas.microsoft.com/office/drawing/2014/main" id="{4341897C-8973-4D56-8B2F-56DAAFBA283B}"/>
+                <a16:creationId xmlns:a16="http://schemas.microsoft.com/office/drawing/2014/main" xmlns="" id="{4341897C-8973-4D56-8B2F-56DAAFBA283B}"/>
               </a:ext>
             </a:extLst>
           </p:cNvPr>
@@ -30872,14 +30868,14 @@
           </a:ln>
           <a:extLst>
             <a:ext uri="{909E8E84-426E-40DD-AFC4-6F175D3DCCD1}">
-              <a14:hiddenFill xmlns="" xmlns:a14="http://schemas.microsoft.com/office/drawing/2010/main">
+              <a14:hiddenFill xmlns:a14="http://schemas.microsoft.com/office/drawing/2010/main" xmlns="">
                 <a:solidFill>
                   <a:srgbClr val="FFFFFF"/>
                 </a:solidFill>
               </a14:hiddenFill>
             </a:ext>
             <a:ext uri="{91240B29-F687-4F45-9708-019B960494DF}">
-              <a14:hiddenLine xmlns="" xmlns:a14="http://schemas.microsoft.com/office/drawing/2010/main" w="9525">
+              <a14:hiddenLine xmlns:a14="http://schemas.microsoft.com/office/drawing/2010/main" xmlns="" w="9525">
                 <a:solidFill>
                   <a:srgbClr val="000000"/>
                 </a:solidFill>
@@ -31048,7 +31044,7 @@
           <p:cNvPr id="8" name="Text Box 14">
             <a:extLst>
               <a:ext uri="{FF2B5EF4-FFF2-40B4-BE49-F238E27FC236}">
-                <a16:creationId xmlns="" xmlns:a16="http://schemas.microsoft.com/office/drawing/2014/main" id="{16D1F4B0-DF56-4854-90A1-678D86578A50}"/>
+                <a16:creationId xmlns:a16="http://schemas.microsoft.com/office/drawing/2014/main" xmlns="" id="{16D1F4B0-DF56-4854-90A1-678D86578A50}"/>
               </a:ext>
             </a:extLst>
           </p:cNvPr>
@@ -31071,14 +31067,14 @@
           </a:ln>
           <a:extLst>
             <a:ext uri="{909E8E84-426E-40DD-AFC4-6F175D3DCCD1}">
-              <a14:hiddenFill xmlns="" xmlns:a14="http://schemas.microsoft.com/office/drawing/2010/main">
+              <a14:hiddenFill xmlns:a14="http://schemas.microsoft.com/office/drawing/2010/main" xmlns="">
                 <a:solidFill>
                   <a:srgbClr val="FFFFFF"/>
                 </a:solidFill>
               </a14:hiddenFill>
             </a:ext>
             <a:ext uri="{91240B29-F687-4F45-9708-019B960494DF}">
-              <a14:hiddenLine xmlns="" xmlns:a14="http://schemas.microsoft.com/office/drawing/2010/main" w="25400">
+              <a14:hiddenLine xmlns:a14="http://schemas.microsoft.com/office/drawing/2010/main" xmlns="" w="25400">
                 <a:solidFill>
                   <a:srgbClr val="000000"/>
                 </a:solidFill>
@@ -31228,7 +31224,7 @@
           <p:cNvPr id="9" name="Text Box 15">
             <a:extLst>
               <a:ext uri="{FF2B5EF4-FFF2-40B4-BE49-F238E27FC236}">
-                <a16:creationId xmlns="" xmlns:a16="http://schemas.microsoft.com/office/drawing/2014/main" id="{E82CDA12-F6D5-4A4C-BA77-32B85302CB30}"/>
+                <a16:creationId xmlns:a16="http://schemas.microsoft.com/office/drawing/2014/main" xmlns="" id="{E82CDA12-F6D5-4A4C-BA77-32B85302CB30}"/>
               </a:ext>
             </a:extLst>
           </p:cNvPr>
@@ -31251,14 +31247,14 @@
           </a:ln>
           <a:extLst>
             <a:ext uri="{909E8E84-426E-40DD-AFC4-6F175D3DCCD1}">
-              <a14:hiddenFill xmlns="" xmlns:a14="http://schemas.microsoft.com/office/drawing/2010/main">
+              <a14:hiddenFill xmlns:a14="http://schemas.microsoft.com/office/drawing/2010/main" xmlns="">
                 <a:solidFill>
                   <a:srgbClr val="FFFFFF"/>
                 </a:solidFill>
               </a14:hiddenFill>
             </a:ext>
             <a:ext uri="{91240B29-F687-4F45-9708-019B960494DF}">
-              <a14:hiddenLine xmlns="" xmlns:a14="http://schemas.microsoft.com/office/drawing/2010/main" w="25400">
+              <a14:hiddenLine xmlns:a14="http://schemas.microsoft.com/office/drawing/2010/main" xmlns="" w="25400">
                 <a:solidFill>
                   <a:srgbClr val="000000"/>
                 </a:solidFill>
@@ -31408,7 +31404,7 @@
           <p:cNvPr id="10" name="Picture 25" descr="C:\salome_official\projects\11gR2\screenshots\les6_33s_a.gif">
             <a:extLst>
               <a:ext uri="{FF2B5EF4-FFF2-40B4-BE49-F238E27FC236}">
-                <a16:creationId xmlns="" xmlns:a16="http://schemas.microsoft.com/office/drawing/2014/main" id="{7B139377-9575-40C2-972C-639DCBA03D46}"/>
+                <a16:creationId xmlns:a16="http://schemas.microsoft.com/office/drawing/2014/main" xmlns="" id="{7B139377-9575-40C2-972C-639DCBA03D46}"/>
               </a:ext>
             </a:extLst>
           </p:cNvPr>
@@ -31421,7 +31417,7 @@
           <a:blip r:embed="rId2">
             <a:extLst>
               <a:ext uri="{28A0092B-C50C-407E-A947-70E740481C1C}">
-                <a14:useLocalDpi xmlns="" xmlns:a14="http://schemas.microsoft.com/office/drawing/2010/main" val="0"/>
+                <a14:useLocalDpi xmlns:a14="http://schemas.microsoft.com/office/drawing/2010/main" xmlns="" val="0"/>
               </a:ext>
             </a:extLst>
           </a:blip>
@@ -31449,7 +31445,7 @@
           </a:ln>
           <a:extLst>
             <a:ext uri="{909E8E84-426E-40DD-AFC4-6F175D3DCCD1}">
-              <a14:hiddenFill xmlns="" xmlns:a14="http://schemas.microsoft.com/office/drawing/2010/main">
+              <a14:hiddenFill xmlns:a14="http://schemas.microsoft.com/office/drawing/2010/main" xmlns="">
                 <a:solidFill>
                   <a:srgbClr val="FFFFFF"/>
                 </a:solidFill>
@@ -31463,7 +31459,7 @@
           <p:cNvPr id="11" name="Picture 26" descr="C:\salome_official\projects\11gR2\screenshots\les6_33s_b.gif">
             <a:extLst>
               <a:ext uri="{FF2B5EF4-FFF2-40B4-BE49-F238E27FC236}">
-                <a16:creationId xmlns="" xmlns:a16="http://schemas.microsoft.com/office/drawing/2014/main" id="{B80A9C4D-8290-4D27-80F5-4BBC3954D232}"/>
+                <a16:creationId xmlns:a16="http://schemas.microsoft.com/office/drawing/2014/main" xmlns="" id="{B80A9C4D-8290-4D27-80F5-4BBC3954D232}"/>
               </a:ext>
             </a:extLst>
           </p:cNvPr>
@@ -31476,7 +31472,7 @@
           <a:blip r:embed="rId3">
             <a:extLst>
               <a:ext uri="{28A0092B-C50C-407E-A947-70E740481C1C}">
-                <a14:useLocalDpi xmlns="" xmlns:a14="http://schemas.microsoft.com/office/drawing/2010/main" val="0"/>
+                <a14:useLocalDpi xmlns:a14="http://schemas.microsoft.com/office/drawing/2010/main" xmlns="" val="0"/>
               </a:ext>
             </a:extLst>
           </a:blip>
@@ -31504,7 +31500,7 @@
           </a:ln>
           <a:extLst>
             <a:ext uri="{909E8E84-426E-40DD-AFC4-6F175D3DCCD1}">
-              <a14:hiddenFill xmlns="" xmlns:a14="http://schemas.microsoft.com/office/drawing/2010/main">
+              <a14:hiddenFill xmlns:a14="http://schemas.microsoft.com/office/drawing/2010/main" xmlns="">
                 <a:solidFill>
                   <a:srgbClr val="FFFFFF"/>
                 </a:solidFill>
@@ -31518,7 +31514,7 @@
           <p:cNvPr id="12" name="Picture 27" descr="C:\salome_official\projects\11gR2\screenshots\les6_33_c.gif">
             <a:extLst>
               <a:ext uri="{FF2B5EF4-FFF2-40B4-BE49-F238E27FC236}">
-                <a16:creationId xmlns="" xmlns:a16="http://schemas.microsoft.com/office/drawing/2014/main" id="{F7AC5F74-CABE-4EBF-9F95-473DC8FEDF55}"/>
+                <a16:creationId xmlns:a16="http://schemas.microsoft.com/office/drawing/2014/main" xmlns="" id="{F7AC5F74-CABE-4EBF-9F95-473DC8FEDF55}"/>
               </a:ext>
             </a:extLst>
           </p:cNvPr>
@@ -31531,7 +31527,7 @@
           <a:blip r:embed="rId4">
             <a:extLst>
               <a:ext uri="{28A0092B-C50C-407E-A947-70E740481C1C}">
-                <a14:useLocalDpi xmlns="" xmlns:a14="http://schemas.microsoft.com/office/drawing/2010/main" val="0"/>
+                <a14:useLocalDpi xmlns:a14="http://schemas.microsoft.com/office/drawing/2010/main" xmlns="" val="0"/>
               </a:ext>
             </a:extLst>
           </a:blip>
@@ -31559,7 +31555,7 @@
           </a:ln>
           <a:extLst>
             <a:ext uri="{909E8E84-426E-40DD-AFC4-6F175D3DCCD1}">
-              <a14:hiddenFill xmlns="" xmlns:a14="http://schemas.microsoft.com/office/drawing/2010/main">
+              <a14:hiddenFill xmlns:a14="http://schemas.microsoft.com/office/drawing/2010/main" xmlns="">
                 <a:solidFill>
                   <a:srgbClr val="FFFFFF"/>
                 </a:solidFill>
@@ -31573,7 +31569,7 @@
           <p:cNvPr id="13" name="Group 32">
             <a:extLst>
               <a:ext uri="{FF2B5EF4-FFF2-40B4-BE49-F238E27FC236}">
-                <a16:creationId xmlns="" xmlns:a16="http://schemas.microsoft.com/office/drawing/2014/main" id="{371334DC-BD01-422D-919B-106DCFF42A41}"/>
+                <a16:creationId xmlns:a16="http://schemas.microsoft.com/office/drawing/2014/main" xmlns="" id="{371334DC-BD01-422D-919B-106DCFF42A41}"/>
               </a:ext>
             </a:extLst>
           </p:cNvPr>
@@ -31595,7 +31591,7 @@
             <p:cNvPr id="14" name="Picture 28" descr="C:\salome_official\projects\11gR2\screenshots\les6_33_d.gif">
               <a:extLst>
                 <a:ext uri="{FF2B5EF4-FFF2-40B4-BE49-F238E27FC236}">
-                  <a16:creationId xmlns="" xmlns:a16="http://schemas.microsoft.com/office/drawing/2014/main" id="{86119C26-6B59-44C5-B1BC-B185877A9B86}"/>
+                  <a16:creationId xmlns:a16="http://schemas.microsoft.com/office/drawing/2014/main" xmlns="" id="{86119C26-6B59-44C5-B1BC-B185877A9B86}"/>
                 </a:ext>
               </a:extLst>
             </p:cNvPr>
@@ -31608,7 +31604,7 @@
             <a:blip r:embed="rId5">
               <a:extLst>
                 <a:ext uri="{28A0092B-C50C-407E-A947-70E740481C1C}">
-                  <a14:useLocalDpi xmlns="" xmlns:a14="http://schemas.microsoft.com/office/drawing/2010/main" val="0"/>
+                  <a14:useLocalDpi xmlns:a14="http://schemas.microsoft.com/office/drawing/2010/main" xmlns="" val="0"/>
                 </a:ext>
               </a:extLst>
             </a:blip>
@@ -31636,7 +31632,7 @@
             </a:ln>
             <a:extLst>
               <a:ext uri="{909E8E84-426E-40DD-AFC4-6F175D3DCCD1}">
-                <a14:hiddenFill xmlns="" xmlns:a14="http://schemas.microsoft.com/office/drawing/2010/main">
+                <a14:hiddenFill xmlns:a14="http://schemas.microsoft.com/office/drawing/2010/main" xmlns="">
                   <a:solidFill>
                     <a:srgbClr val="FFFFFF"/>
                   </a:solidFill>
@@ -31650,7 +31646,7 @@
             <p:cNvPr id="15" name="Picture 29" descr="C:\salome_official\projects\11gR2\screenshots\les6_33s_e.gif">
               <a:extLst>
                 <a:ext uri="{FF2B5EF4-FFF2-40B4-BE49-F238E27FC236}">
-                  <a16:creationId xmlns="" xmlns:a16="http://schemas.microsoft.com/office/drawing/2014/main" id="{D81A9E99-BB13-412C-8091-ABE9D1A01A1D}"/>
+                  <a16:creationId xmlns:a16="http://schemas.microsoft.com/office/drawing/2014/main" xmlns="" id="{D81A9E99-BB13-412C-8091-ABE9D1A01A1D}"/>
                 </a:ext>
               </a:extLst>
             </p:cNvPr>
@@ -31663,7 +31659,7 @@
             <a:blip r:embed="rId6">
               <a:extLst>
                 <a:ext uri="{28A0092B-C50C-407E-A947-70E740481C1C}">
-                  <a14:useLocalDpi xmlns="" xmlns:a14="http://schemas.microsoft.com/office/drawing/2010/main" val="0"/>
+                  <a14:useLocalDpi xmlns:a14="http://schemas.microsoft.com/office/drawing/2010/main" xmlns="" val="0"/>
                 </a:ext>
               </a:extLst>
             </a:blip>
@@ -31691,7 +31687,7 @@
             </a:ln>
             <a:extLst>
               <a:ext uri="{909E8E84-426E-40DD-AFC4-6F175D3DCCD1}">
-                <a14:hiddenFill xmlns="" xmlns:a14="http://schemas.microsoft.com/office/drawing/2010/main">
+                <a14:hiddenFill xmlns:a14="http://schemas.microsoft.com/office/drawing/2010/main" xmlns="">
                   <a:solidFill>
                     <a:srgbClr val="FFFFFF"/>
                   </a:solidFill>
@@ -31705,7 +31701,7 @@
             <p:cNvPr id="16" name="Picture 30" descr="C:\salome_official\projects\11gR2\screenshots\les6_33s_f.gif">
               <a:extLst>
                 <a:ext uri="{FF2B5EF4-FFF2-40B4-BE49-F238E27FC236}">
-                  <a16:creationId xmlns="" xmlns:a16="http://schemas.microsoft.com/office/drawing/2014/main" id="{09AFEAEA-0228-4EB1-B38E-F3315604B0EC}"/>
+                  <a16:creationId xmlns:a16="http://schemas.microsoft.com/office/drawing/2014/main" xmlns="" id="{09AFEAEA-0228-4EB1-B38E-F3315604B0EC}"/>
                 </a:ext>
               </a:extLst>
             </p:cNvPr>
@@ -31718,7 +31714,7 @@
             <a:blip r:embed="rId7">
               <a:extLst>
                 <a:ext uri="{28A0092B-C50C-407E-A947-70E740481C1C}">
-                  <a14:useLocalDpi xmlns="" xmlns:a14="http://schemas.microsoft.com/office/drawing/2010/main" val="0"/>
+                  <a14:useLocalDpi xmlns:a14="http://schemas.microsoft.com/office/drawing/2010/main" xmlns="" val="0"/>
                 </a:ext>
               </a:extLst>
             </a:blip>
@@ -31746,7 +31742,7 @@
             </a:ln>
             <a:extLst>
               <a:ext uri="{909E8E84-426E-40DD-AFC4-6F175D3DCCD1}">
-                <a14:hiddenFill xmlns="" xmlns:a14="http://schemas.microsoft.com/office/drawing/2010/main">
+                <a14:hiddenFill xmlns:a14="http://schemas.microsoft.com/office/drawing/2010/main" xmlns="">
                   <a:solidFill>
                     <a:srgbClr val="FFFFFF"/>
                   </a:solidFill>
@@ -31761,7 +31757,7 @@
           <p:cNvPr id="17" name="Text Box 31">
             <a:extLst>
               <a:ext uri="{FF2B5EF4-FFF2-40B4-BE49-F238E27FC236}">
-                <a16:creationId xmlns="" xmlns:a16="http://schemas.microsoft.com/office/drawing/2014/main" id="{25BA583B-D68E-4209-AC9B-42AB9A329BD0}"/>
+                <a16:creationId xmlns:a16="http://schemas.microsoft.com/office/drawing/2014/main" xmlns="" id="{25BA583B-D68E-4209-AC9B-42AB9A329BD0}"/>
               </a:ext>
             </a:extLst>
           </p:cNvPr>
@@ -31784,14 +31780,14 @@
           </a:ln>
           <a:extLst>
             <a:ext uri="{909E8E84-426E-40DD-AFC4-6F175D3DCCD1}">
-              <a14:hiddenFill xmlns="" xmlns:a14="http://schemas.microsoft.com/office/drawing/2010/main">
+              <a14:hiddenFill xmlns:a14="http://schemas.microsoft.com/office/drawing/2010/main" xmlns="">
                 <a:solidFill>
                   <a:srgbClr val="FFFFFF"/>
                 </a:solidFill>
               </a14:hiddenFill>
             </a:ext>
             <a:ext uri="{91240B29-F687-4F45-9708-019B960494DF}">
-              <a14:hiddenLine xmlns="" xmlns:a14="http://schemas.microsoft.com/office/drawing/2010/main" w="25400">
+              <a14:hiddenLine xmlns:a14="http://schemas.microsoft.com/office/drawing/2010/main" xmlns="" w="25400">
                 <a:solidFill>
                   <a:srgbClr val="000000"/>
                 </a:solidFill>
@@ -31941,7 +31937,7 @@
           <p:cNvPr id="18" name="Line 4">
             <a:extLst>
               <a:ext uri="{FF2B5EF4-FFF2-40B4-BE49-F238E27FC236}">
-                <a16:creationId xmlns="" xmlns:a16="http://schemas.microsoft.com/office/drawing/2014/main" id="{D0AE4841-F1C8-4E40-B8A1-C4FC9765508F}"/>
+                <a16:creationId xmlns:a16="http://schemas.microsoft.com/office/drawing/2014/main" xmlns="" id="{D0AE4841-F1C8-4E40-B8A1-C4FC9765508F}"/>
               </a:ext>
             </a:extLst>
           </p:cNvPr>
@@ -31969,7 +31965,7 @@
           </a:ln>
           <a:extLst>
             <a:ext uri="{909E8E84-426E-40DD-AFC4-6F175D3DCCD1}">
-              <a14:hiddenFill xmlns="" xmlns:a14="http://schemas.microsoft.com/office/drawing/2010/main">
+              <a14:hiddenFill xmlns:a14="http://schemas.microsoft.com/office/drawing/2010/main" xmlns="">
                 <a:noFill/>
               </a14:hiddenFill>
             </a:ext>
@@ -31986,7 +31982,7 @@
     </p:spTree>
     <p:extLst>
       <p:ext uri="{BB962C8B-B14F-4D97-AF65-F5344CB8AC3E}">
-        <p14:creationId xmlns="" xmlns:p14="http://schemas.microsoft.com/office/powerpoint/2010/main" val="989284358"/>
+        <p14:creationId xmlns:p14="http://schemas.microsoft.com/office/powerpoint/2010/main" xmlns="" val="989284358"/>
       </p:ext>
     </p:extLst>
   </p:cSld>
@@ -32018,7 +32014,7 @@
           <p:cNvPr id="2" name="Title 1">
             <a:extLst>
               <a:ext uri="{FF2B5EF4-FFF2-40B4-BE49-F238E27FC236}">
-                <a16:creationId xmlns="" xmlns:a16="http://schemas.microsoft.com/office/drawing/2014/main" id="{4FBE8045-47BA-4C95-9D0A-E88E46E22099}"/>
+                <a16:creationId xmlns:a16="http://schemas.microsoft.com/office/drawing/2014/main" xmlns="" id="{4FBE8045-47BA-4C95-9D0A-E88E46E22099}"/>
               </a:ext>
             </a:extLst>
           </p:cNvPr>
@@ -32049,7 +32045,7 @@
           <p:cNvPr id="4" name="Content Placeholder 2">
             <a:extLst>
               <a:ext uri="{FF2B5EF4-FFF2-40B4-BE49-F238E27FC236}">
-                <a16:creationId xmlns="" xmlns:a16="http://schemas.microsoft.com/office/drawing/2014/main" id="{3941B323-277A-4A6C-A1A8-48E887898AB2}"/>
+                <a16:creationId xmlns:a16="http://schemas.microsoft.com/office/drawing/2014/main" xmlns="" id="{3941B323-277A-4A6C-A1A8-48E887898AB2}"/>
               </a:ext>
             </a:extLst>
           </p:cNvPr>
@@ -32091,7 +32087,7 @@
           <p:cNvPr id="5" name="Rectangle 2">
             <a:extLst>
               <a:ext uri="{FF2B5EF4-FFF2-40B4-BE49-F238E27FC236}">
-                <a16:creationId xmlns="" xmlns:a16="http://schemas.microsoft.com/office/drawing/2014/main" id="{C9B7F1ED-410F-4581-A95B-7B3A1B5DF56C}"/>
+                <a16:creationId xmlns:a16="http://schemas.microsoft.com/office/drawing/2014/main" xmlns="" id="{C9B7F1ED-410F-4581-A95B-7B3A1B5DF56C}"/>
               </a:ext>
             </a:extLst>
           </p:cNvPr>
@@ -32416,7 +32412,7 @@
     </p:spTree>
     <p:extLst>
       <p:ext uri="{BB962C8B-B14F-4D97-AF65-F5344CB8AC3E}">
-        <p14:creationId xmlns="" xmlns:p14="http://schemas.microsoft.com/office/powerpoint/2010/main" val="3098745054"/>
+        <p14:creationId xmlns:p14="http://schemas.microsoft.com/office/powerpoint/2010/main" xmlns="" val="3098745054"/>
       </p:ext>
     </p:extLst>
   </p:cSld>
@@ -32625,7 +32621,7 @@
           <p:cNvPr id="2" name="Title 1">
             <a:extLst>
               <a:ext uri="{FF2B5EF4-FFF2-40B4-BE49-F238E27FC236}">
-                <a16:creationId xmlns="" xmlns:a16="http://schemas.microsoft.com/office/drawing/2014/main" id="{0A5C2DEC-9686-4734-BB53-507DC1EA231F}"/>
+                <a16:creationId xmlns:a16="http://schemas.microsoft.com/office/drawing/2014/main" xmlns="" id="{0A5C2DEC-9686-4734-BB53-507DC1EA231F}"/>
               </a:ext>
             </a:extLst>
           </p:cNvPr>
@@ -32682,7 +32678,7 @@
           <p:cNvPr id="3" name="Content Placeholder 2">
             <a:extLst>
               <a:ext uri="{FF2B5EF4-FFF2-40B4-BE49-F238E27FC236}">
-                <a16:creationId xmlns="" xmlns:a16="http://schemas.microsoft.com/office/drawing/2014/main" id="{A2C4D452-F552-4FFB-9BCA-F2776AA07FE5}"/>
+                <a16:creationId xmlns:a16="http://schemas.microsoft.com/office/drawing/2014/main" xmlns="" id="{A2C4D452-F552-4FFB-9BCA-F2776AA07FE5}"/>
               </a:ext>
             </a:extLst>
           </p:cNvPr>
@@ -32787,7 +32783,7 @@
           <p:cNvPr id="6" name="Content Placeholder 2">
             <a:extLst>
               <a:ext uri="{FF2B5EF4-FFF2-40B4-BE49-F238E27FC236}">
-                <a16:creationId xmlns="" xmlns:a16="http://schemas.microsoft.com/office/drawing/2014/main" id="{801BB9CE-5D04-42EE-8F69-2FBFE32B4F42}"/>
+                <a16:creationId xmlns:a16="http://schemas.microsoft.com/office/drawing/2014/main" xmlns="" id="{801BB9CE-5D04-42EE-8F69-2FBFE32B4F42}"/>
               </a:ext>
             </a:extLst>
           </p:cNvPr>
@@ -32988,7 +32984,7 @@
           <p:cNvPr id="7" name="Rectangle 4">
             <a:extLst>
               <a:ext uri="{FF2B5EF4-FFF2-40B4-BE49-F238E27FC236}">
-                <a16:creationId xmlns="" xmlns:a16="http://schemas.microsoft.com/office/drawing/2014/main" id="{3645989B-B9DA-4FAC-9C3B-C7F016EC71B4}"/>
+                <a16:creationId xmlns:a16="http://schemas.microsoft.com/office/drawing/2014/main" xmlns="" id="{3645989B-B9DA-4FAC-9C3B-C7F016EC71B4}"/>
               </a:ext>
             </a:extLst>
           </p:cNvPr>
@@ -33248,7 +33244,7 @@
     </p:spTree>
     <p:extLst>
       <p:ext uri="{BB962C8B-B14F-4D97-AF65-F5344CB8AC3E}">
-        <p14:creationId xmlns="" xmlns:p14="http://schemas.microsoft.com/office/powerpoint/2010/main" val="4131445172"/>
+        <p14:creationId xmlns:p14="http://schemas.microsoft.com/office/powerpoint/2010/main" xmlns="" val="4131445172"/>
       </p:ext>
     </p:extLst>
   </p:cSld>
@@ -33280,7 +33276,7 @@
           <p:cNvPr id="2" name="Title 1">
             <a:extLst>
               <a:ext uri="{FF2B5EF4-FFF2-40B4-BE49-F238E27FC236}">
-                <a16:creationId xmlns="" xmlns:a16="http://schemas.microsoft.com/office/drawing/2014/main" id="{FD3E528A-0E89-43D4-8E41-51D2A8C926D5}"/>
+                <a16:creationId xmlns:a16="http://schemas.microsoft.com/office/drawing/2014/main" xmlns="" id="{FD3E528A-0E89-43D4-8E41-51D2A8C926D5}"/>
               </a:ext>
             </a:extLst>
           </p:cNvPr>
@@ -33309,7 +33305,7 @@
           <p:cNvPr id="3" name="Content Placeholder 2">
             <a:extLst>
               <a:ext uri="{FF2B5EF4-FFF2-40B4-BE49-F238E27FC236}">
-                <a16:creationId xmlns="" xmlns:a16="http://schemas.microsoft.com/office/drawing/2014/main" id="{9B5E2826-619C-40F1-B5EE-8837B41906B9}"/>
+                <a16:creationId xmlns:a16="http://schemas.microsoft.com/office/drawing/2014/main" xmlns="" id="{9B5E2826-619C-40F1-B5EE-8837B41906B9}"/>
               </a:ext>
             </a:extLst>
           </p:cNvPr>
@@ -33456,7 +33452,7 @@
     </p:spTree>
     <p:extLst>
       <p:ext uri="{BB962C8B-B14F-4D97-AF65-F5344CB8AC3E}">
-        <p14:creationId xmlns="" xmlns:p14="http://schemas.microsoft.com/office/powerpoint/2010/main" val="1036982393"/>
+        <p14:creationId xmlns:p14="http://schemas.microsoft.com/office/powerpoint/2010/main" xmlns="" val="1036982393"/>
       </p:ext>
     </p:extLst>
   </p:cSld>
@@ -33488,7 +33484,7 @@
           <p:cNvPr id="2" name="Title 1">
             <a:extLst>
               <a:ext uri="{FF2B5EF4-FFF2-40B4-BE49-F238E27FC236}">
-                <a16:creationId xmlns="" xmlns:a16="http://schemas.microsoft.com/office/drawing/2014/main" id="{0A576AD1-FB17-4F74-AB6A-E7D89C7EE9CC}"/>
+                <a16:creationId xmlns:a16="http://schemas.microsoft.com/office/drawing/2014/main" xmlns="" id="{0A576AD1-FB17-4F74-AB6A-E7D89C7EE9CC}"/>
               </a:ext>
             </a:extLst>
           </p:cNvPr>
@@ -33517,7 +33513,7 @@
           <p:cNvPr id="3" name="Content Placeholder 2">
             <a:extLst>
               <a:ext uri="{FF2B5EF4-FFF2-40B4-BE49-F238E27FC236}">
-                <a16:creationId xmlns="" xmlns:a16="http://schemas.microsoft.com/office/drawing/2014/main" id="{11A60FD8-1BD5-4647-8F7F-9724264E403A}"/>
+                <a16:creationId xmlns:a16="http://schemas.microsoft.com/office/drawing/2014/main" xmlns="" id="{11A60FD8-1BD5-4647-8F7F-9724264E403A}"/>
               </a:ext>
             </a:extLst>
           </p:cNvPr>
@@ -33620,7 +33616,7 @@
     </p:spTree>
     <p:extLst>
       <p:ext uri="{BB962C8B-B14F-4D97-AF65-F5344CB8AC3E}">
-        <p14:creationId xmlns="" xmlns:p14="http://schemas.microsoft.com/office/powerpoint/2010/main" val="4077162887"/>
+        <p14:creationId xmlns:p14="http://schemas.microsoft.com/office/powerpoint/2010/main" xmlns="" val="4077162887"/>
       </p:ext>
     </p:extLst>
   </p:cSld>
@@ -33652,7 +33648,7 @@
           <p:cNvPr id="2" name="Title 1">
             <a:extLst>
               <a:ext uri="{FF2B5EF4-FFF2-40B4-BE49-F238E27FC236}">
-                <a16:creationId xmlns="" xmlns:a16="http://schemas.microsoft.com/office/drawing/2014/main" id="{6FF07862-F256-4A76-83EF-6072F3B4AD39}"/>
+                <a16:creationId xmlns:a16="http://schemas.microsoft.com/office/drawing/2014/main" xmlns="" id="{6FF07862-F256-4A76-83EF-6072F3B4AD39}"/>
               </a:ext>
             </a:extLst>
           </p:cNvPr>
@@ -33683,7 +33679,7 @@
           <p:cNvPr id="4" name="Rectangle 22">
             <a:extLst>
               <a:ext uri="{FF2B5EF4-FFF2-40B4-BE49-F238E27FC236}">
-                <a16:creationId xmlns="" xmlns:a16="http://schemas.microsoft.com/office/drawing/2014/main" id="{A6B76BB7-E97A-4308-A04F-7E5B8378EB41}"/>
+                <a16:creationId xmlns:a16="http://schemas.microsoft.com/office/drawing/2014/main" xmlns="" id="{A6B76BB7-E97A-4308-A04F-7E5B8378EB41}"/>
               </a:ext>
             </a:extLst>
           </p:cNvPr>
@@ -33735,7 +33731,7 @@
           <p:cNvPr id="5" name="Group 4">
             <a:extLst>
               <a:ext uri="{FF2B5EF4-FFF2-40B4-BE49-F238E27FC236}">
-                <a16:creationId xmlns="" xmlns:a16="http://schemas.microsoft.com/office/drawing/2014/main" id="{8F8B7FFC-1176-4EDF-AC89-83B7E9D07114}"/>
+                <a16:creationId xmlns:a16="http://schemas.microsoft.com/office/drawing/2014/main" xmlns="" id="{8F8B7FFC-1176-4EDF-AC89-83B7E9D07114}"/>
               </a:ext>
             </a:extLst>
           </p:cNvPr>
@@ -33757,7 +33753,7 @@
             <p:cNvPr id="6" name="Freeform 5">
               <a:extLst>
                 <a:ext uri="{FF2B5EF4-FFF2-40B4-BE49-F238E27FC236}">
-                  <a16:creationId xmlns="" xmlns:a16="http://schemas.microsoft.com/office/drawing/2014/main" id="{C22356F3-CD7E-4474-893B-4186C1627250}"/>
+                  <a16:creationId xmlns:a16="http://schemas.microsoft.com/office/drawing/2014/main" xmlns="" id="{C22356F3-CD7E-4474-893B-4186C1627250}"/>
                 </a:ext>
               </a:extLst>
             </p:cNvPr>
@@ -33985,7 +33981,7 @@
             </a:ln>
             <a:extLst>
               <a:ext uri="{91240B29-F687-4F45-9708-019B960494DF}">
-                <a14:hiddenLine xmlns="" xmlns:a14="http://schemas.microsoft.com/office/drawing/2010/main" w="9525" cap="rnd">
+                <a14:hiddenLine xmlns:a14="http://schemas.microsoft.com/office/drawing/2010/main" xmlns="" w="9525" cap="rnd">
                   <a:solidFill>
                     <a:srgbClr val="000000"/>
                   </a:solidFill>
@@ -34009,7 +34005,7 @@
             <p:cNvPr id="7" name="Freeform 6">
               <a:extLst>
                 <a:ext uri="{FF2B5EF4-FFF2-40B4-BE49-F238E27FC236}">
-                  <a16:creationId xmlns="" xmlns:a16="http://schemas.microsoft.com/office/drawing/2014/main" id="{738C64A6-BD91-4695-A56C-D9E8A5EE25BF}"/>
+                  <a16:creationId xmlns:a16="http://schemas.microsoft.com/office/drawing/2014/main" xmlns="" id="{738C64A6-BD91-4695-A56C-D9E8A5EE25BF}"/>
                 </a:ext>
               </a:extLst>
             </p:cNvPr>
@@ -34237,7 +34233,7 @@
             </a:ln>
             <a:extLst>
               <a:ext uri="{91240B29-F687-4F45-9708-019B960494DF}">
-                <a14:hiddenLine xmlns="" xmlns:a14="http://schemas.microsoft.com/office/drawing/2010/main" w="9525" cap="rnd">
+                <a14:hiddenLine xmlns:a14="http://schemas.microsoft.com/office/drawing/2010/main" xmlns="" w="9525" cap="rnd">
                   <a:solidFill>
                     <a:srgbClr val="000000"/>
                   </a:solidFill>
@@ -34262,7 +34258,7 @@
           <p:cNvPr id="8" name="Rectangle 7">
             <a:extLst>
               <a:ext uri="{FF2B5EF4-FFF2-40B4-BE49-F238E27FC236}">
-                <a16:creationId xmlns="" xmlns:a16="http://schemas.microsoft.com/office/drawing/2014/main" id="{739F1B1A-3A0A-4D0A-84F1-10FB44E27A3C}"/>
+                <a16:creationId xmlns:a16="http://schemas.microsoft.com/office/drawing/2014/main" xmlns="" id="{739F1B1A-3A0A-4D0A-84F1-10FB44E27A3C}"/>
               </a:ext>
             </a:extLst>
           </p:cNvPr>
@@ -34418,7 +34414,7 @@
           <p:cNvPr id="9" name="Rectangle 8">
             <a:extLst>
               <a:ext uri="{FF2B5EF4-FFF2-40B4-BE49-F238E27FC236}">
-                <a16:creationId xmlns="" xmlns:a16="http://schemas.microsoft.com/office/drawing/2014/main" id="{C7317698-FEA0-49BF-A2C0-B5F4191BED34}"/>
+                <a16:creationId xmlns:a16="http://schemas.microsoft.com/office/drawing/2014/main" xmlns="" id="{C7317698-FEA0-49BF-A2C0-B5F4191BED34}"/>
               </a:ext>
             </a:extLst>
           </p:cNvPr>
@@ -34441,14 +34437,14 @@
           </a:ln>
           <a:extLst>
             <a:ext uri="{909E8E84-426E-40DD-AFC4-6F175D3DCCD1}">
-              <a14:hiddenFill xmlns="" xmlns:a14="http://schemas.microsoft.com/office/drawing/2010/main">
+              <a14:hiddenFill xmlns:a14="http://schemas.microsoft.com/office/drawing/2010/main" xmlns="">
                 <a:solidFill>
                   <a:srgbClr val="FFFFFF"/>
                 </a:solidFill>
               </a14:hiddenFill>
             </a:ext>
             <a:ext uri="{91240B29-F687-4F45-9708-019B960494DF}">
-              <a14:hiddenLine xmlns="" xmlns:a14="http://schemas.microsoft.com/office/drawing/2010/main" w="9525">
+              <a14:hiddenLine xmlns:a14="http://schemas.microsoft.com/office/drawing/2010/main" xmlns="" w="9525">
                 <a:solidFill>
                   <a:srgbClr val="000000"/>
                 </a:solidFill>
@@ -34599,7 +34595,7 @@
           <p:cNvPr id="10" name="Rectangle 10">
             <a:extLst>
               <a:ext uri="{FF2B5EF4-FFF2-40B4-BE49-F238E27FC236}">
-                <a16:creationId xmlns="" xmlns:a16="http://schemas.microsoft.com/office/drawing/2014/main" id="{87642A67-B2DC-4155-B9A9-B1162BAD1382}"/>
+                <a16:creationId xmlns:a16="http://schemas.microsoft.com/office/drawing/2014/main" xmlns="" id="{87642A67-B2DC-4155-B9A9-B1162BAD1382}"/>
               </a:ext>
             </a:extLst>
           </p:cNvPr>
@@ -34622,14 +34618,14 @@
           </a:ln>
           <a:extLst>
             <a:ext uri="{909E8E84-426E-40DD-AFC4-6F175D3DCCD1}">
-              <a14:hiddenFill xmlns="" xmlns:a14="http://schemas.microsoft.com/office/drawing/2010/main">
+              <a14:hiddenFill xmlns:a14="http://schemas.microsoft.com/office/drawing/2010/main" xmlns="">
                 <a:solidFill>
                   <a:srgbClr val="FFFFFF"/>
                 </a:solidFill>
               </a14:hiddenFill>
             </a:ext>
             <a:ext uri="{91240B29-F687-4F45-9708-019B960494DF}">
-              <a14:hiddenLine xmlns="" xmlns:a14="http://schemas.microsoft.com/office/drawing/2010/main" w="9525">
+              <a14:hiddenLine xmlns:a14="http://schemas.microsoft.com/office/drawing/2010/main" xmlns="" w="9525">
                 <a:solidFill>
                   <a:srgbClr val="000000"/>
                 </a:solidFill>
@@ -34796,7 +34792,7 @@
           <p:cNvPr id="11" name="Rectangle 11">
             <a:extLst>
               <a:ext uri="{FF2B5EF4-FFF2-40B4-BE49-F238E27FC236}">
-                <a16:creationId xmlns="" xmlns:a16="http://schemas.microsoft.com/office/drawing/2014/main" id="{108EB06B-4D14-4DBF-B753-B889BA5BB1D2}"/>
+                <a16:creationId xmlns:a16="http://schemas.microsoft.com/office/drawing/2014/main" xmlns="" id="{108EB06B-4D14-4DBF-B753-B889BA5BB1D2}"/>
               </a:ext>
             </a:extLst>
           </p:cNvPr>
@@ -34952,7 +34948,7 @@
           <p:cNvPr id="12" name="Rectangle 12">
             <a:extLst>
               <a:ext uri="{FF2B5EF4-FFF2-40B4-BE49-F238E27FC236}">
-                <a16:creationId xmlns="" xmlns:a16="http://schemas.microsoft.com/office/drawing/2014/main" id="{B0B50283-747B-4BAC-8095-6BBD37D432A9}"/>
+                <a16:creationId xmlns:a16="http://schemas.microsoft.com/office/drawing/2014/main" xmlns="" id="{B0B50283-747B-4BAC-8095-6BBD37D432A9}"/>
               </a:ext>
             </a:extLst>
           </p:cNvPr>
@@ -34975,14 +34971,14 @@
           </a:ln>
           <a:extLst>
             <a:ext uri="{909E8E84-426E-40DD-AFC4-6F175D3DCCD1}">
-              <a14:hiddenFill xmlns="" xmlns:a14="http://schemas.microsoft.com/office/drawing/2010/main">
+              <a14:hiddenFill xmlns:a14="http://schemas.microsoft.com/office/drawing/2010/main" xmlns="">
                 <a:solidFill>
                   <a:srgbClr val="FFFFFF"/>
                 </a:solidFill>
               </a14:hiddenFill>
             </a:ext>
             <a:ext uri="{91240B29-F687-4F45-9708-019B960494DF}">
-              <a14:hiddenLine xmlns="" xmlns:a14="http://schemas.microsoft.com/office/drawing/2010/main" w="9525">
+              <a14:hiddenLine xmlns:a14="http://schemas.microsoft.com/office/drawing/2010/main" xmlns="" w="9525">
                 <a:solidFill>
                   <a:srgbClr val="000000"/>
                 </a:solidFill>
@@ -35165,7 +35161,7 @@
           <p:cNvPr id="13" name="Oval 13">
             <a:extLst>
               <a:ext uri="{FF2B5EF4-FFF2-40B4-BE49-F238E27FC236}">
-                <a16:creationId xmlns="" xmlns:a16="http://schemas.microsoft.com/office/drawing/2014/main" id="{96BE7EE4-F273-4B28-8DEF-3ABD463D5EF6}"/>
+                <a16:creationId xmlns:a16="http://schemas.microsoft.com/office/drawing/2014/main" xmlns="" id="{96BE7EE4-F273-4B28-8DEF-3ABD463D5EF6}"/>
               </a:ext>
             </a:extLst>
           </p:cNvPr>
@@ -35190,7 +35186,7 @@
           </a:ln>
           <a:extLst>
             <a:ext uri="{91240B29-F687-4F45-9708-019B960494DF}">
-              <a14:hiddenLine xmlns="" xmlns:a14="http://schemas.microsoft.com/office/drawing/2010/main" w="9525">
+              <a14:hiddenLine xmlns:a14="http://schemas.microsoft.com/office/drawing/2010/main" xmlns="" w="9525">
                 <a:solidFill>
                   <a:srgbClr val="000000"/>
                 </a:solidFill>
@@ -35328,7 +35324,7 @@
           <p:cNvPr id="14" name="Rectangle 14">
             <a:extLst>
               <a:ext uri="{FF2B5EF4-FFF2-40B4-BE49-F238E27FC236}">
-                <a16:creationId xmlns="" xmlns:a16="http://schemas.microsoft.com/office/drawing/2014/main" id="{B3C3EF71-E244-4E1B-B46A-8AA03A9CF7B1}"/>
+                <a16:creationId xmlns:a16="http://schemas.microsoft.com/office/drawing/2014/main" xmlns="" id="{B3C3EF71-E244-4E1B-B46A-8AA03A9CF7B1}"/>
               </a:ext>
             </a:extLst>
           </p:cNvPr>
@@ -35351,14 +35347,14 @@
           </a:ln>
           <a:extLst>
             <a:ext uri="{909E8E84-426E-40DD-AFC4-6F175D3DCCD1}">
-              <a14:hiddenFill xmlns="" xmlns:a14="http://schemas.microsoft.com/office/drawing/2010/main">
+              <a14:hiddenFill xmlns:a14="http://schemas.microsoft.com/office/drawing/2010/main" xmlns="">
                 <a:solidFill>
                   <a:srgbClr val="FFFFFF"/>
                 </a:solidFill>
               </a14:hiddenFill>
             </a:ext>
             <a:ext uri="{91240B29-F687-4F45-9708-019B960494DF}">
-              <a14:hiddenLine xmlns="" xmlns:a14="http://schemas.microsoft.com/office/drawing/2010/main" w="9525">
+              <a14:hiddenLine xmlns:a14="http://schemas.microsoft.com/office/drawing/2010/main" xmlns="" w="9525">
                 <a:solidFill>
                   <a:srgbClr val="000000"/>
                 </a:solidFill>
@@ -35525,7 +35521,7 @@
           <p:cNvPr id="15" name="Line 15">
             <a:extLst>
               <a:ext uri="{FF2B5EF4-FFF2-40B4-BE49-F238E27FC236}">
-                <a16:creationId xmlns="" xmlns:a16="http://schemas.microsoft.com/office/drawing/2014/main" id="{F908D268-93EA-48BA-9FED-16D850B533E5}"/>
+                <a16:creationId xmlns:a16="http://schemas.microsoft.com/office/drawing/2014/main" xmlns="" id="{F908D268-93EA-48BA-9FED-16D850B533E5}"/>
               </a:ext>
             </a:extLst>
           </p:cNvPr>
@@ -35553,7 +35549,7 @@
           </a:ln>
           <a:extLst>
             <a:ext uri="{909E8E84-426E-40DD-AFC4-6F175D3DCCD1}">
-              <a14:hiddenFill xmlns="" xmlns:a14="http://schemas.microsoft.com/office/drawing/2010/main">
+              <a14:hiddenFill xmlns:a14="http://schemas.microsoft.com/office/drawing/2010/main" xmlns="">
                 <a:noFill/>
               </a14:hiddenFill>
             </a:ext>
@@ -35572,7 +35568,7 @@
           <p:cNvPr id="16" name="Picture 16" descr="C:\temp\peop038.gif">
             <a:extLst>
               <a:ext uri="{FF2B5EF4-FFF2-40B4-BE49-F238E27FC236}">
-                <a16:creationId xmlns="" xmlns:a16="http://schemas.microsoft.com/office/drawing/2014/main" id="{C14AD663-77F0-43F0-AAFF-16AE813F2D1F}"/>
+                <a16:creationId xmlns:a16="http://schemas.microsoft.com/office/drawing/2014/main" xmlns="" id="{C14AD663-77F0-43F0-AAFF-16AE813F2D1F}"/>
               </a:ext>
             </a:extLst>
           </p:cNvPr>
@@ -35585,7 +35581,7 @@
           <a:blip r:embed="rId2">
             <a:extLst>
               <a:ext uri="{28A0092B-C50C-407E-A947-70E740481C1C}">
-                <a14:useLocalDpi xmlns="" xmlns:a14="http://schemas.microsoft.com/office/drawing/2010/main" val="0"/>
+                <a14:useLocalDpi xmlns:a14="http://schemas.microsoft.com/office/drawing/2010/main" xmlns="" val="0"/>
               </a:ext>
             </a:extLst>
           </a:blip>
@@ -35608,14 +35604,14 @@
           </a:ln>
           <a:extLst>
             <a:ext uri="{909E8E84-426E-40DD-AFC4-6F175D3DCCD1}">
-              <a14:hiddenFill xmlns="" xmlns:a14="http://schemas.microsoft.com/office/drawing/2010/main">
+              <a14:hiddenFill xmlns:a14="http://schemas.microsoft.com/office/drawing/2010/main" xmlns="">
                 <a:solidFill>
                   <a:srgbClr val="FFFFFF"/>
                 </a:solidFill>
               </a14:hiddenFill>
             </a:ext>
             <a:ext uri="{91240B29-F687-4F45-9708-019B960494DF}">
-              <a14:hiddenLine xmlns="" xmlns:a14="http://schemas.microsoft.com/office/drawing/2010/main" w="9525">
+              <a14:hiddenLine xmlns:a14="http://schemas.microsoft.com/office/drawing/2010/main" xmlns="" w="9525">
                 <a:solidFill>
                   <a:srgbClr val="000000"/>
                 </a:solidFill>
@@ -35632,7 +35628,7 @@
           <p:cNvPr id="17" name="Picture 17" descr="C:\temp\symbo067.gif">
             <a:extLst>
               <a:ext uri="{FF2B5EF4-FFF2-40B4-BE49-F238E27FC236}">
-                <a16:creationId xmlns="" xmlns:a16="http://schemas.microsoft.com/office/drawing/2014/main" id="{7B27A898-9258-4152-9FF6-2E1929F6D845}"/>
+                <a16:creationId xmlns:a16="http://schemas.microsoft.com/office/drawing/2014/main" xmlns="" id="{7B27A898-9258-4152-9FF6-2E1929F6D845}"/>
               </a:ext>
             </a:extLst>
           </p:cNvPr>
@@ -35645,7 +35641,7 @@
           <a:blip r:embed="rId3">
             <a:extLst>
               <a:ext uri="{28A0092B-C50C-407E-A947-70E740481C1C}">
-                <a14:useLocalDpi xmlns="" xmlns:a14="http://schemas.microsoft.com/office/drawing/2010/main" val="0"/>
+                <a14:useLocalDpi xmlns:a14="http://schemas.microsoft.com/office/drawing/2010/main" xmlns="" val="0"/>
               </a:ext>
             </a:extLst>
           </a:blip>
@@ -35668,14 +35664,14 @@
           </a:ln>
           <a:extLst>
             <a:ext uri="{909E8E84-426E-40DD-AFC4-6F175D3DCCD1}">
-              <a14:hiddenFill xmlns="" xmlns:a14="http://schemas.microsoft.com/office/drawing/2010/main">
+              <a14:hiddenFill xmlns:a14="http://schemas.microsoft.com/office/drawing/2010/main" xmlns="">
                 <a:solidFill>
                   <a:srgbClr val="FFFFFF"/>
                 </a:solidFill>
               </a14:hiddenFill>
             </a:ext>
             <a:ext uri="{91240B29-F687-4F45-9708-019B960494DF}">
-              <a14:hiddenLine xmlns="" xmlns:a14="http://schemas.microsoft.com/office/drawing/2010/main" w="9525">
+              <a14:hiddenLine xmlns:a14="http://schemas.microsoft.com/office/drawing/2010/main" xmlns="" w="9525">
                 <a:solidFill>
                   <a:srgbClr val="000000"/>
                 </a:solidFill>
@@ -35692,7 +35688,7 @@
           <p:cNvPr id="18" name="Group 18">
             <a:extLst>
               <a:ext uri="{FF2B5EF4-FFF2-40B4-BE49-F238E27FC236}">
-                <a16:creationId xmlns="" xmlns:a16="http://schemas.microsoft.com/office/drawing/2014/main" id="{6DD52201-850C-427D-BA97-09EB32AC6519}"/>
+                <a16:creationId xmlns:a16="http://schemas.microsoft.com/office/drawing/2014/main" xmlns="" id="{6DD52201-850C-427D-BA97-09EB32AC6519}"/>
               </a:ext>
             </a:extLst>
           </p:cNvPr>
@@ -35714,7 +35710,7 @@
             <p:cNvPr id="19" name="Picture 19" descr="C:\temp\finan032.gif">
               <a:extLst>
                 <a:ext uri="{FF2B5EF4-FFF2-40B4-BE49-F238E27FC236}">
-                  <a16:creationId xmlns="" xmlns:a16="http://schemas.microsoft.com/office/drawing/2014/main" id="{FAF70949-5568-432B-B558-A9E7A1A0E119}"/>
+                  <a16:creationId xmlns:a16="http://schemas.microsoft.com/office/drawing/2014/main" xmlns="" id="{FAF70949-5568-432B-B558-A9E7A1A0E119}"/>
                 </a:ext>
               </a:extLst>
             </p:cNvPr>
@@ -35727,7 +35723,7 @@
             <a:blip r:embed="rId4">
               <a:extLst>
                 <a:ext uri="{28A0092B-C50C-407E-A947-70E740481C1C}">
-                  <a14:useLocalDpi xmlns="" xmlns:a14="http://schemas.microsoft.com/office/drawing/2010/main" val="0"/>
+                  <a14:useLocalDpi xmlns:a14="http://schemas.microsoft.com/office/drawing/2010/main" xmlns="" val="0"/>
                 </a:ext>
               </a:extLst>
             </a:blip>
@@ -35750,14 +35746,14 @@
             </a:ln>
             <a:extLst>
               <a:ext uri="{909E8E84-426E-40DD-AFC4-6F175D3DCCD1}">
-                <a14:hiddenFill xmlns="" xmlns:a14="http://schemas.microsoft.com/office/drawing/2010/main">
+                <a14:hiddenFill xmlns:a14="http://schemas.microsoft.com/office/drawing/2010/main" xmlns="">
                   <a:solidFill>
                     <a:srgbClr val="FFFFFF"/>
                   </a:solidFill>
                 </a14:hiddenFill>
               </a:ext>
               <a:ext uri="{91240B29-F687-4F45-9708-019B960494DF}">
-                <a14:hiddenLine xmlns="" xmlns:a14="http://schemas.microsoft.com/office/drawing/2010/main" w="9525">
+                <a14:hiddenLine xmlns:a14="http://schemas.microsoft.com/office/drawing/2010/main" xmlns="" w="9525">
                   <a:solidFill>
                     <a:srgbClr val="000000"/>
                   </a:solidFill>
@@ -35774,7 +35770,7 @@
             <p:cNvPr id="20" name="Picture 20" descr="C:\temp\symbo067.gif">
               <a:extLst>
                 <a:ext uri="{FF2B5EF4-FFF2-40B4-BE49-F238E27FC236}">
-                  <a16:creationId xmlns="" xmlns:a16="http://schemas.microsoft.com/office/drawing/2014/main" id="{C88F7FC8-3B3C-4F09-B7D5-13D7E66BF838}"/>
+                  <a16:creationId xmlns:a16="http://schemas.microsoft.com/office/drawing/2014/main" xmlns="" id="{C88F7FC8-3B3C-4F09-B7D5-13D7E66BF838}"/>
                 </a:ext>
               </a:extLst>
             </p:cNvPr>
@@ -35787,7 +35783,7 @@
             <a:blip r:embed="rId3">
               <a:extLst>
                 <a:ext uri="{28A0092B-C50C-407E-A947-70E740481C1C}">
-                  <a14:useLocalDpi xmlns="" xmlns:a14="http://schemas.microsoft.com/office/drawing/2010/main" val="0"/>
+                  <a14:useLocalDpi xmlns:a14="http://schemas.microsoft.com/office/drawing/2010/main" xmlns="" val="0"/>
                 </a:ext>
               </a:extLst>
             </a:blip>
@@ -35810,14 +35806,14 @@
             </a:ln>
             <a:extLst>
               <a:ext uri="{909E8E84-426E-40DD-AFC4-6F175D3DCCD1}">
-                <a14:hiddenFill xmlns="" xmlns:a14="http://schemas.microsoft.com/office/drawing/2010/main">
+                <a14:hiddenFill xmlns:a14="http://schemas.microsoft.com/office/drawing/2010/main" xmlns="">
                   <a:solidFill>
                     <a:srgbClr val="FFFFFF"/>
                   </a:solidFill>
                 </a14:hiddenFill>
               </a:ext>
               <a:ext uri="{91240B29-F687-4F45-9708-019B960494DF}">
-                <a14:hiddenLine xmlns="" xmlns:a14="http://schemas.microsoft.com/office/drawing/2010/main" w="9525">
+                <a14:hiddenLine xmlns:a14="http://schemas.microsoft.com/office/drawing/2010/main" xmlns="" w="9525">
                   <a:solidFill>
                     <a:srgbClr val="000000"/>
                   </a:solidFill>
@@ -35833,7 +35829,7 @@
     </p:spTree>
     <p:extLst>
       <p:ext uri="{BB962C8B-B14F-4D97-AF65-F5344CB8AC3E}">
-        <p14:creationId xmlns="" xmlns:p14="http://schemas.microsoft.com/office/powerpoint/2010/main" val="3021850047"/>
+        <p14:creationId xmlns:p14="http://schemas.microsoft.com/office/powerpoint/2010/main" xmlns="" val="3021850047"/>
       </p:ext>
     </p:extLst>
   </p:cSld>
@@ -35865,7 +35861,7 @@
           <p:cNvPr id="2" name="Title 1">
             <a:extLst>
               <a:ext uri="{FF2B5EF4-FFF2-40B4-BE49-F238E27FC236}">
-                <a16:creationId xmlns="" xmlns:a16="http://schemas.microsoft.com/office/drawing/2014/main" id="{7A7140A3-02EB-4DD2-A0A4-EC5366364F09}"/>
+                <a16:creationId xmlns:a16="http://schemas.microsoft.com/office/drawing/2014/main" xmlns="" id="{7A7140A3-02EB-4DD2-A0A4-EC5366364F09}"/>
               </a:ext>
             </a:extLst>
           </p:cNvPr>
@@ -35894,7 +35890,7 @@
           <p:cNvPr id="4" name="Rectangle 9">
             <a:extLst>
               <a:ext uri="{FF2B5EF4-FFF2-40B4-BE49-F238E27FC236}">
-                <a16:creationId xmlns="" xmlns:a16="http://schemas.microsoft.com/office/drawing/2014/main" id="{1F481D2D-F375-48F3-BFBB-87FB9A59FF4F}"/>
+                <a16:creationId xmlns:a16="http://schemas.microsoft.com/office/drawing/2014/main" xmlns="" id="{1F481D2D-F375-48F3-BFBB-87FB9A59FF4F}"/>
               </a:ext>
             </a:extLst>
           </p:cNvPr>
@@ -35936,7 +35932,7 @@
           <p:cNvPr id="5" name="Rectangle 3">
             <a:extLst>
               <a:ext uri="{FF2B5EF4-FFF2-40B4-BE49-F238E27FC236}">
-                <a16:creationId xmlns="" xmlns:a16="http://schemas.microsoft.com/office/drawing/2014/main" id="{8B2A9C83-6594-4976-839C-223A5800287E}"/>
+                <a16:creationId xmlns:a16="http://schemas.microsoft.com/office/drawing/2014/main" xmlns="" id="{8B2A9C83-6594-4976-839C-223A5800287E}"/>
               </a:ext>
             </a:extLst>
           </p:cNvPr>
@@ -36283,7 +36279,7 @@
           <p:cNvPr id="6" name="Rectangle 5">
             <a:extLst>
               <a:ext uri="{FF2B5EF4-FFF2-40B4-BE49-F238E27FC236}">
-                <a16:creationId xmlns="" xmlns:a16="http://schemas.microsoft.com/office/drawing/2014/main" id="{5F28F454-36F3-4101-ABF3-0C42E25080C5}"/>
+                <a16:creationId xmlns:a16="http://schemas.microsoft.com/office/drawing/2014/main" xmlns="" id="{5F28F454-36F3-4101-ABF3-0C42E25080C5}"/>
               </a:ext>
             </a:extLst>
           </p:cNvPr>
@@ -36311,7 +36307,7 @@
           </a:ln>
           <a:extLst>
             <a:ext uri="{909E8E84-426E-40DD-AFC4-6F175D3DCCD1}">
-              <a14:hiddenFill xmlns="" xmlns:a14="http://schemas.microsoft.com/office/drawing/2010/main">
+              <a14:hiddenFill xmlns:a14="http://schemas.microsoft.com/office/drawing/2010/main" xmlns="">
                 <a:solidFill>
                   <a:srgbClr val="FFFFFF"/>
                 </a:solidFill>
@@ -36444,7 +36440,7 @@
     </p:spTree>
     <p:extLst>
       <p:ext uri="{BB962C8B-B14F-4D97-AF65-F5344CB8AC3E}">
-        <p14:creationId xmlns="" xmlns:p14="http://schemas.microsoft.com/office/powerpoint/2010/main" val="3742648662"/>
+        <p14:creationId xmlns:p14="http://schemas.microsoft.com/office/powerpoint/2010/main" xmlns="" val="3742648662"/>
       </p:ext>
     </p:extLst>
   </p:cSld>
@@ -36476,7 +36472,7 @@
           <p:cNvPr id="2" name="Title 1">
             <a:extLst>
               <a:ext uri="{FF2B5EF4-FFF2-40B4-BE49-F238E27FC236}">
-                <a16:creationId xmlns="" xmlns:a16="http://schemas.microsoft.com/office/drawing/2014/main" id="{B08E0B57-A6D0-4BE0-97FE-40E83B24C0B0}"/>
+                <a16:creationId xmlns:a16="http://schemas.microsoft.com/office/drawing/2014/main" xmlns="" id="{B08E0B57-A6D0-4BE0-97FE-40E83B24C0B0}"/>
               </a:ext>
             </a:extLst>
           </p:cNvPr>
@@ -36505,7 +36501,7 @@
           <p:cNvPr id="5" name="Rectangle 2">
             <a:extLst>
               <a:ext uri="{FF2B5EF4-FFF2-40B4-BE49-F238E27FC236}">
-                <a16:creationId xmlns="" xmlns:a16="http://schemas.microsoft.com/office/drawing/2014/main" id="{D44896E9-1B7F-4B03-8407-73062F9E4AC9}"/>
+                <a16:creationId xmlns:a16="http://schemas.microsoft.com/office/drawing/2014/main" xmlns="" id="{D44896E9-1B7F-4B03-8407-73062F9E4AC9}"/>
               </a:ext>
             </a:extLst>
           </p:cNvPr>
@@ -36841,7 +36837,7 @@
           <p:cNvPr id="7" name="Rectangle 4">
             <a:extLst>
               <a:ext uri="{FF2B5EF4-FFF2-40B4-BE49-F238E27FC236}">
-                <a16:creationId xmlns="" xmlns:a16="http://schemas.microsoft.com/office/drawing/2014/main" id="{D40912B9-8223-4F30-BBEF-1FB789CFF3ED}"/>
+                <a16:creationId xmlns:a16="http://schemas.microsoft.com/office/drawing/2014/main" xmlns="" id="{D40912B9-8223-4F30-BBEF-1FB789CFF3ED}"/>
               </a:ext>
             </a:extLst>
           </p:cNvPr>
@@ -36864,14 +36860,14 @@
           </a:ln>
           <a:extLst>
             <a:ext uri="{909E8E84-426E-40DD-AFC4-6F175D3DCCD1}">
-              <a14:hiddenFill xmlns="" xmlns:a14="http://schemas.microsoft.com/office/drawing/2010/main">
+              <a14:hiddenFill xmlns:a14="http://schemas.microsoft.com/office/drawing/2010/main" xmlns="">
                 <a:solidFill>
                   <a:srgbClr val="FFFFFF"/>
                 </a:solidFill>
               </a14:hiddenFill>
             </a:ext>
             <a:ext uri="{91240B29-F687-4F45-9708-019B960494DF}">
-              <a14:hiddenLine xmlns="" xmlns:a14="http://schemas.microsoft.com/office/drawing/2010/main" w="9525">
+              <a14:hiddenLine xmlns:a14="http://schemas.microsoft.com/office/drawing/2010/main" xmlns="" w="9525">
                 <a:solidFill>
                   <a:srgbClr val="000000"/>
                 </a:solidFill>
@@ -37028,7 +37024,7 @@
           <p:cNvPr id="9" name="Rectangle 5">
             <a:extLst>
               <a:ext uri="{FF2B5EF4-FFF2-40B4-BE49-F238E27FC236}">
-                <a16:creationId xmlns="" xmlns:a16="http://schemas.microsoft.com/office/drawing/2014/main" id="{C35B6749-4F57-4445-8D55-0FF7C6322576}"/>
+                <a16:creationId xmlns:a16="http://schemas.microsoft.com/office/drawing/2014/main" xmlns="" id="{C35B6749-4F57-4445-8D55-0FF7C6322576}"/>
               </a:ext>
             </a:extLst>
           </p:cNvPr>
@@ -37056,7 +37052,7 @@
           </a:ln>
           <a:extLst>
             <a:ext uri="{909E8E84-426E-40DD-AFC4-6F175D3DCCD1}">
-              <a14:hiddenFill xmlns="" xmlns:a14="http://schemas.microsoft.com/office/drawing/2010/main">
+              <a14:hiddenFill xmlns:a14="http://schemas.microsoft.com/office/drawing/2010/main" xmlns="">
                 <a:solidFill>
                   <a:srgbClr val="FFFFFF"/>
                 </a:solidFill>
@@ -37191,7 +37187,7 @@
           <p:cNvPr id="11" name="Freeform 6">
             <a:extLst>
               <a:ext uri="{FF2B5EF4-FFF2-40B4-BE49-F238E27FC236}">
-                <a16:creationId xmlns="" xmlns:a16="http://schemas.microsoft.com/office/drawing/2014/main" id="{80AAA3FD-9E3E-4A93-8BE1-DA43FC681EC1}"/>
+                <a16:creationId xmlns:a16="http://schemas.microsoft.com/office/drawing/2014/main" xmlns="" id="{80AAA3FD-9E3E-4A93-8BE1-DA43FC681EC1}"/>
               </a:ext>
             </a:extLst>
           </p:cNvPr>
@@ -37261,7 +37257,7 @@
           </a:ln>
           <a:extLst>
             <a:ext uri="{909E8E84-426E-40DD-AFC4-6F175D3DCCD1}">
-              <a14:hiddenFill xmlns="" xmlns:a14="http://schemas.microsoft.com/office/drawing/2010/main">
+              <a14:hiddenFill xmlns:a14="http://schemas.microsoft.com/office/drawing/2010/main" xmlns="">
                 <a:solidFill>
                   <a:srgbClr val="FFFFFF"/>
                 </a:solidFill>
@@ -37282,7 +37278,7 @@
           <p:cNvPr id="3" name="Picture 2">
             <a:extLst>
               <a:ext uri="{FF2B5EF4-FFF2-40B4-BE49-F238E27FC236}">
-                <a16:creationId xmlns="" xmlns:a16="http://schemas.microsoft.com/office/drawing/2014/main" id="{495484F3-667E-4DE1-9CC9-55FDBBC712B1}"/>
+                <a16:creationId xmlns:a16="http://schemas.microsoft.com/office/drawing/2014/main" xmlns="" id="{495484F3-667E-4DE1-9CC9-55FDBBC712B1}"/>
               </a:ext>
             </a:extLst>
           </p:cNvPr>
@@ -37310,7 +37306,7 @@
     </p:spTree>
     <p:extLst>
       <p:ext uri="{BB962C8B-B14F-4D97-AF65-F5344CB8AC3E}">
-        <p14:creationId xmlns="" xmlns:p14="http://schemas.microsoft.com/office/powerpoint/2010/main" val="2506001384"/>
+        <p14:creationId xmlns:p14="http://schemas.microsoft.com/office/powerpoint/2010/main" xmlns="" val="2506001384"/>
       </p:ext>
     </p:extLst>
   </p:cSld>
@@ -37342,7 +37338,7 @@
           <p:cNvPr id="2" name="Title 1">
             <a:extLst>
               <a:ext uri="{FF2B5EF4-FFF2-40B4-BE49-F238E27FC236}">
-                <a16:creationId xmlns="" xmlns:a16="http://schemas.microsoft.com/office/drawing/2014/main" id="{0F4A3899-4CA7-4113-B7A2-C27E6A2D831C}"/>
+                <a16:creationId xmlns:a16="http://schemas.microsoft.com/office/drawing/2014/main" xmlns="" id="{0F4A3899-4CA7-4113-B7A2-C27E6A2D831C}"/>
               </a:ext>
             </a:extLst>
           </p:cNvPr>
@@ -37371,7 +37367,7 @@
           <p:cNvPr id="3" name="Content Placeholder 2">
             <a:extLst>
               <a:ext uri="{FF2B5EF4-FFF2-40B4-BE49-F238E27FC236}">
-                <a16:creationId xmlns="" xmlns:a16="http://schemas.microsoft.com/office/drawing/2014/main" id="{CB906BC8-D034-4878-98A2-07AEFA861DF8}"/>
+                <a16:creationId xmlns:a16="http://schemas.microsoft.com/office/drawing/2014/main" xmlns="" id="{CB906BC8-D034-4878-98A2-07AEFA861DF8}"/>
               </a:ext>
             </a:extLst>
           </p:cNvPr>
@@ -37412,7 +37408,7 @@
     </p:spTree>
     <p:extLst>
       <p:ext uri="{BB962C8B-B14F-4D97-AF65-F5344CB8AC3E}">
-        <p14:creationId xmlns="" xmlns:p14="http://schemas.microsoft.com/office/powerpoint/2010/main" val="3483460949"/>
+        <p14:creationId xmlns:p14="http://schemas.microsoft.com/office/powerpoint/2010/main" xmlns="" val="3483460949"/>
       </p:ext>
     </p:extLst>
   </p:cSld>
@@ -37444,7 +37440,7 @@
           <p:cNvPr id="2" name="Title 1">
             <a:extLst>
               <a:ext uri="{FF2B5EF4-FFF2-40B4-BE49-F238E27FC236}">
-                <a16:creationId xmlns="" xmlns:a16="http://schemas.microsoft.com/office/drawing/2014/main" id="{DBBC9FBE-240B-48CE-8FC8-4A86E6F0D6F2}"/>
+                <a16:creationId xmlns:a16="http://schemas.microsoft.com/office/drawing/2014/main" xmlns="" id="{DBBC9FBE-240B-48CE-8FC8-4A86E6F0D6F2}"/>
               </a:ext>
             </a:extLst>
           </p:cNvPr>
@@ -37475,7 +37471,7 @@
           <p:cNvPr id="4" name="Rectangle 23">
             <a:extLst>
               <a:ext uri="{FF2B5EF4-FFF2-40B4-BE49-F238E27FC236}">
-                <a16:creationId xmlns="" xmlns:a16="http://schemas.microsoft.com/office/drawing/2014/main" id="{940AB74F-0E6A-4BF8-95F0-C5D81BA29220}"/>
+                <a16:creationId xmlns:a16="http://schemas.microsoft.com/office/drawing/2014/main" xmlns="" id="{940AB74F-0E6A-4BF8-95F0-C5D81BA29220}"/>
               </a:ext>
             </a:extLst>
           </p:cNvPr>
@@ -37544,7 +37540,7 @@
           <p:cNvPr id="5" name="Rectangle 4">
             <a:extLst>
               <a:ext uri="{FF2B5EF4-FFF2-40B4-BE49-F238E27FC236}">
-                <a16:creationId xmlns="" xmlns:a16="http://schemas.microsoft.com/office/drawing/2014/main" id="{20A3DF1F-7033-4140-B6C6-1A9D42580352}"/>
+                <a16:creationId xmlns:a16="http://schemas.microsoft.com/office/drawing/2014/main" xmlns="" id="{20A3DF1F-7033-4140-B6C6-1A9D42580352}"/>
               </a:ext>
             </a:extLst>
           </p:cNvPr>
@@ -37700,7 +37696,7 @@
           <p:cNvPr id="6" name="Rectangle 5">
             <a:extLst>
               <a:ext uri="{FF2B5EF4-FFF2-40B4-BE49-F238E27FC236}">
-                <a16:creationId xmlns="" xmlns:a16="http://schemas.microsoft.com/office/drawing/2014/main" id="{7E734646-BF36-43D3-9BB4-8BE5FCAB0C0F}"/>
+                <a16:creationId xmlns:a16="http://schemas.microsoft.com/office/drawing/2014/main" xmlns="" id="{7E734646-BF36-43D3-9BB4-8BE5FCAB0C0F}"/>
               </a:ext>
             </a:extLst>
           </p:cNvPr>
@@ -37723,14 +37719,14 @@
           </a:ln>
           <a:extLst>
             <a:ext uri="{909E8E84-426E-40DD-AFC4-6F175D3DCCD1}">
-              <a14:hiddenFill xmlns="" xmlns:a14="http://schemas.microsoft.com/office/drawing/2010/main">
+              <a14:hiddenFill xmlns:a14="http://schemas.microsoft.com/office/drawing/2010/main" xmlns="">
                 <a:solidFill>
                   <a:srgbClr val="FFFFFF"/>
                 </a:solidFill>
               </a14:hiddenFill>
             </a:ext>
             <a:ext uri="{91240B29-F687-4F45-9708-019B960494DF}">
-              <a14:hiddenLine xmlns="" xmlns:a14="http://schemas.microsoft.com/office/drawing/2010/main" w="9525">
+              <a14:hiddenLine xmlns:a14="http://schemas.microsoft.com/office/drawing/2010/main" xmlns="" w="9525">
                 <a:solidFill>
                   <a:srgbClr val="000000"/>
                 </a:solidFill>
@@ -37884,7 +37880,7 @@
           <p:cNvPr id="7" name="Rectangle 6">
             <a:extLst>
               <a:ext uri="{FF2B5EF4-FFF2-40B4-BE49-F238E27FC236}">
-                <a16:creationId xmlns="" xmlns:a16="http://schemas.microsoft.com/office/drawing/2014/main" id="{F8EF085F-6E1A-46DE-BC41-23976CC01623}"/>
+                <a16:creationId xmlns:a16="http://schemas.microsoft.com/office/drawing/2014/main" xmlns="" id="{F8EF085F-6E1A-46DE-BC41-23976CC01623}"/>
               </a:ext>
             </a:extLst>
           </p:cNvPr>
@@ -38047,7 +38043,7 @@
           <p:cNvPr id="8" name="Rectangle 7">
             <a:extLst>
               <a:ext uri="{FF2B5EF4-FFF2-40B4-BE49-F238E27FC236}">
-                <a16:creationId xmlns="" xmlns:a16="http://schemas.microsoft.com/office/drawing/2014/main" id="{6EF98887-07C2-4573-9200-E896ECACEC9C}"/>
+                <a16:creationId xmlns:a16="http://schemas.microsoft.com/office/drawing/2014/main" xmlns="" id="{6EF98887-07C2-4573-9200-E896ECACEC9C}"/>
               </a:ext>
             </a:extLst>
           </p:cNvPr>
@@ -38110,7 +38106,7 @@
           <p:cNvPr id="9" name="Line 8">
             <a:extLst>
               <a:ext uri="{FF2B5EF4-FFF2-40B4-BE49-F238E27FC236}">
-                <a16:creationId xmlns="" xmlns:a16="http://schemas.microsoft.com/office/drawing/2014/main" id="{49CB2969-30CB-4F66-9878-3E48998734BE}"/>
+                <a16:creationId xmlns:a16="http://schemas.microsoft.com/office/drawing/2014/main" xmlns="" id="{49CB2969-30CB-4F66-9878-3E48998734BE}"/>
               </a:ext>
             </a:extLst>
           </p:cNvPr>
@@ -38138,7 +38134,7 @@
           </a:ln>
           <a:extLst>
             <a:ext uri="{909E8E84-426E-40DD-AFC4-6F175D3DCCD1}">
-              <a14:hiddenFill xmlns="" xmlns:a14="http://schemas.microsoft.com/office/drawing/2010/main">
+              <a14:hiddenFill xmlns:a14="http://schemas.microsoft.com/office/drawing/2010/main" xmlns="">
                 <a:noFill/>
               </a14:hiddenFill>
             </a:ext>
@@ -38157,7 +38153,7 @@
           <p:cNvPr id="10" name="Rectangle 9">
             <a:extLst>
               <a:ext uri="{FF2B5EF4-FFF2-40B4-BE49-F238E27FC236}">
-                <a16:creationId xmlns="" xmlns:a16="http://schemas.microsoft.com/office/drawing/2014/main" id="{1AC393B8-611D-4D80-B1D7-030527014DD8}"/>
+                <a16:creationId xmlns:a16="http://schemas.microsoft.com/office/drawing/2014/main" xmlns="" id="{1AC393B8-611D-4D80-B1D7-030527014DD8}"/>
               </a:ext>
             </a:extLst>
           </p:cNvPr>
@@ -38180,14 +38176,14 @@
           </a:ln>
           <a:extLst>
             <a:ext uri="{909E8E84-426E-40DD-AFC4-6F175D3DCCD1}">
-              <a14:hiddenFill xmlns="" xmlns:a14="http://schemas.microsoft.com/office/drawing/2010/main">
+              <a14:hiddenFill xmlns:a14="http://schemas.microsoft.com/office/drawing/2010/main" xmlns="">
                 <a:solidFill>
                   <a:srgbClr val="FFFFFF"/>
                 </a:solidFill>
               </a14:hiddenFill>
             </a:ext>
             <a:ext uri="{91240B29-F687-4F45-9708-019B960494DF}">
-              <a14:hiddenLine xmlns="" xmlns:a14="http://schemas.microsoft.com/office/drawing/2010/main" w="9525">
+              <a14:hiddenLine xmlns:a14="http://schemas.microsoft.com/office/drawing/2010/main" xmlns="" w="9525">
                 <a:solidFill>
                   <a:srgbClr val="000000"/>
                 </a:solidFill>
@@ -38337,7 +38333,7 @@
           <p:cNvPr id="11" name="Rectangle 10">
             <a:extLst>
               <a:ext uri="{FF2B5EF4-FFF2-40B4-BE49-F238E27FC236}">
-                <a16:creationId xmlns="" xmlns:a16="http://schemas.microsoft.com/office/drawing/2014/main" id="{5482AFB2-61A9-41FE-B6DB-E67B894AA86E}"/>
+                <a16:creationId xmlns:a16="http://schemas.microsoft.com/office/drawing/2014/main" xmlns="" id="{5482AFB2-61A9-41FE-B6DB-E67B894AA86E}"/>
               </a:ext>
             </a:extLst>
           </p:cNvPr>
@@ -38360,14 +38356,14 @@
           </a:ln>
           <a:extLst>
             <a:ext uri="{909E8E84-426E-40DD-AFC4-6F175D3DCCD1}">
-              <a14:hiddenFill xmlns="" xmlns:a14="http://schemas.microsoft.com/office/drawing/2010/main">
+              <a14:hiddenFill xmlns:a14="http://schemas.microsoft.com/office/drawing/2010/main" xmlns="">
                 <a:solidFill>
                   <a:srgbClr val="FFFFFF"/>
                 </a:solidFill>
               </a14:hiddenFill>
             </a:ext>
             <a:ext uri="{91240B29-F687-4F45-9708-019B960494DF}">
-              <a14:hiddenLine xmlns="" xmlns:a14="http://schemas.microsoft.com/office/drawing/2010/main" w="9525">
+              <a14:hiddenLine xmlns:a14="http://schemas.microsoft.com/office/drawing/2010/main" xmlns="" w="9525">
                 <a:solidFill>
                   <a:srgbClr val="000000"/>
                 </a:solidFill>
@@ -38519,7 +38515,7 @@
           <p:cNvPr id="12" name="Rectangle 11">
             <a:extLst>
               <a:ext uri="{FF2B5EF4-FFF2-40B4-BE49-F238E27FC236}">
-                <a16:creationId xmlns="" xmlns:a16="http://schemas.microsoft.com/office/drawing/2014/main" id="{11EDB855-65BE-4F66-92CE-3A83AC9C1F15}"/>
+                <a16:creationId xmlns:a16="http://schemas.microsoft.com/office/drawing/2014/main" xmlns="" id="{11EDB855-65BE-4F66-92CE-3A83AC9C1F15}"/>
               </a:ext>
             </a:extLst>
           </p:cNvPr>
@@ -38542,14 +38538,14 @@
           </a:ln>
           <a:extLst>
             <a:ext uri="{909E8E84-426E-40DD-AFC4-6F175D3DCCD1}">
-              <a14:hiddenFill xmlns="" xmlns:a14="http://schemas.microsoft.com/office/drawing/2010/main">
+              <a14:hiddenFill xmlns:a14="http://schemas.microsoft.com/office/drawing/2010/main" xmlns="">
                 <a:solidFill>
                   <a:srgbClr val="FFFFFF"/>
                 </a:solidFill>
               </a14:hiddenFill>
             </a:ext>
             <a:ext uri="{91240B29-F687-4F45-9708-019B960494DF}">
-              <a14:hiddenLine xmlns="" xmlns:a14="http://schemas.microsoft.com/office/drawing/2010/main" w="9525">
+              <a14:hiddenLine xmlns:a14="http://schemas.microsoft.com/office/drawing/2010/main" xmlns="" w="9525">
                 <a:solidFill>
                   <a:srgbClr val="000000"/>
                 </a:solidFill>
@@ -38717,7 +38713,7 @@
           <p:cNvPr id="13" name="Rectangle 12">
             <a:extLst>
               <a:ext uri="{FF2B5EF4-FFF2-40B4-BE49-F238E27FC236}">
-                <a16:creationId xmlns="" xmlns:a16="http://schemas.microsoft.com/office/drawing/2014/main" id="{3D3F312F-CB7D-458A-8863-CA6A0E136289}"/>
+                <a16:creationId xmlns:a16="http://schemas.microsoft.com/office/drawing/2014/main" xmlns="" id="{3D3F312F-CB7D-458A-8863-CA6A0E136289}"/>
               </a:ext>
             </a:extLst>
           </p:cNvPr>
@@ -38873,7 +38869,7 @@
           <p:cNvPr id="14" name="Rectangle 13">
             <a:extLst>
               <a:ext uri="{FF2B5EF4-FFF2-40B4-BE49-F238E27FC236}">
-                <a16:creationId xmlns="" xmlns:a16="http://schemas.microsoft.com/office/drawing/2014/main" id="{D898706E-865C-48C0-A171-15D847CA309E}"/>
+                <a16:creationId xmlns:a16="http://schemas.microsoft.com/office/drawing/2014/main" xmlns="" id="{D898706E-865C-48C0-A171-15D847CA309E}"/>
               </a:ext>
             </a:extLst>
           </p:cNvPr>
@@ -38896,14 +38892,14 @@
           </a:ln>
           <a:extLst>
             <a:ext uri="{909E8E84-426E-40DD-AFC4-6F175D3DCCD1}">
-              <a14:hiddenFill xmlns="" xmlns:a14="http://schemas.microsoft.com/office/drawing/2010/main">
+              <a14:hiddenFill xmlns:a14="http://schemas.microsoft.com/office/drawing/2010/main" xmlns="">
                 <a:solidFill>
                   <a:srgbClr val="FFFFFF"/>
                 </a:solidFill>
               </a14:hiddenFill>
             </a:ext>
             <a:ext uri="{91240B29-F687-4F45-9708-019B960494DF}">
-              <a14:hiddenLine xmlns="" xmlns:a14="http://schemas.microsoft.com/office/drawing/2010/main" w="9525">
+              <a14:hiddenLine xmlns:a14="http://schemas.microsoft.com/office/drawing/2010/main" xmlns="" w="9525">
                 <a:solidFill>
                   <a:srgbClr val="000000"/>
                 </a:solidFill>
@@ -39057,7 +39053,7 @@
           <p:cNvPr id="15" name="Rectangle 14">
             <a:extLst>
               <a:ext uri="{FF2B5EF4-FFF2-40B4-BE49-F238E27FC236}">
-                <a16:creationId xmlns="" xmlns:a16="http://schemas.microsoft.com/office/drawing/2014/main" id="{CADD8153-9EE3-4686-AE77-5C4F08B16D6F}"/>
+                <a16:creationId xmlns:a16="http://schemas.microsoft.com/office/drawing/2014/main" xmlns="" id="{CADD8153-9EE3-4686-AE77-5C4F08B16D6F}"/>
               </a:ext>
             </a:extLst>
           </p:cNvPr>
@@ -39220,7 +39216,7 @@
           <p:cNvPr id="16" name="Rectangle 15">
             <a:extLst>
               <a:ext uri="{FF2B5EF4-FFF2-40B4-BE49-F238E27FC236}">
-                <a16:creationId xmlns="" xmlns:a16="http://schemas.microsoft.com/office/drawing/2014/main" id="{61B0B76A-1B39-48A0-849A-8EA7BBBE3CEB}"/>
+                <a16:creationId xmlns:a16="http://schemas.microsoft.com/office/drawing/2014/main" xmlns="" id="{61B0B76A-1B39-48A0-849A-8EA7BBBE3CEB}"/>
               </a:ext>
             </a:extLst>
           </p:cNvPr>
@@ -39283,7 +39279,7 @@
           <p:cNvPr id="17" name="Line 16">
             <a:extLst>
               <a:ext uri="{FF2B5EF4-FFF2-40B4-BE49-F238E27FC236}">
-                <a16:creationId xmlns="" xmlns:a16="http://schemas.microsoft.com/office/drawing/2014/main" id="{9EAD966C-4B05-49C7-9FA5-94532C82CE73}"/>
+                <a16:creationId xmlns:a16="http://schemas.microsoft.com/office/drawing/2014/main" xmlns="" id="{9EAD966C-4B05-49C7-9FA5-94532C82CE73}"/>
               </a:ext>
             </a:extLst>
           </p:cNvPr>
@@ -39311,7 +39307,7 @@
           </a:ln>
           <a:extLst>
             <a:ext uri="{909E8E84-426E-40DD-AFC4-6F175D3DCCD1}">
-              <a14:hiddenFill xmlns="" xmlns:a14="http://schemas.microsoft.com/office/drawing/2010/main">
+              <a14:hiddenFill xmlns:a14="http://schemas.microsoft.com/office/drawing/2010/main" xmlns="">
                 <a:noFill/>
               </a14:hiddenFill>
             </a:ext>
@@ -39330,7 +39326,7 @@
           <p:cNvPr id="18" name="Rectangle 17">
             <a:extLst>
               <a:ext uri="{FF2B5EF4-FFF2-40B4-BE49-F238E27FC236}">
-                <a16:creationId xmlns="" xmlns:a16="http://schemas.microsoft.com/office/drawing/2014/main" id="{38D3BC11-DF7B-48E1-8BC5-E0D4ADD3CA58}"/>
+                <a16:creationId xmlns:a16="http://schemas.microsoft.com/office/drawing/2014/main" xmlns="" id="{38D3BC11-DF7B-48E1-8BC5-E0D4ADD3CA58}"/>
               </a:ext>
             </a:extLst>
           </p:cNvPr>
@@ -39353,14 +39349,14 @@
           </a:ln>
           <a:extLst>
             <a:ext uri="{909E8E84-426E-40DD-AFC4-6F175D3DCCD1}">
-              <a14:hiddenFill xmlns="" xmlns:a14="http://schemas.microsoft.com/office/drawing/2010/main">
+              <a14:hiddenFill xmlns:a14="http://schemas.microsoft.com/office/drawing/2010/main" xmlns="">
                 <a:solidFill>
                   <a:srgbClr val="FFFFFF"/>
                 </a:solidFill>
               </a14:hiddenFill>
             </a:ext>
             <a:ext uri="{91240B29-F687-4F45-9708-019B960494DF}">
-              <a14:hiddenLine xmlns="" xmlns:a14="http://schemas.microsoft.com/office/drawing/2010/main" w="9525">
+              <a14:hiddenLine xmlns:a14="http://schemas.microsoft.com/office/drawing/2010/main" xmlns="" w="9525">
                 <a:solidFill>
                   <a:srgbClr val="000000"/>
                 </a:solidFill>
@@ -39508,7 +39504,7 @@
     </p:spTree>
     <p:extLst>
       <p:ext uri="{BB962C8B-B14F-4D97-AF65-F5344CB8AC3E}">
-        <p14:creationId xmlns="" xmlns:p14="http://schemas.microsoft.com/office/powerpoint/2010/main" val="663653922"/>
+        <p14:creationId xmlns:p14="http://schemas.microsoft.com/office/powerpoint/2010/main" xmlns="" val="663653922"/>
       </p:ext>
     </p:extLst>
   </p:cSld>
@@ -39540,7 +39536,7 @@
           <p:cNvPr id="2" name="Title 1">
             <a:extLst>
               <a:ext uri="{FF2B5EF4-FFF2-40B4-BE49-F238E27FC236}">
-                <a16:creationId xmlns="" xmlns:a16="http://schemas.microsoft.com/office/drawing/2014/main" id="{E472C4AC-94AC-4447-A175-A70DF77BAAD4}"/>
+                <a16:creationId xmlns:a16="http://schemas.microsoft.com/office/drawing/2014/main" xmlns="" id="{E472C4AC-94AC-4447-A175-A70DF77BAAD4}"/>
               </a:ext>
             </a:extLst>
           </p:cNvPr>
@@ -39569,7 +39565,7 @@
           <p:cNvPr id="4" name="Rectangle 33">
             <a:extLst>
               <a:ext uri="{FF2B5EF4-FFF2-40B4-BE49-F238E27FC236}">
-                <a16:creationId xmlns="" xmlns:a16="http://schemas.microsoft.com/office/drawing/2014/main" id="{0D228A68-1256-47C8-A85E-21AC0C091202}"/>
+                <a16:creationId xmlns:a16="http://schemas.microsoft.com/office/drawing/2014/main" xmlns="" id="{0D228A68-1256-47C8-A85E-21AC0C091202}"/>
               </a:ext>
             </a:extLst>
           </p:cNvPr>
@@ -39612,7 +39608,7 @@
           <p:cNvPr id="5" name="Rectangle 5">
             <a:extLst>
               <a:ext uri="{FF2B5EF4-FFF2-40B4-BE49-F238E27FC236}">
-                <a16:creationId xmlns="" xmlns:a16="http://schemas.microsoft.com/office/drawing/2014/main" id="{8B829AD8-45A4-4A7D-8A3D-4BEB209F4359}"/>
+                <a16:creationId xmlns:a16="http://schemas.microsoft.com/office/drawing/2014/main" xmlns="" id="{8B829AD8-45A4-4A7D-8A3D-4BEB209F4359}"/>
               </a:ext>
             </a:extLst>
           </p:cNvPr>
@@ -39637,7 +39633,7 @@
           </a:ln>
           <a:extLst>
             <a:ext uri="{91240B29-F687-4F45-9708-019B960494DF}">
-              <a14:hiddenLine xmlns="" xmlns:a14="http://schemas.microsoft.com/office/drawing/2010/main" w="28575">
+              <a14:hiddenLine xmlns:a14="http://schemas.microsoft.com/office/drawing/2010/main" xmlns="" w="28575">
                 <a:solidFill>
                   <a:srgbClr val="000000"/>
                 </a:solidFill>
@@ -39797,7 +39793,7 @@
           <p:cNvPr id="6" name="Rectangle 6">
             <a:extLst>
               <a:ext uri="{FF2B5EF4-FFF2-40B4-BE49-F238E27FC236}">
-                <a16:creationId xmlns="" xmlns:a16="http://schemas.microsoft.com/office/drawing/2014/main" id="{DBF8F58C-B18C-4C27-BC0B-5DC9F09B81AA}"/>
+                <a16:creationId xmlns:a16="http://schemas.microsoft.com/office/drawing/2014/main" xmlns="" id="{DBF8F58C-B18C-4C27-BC0B-5DC9F09B81AA}"/>
               </a:ext>
             </a:extLst>
           </p:cNvPr>
@@ -39822,7 +39818,7 @@
           </a:ln>
           <a:extLst>
             <a:ext uri="{91240B29-F687-4F45-9708-019B960494DF}">
-              <a14:hiddenLine xmlns="" xmlns:a14="http://schemas.microsoft.com/office/drawing/2010/main" w="28575">
+              <a14:hiddenLine xmlns:a14="http://schemas.microsoft.com/office/drawing/2010/main" xmlns="" w="28575">
                 <a:solidFill>
                   <a:srgbClr val="000000"/>
                 </a:solidFill>
@@ -39978,7 +39974,7 @@
           <p:cNvPr id="7" name="Rectangle 7">
             <a:extLst>
               <a:ext uri="{FF2B5EF4-FFF2-40B4-BE49-F238E27FC236}">
-                <a16:creationId xmlns="" xmlns:a16="http://schemas.microsoft.com/office/drawing/2014/main" id="{F76745B9-A978-425D-B144-7F895D41924E}"/>
+                <a16:creationId xmlns:a16="http://schemas.microsoft.com/office/drawing/2014/main" xmlns="" id="{F76745B9-A978-425D-B144-7F895D41924E}"/>
               </a:ext>
             </a:extLst>
           </p:cNvPr>
@@ -40003,7 +39999,7 @@
           </a:ln>
           <a:extLst>
             <a:ext uri="{91240B29-F687-4F45-9708-019B960494DF}">
-              <a14:hiddenLine xmlns="" xmlns:a14="http://schemas.microsoft.com/office/drawing/2010/main" w="28575">
+              <a14:hiddenLine xmlns:a14="http://schemas.microsoft.com/office/drawing/2010/main" xmlns="" w="28575">
                 <a:solidFill>
                   <a:srgbClr val="000000"/>
                 </a:solidFill>
@@ -40163,7 +40159,7 @@
           <p:cNvPr id="8" name="Rectangle 8">
             <a:extLst>
               <a:ext uri="{FF2B5EF4-FFF2-40B4-BE49-F238E27FC236}">
-                <a16:creationId xmlns="" xmlns:a16="http://schemas.microsoft.com/office/drawing/2014/main" id="{96D2AD80-371A-4842-B259-3418B26F661A}"/>
+                <a16:creationId xmlns:a16="http://schemas.microsoft.com/office/drawing/2014/main" xmlns="" id="{96D2AD80-371A-4842-B259-3418B26F661A}"/>
               </a:ext>
             </a:extLst>
           </p:cNvPr>
@@ -40188,7 +40184,7 @@
           </a:ln>
           <a:extLst>
             <a:ext uri="{91240B29-F687-4F45-9708-019B960494DF}">
-              <a14:hiddenLine xmlns="" xmlns:a14="http://schemas.microsoft.com/office/drawing/2010/main" w="28575">
+              <a14:hiddenLine xmlns:a14="http://schemas.microsoft.com/office/drawing/2010/main" xmlns="" w="28575">
                 <a:solidFill>
                   <a:srgbClr val="000000"/>
                 </a:solidFill>
@@ -40344,7 +40340,7 @@
           <p:cNvPr id="9" name="Rectangle 9">
             <a:extLst>
               <a:ext uri="{FF2B5EF4-FFF2-40B4-BE49-F238E27FC236}">
-                <a16:creationId xmlns="" xmlns:a16="http://schemas.microsoft.com/office/drawing/2014/main" id="{2A12E529-4050-431C-8B2F-5AA2CBEBB16E}"/>
+                <a16:creationId xmlns:a16="http://schemas.microsoft.com/office/drawing/2014/main" xmlns="" id="{2A12E529-4050-431C-8B2F-5AA2CBEBB16E}"/>
               </a:ext>
             </a:extLst>
           </p:cNvPr>
@@ -40369,7 +40365,7 @@
           </a:ln>
           <a:extLst>
             <a:ext uri="{91240B29-F687-4F45-9708-019B960494DF}">
-              <a14:hiddenLine xmlns="" xmlns:a14="http://schemas.microsoft.com/office/drawing/2010/main" w="28575">
+              <a14:hiddenLine xmlns:a14="http://schemas.microsoft.com/office/drawing/2010/main" xmlns="" w="28575">
                 <a:solidFill>
                   <a:srgbClr val="000000"/>
                 </a:solidFill>
@@ -40529,7 +40525,7 @@
           <p:cNvPr id="10" name="Rectangle 10">
             <a:extLst>
               <a:ext uri="{FF2B5EF4-FFF2-40B4-BE49-F238E27FC236}">
-                <a16:creationId xmlns="" xmlns:a16="http://schemas.microsoft.com/office/drawing/2014/main" id="{D9CDF531-C8AE-4707-9658-1436E3E916F4}"/>
+                <a16:creationId xmlns:a16="http://schemas.microsoft.com/office/drawing/2014/main" xmlns="" id="{D9CDF531-C8AE-4707-9658-1436E3E916F4}"/>
               </a:ext>
             </a:extLst>
           </p:cNvPr>
@@ -40554,7 +40550,7 @@
           </a:ln>
           <a:extLst>
             <a:ext uri="{91240B29-F687-4F45-9708-019B960494DF}">
-              <a14:hiddenLine xmlns="" xmlns:a14="http://schemas.microsoft.com/office/drawing/2010/main" w="28575">
+              <a14:hiddenLine xmlns:a14="http://schemas.microsoft.com/office/drawing/2010/main" xmlns="" w="28575">
                 <a:solidFill>
                   <a:srgbClr val="000000"/>
                 </a:solidFill>
@@ -40710,7 +40706,7 @@
           <p:cNvPr id="11" name="Rectangle 11">
             <a:extLst>
               <a:ext uri="{FF2B5EF4-FFF2-40B4-BE49-F238E27FC236}">
-                <a16:creationId xmlns="" xmlns:a16="http://schemas.microsoft.com/office/drawing/2014/main" id="{89F8B322-9035-43F7-A813-F5BF551D5CE9}"/>
+                <a16:creationId xmlns:a16="http://schemas.microsoft.com/office/drawing/2014/main" xmlns="" id="{89F8B322-9035-43F7-A813-F5BF551D5CE9}"/>
               </a:ext>
             </a:extLst>
           </p:cNvPr>
@@ -40735,7 +40731,7 @@
           </a:ln>
           <a:extLst>
             <a:ext uri="{91240B29-F687-4F45-9708-019B960494DF}">
-              <a14:hiddenLine xmlns="" xmlns:a14="http://schemas.microsoft.com/office/drawing/2010/main" w="28575">
+              <a14:hiddenLine xmlns:a14="http://schemas.microsoft.com/office/drawing/2010/main" xmlns="" w="28575">
                 <a:solidFill>
                   <a:srgbClr val="000000"/>
                 </a:solidFill>
@@ -40895,7 +40891,7 @@
           <p:cNvPr id="12" name="Rectangle 12">
             <a:extLst>
               <a:ext uri="{FF2B5EF4-FFF2-40B4-BE49-F238E27FC236}">
-                <a16:creationId xmlns="" xmlns:a16="http://schemas.microsoft.com/office/drawing/2014/main" id="{308DDDD8-EACB-44A1-89B0-0F935F804B46}"/>
+                <a16:creationId xmlns:a16="http://schemas.microsoft.com/office/drawing/2014/main" xmlns="" id="{308DDDD8-EACB-44A1-89B0-0F935F804B46}"/>
               </a:ext>
             </a:extLst>
           </p:cNvPr>
@@ -40920,7 +40916,7 @@
           </a:ln>
           <a:extLst>
             <a:ext uri="{91240B29-F687-4F45-9708-019B960494DF}">
-              <a14:hiddenLine xmlns="" xmlns:a14="http://schemas.microsoft.com/office/drawing/2010/main" w="28575">
+              <a14:hiddenLine xmlns:a14="http://schemas.microsoft.com/office/drawing/2010/main" xmlns="" w="28575">
                 <a:solidFill>
                   <a:srgbClr val="000000"/>
                 </a:solidFill>
@@ -41076,7 +41072,7 @@
           <p:cNvPr id="13" name="Rectangle 13">
             <a:extLst>
               <a:ext uri="{FF2B5EF4-FFF2-40B4-BE49-F238E27FC236}">
-                <a16:creationId xmlns="" xmlns:a16="http://schemas.microsoft.com/office/drawing/2014/main" id="{B1C13CEE-3E9F-4446-ACD6-B3DA17AC5D34}"/>
+                <a16:creationId xmlns:a16="http://schemas.microsoft.com/office/drawing/2014/main" xmlns="" id="{B1C13CEE-3E9F-4446-ACD6-B3DA17AC5D34}"/>
               </a:ext>
             </a:extLst>
           </p:cNvPr>
@@ -41101,7 +41097,7 @@
           </a:ln>
           <a:extLst>
             <a:ext uri="{91240B29-F687-4F45-9708-019B960494DF}">
-              <a14:hiddenLine xmlns="" xmlns:a14="http://schemas.microsoft.com/office/drawing/2010/main" w="28575">
+              <a14:hiddenLine xmlns:a14="http://schemas.microsoft.com/office/drawing/2010/main" xmlns="" w="28575">
                 <a:solidFill>
                   <a:srgbClr val="000000"/>
                 </a:solidFill>
@@ -41261,7 +41257,7 @@
           <p:cNvPr id="14" name="Rectangle 14">
             <a:extLst>
               <a:ext uri="{FF2B5EF4-FFF2-40B4-BE49-F238E27FC236}">
-                <a16:creationId xmlns="" xmlns:a16="http://schemas.microsoft.com/office/drawing/2014/main" id="{D688AB76-6362-400C-B0A9-7D5B995F9F3D}"/>
+                <a16:creationId xmlns:a16="http://schemas.microsoft.com/office/drawing/2014/main" xmlns="" id="{D688AB76-6362-400C-B0A9-7D5B995F9F3D}"/>
               </a:ext>
             </a:extLst>
           </p:cNvPr>
@@ -41286,7 +41282,7 @@
           </a:ln>
           <a:extLst>
             <a:ext uri="{91240B29-F687-4F45-9708-019B960494DF}">
-              <a14:hiddenLine xmlns="" xmlns:a14="http://schemas.microsoft.com/office/drawing/2010/main" w="28575">
+              <a14:hiddenLine xmlns:a14="http://schemas.microsoft.com/office/drawing/2010/main" xmlns="" w="28575">
                 <a:solidFill>
                   <a:srgbClr val="000000"/>
                 </a:solidFill>
@@ -41466,7 +41462,7 @@
           <p:cNvPr id="15" name="Rectangle 15">
             <a:extLst>
               <a:ext uri="{FF2B5EF4-FFF2-40B4-BE49-F238E27FC236}">
-                <a16:creationId xmlns="" xmlns:a16="http://schemas.microsoft.com/office/drawing/2014/main" id="{35B68266-CCED-4B30-BFCD-1C05376DB00A}"/>
+                <a16:creationId xmlns:a16="http://schemas.microsoft.com/office/drawing/2014/main" xmlns="" id="{35B68266-CCED-4B30-BFCD-1C05376DB00A}"/>
               </a:ext>
             </a:extLst>
           </p:cNvPr>
@@ -41491,7 +41487,7 @@
           </a:ln>
           <a:extLst>
             <a:ext uri="{91240B29-F687-4F45-9708-019B960494DF}">
-              <a14:hiddenLine xmlns="" xmlns:a14="http://schemas.microsoft.com/office/drawing/2010/main" w="28575">
+              <a14:hiddenLine xmlns:a14="http://schemas.microsoft.com/office/drawing/2010/main" xmlns="" w="28575">
                 <a:solidFill>
                   <a:srgbClr val="000000"/>
                 </a:solidFill>
@@ -41651,7 +41647,7 @@
           <p:cNvPr id="16" name="Rectangle 16">
             <a:extLst>
               <a:ext uri="{FF2B5EF4-FFF2-40B4-BE49-F238E27FC236}">
-                <a16:creationId xmlns="" xmlns:a16="http://schemas.microsoft.com/office/drawing/2014/main" id="{1C74DE4F-02EA-43DB-B9E9-F8A8A8C8BA0C}"/>
+                <a16:creationId xmlns:a16="http://schemas.microsoft.com/office/drawing/2014/main" xmlns="" id="{1C74DE4F-02EA-43DB-B9E9-F8A8A8C8BA0C}"/>
               </a:ext>
             </a:extLst>
           </p:cNvPr>
@@ -41676,7 +41672,7 @@
           </a:ln>
           <a:extLst>
             <a:ext uri="{91240B29-F687-4F45-9708-019B960494DF}">
-              <a14:hiddenLine xmlns="" xmlns:a14="http://schemas.microsoft.com/office/drawing/2010/main" w="28575">
+              <a14:hiddenLine xmlns:a14="http://schemas.microsoft.com/office/drawing/2010/main" xmlns="" w="28575">
                 <a:solidFill>
                   <a:srgbClr val="000000"/>
                 </a:solidFill>
@@ -41832,7 +41828,7 @@
           <p:cNvPr id="17" name="Rectangle 17">
             <a:extLst>
               <a:ext uri="{FF2B5EF4-FFF2-40B4-BE49-F238E27FC236}">
-                <a16:creationId xmlns="" xmlns:a16="http://schemas.microsoft.com/office/drawing/2014/main" id="{60CA0274-0A61-4089-84DE-47DC3564DD5C}"/>
+                <a16:creationId xmlns:a16="http://schemas.microsoft.com/office/drawing/2014/main" xmlns="" id="{60CA0274-0A61-4089-84DE-47DC3564DD5C}"/>
               </a:ext>
             </a:extLst>
           </p:cNvPr>
@@ -41857,7 +41853,7 @@
           </a:ln>
           <a:extLst>
             <a:ext uri="{91240B29-F687-4F45-9708-019B960494DF}">
-              <a14:hiddenLine xmlns="" xmlns:a14="http://schemas.microsoft.com/office/drawing/2010/main" w="28575">
+              <a14:hiddenLine xmlns:a14="http://schemas.microsoft.com/office/drawing/2010/main" xmlns="" w="28575">
                 <a:solidFill>
                   <a:srgbClr val="000000"/>
                 </a:solidFill>
@@ -42011,7 +42007,7 @@
           <p:cNvPr id="18" name="Rectangle 18">
             <a:extLst>
               <a:ext uri="{FF2B5EF4-FFF2-40B4-BE49-F238E27FC236}">
-                <a16:creationId xmlns="" xmlns:a16="http://schemas.microsoft.com/office/drawing/2014/main" id="{EF4F331C-FD9F-407B-9C8B-D5F6F55B7D17}"/>
+                <a16:creationId xmlns:a16="http://schemas.microsoft.com/office/drawing/2014/main" xmlns="" id="{EF4F331C-FD9F-407B-9C8B-D5F6F55B7D17}"/>
               </a:ext>
             </a:extLst>
           </p:cNvPr>
@@ -42036,7 +42032,7 @@
           </a:ln>
           <a:extLst>
             <a:ext uri="{91240B29-F687-4F45-9708-019B960494DF}">
-              <a14:hiddenLine xmlns="" xmlns:a14="http://schemas.microsoft.com/office/drawing/2010/main" w="28575">
+              <a14:hiddenLine xmlns:a14="http://schemas.microsoft.com/office/drawing/2010/main" xmlns="" w="28575">
                 <a:solidFill>
                   <a:srgbClr val="000000"/>
                 </a:solidFill>
@@ -42190,7 +42186,7 @@
           <p:cNvPr id="19" name="Line 19">
             <a:extLst>
               <a:ext uri="{FF2B5EF4-FFF2-40B4-BE49-F238E27FC236}">
-                <a16:creationId xmlns="" xmlns:a16="http://schemas.microsoft.com/office/drawing/2014/main" id="{97CE3B61-E423-4252-BE71-86B921016A11}"/>
+                <a16:creationId xmlns:a16="http://schemas.microsoft.com/office/drawing/2014/main" xmlns="" id="{97CE3B61-E423-4252-BE71-86B921016A11}"/>
               </a:ext>
             </a:extLst>
           </p:cNvPr>
@@ -42218,7 +42214,7 @@
           </a:ln>
           <a:extLst>
             <a:ext uri="{909E8E84-426E-40DD-AFC4-6F175D3DCCD1}">
-              <a14:hiddenFill xmlns="" xmlns:a14="http://schemas.microsoft.com/office/drawing/2010/main">
+              <a14:hiddenFill xmlns:a14="http://schemas.microsoft.com/office/drawing/2010/main" xmlns="">
                 <a:noFill/>
               </a14:hiddenFill>
             </a:ext>
@@ -42237,7 +42233,7 @@
           <p:cNvPr id="20" name="Line 20">
             <a:extLst>
               <a:ext uri="{FF2B5EF4-FFF2-40B4-BE49-F238E27FC236}">
-                <a16:creationId xmlns="" xmlns:a16="http://schemas.microsoft.com/office/drawing/2014/main" id="{6475E8C7-3B8B-48F7-B709-A7C523EF55E3}"/>
+                <a16:creationId xmlns:a16="http://schemas.microsoft.com/office/drawing/2014/main" xmlns="" id="{6475E8C7-3B8B-48F7-B709-A7C523EF55E3}"/>
               </a:ext>
             </a:extLst>
           </p:cNvPr>
@@ -42265,7 +42261,7 @@
           </a:ln>
           <a:extLst>
             <a:ext uri="{909E8E84-426E-40DD-AFC4-6F175D3DCCD1}">
-              <a14:hiddenFill xmlns="" xmlns:a14="http://schemas.microsoft.com/office/drawing/2010/main">
+              <a14:hiddenFill xmlns:a14="http://schemas.microsoft.com/office/drawing/2010/main" xmlns="">
                 <a:noFill/>
               </a14:hiddenFill>
             </a:ext>
@@ -42284,7 +42280,7 @@
           <p:cNvPr id="21" name="Line 21">
             <a:extLst>
               <a:ext uri="{FF2B5EF4-FFF2-40B4-BE49-F238E27FC236}">
-                <a16:creationId xmlns="" xmlns:a16="http://schemas.microsoft.com/office/drawing/2014/main" id="{6C6869D6-9738-4449-A6A9-3FC53D31F4CE}"/>
+                <a16:creationId xmlns:a16="http://schemas.microsoft.com/office/drawing/2014/main" xmlns="" id="{6C6869D6-9738-4449-A6A9-3FC53D31F4CE}"/>
               </a:ext>
             </a:extLst>
           </p:cNvPr>
@@ -42312,7 +42308,7 @@
           </a:ln>
           <a:extLst>
             <a:ext uri="{909E8E84-426E-40DD-AFC4-6F175D3DCCD1}">
-              <a14:hiddenFill xmlns="" xmlns:a14="http://schemas.microsoft.com/office/drawing/2010/main">
+              <a14:hiddenFill xmlns:a14="http://schemas.microsoft.com/office/drawing/2010/main" xmlns="">
                 <a:noFill/>
               </a14:hiddenFill>
             </a:ext>
@@ -42331,7 +42327,7 @@
           <p:cNvPr id="22" name="Line 22">
             <a:extLst>
               <a:ext uri="{FF2B5EF4-FFF2-40B4-BE49-F238E27FC236}">
-                <a16:creationId xmlns="" xmlns:a16="http://schemas.microsoft.com/office/drawing/2014/main" id="{A468F64D-A8BC-4ED9-B8A0-38BAE82D0A85}"/>
+                <a16:creationId xmlns:a16="http://schemas.microsoft.com/office/drawing/2014/main" xmlns="" id="{A468F64D-A8BC-4ED9-B8A0-38BAE82D0A85}"/>
               </a:ext>
             </a:extLst>
           </p:cNvPr>
@@ -42359,7 +42355,7 @@
           </a:ln>
           <a:extLst>
             <a:ext uri="{909E8E84-426E-40DD-AFC4-6F175D3DCCD1}">
-              <a14:hiddenFill xmlns="" xmlns:a14="http://schemas.microsoft.com/office/drawing/2010/main">
+              <a14:hiddenFill xmlns:a14="http://schemas.microsoft.com/office/drawing/2010/main" xmlns="">
                 <a:noFill/>
               </a14:hiddenFill>
             </a:ext>
@@ -42378,7 +42374,7 @@
           <p:cNvPr id="23" name="Line 23">
             <a:extLst>
               <a:ext uri="{FF2B5EF4-FFF2-40B4-BE49-F238E27FC236}">
-                <a16:creationId xmlns="" xmlns:a16="http://schemas.microsoft.com/office/drawing/2014/main" id="{470A3642-1DD6-46A3-A29B-823242789528}"/>
+                <a16:creationId xmlns:a16="http://schemas.microsoft.com/office/drawing/2014/main" xmlns="" id="{470A3642-1DD6-46A3-A29B-823242789528}"/>
               </a:ext>
             </a:extLst>
           </p:cNvPr>
@@ -42406,7 +42402,7 @@
           </a:ln>
           <a:extLst>
             <a:ext uri="{909E8E84-426E-40DD-AFC4-6F175D3DCCD1}">
-              <a14:hiddenFill xmlns="" xmlns:a14="http://schemas.microsoft.com/office/drawing/2010/main">
+              <a14:hiddenFill xmlns:a14="http://schemas.microsoft.com/office/drawing/2010/main" xmlns="">
                 <a:noFill/>
               </a14:hiddenFill>
             </a:ext>
@@ -42425,7 +42421,7 @@
           <p:cNvPr id="24" name="Line 24">
             <a:extLst>
               <a:ext uri="{FF2B5EF4-FFF2-40B4-BE49-F238E27FC236}">
-                <a16:creationId xmlns="" xmlns:a16="http://schemas.microsoft.com/office/drawing/2014/main" id="{D93740E7-A978-4744-A2BB-988C998F34C9}"/>
+                <a16:creationId xmlns:a16="http://schemas.microsoft.com/office/drawing/2014/main" xmlns="" id="{D93740E7-A978-4744-A2BB-988C998F34C9}"/>
               </a:ext>
             </a:extLst>
           </p:cNvPr>
@@ -42453,7 +42449,7 @@
           </a:ln>
           <a:extLst>
             <a:ext uri="{909E8E84-426E-40DD-AFC4-6F175D3DCCD1}">
-              <a14:hiddenFill xmlns="" xmlns:a14="http://schemas.microsoft.com/office/drawing/2010/main">
+              <a14:hiddenFill xmlns:a14="http://schemas.microsoft.com/office/drawing/2010/main" xmlns="">
                 <a:noFill/>
               </a14:hiddenFill>
             </a:ext>
@@ -42472,7 +42468,7 @@
           <p:cNvPr id="25" name="Line 25">
             <a:extLst>
               <a:ext uri="{FF2B5EF4-FFF2-40B4-BE49-F238E27FC236}">
-                <a16:creationId xmlns="" xmlns:a16="http://schemas.microsoft.com/office/drawing/2014/main" id="{58CB31E5-2058-435A-ABE2-7DC4EA26C588}"/>
+                <a16:creationId xmlns:a16="http://schemas.microsoft.com/office/drawing/2014/main" xmlns="" id="{58CB31E5-2058-435A-ABE2-7DC4EA26C588}"/>
               </a:ext>
             </a:extLst>
           </p:cNvPr>
@@ -42500,7 +42496,7 @@
           </a:ln>
           <a:extLst>
             <a:ext uri="{909E8E84-426E-40DD-AFC4-6F175D3DCCD1}">
-              <a14:hiddenFill xmlns="" xmlns:a14="http://schemas.microsoft.com/office/drawing/2010/main">
+              <a14:hiddenFill xmlns:a14="http://schemas.microsoft.com/office/drawing/2010/main" xmlns="">
                 <a:noFill/>
               </a14:hiddenFill>
             </a:ext>
@@ -42519,7 +42515,7 @@
           <p:cNvPr id="26" name="Line 26">
             <a:extLst>
               <a:ext uri="{FF2B5EF4-FFF2-40B4-BE49-F238E27FC236}">
-                <a16:creationId xmlns="" xmlns:a16="http://schemas.microsoft.com/office/drawing/2014/main" id="{73DB8FC6-9397-46F3-AD61-092AE7D278BB}"/>
+                <a16:creationId xmlns:a16="http://schemas.microsoft.com/office/drawing/2014/main" xmlns="" id="{73DB8FC6-9397-46F3-AD61-092AE7D278BB}"/>
               </a:ext>
             </a:extLst>
           </p:cNvPr>
@@ -42547,7 +42543,7 @@
           </a:ln>
           <a:extLst>
             <a:ext uri="{909E8E84-426E-40DD-AFC4-6F175D3DCCD1}">
-              <a14:hiddenFill xmlns="" xmlns:a14="http://schemas.microsoft.com/office/drawing/2010/main">
+              <a14:hiddenFill xmlns:a14="http://schemas.microsoft.com/office/drawing/2010/main" xmlns="">
                 <a:noFill/>
               </a14:hiddenFill>
             </a:ext>
@@ -42566,7 +42562,7 @@
           <p:cNvPr id="27" name="Line 27">
             <a:extLst>
               <a:ext uri="{FF2B5EF4-FFF2-40B4-BE49-F238E27FC236}">
-                <a16:creationId xmlns="" xmlns:a16="http://schemas.microsoft.com/office/drawing/2014/main" id="{1EB33CC8-1D9F-4C4F-9724-F725A97BD058}"/>
+                <a16:creationId xmlns:a16="http://schemas.microsoft.com/office/drawing/2014/main" xmlns="" id="{1EB33CC8-1D9F-4C4F-9724-F725A97BD058}"/>
               </a:ext>
             </a:extLst>
           </p:cNvPr>
@@ -42594,7 +42590,7 @@
           </a:ln>
           <a:extLst>
             <a:ext uri="{909E8E84-426E-40DD-AFC4-6F175D3DCCD1}">
-              <a14:hiddenFill xmlns="" xmlns:a14="http://schemas.microsoft.com/office/drawing/2010/main">
+              <a14:hiddenFill xmlns:a14="http://schemas.microsoft.com/office/drawing/2010/main" xmlns="">
                 <a:noFill/>
               </a14:hiddenFill>
             </a:ext>
@@ -42613,7 +42609,7 @@
           <p:cNvPr id="28" name="Line 28">
             <a:extLst>
               <a:ext uri="{FF2B5EF4-FFF2-40B4-BE49-F238E27FC236}">
-                <a16:creationId xmlns="" xmlns:a16="http://schemas.microsoft.com/office/drawing/2014/main" id="{FC65A1FC-FC42-44DD-816F-404A3F8FD261}"/>
+                <a16:creationId xmlns:a16="http://schemas.microsoft.com/office/drawing/2014/main" xmlns="" id="{FC65A1FC-FC42-44DD-816F-404A3F8FD261}"/>
               </a:ext>
             </a:extLst>
           </p:cNvPr>
@@ -42641,7 +42637,7 @@
           </a:ln>
           <a:extLst>
             <a:ext uri="{909E8E84-426E-40DD-AFC4-6F175D3DCCD1}">
-              <a14:hiddenFill xmlns="" xmlns:a14="http://schemas.microsoft.com/office/drawing/2010/main">
+              <a14:hiddenFill xmlns:a14="http://schemas.microsoft.com/office/drawing/2010/main" xmlns="">
                 <a:noFill/>
               </a14:hiddenFill>
             </a:ext>
@@ -42660,7 +42656,7 @@
           <p:cNvPr id="29" name="Line 29">
             <a:extLst>
               <a:ext uri="{FF2B5EF4-FFF2-40B4-BE49-F238E27FC236}">
-                <a16:creationId xmlns="" xmlns:a16="http://schemas.microsoft.com/office/drawing/2014/main" id="{3BA2E5B8-1D9D-40BE-8F4E-90D5FD1DB04C}"/>
+                <a16:creationId xmlns:a16="http://schemas.microsoft.com/office/drawing/2014/main" xmlns="" id="{3BA2E5B8-1D9D-40BE-8F4E-90D5FD1DB04C}"/>
               </a:ext>
             </a:extLst>
           </p:cNvPr>
@@ -42688,7 +42684,7 @@
           </a:ln>
           <a:extLst>
             <a:ext uri="{909E8E84-426E-40DD-AFC4-6F175D3DCCD1}">
-              <a14:hiddenFill xmlns="" xmlns:a14="http://schemas.microsoft.com/office/drawing/2010/main">
+              <a14:hiddenFill xmlns:a14="http://schemas.microsoft.com/office/drawing/2010/main" xmlns="">
                 <a:noFill/>
               </a14:hiddenFill>
             </a:ext>
@@ -42705,7 +42701,7 @@
     </p:spTree>
     <p:extLst>
       <p:ext uri="{BB962C8B-B14F-4D97-AF65-F5344CB8AC3E}">
-        <p14:creationId xmlns="" xmlns:p14="http://schemas.microsoft.com/office/powerpoint/2010/main" val="2320712469"/>
+        <p14:creationId xmlns:p14="http://schemas.microsoft.com/office/powerpoint/2010/main" xmlns="" val="2320712469"/>
       </p:ext>
     </p:extLst>
   </p:cSld>
@@ -42737,7 +42733,7 @@
           <p:cNvPr id="2" name="Title 1">
             <a:extLst>
               <a:ext uri="{FF2B5EF4-FFF2-40B4-BE49-F238E27FC236}">
-                <a16:creationId xmlns="" xmlns:a16="http://schemas.microsoft.com/office/drawing/2014/main" id="{B1AE39CC-EA8A-4949-8967-FBEFB11BB2D2}"/>
+                <a16:creationId xmlns:a16="http://schemas.microsoft.com/office/drawing/2014/main" xmlns="" id="{B1AE39CC-EA8A-4949-8967-FBEFB11BB2D2}"/>
               </a:ext>
             </a:extLst>
           </p:cNvPr>
@@ -42768,7 +42764,7 @@
           <p:cNvPr id="5" name="Rectangle 2">
             <a:extLst>
               <a:ext uri="{FF2B5EF4-FFF2-40B4-BE49-F238E27FC236}">
-                <a16:creationId xmlns="" xmlns:a16="http://schemas.microsoft.com/office/drawing/2014/main" id="{2A61B9A1-BCE5-4E7E-801F-5470E5752E2D}"/>
+                <a16:creationId xmlns:a16="http://schemas.microsoft.com/office/drawing/2014/main" xmlns="" id="{2A61B9A1-BCE5-4E7E-801F-5470E5752E2D}"/>
               </a:ext>
             </a:extLst>
           </p:cNvPr>
@@ -43219,7 +43215,7 @@
           <p:cNvPr id="7" name="Rectangle 4">
             <a:extLst>
               <a:ext uri="{FF2B5EF4-FFF2-40B4-BE49-F238E27FC236}">
-                <a16:creationId xmlns="" xmlns:a16="http://schemas.microsoft.com/office/drawing/2014/main" id="{0952BF9F-ACBB-41FF-A790-C9B1622E67CA}"/>
+                <a16:creationId xmlns:a16="http://schemas.microsoft.com/office/drawing/2014/main" xmlns="" id="{0952BF9F-ACBB-41FF-A790-C9B1622E67CA}"/>
               </a:ext>
             </a:extLst>
           </p:cNvPr>
@@ -43242,14 +43238,14 @@
           </a:ln>
           <a:extLst>
             <a:ext uri="{909E8E84-426E-40DD-AFC4-6F175D3DCCD1}">
-              <a14:hiddenFill xmlns="" xmlns:a14="http://schemas.microsoft.com/office/drawing/2010/main">
+              <a14:hiddenFill xmlns:a14="http://schemas.microsoft.com/office/drawing/2010/main" xmlns="">
                 <a:solidFill>
                   <a:srgbClr val="FFFFFF"/>
                 </a:solidFill>
               </a14:hiddenFill>
             </a:ext>
             <a:ext uri="{91240B29-F687-4F45-9708-019B960494DF}">
-              <a14:hiddenLine xmlns="" xmlns:a14="http://schemas.microsoft.com/office/drawing/2010/main" w="9525">
+              <a14:hiddenLine xmlns:a14="http://schemas.microsoft.com/office/drawing/2010/main" xmlns="" w="9525">
                 <a:solidFill>
                   <a:srgbClr val="000000"/>
                 </a:solidFill>
@@ -43406,7 +43402,7 @@
           <p:cNvPr id="9" name="Rectangle 5">
             <a:extLst>
               <a:ext uri="{FF2B5EF4-FFF2-40B4-BE49-F238E27FC236}">
-                <a16:creationId xmlns="" xmlns:a16="http://schemas.microsoft.com/office/drawing/2014/main" id="{93FBE152-BAD4-4AAB-BD3F-4A7B9DD108E9}"/>
+                <a16:creationId xmlns:a16="http://schemas.microsoft.com/office/drawing/2014/main" xmlns="" id="{93FBE152-BAD4-4AAB-BD3F-4A7B9DD108E9}"/>
               </a:ext>
             </a:extLst>
           </p:cNvPr>
@@ -43429,14 +43425,14 @@
           </a:ln>
           <a:extLst>
             <a:ext uri="{909E8E84-426E-40DD-AFC4-6F175D3DCCD1}">
-              <a14:hiddenFill xmlns="" xmlns:a14="http://schemas.microsoft.com/office/drawing/2010/main">
+              <a14:hiddenFill xmlns:a14="http://schemas.microsoft.com/office/drawing/2010/main" xmlns="">
                 <a:solidFill>
                   <a:srgbClr val="FFFFFF"/>
                 </a:solidFill>
               </a14:hiddenFill>
             </a:ext>
             <a:ext uri="{91240B29-F687-4F45-9708-019B960494DF}">
-              <a14:hiddenLine xmlns="" xmlns:a14="http://schemas.microsoft.com/office/drawing/2010/main" w="9525">
+              <a14:hiddenLine xmlns:a14="http://schemas.microsoft.com/office/drawing/2010/main" xmlns="" w="9525">
                 <a:solidFill>
                   <a:srgbClr val="000000"/>
                 </a:solidFill>
@@ -43593,7 +43589,7 @@
           <p:cNvPr id="11" name="Rectangle 6">
             <a:extLst>
               <a:ext uri="{FF2B5EF4-FFF2-40B4-BE49-F238E27FC236}">
-                <a16:creationId xmlns="" xmlns:a16="http://schemas.microsoft.com/office/drawing/2014/main" id="{FAA762F4-52C5-4C05-A30D-71F8C9929145}"/>
+                <a16:creationId xmlns:a16="http://schemas.microsoft.com/office/drawing/2014/main" xmlns="" id="{FAA762F4-52C5-4C05-A30D-71F8C9929145}"/>
               </a:ext>
             </a:extLst>
           </p:cNvPr>
@@ -43621,7 +43617,7 @@
           </a:ln>
           <a:extLst>
             <a:ext uri="{909E8E84-426E-40DD-AFC4-6F175D3DCCD1}">
-              <a14:hiddenFill xmlns="" xmlns:a14="http://schemas.microsoft.com/office/drawing/2010/main">
+              <a14:hiddenFill xmlns:a14="http://schemas.microsoft.com/office/drawing/2010/main" xmlns="">
                 <a:solidFill>
                   <a:srgbClr val="FFFFFF"/>
                 </a:solidFill>
@@ -43756,7 +43752,7 @@
           <p:cNvPr id="13" name="Rectangle 7">
             <a:extLst>
               <a:ext uri="{FF2B5EF4-FFF2-40B4-BE49-F238E27FC236}">
-                <a16:creationId xmlns="" xmlns:a16="http://schemas.microsoft.com/office/drawing/2014/main" id="{218CF0C6-99AE-4EBF-B506-FF8DBE8251FE}"/>
+                <a16:creationId xmlns:a16="http://schemas.microsoft.com/office/drawing/2014/main" xmlns="" id="{218CF0C6-99AE-4EBF-B506-FF8DBE8251FE}"/>
               </a:ext>
             </a:extLst>
           </p:cNvPr>
@@ -43784,7 +43780,7 @@
           </a:ln>
           <a:extLst>
             <a:ext uri="{909E8E84-426E-40DD-AFC4-6F175D3DCCD1}">
-              <a14:hiddenFill xmlns="" xmlns:a14="http://schemas.microsoft.com/office/drawing/2010/main">
+              <a14:hiddenFill xmlns:a14="http://schemas.microsoft.com/office/drawing/2010/main" xmlns="">
                 <a:solidFill>
                   <a:srgbClr val="FFFFFF"/>
                 </a:solidFill>
@@ -43919,7 +43915,7 @@
           <p:cNvPr id="15" name="Freeform 9">
             <a:extLst>
               <a:ext uri="{FF2B5EF4-FFF2-40B4-BE49-F238E27FC236}">
-                <a16:creationId xmlns="" xmlns:a16="http://schemas.microsoft.com/office/drawing/2014/main" id="{CA630BE4-B9D8-4320-B1E2-E1142C53D6EB}"/>
+                <a16:creationId xmlns:a16="http://schemas.microsoft.com/office/drawing/2014/main" xmlns="" id="{CA630BE4-B9D8-4320-B1E2-E1142C53D6EB}"/>
               </a:ext>
             </a:extLst>
           </p:cNvPr>
@@ -43989,7 +43985,7 @@
           </a:ln>
           <a:extLst>
             <a:ext uri="{909E8E84-426E-40DD-AFC4-6F175D3DCCD1}">
-              <a14:hiddenFill xmlns="" xmlns:a14="http://schemas.microsoft.com/office/drawing/2010/main">
+              <a14:hiddenFill xmlns:a14="http://schemas.microsoft.com/office/drawing/2010/main" xmlns="">
                 <a:solidFill>
                   <a:srgbClr val="FFFFFF"/>
                 </a:solidFill>
@@ -44010,7 +44006,7 @@
           <p:cNvPr id="17" name="Freeform 10">
             <a:extLst>
               <a:ext uri="{FF2B5EF4-FFF2-40B4-BE49-F238E27FC236}">
-                <a16:creationId xmlns="" xmlns:a16="http://schemas.microsoft.com/office/drawing/2014/main" id="{00A86249-A949-4C59-9AF3-24A08427B3A0}"/>
+                <a16:creationId xmlns:a16="http://schemas.microsoft.com/office/drawing/2014/main" xmlns="" id="{00A86249-A949-4C59-9AF3-24A08427B3A0}"/>
               </a:ext>
             </a:extLst>
           </p:cNvPr>
@@ -44080,7 +44076,7 @@
           </a:ln>
           <a:extLst>
             <a:ext uri="{909E8E84-426E-40DD-AFC4-6F175D3DCCD1}">
-              <a14:hiddenFill xmlns="" xmlns:a14="http://schemas.microsoft.com/office/drawing/2010/main">
+              <a14:hiddenFill xmlns:a14="http://schemas.microsoft.com/office/drawing/2010/main" xmlns="">
                 <a:solidFill>
                   <a:srgbClr val="FFFFFF"/>
                 </a:solidFill>
@@ -44101,7 +44097,7 @@
           <p:cNvPr id="19" name="Picture 14" descr="C:\salome_official\projects\11gR2_SQL 1\screenshots\les7_11s_a.gif">
             <a:extLst>
               <a:ext uri="{FF2B5EF4-FFF2-40B4-BE49-F238E27FC236}">
-                <a16:creationId xmlns="" xmlns:a16="http://schemas.microsoft.com/office/drawing/2014/main" id="{CFF98598-010D-4D40-8EB0-10DE0D10D5CC}"/>
+                <a16:creationId xmlns:a16="http://schemas.microsoft.com/office/drawing/2014/main" xmlns="" id="{CFF98598-010D-4D40-8EB0-10DE0D10D5CC}"/>
               </a:ext>
             </a:extLst>
           </p:cNvPr>
@@ -44114,7 +44110,7 @@
           <a:blip r:embed="rId2">
             <a:extLst>
               <a:ext uri="{28A0092B-C50C-407E-A947-70E740481C1C}">
-                <a14:useLocalDpi xmlns="" xmlns:a14="http://schemas.microsoft.com/office/drawing/2010/main" val="0"/>
+                <a14:useLocalDpi xmlns:a14="http://schemas.microsoft.com/office/drawing/2010/main" xmlns="" val="0"/>
               </a:ext>
             </a:extLst>
           </a:blip>
@@ -44142,7 +44138,7 @@
           </a:ln>
           <a:extLst>
             <a:ext uri="{909E8E84-426E-40DD-AFC4-6F175D3DCCD1}">
-              <a14:hiddenFill xmlns="" xmlns:a14="http://schemas.microsoft.com/office/drawing/2010/main">
+              <a14:hiddenFill xmlns:a14="http://schemas.microsoft.com/office/drawing/2010/main" xmlns="">
                 <a:solidFill>
                   <a:srgbClr val="FFFFFF"/>
                 </a:solidFill>
@@ -44154,7 +44150,7 @@
     </p:spTree>
     <p:extLst>
       <p:ext uri="{BB962C8B-B14F-4D97-AF65-F5344CB8AC3E}">
-        <p14:creationId xmlns="" xmlns:p14="http://schemas.microsoft.com/office/powerpoint/2010/main" val="1004472727"/>
+        <p14:creationId xmlns:p14="http://schemas.microsoft.com/office/powerpoint/2010/main" xmlns="" val="1004472727"/>
       </p:ext>
     </p:extLst>
   </p:cSld>
@@ -44186,7 +44182,7 @@
           <p:cNvPr id="2" name="Title 1">
             <a:extLst>
               <a:ext uri="{FF2B5EF4-FFF2-40B4-BE49-F238E27FC236}">
-                <a16:creationId xmlns="" xmlns:a16="http://schemas.microsoft.com/office/drawing/2014/main" id="{61CD73EE-9DE8-4A78-B474-1865784D97CD}"/>
+                <a16:creationId xmlns:a16="http://schemas.microsoft.com/office/drawing/2014/main" xmlns="" id="{61CD73EE-9DE8-4A78-B474-1865784D97CD}"/>
               </a:ext>
             </a:extLst>
           </p:cNvPr>
@@ -44224,7 +44220,7 @@
           <p:cNvPr id="5" name="Rectangle 2">
             <a:extLst>
               <a:ext uri="{FF2B5EF4-FFF2-40B4-BE49-F238E27FC236}">
-                <a16:creationId xmlns="" xmlns:a16="http://schemas.microsoft.com/office/drawing/2014/main" id="{AE66F993-E934-49D9-B54D-212075AB81C5}"/>
+                <a16:creationId xmlns:a16="http://schemas.microsoft.com/office/drawing/2014/main" xmlns="" id="{AE66F993-E934-49D9-B54D-212075AB81C5}"/>
               </a:ext>
             </a:extLst>
           </p:cNvPr>
@@ -44590,7 +44586,7 @@
           <p:cNvPr id="7" name="Rectangle 5">
             <a:extLst>
               <a:ext uri="{FF2B5EF4-FFF2-40B4-BE49-F238E27FC236}">
-                <a16:creationId xmlns="" xmlns:a16="http://schemas.microsoft.com/office/drawing/2014/main" id="{8061FEE1-8147-4245-80A4-9A7DFF5316BB}"/>
+                <a16:creationId xmlns:a16="http://schemas.microsoft.com/office/drawing/2014/main" xmlns="" id="{8061FEE1-8147-4245-80A4-9A7DFF5316BB}"/>
               </a:ext>
             </a:extLst>
           </p:cNvPr>
@@ -44618,7 +44614,7 @@
           </a:ln>
           <a:extLst>
             <a:ext uri="{909E8E84-426E-40DD-AFC4-6F175D3DCCD1}">
-              <a14:hiddenFill xmlns="" xmlns:a14="http://schemas.microsoft.com/office/drawing/2010/main">
+              <a14:hiddenFill xmlns:a14="http://schemas.microsoft.com/office/drawing/2010/main" xmlns="">
                 <a:solidFill>
                   <a:srgbClr val="FFFFFF"/>
                 </a:solidFill>
@@ -44753,7 +44749,7 @@
           <p:cNvPr id="9" name="Text Box 6">
             <a:extLst>
               <a:ext uri="{FF2B5EF4-FFF2-40B4-BE49-F238E27FC236}">
-                <a16:creationId xmlns="" xmlns:a16="http://schemas.microsoft.com/office/drawing/2014/main" id="{FE426AC6-10BA-4437-9A4B-644D5380FAEA}"/>
+                <a16:creationId xmlns:a16="http://schemas.microsoft.com/office/drawing/2014/main" xmlns="" id="{FE426AC6-10BA-4437-9A4B-644D5380FAEA}"/>
               </a:ext>
             </a:extLst>
           </p:cNvPr>
@@ -44776,14 +44772,14 @@
           </a:ln>
           <a:extLst>
             <a:ext uri="{909E8E84-426E-40DD-AFC4-6F175D3DCCD1}">
-              <a14:hiddenFill xmlns="" xmlns:a14="http://schemas.microsoft.com/office/drawing/2010/main">
+              <a14:hiddenFill xmlns:a14="http://schemas.microsoft.com/office/drawing/2010/main" xmlns="">
                 <a:solidFill>
                   <a:srgbClr val="FFFFFF"/>
                 </a:solidFill>
               </a14:hiddenFill>
             </a:ext>
             <a:ext uri="{91240B29-F687-4F45-9708-019B960494DF}">
-              <a14:hiddenLine xmlns="" xmlns:a14="http://schemas.microsoft.com/office/drawing/2010/main" w="28575">
+              <a14:hiddenLine xmlns:a14="http://schemas.microsoft.com/office/drawing/2010/main" xmlns="" w="28575">
                 <a:solidFill>
                   <a:srgbClr val="000000"/>
                 </a:solidFill>
@@ -44952,7 +44948,7 @@
           <p:cNvPr id="11" name="Picture 7">
             <a:extLst>
               <a:ext uri="{FF2B5EF4-FFF2-40B4-BE49-F238E27FC236}">
-                <a16:creationId xmlns="" xmlns:a16="http://schemas.microsoft.com/office/drawing/2014/main" id="{91C70394-A3B2-421C-AC7F-BD238ACFB3E4}"/>
+                <a16:creationId xmlns:a16="http://schemas.microsoft.com/office/drawing/2014/main" xmlns="" id="{91C70394-A3B2-421C-AC7F-BD238ACFB3E4}"/>
               </a:ext>
             </a:extLst>
           </p:cNvPr>
@@ -44965,7 +44961,7 @@
           <a:blip r:embed="rId2">
             <a:extLst>
               <a:ext uri="{28A0092B-C50C-407E-A947-70E740481C1C}">
-                <a14:useLocalDpi xmlns="" xmlns:a14="http://schemas.microsoft.com/office/drawing/2010/main" val="0"/>
+                <a14:useLocalDpi xmlns:a14="http://schemas.microsoft.com/office/drawing/2010/main" xmlns="" val="0"/>
               </a:ext>
             </a:extLst>
           </a:blip>
@@ -44988,14 +44984,14 @@
           </a:ln>
           <a:extLst>
             <a:ext uri="{909E8E84-426E-40DD-AFC4-6F175D3DCCD1}">
-              <a14:hiddenFill xmlns="" xmlns:a14="http://schemas.microsoft.com/office/drawing/2010/main">
+              <a14:hiddenFill xmlns:a14="http://schemas.microsoft.com/office/drawing/2010/main" xmlns="">
                 <a:solidFill>
                   <a:srgbClr val="FFFFFF"/>
                 </a:solidFill>
               </a14:hiddenFill>
             </a:ext>
             <a:ext uri="{91240B29-F687-4F45-9708-019B960494DF}">
-              <a14:hiddenLine xmlns="" xmlns:a14="http://schemas.microsoft.com/office/drawing/2010/main" w="28575">
+              <a14:hiddenLine xmlns:a14="http://schemas.microsoft.com/office/drawing/2010/main" xmlns="" w="28575">
                 <a:solidFill>
                   <a:srgbClr val="000000"/>
                 </a:solidFill>
@@ -45010,7 +45006,7 @@
     </p:spTree>
     <p:extLst>
       <p:ext uri="{BB962C8B-B14F-4D97-AF65-F5344CB8AC3E}">
-        <p14:creationId xmlns="" xmlns:p14="http://schemas.microsoft.com/office/powerpoint/2010/main" val="1645593646"/>
+        <p14:creationId xmlns:p14="http://schemas.microsoft.com/office/powerpoint/2010/main" xmlns="" val="1645593646"/>
       </p:ext>
     </p:extLst>
   </p:cSld>
@@ -45042,7 +45038,7 @@
           <p:cNvPr id="2" name="Title 1">
             <a:extLst>
               <a:ext uri="{FF2B5EF4-FFF2-40B4-BE49-F238E27FC236}">
-                <a16:creationId xmlns="" xmlns:a16="http://schemas.microsoft.com/office/drawing/2014/main" id="{DD79545C-5EAC-49CC-850D-E4CCAC02B9A3}"/>
+                <a16:creationId xmlns:a16="http://schemas.microsoft.com/office/drawing/2014/main" xmlns="" id="{DD79545C-5EAC-49CC-850D-E4CCAC02B9A3}"/>
               </a:ext>
             </a:extLst>
           </p:cNvPr>
@@ -45073,7 +45069,7 @@
           <p:cNvPr id="5" name="Rectangle 2">
             <a:extLst>
               <a:ext uri="{FF2B5EF4-FFF2-40B4-BE49-F238E27FC236}">
-                <a16:creationId xmlns="" xmlns:a16="http://schemas.microsoft.com/office/drawing/2014/main" id="{C741A587-FD5A-427D-A4F7-C7B1669D6E9E}"/>
+                <a16:creationId xmlns:a16="http://schemas.microsoft.com/office/drawing/2014/main" xmlns="" id="{C741A587-FD5A-427D-A4F7-C7B1669D6E9E}"/>
               </a:ext>
             </a:extLst>
           </p:cNvPr>
@@ -45497,7 +45493,7 @@
           <p:cNvPr id="3" name="Picture 2">
             <a:extLst>
               <a:ext uri="{FF2B5EF4-FFF2-40B4-BE49-F238E27FC236}">
-                <a16:creationId xmlns="" xmlns:a16="http://schemas.microsoft.com/office/drawing/2014/main" id="{CF9684D0-B772-4105-85CA-4AB72047F5E7}"/>
+                <a16:creationId xmlns:a16="http://schemas.microsoft.com/office/drawing/2014/main" xmlns="" id="{CF9684D0-B772-4105-85CA-4AB72047F5E7}"/>
               </a:ext>
             </a:extLst>
           </p:cNvPr>
@@ -45525,7 +45521,7 @@
     </p:spTree>
     <p:extLst>
       <p:ext uri="{BB962C8B-B14F-4D97-AF65-F5344CB8AC3E}">
-        <p14:creationId xmlns="" xmlns:p14="http://schemas.microsoft.com/office/powerpoint/2010/main" val="3715509954"/>
+        <p14:creationId xmlns:p14="http://schemas.microsoft.com/office/powerpoint/2010/main" xmlns="" val="3715509954"/>
       </p:ext>
     </p:extLst>
   </p:cSld>
@@ -45557,7 +45553,7 @@
           <p:cNvPr id="2" name="Title 1">
             <a:extLst>
               <a:ext uri="{FF2B5EF4-FFF2-40B4-BE49-F238E27FC236}">
-                <a16:creationId xmlns="" xmlns:a16="http://schemas.microsoft.com/office/drawing/2014/main" id="{DCA1F00A-520D-4BB9-AC7A-304A98012ACC}"/>
+                <a16:creationId xmlns:a16="http://schemas.microsoft.com/office/drawing/2014/main" xmlns="" id="{DCA1F00A-520D-4BB9-AC7A-304A98012ACC}"/>
               </a:ext>
             </a:extLst>
           </p:cNvPr>
@@ -45590,7 +45586,7 @@
           <p:cNvPr id="4" name="Rectangle 24">
             <a:extLst>
               <a:ext uri="{FF2B5EF4-FFF2-40B4-BE49-F238E27FC236}">
-                <a16:creationId xmlns="" xmlns:a16="http://schemas.microsoft.com/office/drawing/2014/main" id="{0409EE87-F8F1-4771-BEAA-6C8A8AABEBAF}"/>
+                <a16:creationId xmlns:a16="http://schemas.microsoft.com/office/drawing/2014/main" xmlns="" id="{0409EE87-F8F1-4771-BEAA-6C8A8AABEBAF}"/>
               </a:ext>
             </a:extLst>
           </p:cNvPr>
@@ -45632,7 +45628,7 @@
           <p:cNvPr id="5" name="Rectangle 5">
             <a:extLst>
               <a:ext uri="{FF2B5EF4-FFF2-40B4-BE49-F238E27FC236}">
-                <a16:creationId xmlns="" xmlns:a16="http://schemas.microsoft.com/office/drawing/2014/main" id="{0072489A-CEFB-4787-8D1B-1406E52BDFAB}"/>
+                <a16:creationId xmlns:a16="http://schemas.microsoft.com/office/drawing/2014/main" xmlns="" id="{0072489A-CEFB-4787-8D1B-1406E52BDFAB}"/>
               </a:ext>
             </a:extLst>
           </p:cNvPr>
@@ -45657,7 +45653,7 @@
           </a:ln>
           <a:extLst>
             <a:ext uri="{91240B29-F687-4F45-9708-019B960494DF}">
-              <a14:hiddenLine xmlns="" xmlns:a14="http://schemas.microsoft.com/office/drawing/2010/main" w="28575">
+              <a14:hiddenLine xmlns:a14="http://schemas.microsoft.com/office/drawing/2010/main" xmlns="" w="28575">
                 <a:solidFill>
                   <a:srgbClr val="000000"/>
                 </a:solidFill>
@@ -45798,7 +45794,7 @@
           <p:cNvPr id="6" name="Rectangle 6">
             <a:extLst>
               <a:ext uri="{FF2B5EF4-FFF2-40B4-BE49-F238E27FC236}">
-                <a16:creationId xmlns="" xmlns:a16="http://schemas.microsoft.com/office/drawing/2014/main" id="{D16F8A36-0297-41A8-A401-F411B2145FB7}"/>
+                <a16:creationId xmlns:a16="http://schemas.microsoft.com/office/drawing/2014/main" xmlns="" id="{D16F8A36-0297-41A8-A401-F411B2145FB7}"/>
               </a:ext>
             </a:extLst>
           </p:cNvPr>
@@ -45823,7 +45819,7 @@
           </a:ln>
           <a:extLst>
             <a:ext uri="{91240B29-F687-4F45-9708-019B960494DF}">
-              <a14:hiddenLine xmlns="" xmlns:a14="http://schemas.microsoft.com/office/drawing/2010/main" w="28575">
+              <a14:hiddenLine xmlns:a14="http://schemas.microsoft.com/office/drawing/2010/main" xmlns="" w="28575">
                 <a:solidFill>
                   <a:srgbClr val="000000"/>
                 </a:solidFill>
@@ -45979,7 +45975,7 @@
           <p:cNvPr id="7" name="Rectangle 7">
             <a:extLst>
               <a:ext uri="{FF2B5EF4-FFF2-40B4-BE49-F238E27FC236}">
-                <a16:creationId xmlns="" xmlns:a16="http://schemas.microsoft.com/office/drawing/2014/main" id="{7FA2868E-583B-4568-AECD-63CC03E928A9}"/>
+                <a16:creationId xmlns:a16="http://schemas.microsoft.com/office/drawing/2014/main" xmlns="" id="{7FA2868E-583B-4568-AECD-63CC03E928A9}"/>
               </a:ext>
             </a:extLst>
           </p:cNvPr>
@@ -46004,7 +46000,7 @@
           </a:ln>
           <a:extLst>
             <a:ext uri="{91240B29-F687-4F45-9708-019B960494DF}">
-              <a14:hiddenLine xmlns="" xmlns:a14="http://schemas.microsoft.com/office/drawing/2010/main" w="28575">
+              <a14:hiddenLine xmlns:a14="http://schemas.microsoft.com/office/drawing/2010/main" xmlns="" w="28575">
                 <a:solidFill>
                   <a:srgbClr val="000000"/>
                 </a:solidFill>
@@ -46164,7 +46160,7 @@
           <p:cNvPr id="8" name="Rectangle 8">
             <a:extLst>
               <a:ext uri="{FF2B5EF4-FFF2-40B4-BE49-F238E27FC236}">
-                <a16:creationId xmlns="" xmlns:a16="http://schemas.microsoft.com/office/drawing/2014/main" id="{E8B29619-0A1B-4E03-871C-30936DA8909A}"/>
+                <a16:creationId xmlns:a16="http://schemas.microsoft.com/office/drawing/2014/main" xmlns="" id="{E8B29619-0A1B-4E03-871C-30936DA8909A}"/>
               </a:ext>
             </a:extLst>
           </p:cNvPr>
@@ -46189,7 +46185,7 @@
           </a:ln>
           <a:extLst>
             <a:ext uri="{91240B29-F687-4F45-9708-019B960494DF}">
-              <a14:hiddenLine xmlns="" xmlns:a14="http://schemas.microsoft.com/office/drawing/2010/main" w="28575">
+              <a14:hiddenLine xmlns:a14="http://schemas.microsoft.com/office/drawing/2010/main" xmlns="" w="28575">
                 <a:solidFill>
                   <a:srgbClr val="000000"/>
                 </a:solidFill>
@@ -46345,7 +46341,7 @@
           <p:cNvPr id="9" name="Rectangle 9">
             <a:extLst>
               <a:ext uri="{FF2B5EF4-FFF2-40B4-BE49-F238E27FC236}">
-                <a16:creationId xmlns="" xmlns:a16="http://schemas.microsoft.com/office/drawing/2014/main" id="{10A8A0D5-83C9-48BD-8C74-D3FE77C80404}"/>
+                <a16:creationId xmlns:a16="http://schemas.microsoft.com/office/drawing/2014/main" xmlns="" id="{10A8A0D5-83C9-48BD-8C74-D3FE77C80404}"/>
               </a:ext>
             </a:extLst>
           </p:cNvPr>
@@ -46370,7 +46366,7 @@
           </a:ln>
           <a:extLst>
             <a:ext uri="{91240B29-F687-4F45-9708-019B960494DF}">
-              <a14:hiddenLine xmlns="" xmlns:a14="http://schemas.microsoft.com/office/drawing/2010/main" w="28575">
+              <a14:hiddenLine xmlns:a14="http://schemas.microsoft.com/office/drawing/2010/main" xmlns="" w="28575">
                 <a:solidFill>
                   <a:srgbClr val="000000"/>
                 </a:solidFill>
@@ -46511,7 +46507,7 @@
           <p:cNvPr id="10" name="Rectangle 10">
             <a:extLst>
               <a:ext uri="{FF2B5EF4-FFF2-40B4-BE49-F238E27FC236}">
-                <a16:creationId xmlns="" xmlns:a16="http://schemas.microsoft.com/office/drawing/2014/main" id="{C7C2741A-B6B6-4B78-B57D-6313AE707848}"/>
+                <a16:creationId xmlns:a16="http://schemas.microsoft.com/office/drawing/2014/main" xmlns="" id="{C7C2741A-B6B6-4B78-B57D-6313AE707848}"/>
               </a:ext>
             </a:extLst>
           </p:cNvPr>
@@ -46536,7 +46532,7 @@
           </a:ln>
           <a:extLst>
             <a:ext uri="{91240B29-F687-4F45-9708-019B960494DF}">
-              <a14:hiddenLine xmlns="" xmlns:a14="http://schemas.microsoft.com/office/drawing/2010/main" w="28575">
+              <a14:hiddenLine xmlns:a14="http://schemas.microsoft.com/office/drawing/2010/main" xmlns="" w="28575">
                 <a:solidFill>
                   <a:srgbClr val="000000"/>
                 </a:solidFill>
@@ -46692,7 +46688,7 @@
           <p:cNvPr id="11" name="Rectangle 11">
             <a:extLst>
               <a:ext uri="{FF2B5EF4-FFF2-40B4-BE49-F238E27FC236}">
-                <a16:creationId xmlns="" xmlns:a16="http://schemas.microsoft.com/office/drawing/2014/main" id="{EC20B53B-A0AF-418C-98EE-AA8BF3296A14}"/>
+                <a16:creationId xmlns:a16="http://schemas.microsoft.com/office/drawing/2014/main" xmlns="" id="{EC20B53B-A0AF-418C-98EE-AA8BF3296A14}"/>
               </a:ext>
             </a:extLst>
           </p:cNvPr>
@@ -46717,7 +46713,7 @@
           </a:ln>
           <a:extLst>
             <a:ext uri="{91240B29-F687-4F45-9708-019B960494DF}">
-              <a14:hiddenLine xmlns="" xmlns:a14="http://schemas.microsoft.com/office/drawing/2010/main" w="28575">
+              <a14:hiddenLine xmlns:a14="http://schemas.microsoft.com/office/drawing/2010/main" xmlns="" w="28575">
                 <a:solidFill>
                   <a:srgbClr val="000000"/>
                 </a:solidFill>
@@ -46871,7 +46867,7 @@
           <p:cNvPr id="12" name="Rectangle 12">
             <a:extLst>
               <a:ext uri="{FF2B5EF4-FFF2-40B4-BE49-F238E27FC236}">
-                <a16:creationId xmlns="" xmlns:a16="http://schemas.microsoft.com/office/drawing/2014/main" id="{97EC29DE-AF85-4985-A416-FAEA1556DA5F}"/>
+                <a16:creationId xmlns:a16="http://schemas.microsoft.com/office/drawing/2014/main" xmlns="" id="{97EC29DE-AF85-4985-A416-FAEA1556DA5F}"/>
               </a:ext>
             </a:extLst>
           </p:cNvPr>
@@ -46896,7 +46892,7 @@
           </a:ln>
           <a:extLst>
             <a:ext uri="{91240B29-F687-4F45-9708-019B960494DF}">
-              <a14:hiddenLine xmlns="" xmlns:a14="http://schemas.microsoft.com/office/drawing/2010/main" w="28575">
+              <a14:hiddenLine xmlns:a14="http://schemas.microsoft.com/office/drawing/2010/main" xmlns="" w="28575">
                 <a:solidFill>
                   <a:srgbClr val="000000"/>
                 </a:solidFill>
@@ -47030,14 +47026,14 @@
               </a:buClr>
             </a:pPr>
             <a:r>
-              <a:rPr lang="ru-RU" altLang="ru-RU" dirty="0" smtClean="0">
+              <a:rPr lang="ru-RU" altLang="ru-RU" sz="1600" dirty="0" smtClean="0">
                 <a:solidFill>
                   <a:schemeClr val="bg1"/>
                 </a:solidFill>
               </a:rPr>
               <a:t>Оператор</a:t>
             </a:r>
-            <a:endParaRPr lang="en-US" altLang="ru-RU" dirty="0">
+            <a:endParaRPr lang="en-US" altLang="ru-RU" sz="1600" dirty="0">
               <a:solidFill>
                 <a:schemeClr val="bg1"/>
               </a:solidFill>
@@ -47050,7 +47046,7 @@
           <p:cNvPr id="13" name="Line 13">
             <a:extLst>
               <a:ext uri="{FF2B5EF4-FFF2-40B4-BE49-F238E27FC236}">
-                <a16:creationId xmlns="" xmlns:a16="http://schemas.microsoft.com/office/drawing/2014/main" id="{71566769-DE76-4FE7-9812-6D5712C9D48A}"/>
+                <a16:creationId xmlns:a16="http://schemas.microsoft.com/office/drawing/2014/main" xmlns="" id="{71566769-DE76-4FE7-9812-6D5712C9D48A}"/>
               </a:ext>
             </a:extLst>
           </p:cNvPr>
@@ -47078,7 +47074,7 @@
           </a:ln>
           <a:extLst>
             <a:ext uri="{909E8E84-426E-40DD-AFC4-6F175D3DCCD1}">
-              <a14:hiddenFill xmlns="" xmlns:a14="http://schemas.microsoft.com/office/drawing/2010/main">
+              <a14:hiddenFill xmlns:a14="http://schemas.microsoft.com/office/drawing/2010/main" xmlns="">
                 <a:noFill/>
               </a14:hiddenFill>
             </a:ext>
@@ -47097,7 +47093,7 @@
           <p:cNvPr id="14" name="Line 14">
             <a:extLst>
               <a:ext uri="{FF2B5EF4-FFF2-40B4-BE49-F238E27FC236}">
-                <a16:creationId xmlns="" xmlns:a16="http://schemas.microsoft.com/office/drawing/2014/main" id="{C11D30C9-2218-48F0-AFE7-9ED08F32CEE4}"/>
+                <a16:creationId xmlns:a16="http://schemas.microsoft.com/office/drawing/2014/main" xmlns="" id="{C11D30C9-2218-48F0-AFE7-9ED08F32CEE4}"/>
               </a:ext>
             </a:extLst>
           </p:cNvPr>
@@ -47125,7 +47121,7 @@
           </a:ln>
           <a:extLst>
             <a:ext uri="{909E8E84-426E-40DD-AFC4-6F175D3DCCD1}">
-              <a14:hiddenFill xmlns="" xmlns:a14="http://schemas.microsoft.com/office/drawing/2010/main">
+              <a14:hiddenFill xmlns:a14="http://schemas.microsoft.com/office/drawing/2010/main" xmlns="">
                 <a:noFill/>
               </a14:hiddenFill>
             </a:ext>
@@ -47144,7 +47140,7 @@
           <p:cNvPr id="15" name="Line 15">
             <a:extLst>
               <a:ext uri="{FF2B5EF4-FFF2-40B4-BE49-F238E27FC236}">
-                <a16:creationId xmlns="" xmlns:a16="http://schemas.microsoft.com/office/drawing/2014/main" id="{35B2F636-9547-4576-AC1B-F65DD40C01ED}"/>
+                <a16:creationId xmlns:a16="http://schemas.microsoft.com/office/drawing/2014/main" xmlns="" id="{35B2F636-9547-4576-AC1B-F65DD40C01ED}"/>
               </a:ext>
             </a:extLst>
           </p:cNvPr>
@@ -47172,7 +47168,7 @@
           </a:ln>
           <a:extLst>
             <a:ext uri="{909E8E84-426E-40DD-AFC4-6F175D3DCCD1}">
-              <a14:hiddenFill xmlns="" xmlns:a14="http://schemas.microsoft.com/office/drawing/2010/main">
+              <a14:hiddenFill xmlns:a14="http://schemas.microsoft.com/office/drawing/2010/main" xmlns="">
                 <a:noFill/>
               </a14:hiddenFill>
             </a:ext>
@@ -47191,7 +47187,7 @@
           <p:cNvPr id="16" name="Line 16">
             <a:extLst>
               <a:ext uri="{FF2B5EF4-FFF2-40B4-BE49-F238E27FC236}">
-                <a16:creationId xmlns="" xmlns:a16="http://schemas.microsoft.com/office/drawing/2014/main" id="{778ECAE3-38D1-4D17-81D1-F9D5EC1C1C98}"/>
+                <a16:creationId xmlns:a16="http://schemas.microsoft.com/office/drawing/2014/main" xmlns="" id="{778ECAE3-38D1-4D17-81D1-F9D5EC1C1C98}"/>
               </a:ext>
             </a:extLst>
           </p:cNvPr>
@@ -47219,7 +47215,7 @@
           </a:ln>
           <a:extLst>
             <a:ext uri="{909E8E84-426E-40DD-AFC4-6F175D3DCCD1}">
-              <a14:hiddenFill xmlns="" xmlns:a14="http://schemas.microsoft.com/office/drawing/2010/main">
+              <a14:hiddenFill xmlns:a14="http://schemas.microsoft.com/office/drawing/2010/main" xmlns="">
                 <a:noFill/>
               </a14:hiddenFill>
             </a:ext>
@@ -47238,7 +47234,7 @@
           <p:cNvPr id="17" name="Freeform 17">
             <a:extLst>
               <a:ext uri="{FF2B5EF4-FFF2-40B4-BE49-F238E27FC236}">
-                <a16:creationId xmlns="" xmlns:a16="http://schemas.microsoft.com/office/drawing/2014/main" id="{4B0997A1-6B88-4CB2-AB08-C5131828D166}"/>
+                <a16:creationId xmlns:a16="http://schemas.microsoft.com/office/drawing/2014/main" xmlns="" id="{4B0997A1-6B88-4CB2-AB08-C5131828D166}"/>
               </a:ext>
             </a:extLst>
           </p:cNvPr>
@@ -47298,7 +47294,7 @@
           </a:ln>
           <a:extLst>
             <a:ext uri="{909E8E84-426E-40DD-AFC4-6F175D3DCCD1}">
-              <a14:hiddenFill xmlns="" xmlns:a14="http://schemas.microsoft.com/office/drawing/2010/main">
+              <a14:hiddenFill xmlns:a14="http://schemas.microsoft.com/office/drawing/2010/main" xmlns="">
                 <a:solidFill>
                   <a:srgbClr val="FFFFFF"/>
                 </a:solidFill>
@@ -47319,7 +47315,7 @@
           <p:cNvPr id="18" name="Line 18">
             <a:extLst>
               <a:ext uri="{FF2B5EF4-FFF2-40B4-BE49-F238E27FC236}">
-                <a16:creationId xmlns="" xmlns:a16="http://schemas.microsoft.com/office/drawing/2014/main" id="{9A4FE35D-37AE-46F3-ADE0-8A187A0F9E04}"/>
+                <a16:creationId xmlns:a16="http://schemas.microsoft.com/office/drawing/2014/main" xmlns="" id="{9A4FE35D-37AE-46F3-ADE0-8A187A0F9E04}"/>
               </a:ext>
             </a:extLst>
           </p:cNvPr>
@@ -47347,7 +47343,7 @@
           </a:ln>
           <a:extLst>
             <a:ext uri="{909E8E84-426E-40DD-AFC4-6F175D3DCCD1}">
-              <a14:hiddenFill xmlns="" xmlns:a14="http://schemas.microsoft.com/office/drawing/2010/main">
+              <a14:hiddenFill xmlns:a14="http://schemas.microsoft.com/office/drawing/2010/main" xmlns="">
                 <a:noFill/>
               </a14:hiddenFill>
             </a:ext>
@@ -47366,7 +47362,7 @@
           <p:cNvPr id="19" name="Line 19">
             <a:extLst>
               <a:ext uri="{FF2B5EF4-FFF2-40B4-BE49-F238E27FC236}">
-                <a16:creationId xmlns="" xmlns:a16="http://schemas.microsoft.com/office/drawing/2014/main" id="{AEFC0B6B-9045-4197-A093-0D2DBFAA7B3A}"/>
+                <a16:creationId xmlns:a16="http://schemas.microsoft.com/office/drawing/2014/main" xmlns="" id="{AEFC0B6B-9045-4197-A093-0D2DBFAA7B3A}"/>
               </a:ext>
             </a:extLst>
           </p:cNvPr>
@@ -47394,7 +47390,7 @@
           </a:ln>
           <a:extLst>
             <a:ext uri="{909E8E84-426E-40DD-AFC4-6F175D3DCCD1}">
-              <a14:hiddenFill xmlns="" xmlns:a14="http://schemas.microsoft.com/office/drawing/2010/main">
+              <a14:hiddenFill xmlns:a14="http://schemas.microsoft.com/office/drawing/2010/main" xmlns="">
                 <a:noFill/>
               </a14:hiddenFill>
             </a:ext>
@@ -47413,7 +47409,7 @@
           <p:cNvPr id="20" name="Line 20">
             <a:extLst>
               <a:ext uri="{FF2B5EF4-FFF2-40B4-BE49-F238E27FC236}">
-                <a16:creationId xmlns="" xmlns:a16="http://schemas.microsoft.com/office/drawing/2014/main" id="{F84BB3C3-C1AE-428D-9FE8-5E2C8C63BBD1}"/>
+                <a16:creationId xmlns:a16="http://schemas.microsoft.com/office/drawing/2014/main" xmlns="" id="{F84BB3C3-C1AE-428D-9FE8-5E2C8C63BBD1}"/>
               </a:ext>
             </a:extLst>
           </p:cNvPr>
@@ -47441,7 +47437,7 @@
           </a:ln>
           <a:extLst>
             <a:ext uri="{909E8E84-426E-40DD-AFC4-6F175D3DCCD1}">
-              <a14:hiddenFill xmlns="" xmlns:a14="http://schemas.microsoft.com/office/drawing/2010/main">
+              <a14:hiddenFill xmlns:a14="http://schemas.microsoft.com/office/drawing/2010/main" xmlns="">
                 <a:noFill/>
               </a14:hiddenFill>
             </a:ext>
@@ -47460,7 +47456,7 @@
           <p:cNvPr id="21" name="Freeform 21">
             <a:extLst>
               <a:ext uri="{FF2B5EF4-FFF2-40B4-BE49-F238E27FC236}">
-                <a16:creationId xmlns="" xmlns:a16="http://schemas.microsoft.com/office/drawing/2014/main" id="{0E97345C-62B7-421F-9A6B-75F9FCCB923F}"/>
+                <a16:creationId xmlns:a16="http://schemas.microsoft.com/office/drawing/2014/main" xmlns="" id="{0E97345C-62B7-421F-9A6B-75F9FCCB923F}"/>
               </a:ext>
             </a:extLst>
           </p:cNvPr>
@@ -47520,7 +47516,7 @@
           </a:ln>
           <a:extLst>
             <a:ext uri="{909E8E84-426E-40DD-AFC4-6F175D3DCCD1}">
-              <a14:hiddenFill xmlns="" xmlns:a14="http://schemas.microsoft.com/office/drawing/2010/main">
+              <a14:hiddenFill xmlns:a14="http://schemas.microsoft.com/office/drawing/2010/main" xmlns="">
                 <a:solidFill>
                   <a:srgbClr val="FFFFFF"/>
                 </a:solidFill>
@@ -47541,7 +47537,7 @@
           <p:cNvPr id="22" name="Freeform 22">
             <a:extLst>
               <a:ext uri="{FF2B5EF4-FFF2-40B4-BE49-F238E27FC236}">
-                <a16:creationId xmlns="" xmlns:a16="http://schemas.microsoft.com/office/drawing/2014/main" id="{8D1482F7-18DA-451F-902F-09CBA5EAB22B}"/>
+                <a16:creationId xmlns:a16="http://schemas.microsoft.com/office/drawing/2014/main" xmlns="" id="{8D1482F7-18DA-451F-902F-09CBA5EAB22B}"/>
               </a:ext>
             </a:extLst>
           </p:cNvPr>
@@ -47601,7 +47597,7 @@
           </a:ln>
           <a:extLst>
             <a:ext uri="{909E8E84-426E-40DD-AFC4-6F175D3DCCD1}">
-              <a14:hiddenFill xmlns="" xmlns:a14="http://schemas.microsoft.com/office/drawing/2010/main">
+              <a14:hiddenFill xmlns:a14="http://schemas.microsoft.com/office/drawing/2010/main" xmlns="">
                 <a:solidFill>
                   <a:srgbClr val="FFFFFF"/>
                 </a:solidFill>
@@ -47620,7 +47616,7 @@
     </p:spTree>
     <p:extLst>
       <p:ext uri="{BB962C8B-B14F-4D97-AF65-F5344CB8AC3E}">
-        <p14:creationId xmlns="" xmlns:p14="http://schemas.microsoft.com/office/powerpoint/2010/main" val="182309305"/>
+        <p14:creationId xmlns:p14="http://schemas.microsoft.com/office/powerpoint/2010/main" xmlns="" val="182309305"/>
       </p:ext>
     </p:extLst>
   </p:cSld>
@@ -47652,7 +47648,7 @@
           <p:cNvPr id="2" name="Title 1">
             <a:extLst>
               <a:ext uri="{FF2B5EF4-FFF2-40B4-BE49-F238E27FC236}">
-                <a16:creationId xmlns="" xmlns:a16="http://schemas.microsoft.com/office/drawing/2014/main" id="{AC093E9E-BF20-4197-A628-E8F87427170A}"/>
+                <a16:creationId xmlns:a16="http://schemas.microsoft.com/office/drawing/2014/main" xmlns="" id="{AC093E9E-BF20-4197-A628-E8F87427170A}"/>
               </a:ext>
             </a:extLst>
           </p:cNvPr>
@@ -47683,7 +47679,7 @@
           <p:cNvPr id="5" name="Rectangle 2">
             <a:extLst>
               <a:ext uri="{FF2B5EF4-FFF2-40B4-BE49-F238E27FC236}">
-                <a16:creationId xmlns="" xmlns:a16="http://schemas.microsoft.com/office/drawing/2014/main" id="{00C0C8B5-956F-4C6A-B6E5-32ED6AB8661A}"/>
+                <a16:creationId xmlns:a16="http://schemas.microsoft.com/office/drawing/2014/main" xmlns="" id="{00C0C8B5-956F-4C6A-B6E5-32ED6AB8661A}"/>
               </a:ext>
             </a:extLst>
           </p:cNvPr>
@@ -48071,7 +48067,7 @@
           <p:cNvPr id="9" name="Rectangle 5">
             <a:extLst>
               <a:ext uri="{FF2B5EF4-FFF2-40B4-BE49-F238E27FC236}">
-                <a16:creationId xmlns="" xmlns:a16="http://schemas.microsoft.com/office/drawing/2014/main" id="{94EC7357-2F83-452B-896D-B575272C37ED}"/>
+                <a16:creationId xmlns:a16="http://schemas.microsoft.com/office/drawing/2014/main" xmlns="" id="{94EC7357-2F83-452B-896D-B575272C37ED}"/>
               </a:ext>
             </a:extLst>
           </p:cNvPr>
@@ -48099,7 +48095,7 @@
           </a:ln>
           <a:extLst>
             <a:ext uri="{909E8E84-426E-40DD-AFC4-6F175D3DCCD1}">
-              <a14:hiddenFill xmlns="" xmlns:a14="http://schemas.microsoft.com/office/drawing/2010/main">
+              <a14:hiddenFill xmlns:a14="http://schemas.microsoft.com/office/drawing/2010/main" xmlns="">
                 <a:solidFill>
                   <a:srgbClr val="FFFFFF"/>
                 </a:solidFill>
@@ -48234,7 +48230,7 @@
           <p:cNvPr id="11" name="Rectangle 6">
             <a:extLst>
               <a:ext uri="{FF2B5EF4-FFF2-40B4-BE49-F238E27FC236}">
-                <a16:creationId xmlns="" xmlns:a16="http://schemas.microsoft.com/office/drawing/2014/main" id="{2CA406EC-069A-4411-8DF7-3078605B8C5B}"/>
+                <a16:creationId xmlns:a16="http://schemas.microsoft.com/office/drawing/2014/main" xmlns="" id="{2CA406EC-069A-4411-8DF7-3078605B8C5B}"/>
               </a:ext>
             </a:extLst>
           </p:cNvPr>
@@ -48262,7 +48258,7 @@
           </a:ln>
           <a:extLst>
             <a:ext uri="{909E8E84-426E-40DD-AFC4-6F175D3DCCD1}">
-              <a14:hiddenFill xmlns="" xmlns:a14="http://schemas.microsoft.com/office/drawing/2010/main">
+              <a14:hiddenFill xmlns:a14="http://schemas.microsoft.com/office/drawing/2010/main" xmlns="">
                 <a:solidFill>
                   <a:srgbClr val="FFFFFF"/>
                 </a:solidFill>
@@ -48397,7 +48393,7 @@
           <p:cNvPr id="15" name="Freeform 10">
             <a:extLst>
               <a:ext uri="{FF2B5EF4-FFF2-40B4-BE49-F238E27FC236}">
-                <a16:creationId xmlns="" xmlns:a16="http://schemas.microsoft.com/office/drawing/2014/main" id="{3899DD51-1679-41A1-BFD1-68DD1DEA8478}"/>
+                <a16:creationId xmlns:a16="http://schemas.microsoft.com/office/drawing/2014/main" xmlns="" id="{3899DD51-1679-41A1-BFD1-68DD1DEA8478}"/>
               </a:ext>
             </a:extLst>
           </p:cNvPr>
@@ -48467,7 +48463,7 @@
           </a:ln>
           <a:extLst>
             <a:ext uri="{909E8E84-426E-40DD-AFC4-6F175D3DCCD1}">
-              <a14:hiddenFill xmlns="" xmlns:a14="http://schemas.microsoft.com/office/drawing/2010/main">
+              <a14:hiddenFill xmlns:a14="http://schemas.microsoft.com/office/drawing/2010/main" xmlns="">
                 <a:solidFill>
                   <a:srgbClr val="FFFFFF"/>
                 </a:solidFill>
@@ -48488,7 +48484,7 @@
           <p:cNvPr id="3" name="Picture 2">
             <a:extLst>
               <a:ext uri="{FF2B5EF4-FFF2-40B4-BE49-F238E27FC236}">
-                <a16:creationId xmlns="" xmlns:a16="http://schemas.microsoft.com/office/drawing/2014/main" id="{92D31EBD-7415-4DCE-B291-C61F0D17FC11}"/>
+                <a16:creationId xmlns:a16="http://schemas.microsoft.com/office/drawing/2014/main" xmlns="" id="{92D31EBD-7415-4DCE-B291-C61F0D17FC11}"/>
               </a:ext>
             </a:extLst>
           </p:cNvPr>
@@ -48516,7 +48512,7 @@
     </p:spTree>
     <p:extLst>
       <p:ext uri="{BB962C8B-B14F-4D97-AF65-F5344CB8AC3E}">
-        <p14:creationId xmlns="" xmlns:p14="http://schemas.microsoft.com/office/powerpoint/2010/main" val="283094392"/>
+        <p14:creationId xmlns:p14="http://schemas.microsoft.com/office/powerpoint/2010/main" xmlns="" val="283094392"/>
       </p:ext>
     </p:extLst>
   </p:cSld>
@@ -48548,7 +48544,7 @@
           <p:cNvPr id="2" name="Title 1">
             <a:extLst>
               <a:ext uri="{FF2B5EF4-FFF2-40B4-BE49-F238E27FC236}">
-                <a16:creationId xmlns="" xmlns:a16="http://schemas.microsoft.com/office/drawing/2014/main" id="{7FE5AC4F-14AE-4189-8CEF-D2B3446ED4AB}"/>
+                <a16:creationId xmlns:a16="http://schemas.microsoft.com/office/drawing/2014/main" xmlns="" id="{7FE5AC4F-14AE-4189-8CEF-D2B3446ED4AB}"/>
               </a:ext>
             </a:extLst>
           </p:cNvPr>
@@ -48579,7 +48575,7 @@
           <p:cNvPr id="5" name="Rectangle 2">
             <a:extLst>
               <a:ext uri="{FF2B5EF4-FFF2-40B4-BE49-F238E27FC236}">
-                <a16:creationId xmlns="" xmlns:a16="http://schemas.microsoft.com/office/drawing/2014/main" id="{BC7BBA38-F3C7-44B4-8C89-3F4D90FDB31A}"/>
+                <a16:creationId xmlns:a16="http://schemas.microsoft.com/office/drawing/2014/main" xmlns="" id="{BC7BBA38-F3C7-44B4-8C89-3F4D90FDB31A}"/>
               </a:ext>
             </a:extLst>
           </p:cNvPr>
@@ -48967,7 +48963,7 @@
           <p:cNvPr id="9" name="Rectangle 6">
             <a:extLst>
               <a:ext uri="{FF2B5EF4-FFF2-40B4-BE49-F238E27FC236}">
-                <a16:creationId xmlns="" xmlns:a16="http://schemas.microsoft.com/office/drawing/2014/main" id="{71F0E73A-4702-47AE-972E-36616125C781}"/>
+                <a16:creationId xmlns:a16="http://schemas.microsoft.com/office/drawing/2014/main" xmlns="" id="{71F0E73A-4702-47AE-972E-36616125C781}"/>
               </a:ext>
             </a:extLst>
           </p:cNvPr>
@@ -48995,7 +48991,7 @@
           </a:ln>
           <a:extLst>
             <a:ext uri="{909E8E84-426E-40DD-AFC4-6F175D3DCCD1}">
-              <a14:hiddenFill xmlns="" xmlns:a14="http://schemas.microsoft.com/office/drawing/2010/main">
+              <a14:hiddenFill xmlns:a14="http://schemas.microsoft.com/office/drawing/2010/main" xmlns="">
                 <a:solidFill>
                   <a:srgbClr val="FFFFFF"/>
                 </a:solidFill>
@@ -49130,7 +49126,7 @@
           <p:cNvPr id="11" name="Rectangle 7">
             <a:extLst>
               <a:ext uri="{FF2B5EF4-FFF2-40B4-BE49-F238E27FC236}">
-                <a16:creationId xmlns="" xmlns:a16="http://schemas.microsoft.com/office/drawing/2014/main" id="{274CD7C6-E800-4A15-A49C-64CE36C6C18F}"/>
+                <a16:creationId xmlns:a16="http://schemas.microsoft.com/office/drawing/2014/main" xmlns="" id="{274CD7C6-E800-4A15-A49C-64CE36C6C18F}"/>
               </a:ext>
             </a:extLst>
           </p:cNvPr>
@@ -49158,7 +49154,7 @@
           </a:ln>
           <a:extLst>
             <a:ext uri="{909E8E84-426E-40DD-AFC4-6F175D3DCCD1}">
-              <a14:hiddenFill xmlns="" xmlns:a14="http://schemas.microsoft.com/office/drawing/2010/main">
+              <a14:hiddenFill xmlns:a14="http://schemas.microsoft.com/office/drawing/2010/main" xmlns="">
                 <a:solidFill>
                   <a:srgbClr val="FFFFFF"/>
                 </a:solidFill>
@@ -49293,7 +49289,7 @@
           <p:cNvPr id="13" name="Freeform 8">
             <a:extLst>
               <a:ext uri="{FF2B5EF4-FFF2-40B4-BE49-F238E27FC236}">
-                <a16:creationId xmlns="" xmlns:a16="http://schemas.microsoft.com/office/drawing/2014/main" id="{416E535F-AEF2-4974-8BF9-7248E010622C}"/>
+                <a16:creationId xmlns:a16="http://schemas.microsoft.com/office/drawing/2014/main" xmlns="" id="{416E535F-AEF2-4974-8BF9-7248E010622C}"/>
               </a:ext>
             </a:extLst>
           </p:cNvPr>
@@ -49363,7 +49359,7 @@
           </a:ln>
           <a:extLst>
             <a:ext uri="{909E8E84-426E-40DD-AFC4-6F175D3DCCD1}">
-              <a14:hiddenFill xmlns="" xmlns:a14="http://schemas.microsoft.com/office/drawing/2010/main">
+              <a14:hiddenFill xmlns:a14="http://schemas.microsoft.com/office/drawing/2010/main" xmlns="">
                 <a:solidFill>
                   <a:srgbClr val="FFFFFF"/>
                 </a:solidFill>
@@ -49384,7 +49380,7 @@
           <p:cNvPr id="3" name="Picture 2">
             <a:extLst>
               <a:ext uri="{FF2B5EF4-FFF2-40B4-BE49-F238E27FC236}">
-                <a16:creationId xmlns="" xmlns:a16="http://schemas.microsoft.com/office/drawing/2014/main" id="{AEAF45BD-2BD7-43A3-9F3B-00CC067FD09B}"/>
+                <a16:creationId xmlns:a16="http://schemas.microsoft.com/office/drawing/2014/main" xmlns="" id="{AEAF45BD-2BD7-43A3-9F3B-00CC067FD09B}"/>
               </a:ext>
             </a:extLst>
           </p:cNvPr>
@@ -49412,7 +49408,7 @@
     </p:spTree>
     <p:extLst>
       <p:ext uri="{BB962C8B-B14F-4D97-AF65-F5344CB8AC3E}">
-        <p14:creationId xmlns="" xmlns:p14="http://schemas.microsoft.com/office/powerpoint/2010/main" val="2607762778"/>
+        <p14:creationId xmlns:p14="http://schemas.microsoft.com/office/powerpoint/2010/main" xmlns="" val="2607762778"/>
       </p:ext>
     </p:extLst>
   </p:cSld>
@@ -49444,7 +49440,7 @@
           <p:cNvPr id="2" name="Title 1">
             <a:extLst>
               <a:ext uri="{FF2B5EF4-FFF2-40B4-BE49-F238E27FC236}">
-                <a16:creationId xmlns="" xmlns:a16="http://schemas.microsoft.com/office/drawing/2014/main" id="{2B33105B-568B-42FE-8B08-95D5F29DA69B}"/>
+                <a16:creationId xmlns:a16="http://schemas.microsoft.com/office/drawing/2014/main" xmlns="" id="{2B33105B-568B-42FE-8B08-95D5F29DA69B}"/>
               </a:ext>
             </a:extLst>
           </p:cNvPr>
@@ -49489,7 +49485,7 @@
           <p:cNvPr id="5" name="Rectangle 1026">
             <a:extLst>
               <a:ext uri="{FF2B5EF4-FFF2-40B4-BE49-F238E27FC236}">
-                <a16:creationId xmlns="" xmlns:a16="http://schemas.microsoft.com/office/drawing/2014/main" id="{19289EC7-6F20-48CB-BAA8-8B75C2632463}"/>
+                <a16:creationId xmlns:a16="http://schemas.microsoft.com/office/drawing/2014/main" xmlns="" id="{19289EC7-6F20-48CB-BAA8-8B75C2632463}"/>
               </a:ext>
             </a:extLst>
           </p:cNvPr>
@@ -49809,7 +49805,7 @@
           <p:cNvPr id="9" name="Rectangle 1026">
             <a:extLst>
               <a:ext uri="{FF2B5EF4-FFF2-40B4-BE49-F238E27FC236}">
-                <a16:creationId xmlns="" xmlns:a16="http://schemas.microsoft.com/office/drawing/2014/main" id="{7BDE91B8-E8DE-4F64-B1A9-EBAA17B333FE}"/>
+                <a16:creationId xmlns:a16="http://schemas.microsoft.com/office/drawing/2014/main" xmlns="" id="{7BDE91B8-E8DE-4F64-B1A9-EBAA17B333FE}"/>
               </a:ext>
             </a:extLst>
           </p:cNvPr>
@@ -50161,7 +50157,7 @@
           <p:cNvPr id="3" name="Picture 2">
             <a:extLst>
               <a:ext uri="{FF2B5EF4-FFF2-40B4-BE49-F238E27FC236}">
-                <a16:creationId xmlns="" xmlns:a16="http://schemas.microsoft.com/office/drawing/2014/main" id="{578D996A-2F77-4051-8541-8CD238BF3DA5}"/>
+                <a16:creationId xmlns:a16="http://schemas.microsoft.com/office/drawing/2014/main" xmlns="" id="{578D996A-2F77-4051-8541-8CD238BF3DA5}"/>
               </a:ext>
             </a:extLst>
           </p:cNvPr>
@@ -50190,7 +50186,7 @@
           <p:cNvPr id="4" name="Picture 3">
             <a:extLst>
               <a:ext uri="{FF2B5EF4-FFF2-40B4-BE49-F238E27FC236}">
-                <a16:creationId xmlns="" xmlns:a16="http://schemas.microsoft.com/office/drawing/2014/main" id="{6A8F4D19-811A-4155-80BC-500F5AA7A00A}"/>
+                <a16:creationId xmlns:a16="http://schemas.microsoft.com/office/drawing/2014/main" xmlns="" id="{6A8F4D19-811A-4155-80BC-500F5AA7A00A}"/>
               </a:ext>
             </a:extLst>
           </p:cNvPr>
@@ -50218,7 +50214,7 @@
     </p:spTree>
     <p:extLst>
       <p:ext uri="{BB962C8B-B14F-4D97-AF65-F5344CB8AC3E}">
-        <p14:creationId xmlns="" xmlns:p14="http://schemas.microsoft.com/office/powerpoint/2010/main" val="3759182050"/>
+        <p14:creationId xmlns:p14="http://schemas.microsoft.com/office/powerpoint/2010/main" xmlns="" val="3759182050"/>
       </p:ext>
     </p:extLst>
   </p:cSld>
@@ -50250,7 +50246,7 @@
           <p:cNvPr id="2" name="Title 1">
             <a:extLst>
               <a:ext uri="{FF2B5EF4-FFF2-40B4-BE49-F238E27FC236}">
-                <a16:creationId xmlns="" xmlns:a16="http://schemas.microsoft.com/office/drawing/2014/main" id="{D0A94F5E-54C7-4B80-8619-3725B0C15298}"/>
+                <a16:creationId xmlns:a16="http://schemas.microsoft.com/office/drawing/2014/main" xmlns="" id="{D0A94F5E-54C7-4B80-8619-3725B0C15298}"/>
               </a:ext>
             </a:extLst>
           </p:cNvPr>
@@ -50283,7 +50279,7 @@
           <p:cNvPr id="5" name="Rectangle 2">
             <a:extLst>
               <a:ext uri="{FF2B5EF4-FFF2-40B4-BE49-F238E27FC236}">
-                <a16:creationId xmlns="" xmlns:a16="http://schemas.microsoft.com/office/drawing/2014/main" id="{F75CC4BF-3F78-436D-A786-2D22D52FCC2F}"/>
+                <a16:creationId xmlns:a16="http://schemas.microsoft.com/office/drawing/2014/main" xmlns="" id="{F75CC4BF-3F78-436D-A786-2D22D52FCC2F}"/>
               </a:ext>
             </a:extLst>
           </p:cNvPr>
@@ -50662,7 +50658,7 @@
           <p:cNvPr id="9" name="Text Box 6">
             <a:extLst>
               <a:ext uri="{FF2B5EF4-FFF2-40B4-BE49-F238E27FC236}">
-                <a16:creationId xmlns="" xmlns:a16="http://schemas.microsoft.com/office/drawing/2014/main" id="{EEE80332-AC67-4374-B666-D4A4C02E9683}"/>
+                <a16:creationId xmlns:a16="http://schemas.microsoft.com/office/drawing/2014/main" xmlns="" id="{EEE80332-AC67-4374-B666-D4A4C02E9683}"/>
               </a:ext>
             </a:extLst>
           </p:cNvPr>
@@ -50685,14 +50681,14 @@
           </a:ln>
           <a:extLst>
             <a:ext uri="{909E8E84-426E-40DD-AFC4-6F175D3DCCD1}">
-              <a14:hiddenFill xmlns="" xmlns:a14="http://schemas.microsoft.com/office/drawing/2010/main">
+              <a14:hiddenFill xmlns:a14="http://schemas.microsoft.com/office/drawing/2010/main" xmlns="">
                 <a:solidFill>
                   <a:srgbClr val="FFFFFF"/>
                 </a:solidFill>
               </a14:hiddenFill>
             </a:ext>
             <a:ext uri="{91240B29-F687-4F45-9708-019B960494DF}">
-              <a14:hiddenLine xmlns="" xmlns:a14="http://schemas.microsoft.com/office/drawing/2010/main" w="28575">
+              <a14:hiddenLine xmlns:a14="http://schemas.microsoft.com/office/drawing/2010/main" xmlns="" w="28575">
                 <a:solidFill>
                   <a:srgbClr val="000000"/>
                 </a:solidFill>
@@ -50859,7 +50855,7 @@
           <p:cNvPr id="3" name="Picture 2">
             <a:extLst>
               <a:ext uri="{FF2B5EF4-FFF2-40B4-BE49-F238E27FC236}">
-                <a16:creationId xmlns="" xmlns:a16="http://schemas.microsoft.com/office/drawing/2014/main" id="{6430BE79-D2ED-4818-8421-521A7B3ECE39}"/>
+                <a16:creationId xmlns:a16="http://schemas.microsoft.com/office/drawing/2014/main" xmlns="" id="{6430BE79-D2ED-4818-8421-521A7B3ECE39}"/>
               </a:ext>
             </a:extLst>
           </p:cNvPr>
@@ -50887,7 +50883,7 @@
     </p:spTree>
     <p:extLst>
       <p:ext uri="{BB962C8B-B14F-4D97-AF65-F5344CB8AC3E}">
-        <p14:creationId xmlns="" xmlns:p14="http://schemas.microsoft.com/office/powerpoint/2010/main" val="3034779955"/>
+        <p14:creationId xmlns:p14="http://schemas.microsoft.com/office/powerpoint/2010/main" xmlns="" val="3034779955"/>
       </p:ext>
     </p:extLst>
   </p:cSld>
@@ -50919,7 +50915,7 @@
           <p:cNvPr id="2" name="Title 1">
             <a:extLst>
               <a:ext uri="{FF2B5EF4-FFF2-40B4-BE49-F238E27FC236}">
-                <a16:creationId xmlns="" xmlns:a16="http://schemas.microsoft.com/office/drawing/2014/main" id="{BA924D7A-FB27-40F2-BF5E-46AC7AA4F686}"/>
+                <a16:creationId xmlns:a16="http://schemas.microsoft.com/office/drawing/2014/main" xmlns="" id="{BA924D7A-FB27-40F2-BF5E-46AC7AA4F686}"/>
               </a:ext>
             </a:extLst>
           </p:cNvPr>
@@ -50948,7 +50944,7 @@
           <p:cNvPr id="5" name="Content Placeholder 4">
             <a:extLst>
               <a:ext uri="{FF2B5EF4-FFF2-40B4-BE49-F238E27FC236}">
-                <a16:creationId xmlns="" xmlns:a16="http://schemas.microsoft.com/office/drawing/2014/main" id="{B5EB38D9-5CC8-445A-9450-1E3DB9C39E0B}"/>
+                <a16:creationId xmlns:a16="http://schemas.microsoft.com/office/drawing/2014/main" xmlns="" id="{B5EB38D9-5CC8-445A-9450-1E3DB9C39E0B}"/>
               </a:ext>
             </a:extLst>
           </p:cNvPr>
@@ -50999,7 +50995,7 @@
     </p:spTree>
     <p:extLst>
       <p:ext uri="{BB962C8B-B14F-4D97-AF65-F5344CB8AC3E}">
-        <p14:creationId xmlns="" xmlns:p14="http://schemas.microsoft.com/office/powerpoint/2010/main" val="3513167047"/>
+        <p14:creationId xmlns:p14="http://schemas.microsoft.com/office/powerpoint/2010/main" xmlns="" val="3513167047"/>
       </p:ext>
     </p:extLst>
   </p:cSld>
@@ -51031,7 +51027,7 @@
           <p:cNvPr id="2" name="Title 1">
             <a:extLst>
               <a:ext uri="{FF2B5EF4-FFF2-40B4-BE49-F238E27FC236}">
-                <a16:creationId xmlns="" xmlns:a16="http://schemas.microsoft.com/office/drawing/2014/main" id="{BA924D7A-FB27-40F2-BF5E-46AC7AA4F686}"/>
+                <a16:creationId xmlns:a16="http://schemas.microsoft.com/office/drawing/2014/main" xmlns="" id="{BA924D7A-FB27-40F2-BF5E-46AC7AA4F686}"/>
               </a:ext>
             </a:extLst>
           </p:cNvPr>
@@ -51093,7 +51089,7 @@
     </p:spTree>
     <p:extLst>
       <p:ext uri="{BB962C8B-B14F-4D97-AF65-F5344CB8AC3E}">
-        <p14:creationId xmlns="" xmlns:p14="http://schemas.microsoft.com/office/powerpoint/2010/main" val="3513167047"/>
+        <p14:creationId xmlns:p14="http://schemas.microsoft.com/office/powerpoint/2010/main" xmlns="" val="3513167047"/>
       </p:ext>
     </p:extLst>
   </p:cSld>
@@ -51125,7 +51121,7 @@
           <p:cNvPr id="2" name="Title 1">
             <a:extLst>
               <a:ext uri="{FF2B5EF4-FFF2-40B4-BE49-F238E27FC236}">
-                <a16:creationId xmlns="" xmlns:a16="http://schemas.microsoft.com/office/drawing/2014/main" id="{BA924D7A-FB27-40F2-BF5E-46AC7AA4F686}"/>
+                <a16:creationId xmlns:a16="http://schemas.microsoft.com/office/drawing/2014/main" xmlns="" id="{BA924D7A-FB27-40F2-BF5E-46AC7AA4F686}"/>
               </a:ext>
             </a:extLst>
           </p:cNvPr>
@@ -51349,7 +51345,7 @@
     </p:spTree>
     <p:extLst>
       <p:ext uri="{BB962C8B-B14F-4D97-AF65-F5344CB8AC3E}">
-        <p14:creationId xmlns="" xmlns:p14="http://schemas.microsoft.com/office/powerpoint/2010/main" val="3513167047"/>
+        <p14:creationId xmlns:p14="http://schemas.microsoft.com/office/powerpoint/2010/main" xmlns="" val="3513167047"/>
       </p:ext>
     </p:extLst>
   </p:cSld>
@@ -51381,7 +51377,7 @@
           <p:cNvPr id="2" name="Title 1">
             <a:extLst>
               <a:ext uri="{FF2B5EF4-FFF2-40B4-BE49-F238E27FC236}">
-                <a16:creationId xmlns="" xmlns:a16="http://schemas.microsoft.com/office/drawing/2014/main" id="{DD79545C-5EAC-49CC-850D-E4CCAC02B9A3}"/>
+                <a16:creationId xmlns:a16="http://schemas.microsoft.com/office/drawing/2014/main" xmlns="" id="{DD79545C-5EAC-49CC-850D-E4CCAC02B9A3}"/>
               </a:ext>
             </a:extLst>
           </p:cNvPr>
@@ -51757,7 +51753,7 @@
     </p:spTree>
     <p:extLst>
       <p:ext uri="{BB962C8B-B14F-4D97-AF65-F5344CB8AC3E}">
-        <p14:creationId xmlns="" xmlns:p14="http://schemas.microsoft.com/office/powerpoint/2010/main" val="3715509954"/>
+        <p14:creationId xmlns:p14="http://schemas.microsoft.com/office/powerpoint/2010/main" xmlns="" val="3715509954"/>
       </p:ext>
     </p:extLst>
   </p:cSld>
@@ -51789,7 +51785,7 @@
           <p:cNvPr id="2" name="Title 1">
             <a:extLst>
               <a:ext uri="{FF2B5EF4-FFF2-40B4-BE49-F238E27FC236}">
-                <a16:creationId xmlns="" xmlns:a16="http://schemas.microsoft.com/office/drawing/2014/main" id="{DD79545C-5EAC-49CC-850D-E4CCAC02B9A3}"/>
+                <a16:creationId xmlns:a16="http://schemas.microsoft.com/office/drawing/2014/main" xmlns="" id="{DD79545C-5EAC-49CC-850D-E4CCAC02B9A3}"/>
               </a:ext>
             </a:extLst>
           </p:cNvPr>
@@ -52191,7 +52187,7 @@
     </p:spTree>
     <p:extLst>
       <p:ext uri="{BB962C8B-B14F-4D97-AF65-F5344CB8AC3E}">
-        <p14:creationId xmlns="" xmlns:p14="http://schemas.microsoft.com/office/powerpoint/2010/main" val="3715509954"/>
+        <p14:creationId xmlns:p14="http://schemas.microsoft.com/office/powerpoint/2010/main" xmlns="" val="3715509954"/>
       </p:ext>
     </p:extLst>
   </p:cSld>
@@ -52223,7 +52219,7 @@
           <p:cNvPr id="2" name="Title 1">
             <a:extLst>
               <a:ext uri="{FF2B5EF4-FFF2-40B4-BE49-F238E27FC236}">
-                <a16:creationId xmlns="" xmlns:a16="http://schemas.microsoft.com/office/drawing/2014/main" id="{DD79545C-5EAC-49CC-850D-E4CCAC02B9A3}"/>
+                <a16:creationId xmlns:a16="http://schemas.microsoft.com/office/drawing/2014/main" xmlns="" id="{DD79545C-5EAC-49CC-850D-E4CCAC02B9A3}"/>
               </a:ext>
             </a:extLst>
           </p:cNvPr>
@@ -52821,7 +52817,7 @@
     </p:spTree>
     <p:extLst>
       <p:ext uri="{BB962C8B-B14F-4D97-AF65-F5344CB8AC3E}">
-        <p14:creationId xmlns="" xmlns:p14="http://schemas.microsoft.com/office/powerpoint/2010/main" val="3715509954"/>
+        <p14:creationId xmlns:p14="http://schemas.microsoft.com/office/powerpoint/2010/main" xmlns="" val="3715509954"/>
       </p:ext>
     </p:extLst>
   </p:cSld>
@@ -53086,7 +53082,7 @@
   <a:extraClrSchemeLst/>
   <a:extLst>
     <a:ext uri="{05A4C25C-085E-4340-85A3-A5531E510DB2}">
-      <thm15:themeFamily xmlns="" xmlns:thm15="http://schemas.microsoft.com/office/thememl/2012/main" name="Office Theme" id="{62F939B6-93AF-4DB8-9C6B-D6C7DFDC589F}" vid="{4A3C46E8-61CC-4603-A589-7422A47A8E4A}"/>
+      <thm15:themeFamily xmlns:thm15="http://schemas.microsoft.com/office/thememl/2012/main" xmlns="" name="Office Theme" id="{62F939B6-93AF-4DB8-9C6B-D6C7DFDC589F}" vid="{4A3C46E8-61CC-4603-A589-7422A47A8E4A}"/>
     </a:ext>
   </a:extLst>
 </a:theme>
